--- a/Document/DOC_source/ppt/pptTemp.pptx
+++ b/Document/DOC_source/ppt/pptTemp.pptx
@@ -4,6 +4,9 @@
   <p:sldMasterIdLst>
     <p:sldMasterId id="2147483648" r:id="rId1"/>
   </p:sldMasterIdLst>
+  <p:notesMasterIdLst>
+    <p:notesMasterId r:id="rId31"/>
+  </p:notesMasterIdLst>
   <p:sldIdLst>
     <p:sldId id="278" r:id="rId2"/>
     <p:sldId id="279" r:id="rId3"/>
@@ -29,19 +32,23 @@
     <p:sldId id="315" r:id="rId23"/>
     <p:sldId id="308" r:id="rId24"/>
     <p:sldId id="316" r:id="rId25"/>
-    <p:sldId id="302" r:id="rId26"/>
+    <p:sldId id="322" r:id="rId26"/>
+    <p:sldId id="324" r:id="rId27"/>
+    <p:sldId id="325" r:id="rId28"/>
+    <p:sldId id="323" r:id="rId29"/>
+    <p:sldId id="302" r:id="rId30"/>
   </p:sldIdLst>
   <p:sldSz cx="9144000" cy="6858000" type="screen4x3"/>
   <p:notesSz cx="6858000" cy="9144000"/>
   <p:embeddedFontLst>
     <p:embeddedFont>
       <p:font typeface="Yoon 윤고딕 520_TT" panose="020B0600000101010101" charset="-127"/>
-      <p:regular r:id="rId27"/>
+      <p:regular r:id="rId32"/>
     </p:embeddedFont>
     <p:embeddedFont>
       <p:font typeface="맑은 고딕" panose="020B0503020000020004" pitchFamily="50" charset="-127"/>
-      <p:regular r:id="rId28"/>
-      <p:bold r:id="rId29"/>
+      <p:regular r:id="rId33"/>
+      <p:bold r:id="rId34"/>
     </p:embeddedFont>
   </p:embeddedFontLst>
   <p:defaultTextStyle>
@@ -158,6 +165,540 @@
 </p:presentation>
 </file>
 
+<file path=ppt/notesMasters/notesMaster1.xml><?xml version="1.0" encoding="utf-8"?>
+<p:notesMaster xmlns:a="http://schemas.openxmlformats.org/drawingml/2006/main" xmlns:r="http://schemas.openxmlformats.org/officeDocument/2006/relationships" xmlns:p="http://schemas.openxmlformats.org/presentationml/2006/main">
+  <p:cSld>
+    <p:bg>
+      <p:bgRef idx="1001">
+        <a:schemeClr val="bg1"/>
+      </p:bgRef>
+    </p:bg>
+    <p:spTree>
+      <p:nvGrpSpPr>
+        <p:cNvPr id="1" name=""/>
+        <p:cNvGrpSpPr/>
+        <p:nvPr/>
+      </p:nvGrpSpPr>
+      <p:grpSpPr>
+        <a:xfrm>
+          <a:off x="0" y="0"/>
+          <a:ext cx="0" cy="0"/>
+          <a:chOff x="0" y="0"/>
+          <a:chExt cx="0" cy="0"/>
+        </a:xfrm>
+      </p:grpSpPr>
+      <p:sp>
+        <p:nvSpPr>
+          <p:cNvPr id="2" name="머리글 개체 틀 1"/>
+          <p:cNvSpPr>
+            <a:spLocks noGrp="1"/>
+          </p:cNvSpPr>
+          <p:nvPr>
+            <p:ph type="hdr" sz="quarter"/>
+          </p:nvPr>
+        </p:nvSpPr>
+        <p:spPr>
+          <a:xfrm>
+            <a:off x="0" y="0"/>
+            <a:ext cx="2971800" cy="458788"/>
+          </a:xfrm>
+          <a:prstGeom prst="rect">
+            <a:avLst/>
+          </a:prstGeom>
+        </p:spPr>
+        <p:txBody>
+          <a:bodyPr vert="horz" lIns="91440" tIns="45720" rIns="91440" bIns="45720" rtlCol="0"/>
+          <a:lstStyle>
+            <a:lvl1pPr algn="l">
+              <a:defRPr sz="1200"/>
+            </a:lvl1pPr>
+          </a:lstStyle>
+          <a:p>
+            <a:endParaRPr lang="ko-KR" altLang="en-US"/>
+          </a:p>
+        </p:txBody>
+      </p:sp>
+      <p:sp>
+        <p:nvSpPr>
+          <p:cNvPr id="3" name="날짜 개체 틀 2"/>
+          <p:cNvSpPr>
+            <a:spLocks noGrp="1"/>
+          </p:cNvSpPr>
+          <p:nvPr>
+            <p:ph type="dt" idx="1"/>
+          </p:nvPr>
+        </p:nvSpPr>
+        <p:spPr>
+          <a:xfrm>
+            <a:off x="3884613" y="0"/>
+            <a:ext cx="2971800" cy="458788"/>
+          </a:xfrm>
+          <a:prstGeom prst="rect">
+            <a:avLst/>
+          </a:prstGeom>
+        </p:spPr>
+        <p:txBody>
+          <a:bodyPr vert="horz" lIns="91440" tIns="45720" rIns="91440" bIns="45720" rtlCol="0"/>
+          <a:lstStyle>
+            <a:lvl1pPr algn="r">
+              <a:defRPr sz="1200"/>
+            </a:lvl1pPr>
+          </a:lstStyle>
+          <a:p>
+            <a:fld id="{5B797AE8-817E-43F2-8E17-62EDFDD5A7AF}" type="datetimeFigureOut">
+              <a:rPr lang="ko-KR" altLang="en-US" smtClean="0"/>
+              <a:t>2019-11-26</a:t>
+            </a:fld>
+            <a:endParaRPr lang="ko-KR" altLang="en-US"/>
+          </a:p>
+        </p:txBody>
+      </p:sp>
+      <p:sp>
+        <p:nvSpPr>
+          <p:cNvPr id="4" name="슬라이드 이미지 개체 틀 3"/>
+          <p:cNvSpPr>
+            <a:spLocks noGrp="1" noRot="1" noChangeAspect="1"/>
+          </p:cNvSpPr>
+          <p:nvPr>
+            <p:ph type="sldImg" idx="2"/>
+          </p:nvPr>
+        </p:nvSpPr>
+        <p:spPr>
+          <a:xfrm>
+            <a:off x="1371600" y="1143000"/>
+            <a:ext cx="4114800" cy="3086100"/>
+          </a:xfrm>
+          <a:prstGeom prst="rect">
+            <a:avLst/>
+          </a:prstGeom>
+          <a:noFill/>
+          <a:ln w="12700">
+            <a:solidFill>
+              <a:prstClr val="black"/>
+            </a:solidFill>
+          </a:ln>
+        </p:spPr>
+        <p:txBody>
+          <a:bodyPr vert="horz" lIns="91440" tIns="45720" rIns="91440" bIns="45720" rtlCol="0" anchor="ctr"/>
+          <a:lstStyle/>
+          <a:p>
+            <a:endParaRPr lang="ko-KR" altLang="en-US"/>
+          </a:p>
+        </p:txBody>
+      </p:sp>
+      <p:sp>
+        <p:nvSpPr>
+          <p:cNvPr id="5" name="슬라이드 노트 개체 틀 4"/>
+          <p:cNvSpPr>
+            <a:spLocks noGrp="1"/>
+          </p:cNvSpPr>
+          <p:nvPr>
+            <p:ph type="body" sz="quarter" idx="3"/>
+          </p:nvPr>
+        </p:nvSpPr>
+        <p:spPr>
+          <a:xfrm>
+            <a:off x="685800" y="4400550"/>
+            <a:ext cx="5486400" cy="3600450"/>
+          </a:xfrm>
+          <a:prstGeom prst="rect">
+            <a:avLst/>
+          </a:prstGeom>
+        </p:spPr>
+        <p:txBody>
+          <a:bodyPr vert="horz" lIns="91440" tIns="45720" rIns="91440" bIns="45720" rtlCol="0"/>
+          <a:lstStyle/>
+          <a:p>
+            <a:pPr lvl="0"/>
+            <a:r>
+              <a:rPr lang="ko-KR" altLang="en-US" smtClean="0"/>
+              <a:t>마스터 텍스트 스타일 편집</a:t>
+            </a:r>
+          </a:p>
+          <a:p>
+            <a:pPr lvl="1"/>
+            <a:r>
+              <a:rPr lang="ko-KR" altLang="en-US" smtClean="0"/>
+              <a:t>둘째 수준</a:t>
+            </a:r>
+          </a:p>
+          <a:p>
+            <a:pPr lvl="2"/>
+            <a:r>
+              <a:rPr lang="ko-KR" altLang="en-US" smtClean="0"/>
+              <a:t>셋째 수준</a:t>
+            </a:r>
+          </a:p>
+          <a:p>
+            <a:pPr lvl="3"/>
+            <a:r>
+              <a:rPr lang="ko-KR" altLang="en-US" smtClean="0"/>
+              <a:t>넷째 수준</a:t>
+            </a:r>
+          </a:p>
+          <a:p>
+            <a:pPr lvl="4"/>
+            <a:r>
+              <a:rPr lang="ko-KR" altLang="en-US" smtClean="0"/>
+              <a:t>다섯째 수준</a:t>
+            </a:r>
+            <a:endParaRPr lang="ko-KR" altLang="en-US"/>
+          </a:p>
+        </p:txBody>
+      </p:sp>
+      <p:sp>
+        <p:nvSpPr>
+          <p:cNvPr id="6" name="바닥글 개체 틀 5"/>
+          <p:cNvSpPr>
+            <a:spLocks noGrp="1"/>
+          </p:cNvSpPr>
+          <p:nvPr>
+            <p:ph type="ftr" sz="quarter" idx="4"/>
+          </p:nvPr>
+        </p:nvSpPr>
+        <p:spPr>
+          <a:xfrm>
+            <a:off x="0" y="8685213"/>
+            <a:ext cx="2971800" cy="458787"/>
+          </a:xfrm>
+          <a:prstGeom prst="rect">
+            <a:avLst/>
+          </a:prstGeom>
+        </p:spPr>
+        <p:txBody>
+          <a:bodyPr vert="horz" lIns="91440" tIns="45720" rIns="91440" bIns="45720" rtlCol="0" anchor="b"/>
+          <a:lstStyle>
+            <a:lvl1pPr algn="l">
+              <a:defRPr sz="1200"/>
+            </a:lvl1pPr>
+          </a:lstStyle>
+          <a:p>
+            <a:endParaRPr lang="ko-KR" altLang="en-US"/>
+          </a:p>
+        </p:txBody>
+      </p:sp>
+      <p:sp>
+        <p:nvSpPr>
+          <p:cNvPr id="7" name="슬라이드 번호 개체 틀 6"/>
+          <p:cNvSpPr>
+            <a:spLocks noGrp="1"/>
+          </p:cNvSpPr>
+          <p:nvPr>
+            <p:ph type="sldNum" sz="quarter" idx="5"/>
+          </p:nvPr>
+        </p:nvSpPr>
+        <p:spPr>
+          <a:xfrm>
+            <a:off x="3884613" y="8685213"/>
+            <a:ext cx="2971800" cy="458787"/>
+          </a:xfrm>
+          <a:prstGeom prst="rect">
+            <a:avLst/>
+          </a:prstGeom>
+        </p:spPr>
+        <p:txBody>
+          <a:bodyPr vert="horz" lIns="91440" tIns="45720" rIns="91440" bIns="45720" rtlCol="0" anchor="b"/>
+          <a:lstStyle>
+            <a:lvl1pPr algn="r">
+              <a:defRPr sz="1200"/>
+            </a:lvl1pPr>
+          </a:lstStyle>
+          <a:p>
+            <a:fld id="{BA5A1E06-9523-4D0F-B6D8-5CC386386AFE}" type="slidenum">
+              <a:rPr lang="ko-KR" altLang="en-US" smtClean="0"/>
+              <a:t>‹#›</a:t>
+            </a:fld>
+            <a:endParaRPr lang="ko-KR" altLang="en-US"/>
+          </a:p>
+        </p:txBody>
+      </p:sp>
+    </p:spTree>
+    <p:extLst>
+      <p:ext uri="{BB962C8B-B14F-4D97-AF65-F5344CB8AC3E}">
+        <p14:creationId xmlns:p14="http://schemas.microsoft.com/office/powerpoint/2010/main" val="1198891520"/>
+      </p:ext>
+    </p:extLst>
+  </p:cSld>
+  <p:clrMap bg1="lt1" tx1="dk1" bg2="lt2" tx2="dk2" accent1="accent1" accent2="accent2" accent3="accent3" accent4="accent4" accent5="accent5" accent6="accent6" hlink="hlink" folHlink="folHlink"/>
+  <p:notesStyle>
+    <a:lvl1pPr marL="0" algn="l" defTabSz="914400" rtl="0" eaLnBrk="1" latinLnBrk="1" hangingPunct="1">
+      <a:defRPr sz="1200" kern="1200">
+        <a:solidFill>
+          <a:schemeClr val="tx1"/>
+        </a:solidFill>
+        <a:latin typeface="+mn-lt"/>
+        <a:ea typeface="+mn-ea"/>
+        <a:cs typeface="+mn-cs"/>
+      </a:defRPr>
+    </a:lvl1pPr>
+    <a:lvl2pPr marL="457200" algn="l" defTabSz="914400" rtl="0" eaLnBrk="1" latinLnBrk="1" hangingPunct="1">
+      <a:defRPr sz="1200" kern="1200">
+        <a:solidFill>
+          <a:schemeClr val="tx1"/>
+        </a:solidFill>
+        <a:latin typeface="+mn-lt"/>
+        <a:ea typeface="+mn-ea"/>
+        <a:cs typeface="+mn-cs"/>
+      </a:defRPr>
+    </a:lvl2pPr>
+    <a:lvl3pPr marL="914400" algn="l" defTabSz="914400" rtl="0" eaLnBrk="1" latinLnBrk="1" hangingPunct="1">
+      <a:defRPr sz="1200" kern="1200">
+        <a:solidFill>
+          <a:schemeClr val="tx1"/>
+        </a:solidFill>
+        <a:latin typeface="+mn-lt"/>
+        <a:ea typeface="+mn-ea"/>
+        <a:cs typeface="+mn-cs"/>
+      </a:defRPr>
+    </a:lvl3pPr>
+    <a:lvl4pPr marL="1371600" algn="l" defTabSz="914400" rtl="0" eaLnBrk="1" latinLnBrk="1" hangingPunct="1">
+      <a:defRPr sz="1200" kern="1200">
+        <a:solidFill>
+          <a:schemeClr val="tx1"/>
+        </a:solidFill>
+        <a:latin typeface="+mn-lt"/>
+        <a:ea typeface="+mn-ea"/>
+        <a:cs typeface="+mn-cs"/>
+      </a:defRPr>
+    </a:lvl4pPr>
+    <a:lvl5pPr marL="1828800" algn="l" defTabSz="914400" rtl="0" eaLnBrk="1" latinLnBrk="1" hangingPunct="1">
+      <a:defRPr sz="1200" kern="1200">
+        <a:solidFill>
+          <a:schemeClr val="tx1"/>
+        </a:solidFill>
+        <a:latin typeface="+mn-lt"/>
+        <a:ea typeface="+mn-ea"/>
+        <a:cs typeface="+mn-cs"/>
+      </a:defRPr>
+    </a:lvl5pPr>
+    <a:lvl6pPr marL="2286000" algn="l" defTabSz="914400" rtl="0" eaLnBrk="1" latinLnBrk="1" hangingPunct="1">
+      <a:defRPr sz="1200" kern="1200">
+        <a:solidFill>
+          <a:schemeClr val="tx1"/>
+        </a:solidFill>
+        <a:latin typeface="+mn-lt"/>
+        <a:ea typeface="+mn-ea"/>
+        <a:cs typeface="+mn-cs"/>
+      </a:defRPr>
+    </a:lvl6pPr>
+    <a:lvl7pPr marL="2743200" algn="l" defTabSz="914400" rtl="0" eaLnBrk="1" latinLnBrk="1" hangingPunct="1">
+      <a:defRPr sz="1200" kern="1200">
+        <a:solidFill>
+          <a:schemeClr val="tx1"/>
+        </a:solidFill>
+        <a:latin typeface="+mn-lt"/>
+        <a:ea typeface="+mn-ea"/>
+        <a:cs typeface="+mn-cs"/>
+      </a:defRPr>
+    </a:lvl7pPr>
+    <a:lvl8pPr marL="3200400" algn="l" defTabSz="914400" rtl="0" eaLnBrk="1" latinLnBrk="1" hangingPunct="1">
+      <a:defRPr sz="1200" kern="1200">
+        <a:solidFill>
+          <a:schemeClr val="tx1"/>
+        </a:solidFill>
+        <a:latin typeface="+mn-lt"/>
+        <a:ea typeface="+mn-ea"/>
+        <a:cs typeface="+mn-cs"/>
+      </a:defRPr>
+    </a:lvl8pPr>
+    <a:lvl9pPr marL="3657600" algn="l" defTabSz="914400" rtl="0" eaLnBrk="1" latinLnBrk="1" hangingPunct="1">
+      <a:defRPr sz="1200" kern="1200">
+        <a:solidFill>
+          <a:schemeClr val="tx1"/>
+        </a:solidFill>
+        <a:latin typeface="+mn-lt"/>
+        <a:ea typeface="+mn-ea"/>
+        <a:cs typeface="+mn-cs"/>
+      </a:defRPr>
+    </a:lvl9pPr>
+  </p:notesStyle>
+</p:notesMaster>
+</file>
+
+<file path=ppt/notesSlides/notesSlide1.xml><?xml version="1.0" encoding="utf-8"?>
+<p:notes xmlns:a="http://schemas.openxmlformats.org/drawingml/2006/main" xmlns:r="http://schemas.openxmlformats.org/officeDocument/2006/relationships" xmlns:p="http://schemas.openxmlformats.org/presentationml/2006/main">
+  <p:cSld>
+    <p:spTree>
+      <p:nvGrpSpPr>
+        <p:cNvPr id="1" name=""/>
+        <p:cNvGrpSpPr/>
+        <p:nvPr/>
+      </p:nvGrpSpPr>
+      <p:grpSpPr>
+        <a:xfrm>
+          <a:off x="0" y="0"/>
+          <a:ext cx="0" cy="0"/>
+          <a:chOff x="0" y="0"/>
+          <a:chExt cx="0" cy="0"/>
+        </a:xfrm>
+      </p:grpSpPr>
+      <p:sp>
+        <p:nvSpPr>
+          <p:cNvPr id="2" name="슬라이드 이미지 개체 틀 1"/>
+          <p:cNvSpPr>
+            <a:spLocks noGrp="1" noRot="1" noChangeAspect="1"/>
+          </p:cNvSpPr>
+          <p:nvPr>
+            <p:ph type="sldImg"/>
+          </p:nvPr>
+        </p:nvSpPr>
+        <p:spPr/>
+      </p:sp>
+      <p:sp>
+        <p:nvSpPr>
+          <p:cNvPr id="3" name="슬라이드 노트 개체 틀 2"/>
+          <p:cNvSpPr>
+            <a:spLocks noGrp="1"/>
+          </p:cNvSpPr>
+          <p:nvPr>
+            <p:ph type="body" idx="1"/>
+          </p:nvPr>
+        </p:nvSpPr>
+        <p:spPr/>
+        <p:txBody>
+          <a:bodyPr/>
+          <a:lstStyle/>
+          <a:p>
+            <a:r>
+              <a:rPr lang="ko-KR" altLang="en-US" dirty="0" smtClean="0"/>
+              <a:t>제목 설명</a:t>
+            </a:r>
+            <a:r>
+              <a:rPr lang="en-US" altLang="ko-KR" dirty="0" smtClean="0"/>
+              <a:t>, </a:t>
+            </a:r>
+            <a:r>
+              <a:rPr lang="ko-KR" altLang="en-US" dirty="0" smtClean="0"/>
+              <a:t>목차 설명</a:t>
+            </a:r>
+            <a:endParaRPr lang="ko-KR" altLang="en-US" dirty="0"/>
+          </a:p>
+        </p:txBody>
+      </p:sp>
+      <p:sp>
+        <p:nvSpPr>
+          <p:cNvPr id="4" name="슬라이드 번호 개체 틀 3"/>
+          <p:cNvSpPr>
+            <a:spLocks noGrp="1"/>
+          </p:cNvSpPr>
+          <p:nvPr>
+            <p:ph type="sldNum" sz="quarter" idx="10"/>
+          </p:nvPr>
+        </p:nvSpPr>
+        <p:spPr/>
+        <p:txBody>
+          <a:bodyPr/>
+          <a:lstStyle/>
+          <a:p>
+            <a:fld id="{BA5A1E06-9523-4D0F-B6D8-5CC386386AFE}" type="slidenum">
+              <a:rPr lang="ko-KR" altLang="en-US" smtClean="0"/>
+              <a:t>1</a:t>
+            </a:fld>
+            <a:endParaRPr lang="ko-KR" altLang="en-US"/>
+          </a:p>
+        </p:txBody>
+      </p:sp>
+    </p:spTree>
+    <p:extLst>
+      <p:ext uri="{BB962C8B-B14F-4D97-AF65-F5344CB8AC3E}">
+        <p14:creationId xmlns:p14="http://schemas.microsoft.com/office/powerpoint/2010/main" val="2884423083"/>
+      </p:ext>
+    </p:extLst>
+  </p:cSld>
+  <p:clrMapOvr>
+    <a:masterClrMapping/>
+  </p:clrMapOvr>
+</p:notes>
+</file>
+
+<file path=ppt/notesSlides/notesSlide2.xml><?xml version="1.0" encoding="utf-8"?>
+<p:notes xmlns:a="http://schemas.openxmlformats.org/drawingml/2006/main" xmlns:r="http://schemas.openxmlformats.org/officeDocument/2006/relationships" xmlns:p="http://schemas.openxmlformats.org/presentationml/2006/main">
+  <p:cSld>
+    <p:spTree>
+      <p:nvGrpSpPr>
+        <p:cNvPr id="1" name=""/>
+        <p:cNvGrpSpPr/>
+        <p:nvPr/>
+      </p:nvGrpSpPr>
+      <p:grpSpPr>
+        <a:xfrm>
+          <a:off x="0" y="0"/>
+          <a:ext cx="0" cy="0"/>
+          <a:chOff x="0" y="0"/>
+          <a:chExt cx="0" cy="0"/>
+        </a:xfrm>
+      </p:grpSpPr>
+      <p:sp>
+        <p:nvSpPr>
+          <p:cNvPr id="2" name="슬라이드 이미지 개체 틀 1"/>
+          <p:cNvSpPr>
+            <a:spLocks noGrp="1" noRot="1" noChangeAspect="1"/>
+          </p:cNvSpPr>
+          <p:nvPr>
+            <p:ph type="sldImg"/>
+          </p:nvPr>
+        </p:nvSpPr>
+        <p:spPr/>
+      </p:sp>
+      <p:sp>
+        <p:nvSpPr>
+          <p:cNvPr id="3" name="슬라이드 노트 개체 틀 2"/>
+          <p:cNvSpPr>
+            <a:spLocks noGrp="1"/>
+          </p:cNvSpPr>
+          <p:nvPr>
+            <p:ph type="body" idx="1"/>
+          </p:nvPr>
+        </p:nvSpPr>
+        <p:spPr/>
+        <p:txBody>
+          <a:bodyPr/>
+          <a:lstStyle/>
+          <a:p>
+            <a:r>
+              <a:rPr lang="ko-KR" altLang="en-US" dirty="0" smtClean="0"/>
+              <a:t>주제</a:t>
+            </a:r>
+            <a:endParaRPr lang="ko-KR" altLang="en-US" dirty="0"/>
+          </a:p>
+        </p:txBody>
+      </p:sp>
+      <p:sp>
+        <p:nvSpPr>
+          <p:cNvPr id="4" name="슬라이드 번호 개체 틀 3"/>
+          <p:cNvSpPr>
+            <a:spLocks noGrp="1"/>
+          </p:cNvSpPr>
+          <p:nvPr>
+            <p:ph type="sldNum" sz="quarter" idx="10"/>
+          </p:nvPr>
+        </p:nvSpPr>
+        <p:spPr/>
+        <p:txBody>
+          <a:bodyPr/>
+          <a:lstStyle/>
+          <a:p>
+            <a:fld id="{BA5A1E06-9523-4D0F-B6D8-5CC386386AFE}" type="slidenum">
+              <a:rPr lang="ko-KR" altLang="en-US" smtClean="0"/>
+              <a:t>3</a:t>
+            </a:fld>
+            <a:endParaRPr lang="ko-KR" altLang="en-US"/>
+          </a:p>
+        </p:txBody>
+      </p:sp>
+    </p:spTree>
+    <p:extLst>
+      <p:ext uri="{BB962C8B-B14F-4D97-AF65-F5344CB8AC3E}">
+        <p14:creationId xmlns:p14="http://schemas.microsoft.com/office/powerpoint/2010/main" val="3359545553"/>
+      </p:ext>
+    </p:extLst>
+  </p:cSld>
+  <p:clrMapOvr>
+    <a:masterClrMapping/>
+  </p:clrMapOvr>
+</p:notes>
+</file>
+
 <file path=ppt/slideLayouts/slideLayout1.xml><?xml version="1.0" encoding="utf-8"?>
 <p:sldLayout xmlns:a="http://schemas.openxmlformats.org/drawingml/2006/main" xmlns:r="http://schemas.openxmlformats.org/officeDocument/2006/relationships" xmlns:p="http://schemas.openxmlformats.org/presentationml/2006/main" type="title" preserve="1">
   <p:cSld name="제목 슬라이드">
@@ -339,7 +880,7 @@
           <a:p>
             <a:fld id="{3A302466-FE76-40E8-BE5D-598A609EDD2B}" type="datetimeFigureOut">
               <a:rPr lang="ko-KR" altLang="en-US" smtClean="0"/>
-              <a:t>2019-11-25</a:t>
+              <a:t>2019-11-26</a:t>
             </a:fld>
             <a:endParaRPr lang="ko-KR" altLang="en-US"/>
           </a:p>
@@ -509,7 +1050,7 @@
           <a:p>
             <a:fld id="{3A302466-FE76-40E8-BE5D-598A609EDD2B}" type="datetimeFigureOut">
               <a:rPr lang="ko-KR" altLang="en-US" smtClean="0"/>
-              <a:t>2019-11-25</a:t>
+              <a:t>2019-11-26</a:t>
             </a:fld>
             <a:endParaRPr lang="ko-KR" altLang="en-US"/>
           </a:p>
@@ -689,7 +1230,7 @@
           <a:p>
             <a:fld id="{3A302466-FE76-40E8-BE5D-598A609EDD2B}" type="datetimeFigureOut">
               <a:rPr lang="ko-KR" altLang="en-US" smtClean="0"/>
-              <a:t>2019-11-25</a:t>
+              <a:t>2019-11-26</a:t>
             </a:fld>
             <a:endParaRPr lang="ko-KR" altLang="en-US"/>
           </a:p>
@@ -859,7 +1400,7 @@
           <a:p>
             <a:fld id="{3A302466-FE76-40E8-BE5D-598A609EDD2B}" type="datetimeFigureOut">
               <a:rPr lang="ko-KR" altLang="en-US" smtClean="0"/>
-              <a:t>2019-11-25</a:t>
+              <a:t>2019-11-26</a:t>
             </a:fld>
             <a:endParaRPr lang="ko-KR" altLang="en-US"/>
           </a:p>
@@ -1105,7 +1646,7 @@
           <a:p>
             <a:fld id="{3A302466-FE76-40E8-BE5D-598A609EDD2B}" type="datetimeFigureOut">
               <a:rPr lang="ko-KR" altLang="en-US" smtClean="0"/>
-              <a:t>2019-11-25</a:t>
+              <a:t>2019-11-26</a:t>
             </a:fld>
             <a:endParaRPr lang="ko-KR" altLang="en-US"/>
           </a:p>
@@ -1393,7 +1934,7 @@
           <a:p>
             <a:fld id="{3A302466-FE76-40E8-BE5D-598A609EDD2B}" type="datetimeFigureOut">
               <a:rPr lang="ko-KR" altLang="en-US" smtClean="0"/>
-              <a:t>2019-11-25</a:t>
+              <a:t>2019-11-26</a:t>
             </a:fld>
             <a:endParaRPr lang="ko-KR" altLang="en-US"/>
           </a:p>
@@ -1815,7 +2356,7 @@
           <a:p>
             <a:fld id="{3A302466-FE76-40E8-BE5D-598A609EDD2B}" type="datetimeFigureOut">
               <a:rPr lang="ko-KR" altLang="en-US" smtClean="0"/>
-              <a:t>2019-11-25</a:t>
+              <a:t>2019-11-26</a:t>
             </a:fld>
             <a:endParaRPr lang="ko-KR" altLang="en-US"/>
           </a:p>
@@ -1933,7 +2474,7 @@
           <a:p>
             <a:fld id="{3A302466-FE76-40E8-BE5D-598A609EDD2B}" type="datetimeFigureOut">
               <a:rPr lang="ko-KR" altLang="en-US" smtClean="0"/>
-              <a:t>2019-11-25</a:t>
+              <a:t>2019-11-26</a:t>
             </a:fld>
             <a:endParaRPr lang="ko-KR" altLang="en-US"/>
           </a:p>
@@ -2028,7 +2569,7 @@
           <a:p>
             <a:fld id="{3A302466-FE76-40E8-BE5D-598A609EDD2B}" type="datetimeFigureOut">
               <a:rPr lang="ko-KR" altLang="en-US" smtClean="0"/>
-              <a:t>2019-11-25</a:t>
+              <a:t>2019-11-26</a:t>
             </a:fld>
             <a:endParaRPr lang="ko-KR" altLang="en-US"/>
           </a:p>
@@ -2305,7 +2846,7 @@
           <a:p>
             <a:fld id="{3A302466-FE76-40E8-BE5D-598A609EDD2B}" type="datetimeFigureOut">
               <a:rPr lang="ko-KR" altLang="en-US" smtClean="0"/>
-              <a:t>2019-11-25</a:t>
+              <a:t>2019-11-26</a:t>
             </a:fld>
             <a:endParaRPr lang="ko-KR" altLang="en-US"/>
           </a:p>
@@ -2558,7 +3099,7 @@
           <a:p>
             <a:fld id="{3A302466-FE76-40E8-BE5D-598A609EDD2B}" type="datetimeFigureOut">
               <a:rPr lang="ko-KR" altLang="en-US" smtClean="0"/>
-              <a:t>2019-11-25</a:t>
+              <a:t>2019-11-26</a:t>
             </a:fld>
             <a:endParaRPr lang="ko-KR" altLang="en-US"/>
           </a:p>
@@ -2771,7 +3312,7 @@
           <a:p>
             <a:fld id="{3A302466-FE76-40E8-BE5D-598A609EDD2B}" type="datetimeFigureOut">
               <a:rPr lang="ko-KR" altLang="en-US" smtClean="0"/>
-              <a:t>2019-11-25</a:t>
+              <a:t>2019-11-26</a:t>
             </a:fld>
             <a:endParaRPr lang="ko-KR" altLang="en-US"/>
           </a:p>
@@ -3202,19 +3743,6 @@
               </a:rPr>
               <a:t>project</a:t>
             </a:r>
-            <a:endParaRPr lang="en-US" altLang="ko-KR" sz="4000" b="1" dirty="0" smtClean="0">
-              <a:ln>
-                <a:solidFill>
-                  <a:schemeClr val="tx1">
-                    <a:alpha val="30000"/>
-                  </a:schemeClr>
-                </a:solidFill>
-              </a:ln>
-              <a:solidFill>
-                <a:srgbClr val="272123"/>
-              </a:solidFill>
-              <a:latin typeface="+mn-ea"/>
-            </a:endParaRPr>
           </a:p>
         </p:txBody>
       </p:sp>
@@ -5028,19 +5556,6 @@
               </a:rPr>
               <a:t>.</a:t>
             </a:r>
-            <a:endParaRPr lang="en-US" altLang="ko-KR" sz="1600" dirty="0" smtClean="0">
-              <a:ln>
-                <a:solidFill>
-                  <a:schemeClr val="tx1">
-                    <a:alpha val="30000"/>
-                  </a:schemeClr>
-                </a:solidFill>
-              </a:ln>
-              <a:solidFill>
-                <a:srgbClr val="272123"/>
-              </a:solidFill>
-              <a:latin typeface="+mn-ea"/>
-            </a:endParaRPr>
           </a:p>
           <a:p>
             <a:pPr marL="285750" indent="-285750">
@@ -7148,19 +7663,6 @@
               </a:rPr>
               <a:t>SceneBuilder-8.5.0</a:t>
             </a:r>
-            <a:endParaRPr lang="en-US" altLang="ko-KR" sz="1600" dirty="0" smtClean="0">
-              <a:ln>
-                <a:solidFill>
-                  <a:schemeClr val="tx1">
-                    <a:alpha val="30000"/>
-                  </a:schemeClr>
-                </a:solidFill>
-              </a:ln>
-              <a:solidFill>
-                <a:srgbClr val="272123"/>
-              </a:solidFill>
-              <a:latin typeface="+mn-ea"/>
-            </a:endParaRPr>
           </a:p>
           <a:p>
             <a:pPr marL="285750" indent="-285750">
@@ -11041,19 +11543,6 @@
               </a:rPr>
               <a:t>SceneBuilder-8.5.0</a:t>
             </a:r>
-            <a:endParaRPr lang="en-US" altLang="ko-KR" sz="1600" dirty="0" smtClean="0">
-              <a:ln>
-                <a:solidFill>
-                  <a:schemeClr val="tx1">
-                    <a:alpha val="30000"/>
-                  </a:schemeClr>
-                </a:solidFill>
-              </a:ln>
-              <a:solidFill>
-                <a:srgbClr val="272123"/>
-              </a:solidFill>
-              <a:latin typeface="+mn-ea"/>
-            </a:endParaRPr>
           </a:p>
           <a:p>
             <a:pPr marL="285750" indent="-285750">
@@ -11729,7 +12218,7 @@
                 <a:latin typeface="맑은 고딕" panose="020B0503020000020004" pitchFamily="50" charset="-127"/>
                 <a:ea typeface="맑은 고딕" panose="020B0503020000020004" pitchFamily="50" charset="-127"/>
               </a:rPr>
-              <a:t>개발 환경</a:t>
+              <a:t>로그인 화면</a:t>
             </a:r>
             <a:endParaRPr kumimoji="0" lang="en-US" altLang="ko-KR" sz="1800" b="1" i="0" u="none" strike="noStrike" kern="1200" cap="none" spc="0" normalizeH="0" baseline="0" noProof="0" dirty="0" smtClean="0">
               <a:ln>
@@ -11748,16 +12237,1237 @@
           </a:p>
         </p:txBody>
       </p:sp>
+      <p:pic>
+        <p:nvPicPr>
+          <p:cNvPr id="2" name="그림 1"/>
+          <p:cNvPicPr>
+            <a:picLocks noChangeAspect="1"/>
+          </p:cNvPicPr>
+          <p:nvPr/>
+        </p:nvPicPr>
+        <p:blipFill>
+          <a:blip r:embed="rId2">
+            <a:extLst>
+              <a:ext uri="{28A0092B-C50C-407E-A947-70E740481C1C}">
+                <a14:useLocalDpi xmlns:a14="http://schemas.microsoft.com/office/drawing/2010/main" val="0"/>
+              </a:ext>
+            </a:extLst>
+          </a:blip>
+          <a:stretch>
+            <a:fillRect/>
+          </a:stretch>
+        </p:blipFill>
+        <p:spPr>
+          <a:xfrm>
+            <a:off x="1547664" y="1556792"/>
+            <a:ext cx="5992815" cy="4500000"/>
+          </a:xfrm>
+          <a:prstGeom prst="rect">
+            <a:avLst/>
+          </a:prstGeom>
+        </p:spPr>
+      </p:pic>
+      <p:cxnSp>
+        <p:nvCxnSpPr>
+          <p:cNvPr id="30" name="직선 화살표 연결선 29"/>
+          <p:cNvCxnSpPr>
+            <a:stCxn id="31" idx="1"/>
+          </p:cNvCxnSpPr>
+          <p:nvPr/>
+        </p:nvCxnSpPr>
+        <p:spPr>
+          <a:xfrm flipH="1">
+            <a:off x="1835696" y="1968808"/>
+            <a:ext cx="504056" cy="20032"/>
+          </a:xfrm>
+          <a:prstGeom prst="straightConnector1">
+            <a:avLst/>
+          </a:prstGeom>
+          <a:ln>
+            <a:solidFill>
+              <a:schemeClr val="tx1">
+                <a:lumMod val="65000"/>
+                <a:lumOff val="35000"/>
+              </a:schemeClr>
+            </a:solidFill>
+            <a:tailEnd type="triangle"/>
+          </a:ln>
+        </p:spPr>
+        <p:style>
+          <a:lnRef idx="1">
+            <a:schemeClr val="accent1"/>
+          </a:lnRef>
+          <a:fillRef idx="0">
+            <a:schemeClr val="accent1"/>
+          </a:fillRef>
+          <a:effectRef idx="0">
+            <a:schemeClr val="accent1"/>
+          </a:effectRef>
+          <a:fontRef idx="minor">
+            <a:schemeClr val="tx1"/>
+          </a:fontRef>
+        </p:style>
+      </p:cxnSp>
       <p:sp>
         <p:nvSpPr>
-          <p:cNvPr id="13" name="TextBox 12"/>
+          <p:cNvPr id="31" name="직사각형 30"/>
+          <p:cNvSpPr/>
+          <p:nvPr/>
+        </p:nvSpPr>
+        <p:spPr>
+          <a:xfrm>
+            <a:off x="2339752" y="1824792"/>
+            <a:ext cx="1224136" cy="288032"/>
+          </a:xfrm>
+          <a:prstGeom prst="rect">
+            <a:avLst/>
+          </a:prstGeom>
+          <a:solidFill>
+            <a:schemeClr val="tx1">
+              <a:lumMod val="50000"/>
+              <a:lumOff val="50000"/>
+            </a:schemeClr>
+          </a:solidFill>
+        </p:spPr>
+        <p:style>
+          <a:lnRef idx="2">
+            <a:schemeClr val="accent1">
+              <a:shade val="50000"/>
+            </a:schemeClr>
+          </a:lnRef>
+          <a:fillRef idx="1">
+            <a:schemeClr val="accent1"/>
+          </a:fillRef>
+          <a:effectRef idx="0">
+            <a:schemeClr val="accent1"/>
+          </a:effectRef>
+          <a:fontRef idx="minor">
+            <a:schemeClr val="lt1"/>
+          </a:fontRef>
+        </p:style>
+        <p:txBody>
+          <a:bodyPr rtlCol="0" anchor="ctr"/>
+          <a:lstStyle/>
+          <a:p>
+            <a:pPr algn="ctr"/>
+            <a:r>
+              <a:rPr lang="ko-KR" altLang="en-US" sz="1200" b="1" dirty="0" smtClean="0">
+                <a:solidFill>
+                  <a:schemeClr val="bg1"/>
+                </a:solidFill>
+              </a:rPr>
+              <a:t>프로그램 종료</a:t>
+            </a:r>
+            <a:endParaRPr lang="ko-KR" altLang="en-US" sz="1200" b="1" dirty="0">
+              <a:solidFill>
+                <a:schemeClr val="bg1"/>
+              </a:solidFill>
+            </a:endParaRPr>
+          </a:p>
+        </p:txBody>
+      </p:sp>
+      <p:cxnSp>
+        <p:nvCxnSpPr>
+          <p:cNvPr id="38" name="직선 화살표 연결선 37"/>
+          <p:cNvCxnSpPr/>
+          <p:nvPr/>
+        </p:nvCxnSpPr>
+        <p:spPr>
+          <a:xfrm>
+            <a:off x="5940152" y="5229200"/>
+            <a:ext cx="864096" cy="504056"/>
+          </a:xfrm>
+          <a:prstGeom prst="straightConnector1">
+            <a:avLst/>
+          </a:prstGeom>
+          <a:ln>
+            <a:solidFill>
+              <a:schemeClr val="tx1">
+                <a:lumMod val="65000"/>
+                <a:lumOff val="35000"/>
+              </a:schemeClr>
+            </a:solidFill>
+            <a:tailEnd type="triangle"/>
+          </a:ln>
+        </p:spPr>
+        <p:style>
+          <a:lnRef idx="1">
+            <a:schemeClr val="accent1"/>
+          </a:lnRef>
+          <a:fillRef idx="0">
+            <a:schemeClr val="accent1"/>
+          </a:fillRef>
+          <a:effectRef idx="0">
+            <a:schemeClr val="accent1"/>
+          </a:effectRef>
+          <a:fontRef idx="minor">
+            <a:schemeClr val="tx1"/>
+          </a:fontRef>
+        </p:style>
+      </p:cxnSp>
+      <p:sp>
+        <p:nvSpPr>
+          <p:cNvPr id="39" name="직사각형 38"/>
+          <p:cNvSpPr/>
+          <p:nvPr/>
+        </p:nvSpPr>
+        <p:spPr>
+          <a:xfrm>
+            <a:off x="4716016" y="5013176"/>
+            <a:ext cx="1224136" cy="288032"/>
+          </a:xfrm>
+          <a:prstGeom prst="rect">
+            <a:avLst/>
+          </a:prstGeom>
+          <a:solidFill>
+            <a:schemeClr val="tx1">
+              <a:lumMod val="50000"/>
+              <a:lumOff val="50000"/>
+            </a:schemeClr>
+          </a:solidFill>
+        </p:spPr>
+        <p:style>
+          <a:lnRef idx="2">
+            <a:schemeClr val="accent1">
+              <a:shade val="50000"/>
+            </a:schemeClr>
+          </a:lnRef>
+          <a:fillRef idx="1">
+            <a:schemeClr val="accent1"/>
+          </a:fillRef>
+          <a:effectRef idx="0">
+            <a:schemeClr val="accent1"/>
+          </a:effectRef>
+          <a:fontRef idx="minor">
+            <a:schemeClr val="lt1"/>
+          </a:fontRef>
+        </p:style>
+        <p:txBody>
+          <a:bodyPr rtlCol="0" anchor="ctr"/>
+          <a:lstStyle/>
+          <a:p>
+            <a:pPr algn="ctr"/>
+            <a:r>
+              <a:rPr lang="ko-KR" altLang="en-US" sz="1200" b="1" dirty="0" smtClean="0">
+                <a:solidFill>
+                  <a:schemeClr val="bg1"/>
+                </a:solidFill>
+              </a:rPr>
+              <a:t>테마 색상 변경</a:t>
+            </a:r>
+            <a:endParaRPr lang="ko-KR" altLang="en-US" sz="1200" b="1" dirty="0">
+              <a:solidFill>
+                <a:schemeClr val="bg1"/>
+              </a:solidFill>
+            </a:endParaRPr>
+          </a:p>
+        </p:txBody>
+      </p:sp>
+      <p:pic>
+        <p:nvPicPr>
+          <p:cNvPr id="45" name="그림 44"/>
+          <p:cNvPicPr>
+            <a:picLocks noChangeAspect="1"/>
+          </p:cNvPicPr>
+          <p:nvPr/>
+        </p:nvPicPr>
+        <p:blipFill>
+          <a:blip r:embed="rId3">
+            <a:extLst>
+              <a:ext uri="{28A0092B-C50C-407E-A947-70E740481C1C}">
+                <a14:useLocalDpi xmlns:a14="http://schemas.microsoft.com/office/drawing/2010/main" val="0"/>
+              </a:ext>
+            </a:extLst>
+          </a:blip>
+          <a:stretch>
+            <a:fillRect/>
+          </a:stretch>
+        </p:blipFill>
+        <p:spPr>
+          <a:xfrm>
+            <a:off x="1547664" y="1556792"/>
+            <a:ext cx="6001801" cy="4500000"/>
+          </a:xfrm>
+          <a:prstGeom prst="rect">
+            <a:avLst/>
+          </a:prstGeom>
+        </p:spPr>
+      </p:pic>
+      <p:cxnSp>
+        <p:nvCxnSpPr>
+          <p:cNvPr id="47" name="직선 화살표 연결선 46"/>
+          <p:cNvCxnSpPr>
+            <a:endCxn id="48" idx="1"/>
+          </p:cNvCxnSpPr>
+          <p:nvPr/>
+        </p:nvCxnSpPr>
+        <p:spPr>
+          <a:xfrm flipV="1">
+            <a:off x="2339752" y="1636537"/>
+            <a:ext cx="1001217" cy="290007"/>
+          </a:xfrm>
+          <a:prstGeom prst="straightConnector1">
+            <a:avLst/>
+          </a:prstGeom>
+          <a:ln>
+            <a:solidFill>
+              <a:schemeClr val="bg1"/>
+            </a:solidFill>
+            <a:tailEnd type="triangle"/>
+          </a:ln>
+        </p:spPr>
+        <p:style>
+          <a:lnRef idx="1">
+            <a:schemeClr val="accent1"/>
+          </a:lnRef>
+          <a:fillRef idx="0">
+            <a:schemeClr val="accent1"/>
+          </a:fillRef>
+          <a:effectRef idx="0">
+            <a:schemeClr val="accent1"/>
+          </a:effectRef>
+          <a:fontRef idx="minor">
+            <a:schemeClr val="tx1"/>
+          </a:fontRef>
+        </p:style>
+      </p:cxnSp>
+      <p:sp>
+        <p:nvSpPr>
+          <p:cNvPr id="48" name="직사각형 47"/>
+          <p:cNvSpPr/>
+          <p:nvPr/>
+        </p:nvSpPr>
+        <p:spPr>
+          <a:xfrm>
+            <a:off x="3340969" y="1096477"/>
+            <a:ext cx="1440159" cy="1080120"/>
+          </a:xfrm>
+          <a:prstGeom prst="rect">
+            <a:avLst/>
+          </a:prstGeom>
+          <a:solidFill>
+            <a:schemeClr val="tx1">
+              <a:lumMod val="50000"/>
+              <a:lumOff val="50000"/>
+            </a:schemeClr>
+          </a:solidFill>
+          <a:ln>
+            <a:solidFill>
+              <a:schemeClr val="bg1"/>
+            </a:solidFill>
+          </a:ln>
+        </p:spPr>
+        <p:style>
+          <a:lnRef idx="2">
+            <a:schemeClr val="accent1">
+              <a:shade val="50000"/>
+            </a:schemeClr>
+          </a:lnRef>
+          <a:fillRef idx="1">
+            <a:schemeClr val="accent1"/>
+          </a:fillRef>
+          <a:effectRef idx="0">
+            <a:schemeClr val="accent1"/>
+          </a:effectRef>
+          <a:fontRef idx="minor">
+            <a:schemeClr val="lt1"/>
+          </a:fontRef>
+        </p:style>
+        <p:txBody>
+          <a:bodyPr rtlCol="0" anchor="ctr"/>
+          <a:lstStyle/>
+          <a:p>
+            <a:pPr algn="ctr"/>
+            <a:r>
+              <a:rPr lang="ko-KR" altLang="en-US" sz="1100" b="1" dirty="0" smtClean="0">
+                <a:solidFill>
+                  <a:schemeClr val="bg1"/>
+                </a:solidFill>
+              </a:rPr>
+              <a:t>문의하기 </a:t>
+            </a:r>
+            <a:r>
+              <a:rPr lang="en-US" altLang="ko-KR" sz="1100" b="1" dirty="0" smtClean="0">
+                <a:solidFill>
+                  <a:schemeClr val="bg1"/>
+                </a:solidFill>
+              </a:rPr>
+              <a:t>– </a:t>
+            </a:r>
+            <a:r>
+              <a:rPr lang="ko-KR" altLang="en-US" sz="1100" b="1" dirty="0" smtClean="0">
+                <a:solidFill>
+                  <a:schemeClr val="bg1"/>
+                </a:solidFill>
+              </a:rPr>
+              <a:t>관리자 정보 팝업</a:t>
+            </a:r>
+            <a:endParaRPr lang="en-US" altLang="ko-KR" sz="1100" b="1" dirty="0" smtClean="0">
+              <a:solidFill>
+                <a:schemeClr val="bg1"/>
+              </a:solidFill>
+            </a:endParaRPr>
+          </a:p>
+          <a:p>
+            <a:pPr algn="ctr"/>
+            <a:r>
+              <a:rPr lang="ko-KR" altLang="en-US" sz="1100" b="1" dirty="0" smtClean="0">
+                <a:solidFill>
+                  <a:schemeClr val="bg1"/>
+                </a:solidFill>
+              </a:rPr>
+              <a:t>프로그램 정보 </a:t>
+            </a:r>
+            <a:r>
+              <a:rPr lang="en-US" altLang="ko-KR" sz="1100" b="1" dirty="0" smtClean="0">
+                <a:solidFill>
+                  <a:schemeClr val="bg1"/>
+                </a:solidFill>
+              </a:rPr>
+              <a:t>-</a:t>
+            </a:r>
+          </a:p>
+          <a:p>
+            <a:pPr algn="ctr"/>
+            <a:r>
+              <a:rPr lang="ko-KR" altLang="en-US" sz="1100" b="1" dirty="0" smtClean="0">
+                <a:solidFill>
+                  <a:schemeClr val="bg1"/>
+                </a:solidFill>
+              </a:rPr>
+              <a:t>프로그램 버전 정보 팝업</a:t>
+            </a:r>
+            <a:endParaRPr lang="ko-KR" altLang="en-US" sz="1100" b="1" dirty="0">
+              <a:solidFill>
+                <a:schemeClr val="bg1"/>
+              </a:solidFill>
+            </a:endParaRPr>
+          </a:p>
+        </p:txBody>
+      </p:sp>
+      <p:sp>
+        <p:nvSpPr>
+          <p:cNvPr id="49" name="모서리가 둥근 직사각형 48"/>
+          <p:cNvSpPr/>
+          <p:nvPr/>
+        </p:nvSpPr>
+        <p:spPr>
+          <a:xfrm>
+            <a:off x="3851920" y="3220712"/>
+            <a:ext cx="1296144" cy="260206"/>
+          </a:xfrm>
+          <a:prstGeom prst="roundRect">
+            <a:avLst/>
+          </a:prstGeom>
+          <a:noFill/>
+          <a:ln>
+            <a:solidFill>
+              <a:schemeClr val="bg1"/>
+            </a:solidFill>
+          </a:ln>
+        </p:spPr>
+        <p:style>
+          <a:lnRef idx="2">
+            <a:schemeClr val="accent1">
+              <a:shade val="50000"/>
+            </a:schemeClr>
+          </a:lnRef>
+          <a:fillRef idx="1">
+            <a:schemeClr val="accent1"/>
+          </a:fillRef>
+          <a:effectRef idx="0">
+            <a:schemeClr val="accent1"/>
+          </a:effectRef>
+          <a:fontRef idx="minor">
+            <a:schemeClr val="lt1"/>
+          </a:fontRef>
+        </p:style>
+        <p:txBody>
+          <a:bodyPr rtlCol="0" anchor="ctr"/>
+          <a:lstStyle/>
+          <a:p>
+            <a:pPr algn="ctr"/>
+            <a:endParaRPr lang="ko-KR" altLang="en-US" dirty="0"/>
+          </a:p>
+        </p:txBody>
+      </p:sp>
+      <p:cxnSp>
+        <p:nvCxnSpPr>
+          <p:cNvPr id="50" name="직선 화살표 연결선 49"/>
+          <p:cNvCxnSpPr>
+            <a:stCxn id="49" idx="3"/>
+          </p:cNvCxnSpPr>
+          <p:nvPr/>
+        </p:nvCxnSpPr>
+        <p:spPr>
+          <a:xfrm flipV="1">
+            <a:off x="5148064" y="3017265"/>
+            <a:ext cx="1584176" cy="333550"/>
+          </a:xfrm>
+          <a:prstGeom prst="straightConnector1">
+            <a:avLst/>
+          </a:prstGeom>
+          <a:ln>
+            <a:solidFill>
+              <a:schemeClr val="bg1"/>
+            </a:solidFill>
+            <a:tailEnd type="triangle"/>
+          </a:ln>
+        </p:spPr>
+        <p:style>
+          <a:lnRef idx="1">
+            <a:schemeClr val="accent1"/>
+          </a:lnRef>
+          <a:fillRef idx="0">
+            <a:schemeClr val="accent1"/>
+          </a:fillRef>
+          <a:effectRef idx="0">
+            <a:schemeClr val="accent1"/>
+          </a:effectRef>
+          <a:fontRef idx="minor">
+            <a:schemeClr val="tx1"/>
+          </a:fontRef>
+        </p:style>
+      </p:cxnSp>
+      <p:sp>
+        <p:nvSpPr>
+          <p:cNvPr id="51" name="직사각형 50"/>
+          <p:cNvSpPr/>
+          <p:nvPr/>
+        </p:nvSpPr>
+        <p:spPr>
+          <a:xfrm>
+            <a:off x="6732240" y="2757500"/>
+            <a:ext cx="1512168" cy="607670"/>
+          </a:xfrm>
+          <a:prstGeom prst="rect">
+            <a:avLst/>
+          </a:prstGeom>
+          <a:solidFill>
+            <a:schemeClr val="tx1">
+              <a:lumMod val="50000"/>
+              <a:lumOff val="50000"/>
+            </a:schemeClr>
+          </a:solidFill>
+          <a:ln>
+            <a:solidFill>
+              <a:schemeClr val="bg1"/>
+            </a:solidFill>
+          </a:ln>
+        </p:spPr>
+        <p:style>
+          <a:lnRef idx="2">
+            <a:schemeClr val="accent1">
+              <a:shade val="50000"/>
+            </a:schemeClr>
+          </a:lnRef>
+          <a:fillRef idx="1">
+            <a:schemeClr val="accent1"/>
+          </a:fillRef>
+          <a:effectRef idx="0">
+            <a:schemeClr val="accent1"/>
+          </a:effectRef>
+          <a:fontRef idx="minor">
+            <a:schemeClr val="lt1"/>
+          </a:fontRef>
+        </p:style>
+        <p:txBody>
+          <a:bodyPr rtlCol="0" anchor="ctr"/>
+          <a:lstStyle/>
+          <a:p>
+            <a:pPr algn="ctr"/>
+            <a:r>
+              <a:rPr lang="ko-KR" altLang="en-US" sz="1200" b="1" dirty="0" smtClean="0">
+                <a:solidFill>
+                  <a:schemeClr val="bg1"/>
+                </a:solidFill>
+              </a:rPr>
+              <a:t>들어가고자 하는 </a:t>
+            </a:r>
+            <a:r>
+              <a:rPr lang="ko-KR" altLang="en-US" sz="1200" b="1" smtClean="0">
+                <a:solidFill>
+                  <a:schemeClr val="bg1"/>
+                </a:solidFill>
+              </a:rPr>
+              <a:t>탭 선택</a:t>
+            </a:r>
+            <a:endParaRPr lang="ko-KR" altLang="en-US" sz="1200" b="1" dirty="0">
+              <a:solidFill>
+                <a:schemeClr val="bg1"/>
+              </a:solidFill>
+            </a:endParaRPr>
+          </a:p>
+        </p:txBody>
+      </p:sp>
+      <p:cxnSp>
+        <p:nvCxnSpPr>
+          <p:cNvPr id="52" name="직선 화살표 연결선 51"/>
+          <p:cNvCxnSpPr/>
+          <p:nvPr/>
+        </p:nvCxnSpPr>
+        <p:spPr>
+          <a:xfrm>
+            <a:off x="5436096" y="3724768"/>
+            <a:ext cx="720080" cy="83696"/>
+          </a:xfrm>
+          <a:prstGeom prst="straightConnector1">
+            <a:avLst/>
+          </a:prstGeom>
+          <a:ln>
+            <a:solidFill>
+              <a:schemeClr val="bg1"/>
+            </a:solidFill>
+            <a:tailEnd type="triangle"/>
+          </a:ln>
+        </p:spPr>
+        <p:style>
+          <a:lnRef idx="1">
+            <a:schemeClr val="accent1"/>
+          </a:lnRef>
+          <a:fillRef idx="0">
+            <a:schemeClr val="accent1"/>
+          </a:fillRef>
+          <a:effectRef idx="0">
+            <a:schemeClr val="accent1"/>
+          </a:effectRef>
+          <a:fontRef idx="minor">
+            <a:schemeClr val="tx1"/>
+          </a:fontRef>
+        </p:style>
+      </p:cxnSp>
+      <p:sp>
+        <p:nvSpPr>
+          <p:cNvPr id="53" name="직사각형 52"/>
+          <p:cNvSpPr/>
+          <p:nvPr/>
+        </p:nvSpPr>
+        <p:spPr>
+          <a:xfrm>
+            <a:off x="6156176" y="3592440"/>
+            <a:ext cx="2448272" cy="492368"/>
+          </a:xfrm>
+          <a:prstGeom prst="rect">
+            <a:avLst/>
+          </a:prstGeom>
+          <a:solidFill>
+            <a:schemeClr val="tx1">
+              <a:lumMod val="50000"/>
+              <a:lumOff val="50000"/>
+            </a:schemeClr>
+          </a:solidFill>
+          <a:ln>
+            <a:solidFill>
+              <a:schemeClr val="bg1"/>
+            </a:solidFill>
+          </a:ln>
+        </p:spPr>
+        <p:style>
+          <a:lnRef idx="2">
+            <a:schemeClr val="accent1">
+              <a:shade val="50000"/>
+            </a:schemeClr>
+          </a:lnRef>
+          <a:fillRef idx="1">
+            <a:schemeClr val="accent1"/>
+          </a:fillRef>
+          <a:effectRef idx="0">
+            <a:schemeClr val="accent1"/>
+          </a:effectRef>
+          <a:fontRef idx="minor">
+            <a:schemeClr val="lt1"/>
+          </a:fontRef>
+        </p:style>
+        <p:txBody>
+          <a:bodyPr rtlCol="0" anchor="ctr"/>
+          <a:lstStyle/>
+          <a:p>
+            <a:pPr algn="ctr"/>
+            <a:r>
+              <a:rPr lang="en-US" altLang="ko-KR" sz="1200" b="1" dirty="0" smtClean="0">
+                <a:solidFill>
+                  <a:schemeClr val="bg1"/>
+                </a:solidFill>
+              </a:rPr>
+              <a:t>ID/PW</a:t>
+            </a:r>
+            <a:r>
+              <a:rPr lang="ko-KR" altLang="en-US" sz="1200" b="1" dirty="0" smtClean="0">
+                <a:solidFill>
+                  <a:schemeClr val="bg1"/>
+                </a:solidFill>
+              </a:rPr>
+              <a:t>를 성공적으로 입력 시 </a:t>
+            </a:r>
+            <a:endParaRPr lang="en-US" altLang="ko-KR" sz="1200" b="1" dirty="0" smtClean="0">
+              <a:solidFill>
+                <a:schemeClr val="bg1"/>
+              </a:solidFill>
+            </a:endParaRPr>
+          </a:p>
+          <a:p>
+            <a:pPr algn="ctr"/>
+            <a:r>
+              <a:rPr lang="ko-KR" altLang="en-US" sz="1200" b="1" dirty="0" smtClean="0">
+                <a:solidFill>
+                  <a:schemeClr val="bg1"/>
+                </a:solidFill>
+              </a:rPr>
+              <a:t>선택된 구분에 맞는 탭으로 이동</a:t>
+            </a:r>
+            <a:endParaRPr lang="ko-KR" altLang="en-US" sz="1200" b="1" dirty="0">
+              <a:solidFill>
+                <a:schemeClr val="bg1"/>
+              </a:solidFill>
+            </a:endParaRPr>
+          </a:p>
+        </p:txBody>
+      </p:sp>
+      <p:cxnSp>
+        <p:nvCxnSpPr>
+          <p:cNvPr id="55" name="직선 화살표 연결선 54"/>
+          <p:cNvCxnSpPr/>
+          <p:nvPr/>
+        </p:nvCxnSpPr>
+        <p:spPr>
+          <a:xfrm flipH="1">
+            <a:off x="3823821" y="4195118"/>
+            <a:ext cx="785192" cy="314470"/>
+          </a:xfrm>
+          <a:prstGeom prst="straightConnector1">
+            <a:avLst/>
+          </a:prstGeom>
+          <a:ln>
+            <a:solidFill>
+              <a:schemeClr val="bg1"/>
+            </a:solidFill>
+            <a:tailEnd type="triangle"/>
+          </a:ln>
+        </p:spPr>
+        <p:style>
+          <a:lnRef idx="1">
+            <a:schemeClr val="accent1"/>
+          </a:lnRef>
+          <a:fillRef idx="0">
+            <a:schemeClr val="accent1"/>
+          </a:fillRef>
+          <a:effectRef idx="0">
+            <a:schemeClr val="accent1"/>
+          </a:effectRef>
+          <a:fontRef idx="minor">
+            <a:schemeClr val="tx1"/>
+          </a:fontRef>
+        </p:style>
+      </p:cxnSp>
+      <p:pic>
+        <p:nvPicPr>
+          <p:cNvPr id="57" name="그림 56"/>
+          <p:cNvPicPr preferRelativeResize="0">
+            <a:picLocks/>
+          </p:cNvPicPr>
+          <p:nvPr/>
+        </p:nvPicPr>
+        <p:blipFill>
+          <a:blip r:embed="rId4">
+            <a:extLst>
+              <a:ext uri="{28A0092B-C50C-407E-A947-70E740481C1C}">
+                <a14:useLocalDpi xmlns:a14="http://schemas.microsoft.com/office/drawing/2010/main" val="0"/>
+              </a:ext>
+            </a:extLst>
+          </a:blip>
+          <a:stretch>
+            <a:fillRect/>
+          </a:stretch>
+        </p:blipFill>
+        <p:spPr>
+          <a:xfrm>
+            <a:off x="1800000" y="4392000"/>
+            <a:ext cx="1947600" cy="2160000"/>
+          </a:xfrm>
+          <a:prstGeom prst="rect">
+            <a:avLst/>
+          </a:prstGeom>
+        </p:spPr>
+      </p:pic>
+      <p:pic>
+        <p:nvPicPr>
+          <p:cNvPr id="58" name="그림 57"/>
+          <p:cNvPicPr preferRelativeResize="0">
+            <a:picLocks/>
+          </p:cNvPicPr>
+          <p:nvPr/>
+        </p:nvPicPr>
+        <p:blipFill>
+          <a:blip r:embed="rId5">
+            <a:extLst>
+              <a:ext uri="{28A0092B-C50C-407E-A947-70E740481C1C}">
+                <a14:useLocalDpi xmlns:a14="http://schemas.microsoft.com/office/drawing/2010/main" val="0"/>
+              </a:ext>
+            </a:extLst>
+          </a:blip>
+          <a:stretch>
+            <a:fillRect/>
+          </a:stretch>
+        </p:blipFill>
+        <p:spPr>
+          <a:xfrm>
+            <a:off x="1800000" y="4392000"/>
+            <a:ext cx="1947600" cy="2160000"/>
+          </a:xfrm>
+          <a:prstGeom prst="rect">
+            <a:avLst/>
+          </a:prstGeom>
+        </p:spPr>
+      </p:pic>
+      <p:sp>
+        <p:nvSpPr>
+          <p:cNvPr id="59" name="모서리가 둥근 직사각형 58"/>
+          <p:cNvSpPr/>
+          <p:nvPr/>
+        </p:nvSpPr>
+        <p:spPr>
+          <a:xfrm>
+            <a:off x="2003180" y="4820594"/>
+            <a:ext cx="1512167" cy="260206"/>
+          </a:xfrm>
+          <a:prstGeom prst="roundRect">
+            <a:avLst/>
+          </a:prstGeom>
+          <a:noFill/>
+          <a:ln>
+            <a:solidFill>
+              <a:schemeClr val="bg1"/>
+            </a:solidFill>
+          </a:ln>
+        </p:spPr>
+        <p:style>
+          <a:lnRef idx="2">
+            <a:schemeClr val="accent1">
+              <a:shade val="50000"/>
+            </a:schemeClr>
+          </a:lnRef>
+          <a:fillRef idx="1">
+            <a:schemeClr val="accent1"/>
+          </a:fillRef>
+          <a:effectRef idx="0">
+            <a:schemeClr val="accent1"/>
+          </a:effectRef>
+          <a:fontRef idx="minor">
+            <a:schemeClr val="lt1"/>
+          </a:fontRef>
+        </p:style>
+        <p:txBody>
+          <a:bodyPr rtlCol="0" anchor="ctr"/>
+          <a:lstStyle/>
+          <a:p>
+            <a:pPr algn="ctr"/>
+            <a:endParaRPr lang="ko-KR" altLang="en-US"/>
+          </a:p>
+        </p:txBody>
+      </p:sp>
+      <p:cxnSp>
+        <p:nvCxnSpPr>
+          <p:cNvPr id="60" name="직선 화살표 연결선 59"/>
+          <p:cNvCxnSpPr>
+            <a:endCxn id="62" idx="2"/>
+          </p:cNvCxnSpPr>
+          <p:nvPr/>
+        </p:nvCxnSpPr>
+        <p:spPr>
+          <a:xfrm flipV="1">
+            <a:off x="2911253" y="2882916"/>
+            <a:ext cx="205035" cy="1906689"/>
+          </a:xfrm>
+          <a:prstGeom prst="straightConnector1">
+            <a:avLst/>
+          </a:prstGeom>
+          <a:ln>
+            <a:solidFill>
+              <a:schemeClr val="bg1"/>
+            </a:solidFill>
+            <a:tailEnd type="triangle"/>
+          </a:ln>
+        </p:spPr>
+        <p:style>
+          <a:lnRef idx="1">
+            <a:schemeClr val="accent1"/>
+          </a:lnRef>
+          <a:fillRef idx="0">
+            <a:schemeClr val="accent1"/>
+          </a:fillRef>
+          <a:effectRef idx="0">
+            <a:schemeClr val="accent1"/>
+          </a:effectRef>
+          <a:fontRef idx="minor">
+            <a:schemeClr val="tx1"/>
+          </a:fontRef>
+        </p:style>
+      </p:cxnSp>
+      <p:sp>
+        <p:nvSpPr>
+          <p:cNvPr id="62" name="직사각형 61"/>
+          <p:cNvSpPr/>
+          <p:nvPr/>
+        </p:nvSpPr>
+        <p:spPr>
+          <a:xfrm>
+            <a:off x="1868709" y="2464780"/>
+            <a:ext cx="2495157" cy="418136"/>
+          </a:xfrm>
+          <a:prstGeom prst="rect">
+            <a:avLst/>
+          </a:prstGeom>
+          <a:solidFill>
+            <a:schemeClr val="tx1">
+              <a:lumMod val="50000"/>
+              <a:lumOff val="50000"/>
+            </a:schemeClr>
+          </a:solidFill>
+          <a:ln>
+            <a:solidFill>
+              <a:schemeClr val="bg1"/>
+            </a:solidFill>
+          </a:ln>
+        </p:spPr>
+        <p:style>
+          <a:lnRef idx="2">
+            <a:schemeClr val="accent1">
+              <a:shade val="50000"/>
+            </a:schemeClr>
+          </a:lnRef>
+          <a:fillRef idx="1">
+            <a:schemeClr val="accent1"/>
+          </a:fillRef>
+          <a:effectRef idx="0">
+            <a:schemeClr val="accent1"/>
+          </a:effectRef>
+          <a:fontRef idx="minor">
+            <a:schemeClr val="lt1"/>
+          </a:fontRef>
+        </p:style>
+        <p:txBody>
+          <a:bodyPr rtlCol="0" anchor="ctr"/>
+          <a:lstStyle/>
+          <a:p>
+            <a:pPr algn="ctr"/>
+            <a:r>
+              <a:rPr lang="ko-KR" altLang="en-US" sz="1200" b="1" dirty="0" smtClean="0">
+                <a:solidFill>
+                  <a:schemeClr val="bg1"/>
+                </a:solidFill>
+              </a:rPr>
+              <a:t>찾고자 하는 계정 </a:t>
+            </a:r>
+            <a:r>
+              <a:rPr lang="ko-KR" altLang="en-US" sz="1200" b="1" smtClean="0">
+                <a:solidFill>
+                  <a:schemeClr val="bg1"/>
+                </a:solidFill>
+              </a:rPr>
+              <a:t>정보 선택</a:t>
+            </a:r>
+            <a:endParaRPr lang="ko-KR" altLang="en-US" sz="1200" b="1" dirty="0">
+              <a:solidFill>
+                <a:schemeClr val="bg1"/>
+              </a:solidFill>
+            </a:endParaRPr>
+          </a:p>
+        </p:txBody>
+      </p:sp>
+      <p:cxnSp>
+        <p:nvCxnSpPr>
+          <p:cNvPr id="63" name="직선 화살표 연결선 62"/>
+          <p:cNvCxnSpPr/>
+          <p:nvPr/>
+        </p:nvCxnSpPr>
+        <p:spPr>
+          <a:xfrm flipV="1">
+            <a:off x="3140753" y="5697510"/>
+            <a:ext cx="1295412" cy="565882"/>
+          </a:xfrm>
+          <a:prstGeom prst="straightConnector1">
+            <a:avLst/>
+          </a:prstGeom>
+          <a:ln>
+            <a:solidFill>
+              <a:schemeClr val="bg1"/>
+            </a:solidFill>
+            <a:tailEnd type="triangle"/>
+          </a:ln>
+        </p:spPr>
+        <p:style>
+          <a:lnRef idx="1">
+            <a:schemeClr val="accent1"/>
+          </a:lnRef>
+          <a:fillRef idx="0">
+            <a:schemeClr val="accent1"/>
+          </a:fillRef>
+          <a:effectRef idx="0">
+            <a:schemeClr val="accent1"/>
+          </a:effectRef>
+          <a:fontRef idx="minor">
+            <a:schemeClr val="tx1"/>
+          </a:fontRef>
+        </p:style>
+      </p:cxnSp>
+      <p:sp>
+        <p:nvSpPr>
+          <p:cNvPr id="64" name="직사각형 63"/>
+          <p:cNvSpPr/>
+          <p:nvPr/>
+        </p:nvSpPr>
+        <p:spPr>
+          <a:xfrm>
+            <a:off x="4457511" y="5539581"/>
+            <a:ext cx="2495157" cy="418136"/>
+          </a:xfrm>
+          <a:prstGeom prst="rect">
+            <a:avLst/>
+          </a:prstGeom>
+          <a:solidFill>
+            <a:schemeClr val="tx1">
+              <a:lumMod val="50000"/>
+              <a:lumOff val="50000"/>
+            </a:schemeClr>
+          </a:solidFill>
+          <a:ln>
+            <a:solidFill>
+              <a:schemeClr val="bg1"/>
+            </a:solidFill>
+          </a:ln>
+        </p:spPr>
+        <p:style>
+          <a:lnRef idx="2">
+            <a:schemeClr val="accent1">
+              <a:shade val="50000"/>
+            </a:schemeClr>
+          </a:lnRef>
+          <a:fillRef idx="1">
+            <a:schemeClr val="accent1"/>
+          </a:fillRef>
+          <a:effectRef idx="0">
+            <a:schemeClr val="accent1"/>
+          </a:effectRef>
+          <a:fontRef idx="minor">
+            <a:schemeClr val="lt1"/>
+          </a:fontRef>
+        </p:style>
+        <p:txBody>
+          <a:bodyPr rtlCol="0" anchor="ctr"/>
+          <a:lstStyle/>
+          <a:p>
+            <a:pPr algn="ctr"/>
+            <a:r>
+              <a:rPr lang="ko-KR" altLang="en-US" sz="1200" b="1" dirty="0" smtClean="0">
+                <a:solidFill>
+                  <a:schemeClr val="bg1"/>
+                </a:solidFill>
+              </a:rPr>
+              <a:t>정보를 </a:t>
+            </a:r>
+            <a:r>
+              <a:rPr lang="ko-KR" altLang="en-US" sz="1200" b="1" dirty="0">
+                <a:solidFill>
+                  <a:schemeClr val="bg1"/>
+                </a:solidFill>
+              </a:rPr>
+              <a:t>성공적으로 입력 </a:t>
+            </a:r>
+            <a:r>
+              <a:rPr lang="ko-KR" altLang="en-US" sz="1200" b="1" dirty="0" smtClean="0">
+                <a:solidFill>
+                  <a:schemeClr val="bg1"/>
+                </a:solidFill>
+              </a:rPr>
+              <a:t>시</a:t>
+            </a:r>
+            <a:endParaRPr lang="en-US" altLang="ko-KR" sz="1200" b="1" dirty="0" smtClean="0">
+              <a:solidFill>
+                <a:schemeClr val="bg1"/>
+              </a:solidFill>
+            </a:endParaRPr>
+          </a:p>
+          <a:p>
+            <a:pPr algn="ctr"/>
+            <a:r>
+              <a:rPr lang="ko-KR" altLang="en-US" sz="1200" b="1" dirty="0" smtClean="0">
+                <a:solidFill>
+                  <a:schemeClr val="bg1"/>
+                </a:solidFill>
+              </a:rPr>
+              <a:t>찾고자 하는 정보 팝업</a:t>
+            </a:r>
+            <a:endParaRPr lang="en-US" altLang="ko-KR" sz="1200" b="1" dirty="0">
+              <a:solidFill>
+                <a:schemeClr val="bg1"/>
+              </a:solidFill>
+            </a:endParaRPr>
+          </a:p>
+        </p:txBody>
+      </p:sp>
+      <p:sp>
+        <p:nvSpPr>
+          <p:cNvPr id="66" name="모서리가 둥근 직사각형 65"/>
+          <p:cNvSpPr/>
+          <p:nvPr/>
+        </p:nvSpPr>
+        <p:spPr>
+          <a:xfrm>
+            <a:off x="2074486" y="5689297"/>
+            <a:ext cx="1512167" cy="260206"/>
+          </a:xfrm>
+          <a:prstGeom prst="roundRect">
+            <a:avLst/>
+          </a:prstGeom>
+          <a:noFill/>
+          <a:ln>
+            <a:solidFill>
+              <a:schemeClr val="bg1"/>
+            </a:solidFill>
+          </a:ln>
+        </p:spPr>
+        <p:style>
+          <a:lnRef idx="2">
+            <a:schemeClr val="accent1">
+              <a:shade val="50000"/>
+            </a:schemeClr>
+          </a:lnRef>
+          <a:fillRef idx="1">
+            <a:schemeClr val="accent1"/>
+          </a:fillRef>
+          <a:effectRef idx="0">
+            <a:schemeClr val="accent1"/>
+          </a:effectRef>
+          <a:fontRef idx="minor">
+            <a:schemeClr val="lt1"/>
+          </a:fontRef>
+        </p:style>
+        <p:txBody>
+          <a:bodyPr rtlCol="0" anchor="ctr"/>
+          <a:lstStyle/>
+          <a:p>
+            <a:pPr algn="ctr"/>
+            <a:endParaRPr lang="ko-KR" altLang="en-US"/>
+          </a:p>
+        </p:txBody>
+      </p:sp>
+      <p:cxnSp>
+        <p:nvCxnSpPr>
+          <p:cNvPr id="71" name="직선 화살표 연결선 70"/>
+          <p:cNvCxnSpPr/>
+          <p:nvPr/>
+        </p:nvCxnSpPr>
+        <p:spPr>
+          <a:xfrm flipV="1">
+            <a:off x="3390734" y="5108662"/>
+            <a:ext cx="1295412" cy="565882"/>
+          </a:xfrm>
+          <a:prstGeom prst="straightConnector1">
+            <a:avLst/>
+          </a:prstGeom>
+          <a:ln>
+            <a:solidFill>
+              <a:schemeClr val="bg1"/>
+            </a:solidFill>
+            <a:tailEnd type="triangle"/>
+          </a:ln>
+        </p:spPr>
+        <p:style>
+          <a:lnRef idx="1">
+            <a:schemeClr val="accent1"/>
+          </a:lnRef>
+          <a:fillRef idx="0">
+            <a:schemeClr val="accent1"/>
+          </a:fillRef>
+          <a:effectRef idx="0">
+            <a:schemeClr val="accent1"/>
+          </a:effectRef>
+          <a:fontRef idx="minor">
+            <a:schemeClr val="tx1"/>
+          </a:fontRef>
+        </p:style>
+      </p:cxnSp>
+      <p:sp>
+        <p:nvSpPr>
+          <p:cNvPr id="72" name="직사각형 71"/>
+          <p:cNvSpPr/>
+          <p:nvPr/>
+        </p:nvSpPr>
+        <p:spPr>
+          <a:xfrm>
+            <a:off x="4761435" y="4757187"/>
+            <a:ext cx="2495157" cy="418136"/>
+          </a:xfrm>
+          <a:prstGeom prst="rect">
+            <a:avLst/>
+          </a:prstGeom>
+          <a:solidFill>
+            <a:schemeClr val="tx1">
+              <a:lumMod val="50000"/>
+              <a:lumOff val="50000"/>
+            </a:schemeClr>
+          </a:solidFill>
+          <a:ln>
+            <a:solidFill>
+              <a:schemeClr val="bg1"/>
+            </a:solidFill>
+          </a:ln>
+        </p:spPr>
+        <p:style>
+          <a:lnRef idx="2">
+            <a:schemeClr val="accent1">
+              <a:shade val="50000"/>
+            </a:schemeClr>
+          </a:lnRef>
+          <a:fillRef idx="1">
+            <a:schemeClr val="accent1"/>
+          </a:fillRef>
+          <a:effectRef idx="0">
+            <a:schemeClr val="accent1"/>
+          </a:effectRef>
+          <a:fontRef idx="minor">
+            <a:schemeClr val="lt1"/>
+          </a:fontRef>
+        </p:style>
+        <p:txBody>
+          <a:bodyPr rtlCol="0" anchor="ctr"/>
+          <a:lstStyle/>
+          <a:p>
+            <a:pPr algn="ctr"/>
+            <a:r>
+              <a:rPr lang="en-US" altLang="ko-KR" sz="1200" b="1" dirty="0" smtClean="0">
+                <a:solidFill>
+                  <a:schemeClr val="bg1"/>
+                </a:solidFill>
+              </a:rPr>
+              <a:t>ID</a:t>
+            </a:r>
+            <a:r>
+              <a:rPr lang="ko-KR" altLang="en-US" sz="1200" b="1" dirty="0" smtClean="0">
+                <a:solidFill>
+                  <a:schemeClr val="bg1"/>
+                </a:solidFill>
+              </a:rPr>
+              <a:t>를 추가로 입력 필요</a:t>
+            </a:r>
+            <a:endParaRPr lang="en-US" altLang="ko-KR" sz="1200" b="1" dirty="0">
+              <a:solidFill>
+                <a:schemeClr val="bg1"/>
+              </a:solidFill>
+            </a:endParaRPr>
+          </a:p>
+        </p:txBody>
+      </p:sp>
+      <p:sp>
+        <p:nvSpPr>
+          <p:cNvPr id="73" name="TextBox 72"/>
           <p:cNvSpPr txBox="1"/>
           <p:nvPr/>
         </p:nvSpPr>
         <p:spPr>
           <a:xfrm>
-            <a:off x="1088114" y="1708519"/>
-            <a:ext cx="7128793" cy="2554545"/>
+            <a:off x="107504" y="1340768"/>
+            <a:ext cx="450395" cy="338554"/>
           </a:xfrm>
           <a:prstGeom prst="rect">
             <a:avLst/>
@@ -11770,15 +13480,8 @@
           </a:bodyPr>
           <a:lstStyle/>
           <a:p>
-            <a:pPr marL="285750" indent="-285750">
-              <a:lnSpc>
-                <a:spcPct val="200000"/>
-              </a:lnSpc>
-              <a:buFont typeface="Wingdings" pitchFamily="2" charset="2"/>
-              <a:buChar char="§"/>
-            </a:pPr>
-            <a:r>
-              <a:rPr lang="ko-KR" altLang="en-US" sz="1600" dirty="0" smtClean="0">
+            <a:r>
+              <a:rPr lang="en-US" altLang="ko-KR" sz="1600" b="1" dirty="0" smtClean="0">
                 <a:ln>
                   <a:solidFill>
                     <a:schemeClr val="tx1">
@@ -11787,14 +13490,41 @@
                   </a:solidFill>
                 </a:ln>
                 <a:solidFill>
-                  <a:srgbClr val="272123"/>
-                </a:solidFill>
-                <a:latin typeface="+mn-ea"/>
-              </a:rPr>
-              <a:t>운영체제 </a:t>
-            </a:r>
-            <a:r>
-              <a:rPr lang="en-US" altLang="ko-KR" sz="1600" dirty="0" smtClean="0">
+                  <a:schemeClr val="bg1">
+                    <a:lumMod val="85000"/>
+                  </a:schemeClr>
+                </a:solidFill>
+                <a:latin typeface="+mn-ea"/>
+              </a:rPr>
+              <a:t>02</a:t>
+            </a:r>
+          </a:p>
+        </p:txBody>
+      </p:sp>
+      <p:sp>
+        <p:nvSpPr>
+          <p:cNvPr id="74" name="TextBox 73"/>
+          <p:cNvSpPr txBox="1"/>
+          <p:nvPr/>
+        </p:nvSpPr>
+        <p:spPr>
+          <a:xfrm>
+            <a:off x="107504" y="1819563"/>
+            <a:ext cx="450395" cy="338554"/>
+          </a:xfrm>
+          <a:prstGeom prst="rect">
+            <a:avLst/>
+          </a:prstGeom>
+          <a:noFill/>
+        </p:spPr>
+        <p:txBody>
+          <a:bodyPr wrap="square" rtlCol="0">
+            <a:spAutoFit/>
+          </a:bodyPr>
+          <a:lstStyle/>
+          <a:p>
+            <a:r>
+              <a:rPr lang="en-US" altLang="ko-KR" sz="1600" b="1" dirty="0" smtClean="0">
                 <a:ln>
                   <a:solidFill>
                     <a:schemeClr val="tx1">
@@ -11803,288 +13533,13 @@
                   </a:solidFill>
                 </a:ln>
                 <a:solidFill>
-                  <a:srgbClr val="272123"/>
-                </a:solidFill>
-                <a:latin typeface="+mn-ea"/>
-              </a:rPr>
-              <a:t>: Windows 10 Home 64</a:t>
-            </a:r>
-            <a:r>
-              <a:rPr lang="ko-KR" altLang="en-US" sz="1600" dirty="0" smtClean="0">
-                <a:ln>
-                  <a:solidFill>
-                    <a:schemeClr val="tx1">
-                      <a:alpha val="30000"/>
-                    </a:schemeClr>
-                  </a:solidFill>
-                </a:ln>
-                <a:solidFill>
-                  <a:srgbClr val="272123"/>
-                </a:solidFill>
-                <a:latin typeface="+mn-ea"/>
-              </a:rPr>
-              <a:t>비트</a:t>
-            </a:r>
-            <a:endParaRPr lang="en-US" altLang="ko-KR" sz="1600" dirty="0" smtClean="0">
-              <a:ln>
-                <a:solidFill>
-                  <a:schemeClr val="tx1">
-                    <a:alpha val="30000"/>
+                  <a:schemeClr val="bg1">
+                    <a:lumMod val="85000"/>
                   </a:schemeClr>
                 </a:solidFill>
-              </a:ln>
-              <a:solidFill>
-                <a:srgbClr val="272123"/>
-              </a:solidFill>
-              <a:latin typeface="+mn-ea"/>
-            </a:endParaRPr>
-          </a:p>
-          <a:p>
-            <a:pPr marL="285750" indent="-285750">
-              <a:lnSpc>
-                <a:spcPct val="200000"/>
-              </a:lnSpc>
-              <a:buFont typeface="Wingdings" pitchFamily="2" charset="2"/>
-              <a:buChar char="§"/>
-            </a:pPr>
-            <a:r>
-              <a:rPr lang="en-US" altLang="ko-KR" sz="1600" dirty="0" smtClean="0">
-                <a:ln>
-                  <a:solidFill>
-                    <a:schemeClr val="tx1">
-                      <a:alpha val="30000"/>
-                    </a:schemeClr>
-                  </a:solidFill>
-                </a:ln>
-                <a:solidFill>
-                  <a:srgbClr val="272123"/>
-                </a:solidFill>
-                <a:latin typeface="+mn-ea"/>
-              </a:rPr>
-              <a:t>DBMS : Oracle </a:t>
-            </a:r>
-            <a:r>
-              <a:rPr lang="en-US" altLang="ko-KR" sz="1600" dirty="0" err="1" smtClean="0">
-                <a:ln>
-                  <a:solidFill>
-                    <a:schemeClr val="tx1">
-                      <a:alpha val="30000"/>
-                    </a:schemeClr>
-                  </a:solidFill>
-                </a:ln>
-                <a:solidFill>
-                  <a:srgbClr val="272123"/>
-                </a:solidFill>
-                <a:latin typeface="+mn-ea"/>
-              </a:rPr>
-              <a:t>DataBase</a:t>
-            </a:r>
-            <a:r>
-              <a:rPr lang="en-US" altLang="ko-KR" sz="1600" dirty="0" smtClean="0">
-                <a:ln>
-                  <a:solidFill>
-                    <a:schemeClr val="tx1">
-                      <a:alpha val="30000"/>
-                    </a:schemeClr>
-                  </a:solidFill>
-                </a:ln>
-                <a:solidFill>
-                  <a:srgbClr val="272123"/>
-                </a:solidFill>
-                <a:latin typeface="+mn-ea"/>
-              </a:rPr>
-              <a:t> 11g</a:t>
-            </a:r>
-          </a:p>
-          <a:p>
-            <a:pPr marL="285750" indent="-285750">
-              <a:lnSpc>
-                <a:spcPct val="200000"/>
-              </a:lnSpc>
-              <a:buFont typeface="Wingdings" pitchFamily="2" charset="2"/>
-              <a:buChar char="§"/>
-            </a:pPr>
-            <a:r>
-              <a:rPr lang="ko-KR" altLang="en-US" sz="1600" dirty="0" smtClean="0">
-                <a:ln>
-                  <a:solidFill>
-                    <a:schemeClr val="tx1">
-                      <a:alpha val="30000"/>
-                    </a:schemeClr>
-                  </a:solidFill>
-                </a:ln>
-                <a:solidFill>
-                  <a:srgbClr val="272123"/>
-                </a:solidFill>
-                <a:latin typeface="+mn-ea"/>
-              </a:rPr>
-              <a:t>개발 및 설계 도구 </a:t>
-            </a:r>
-            <a:r>
-              <a:rPr lang="en-US" altLang="ko-KR" sz="1600" dirty="0" smtClean="0">
-                <a:ln>
-                  <a:solidFill>
-                    <a:schemeClr val="tx1">
-                      <a:alpha val="30000"/>
-                    </a:schemeClr>
-                  </a:solidFill>
-                </a:ln>
-                <a:solidFill>
-                  <a:srgbClr val="272123"/>
-                </a:solidFill>
-                <a:latin typeface="+mn-ea"/>
-              </a:rPr>
-              <a:t>: Eclipse, </a:t>
-            </a:r>
-            <a:r>
-              <a:rPr lang="en-US" altLang="ko-KR" sz="1600" dirty="0" err="1" smtClean="0">
-                <a:ln>
-                  <a:solidFill>
-                    <a:schemeClr val="tx1">
-                      <a:alpha val="30000"/>
-                    </a:schemeClr>
-                  </a:solidFill>
-                </a:ln>
-                <a:solidFill>
-                  <a:srgbClr val="272123"/>
-                </a:solidFill>
-                <a:latin typeface="+mn-ea"/>
-              </a:rPr>
-              <a:t>sql</a:t>
-            </a:r>
-            <a:r>
-              <a:rPr lang="en-US" altLang="ko-KR" sz="1600" dirty="0" smtClean="0">
-                <a:ln>
-                  <a:solidFill>
-                    <a:schemeClr val="tx1">
-                      <a:alpha val="30000"/>
-                    </a:schemeClr>
-                  </a:solidFill>
-                </a:ln>
-                <a:solidFill>
-                  <a:srgbClr val="272123"/>
-                </a:solidFill>
-                <a:latin typeface="+mn-ea"/>
-              </a:rPr>
-              <a:t> developer,			 		</a:t>
-            </a:r>
-            <a:r>
-              <a:rPr lang="en-US" altLang="ko-KR" sz="1600" dirty="0" err="1" smtClean="0">
-                <a:ln>
-                  <a:solidFill>
-                    <a:schemeClr val="tx1">
-                      <a:alpha val="30000"/>
-                    </a:schemeClr>
-                  </a:solidFill>
-                </a:ln>
-                <a:solidFill>
-                  <a:srgbClr val="272123"/>
-                </a:solidFill>
-                <a:latin typeface="+mn-ea"/>
-              </a:rPr>
-              <a:t>ERWin</a:t>
-            </a:r>
-            <a:r>
-              <a:rPr lang="en-US" altLang="ko-KR" sz="1600" dirty="0" smtClean="0">
-                <a:ln>
-                  <a:solidFill>
-                    <a:schemeClr val="tx1">
-                      <a:alpha val="30000"/>
-                    </a:schemeClr>
-                  </a:solidFill>
-                </a:ln>
-                <a:solidFill>
-                  <a:srgbClr val="272123"/>
-                </a:solidFill>
-                <a:latin typeface="+mn-ea"/>
-              </a:rPr>
-              <a:t> Data </a:t>
-            </a:r>
-            <a:r>
-              <a:rPr lang="en-US" altLang="ko-KR" sz="1600" dirty="0">
-                <a:ln>
-                  <a:solidFill>
-                    <a:schemeClr val="tx1">
-                      <a:alpha val="30000"/>
-                    </a:schemeClr>
-                  </a:solidFill>
-                </a:ln>
-                <a:solidFill>
-                  <a:srgbClr val="272123"/>
-                </a:solidFill>
-                <a:latin typeface="+mn-ea"/>
-              </a:rPr>
-              <a:t>Modeler, </a:t>
-            </a:r>
-            <a:r>
-              <a:rPr lang="en-US" altLang="ko-KR" sz="1600" dirty="0" smtClean="0">
-                <a:ln>
-                  <a:solidFill>
-                    <a:schemeClr val="tx1">
-                      <a:alpha val="30000"/>
-                    </a:schemeClr>
-                  </a:solidFill>
-                </a:ln>
-                <a:solidFill>
-                  <a:srgbClr val="272123"/>
-                </a:solidFill>
-                <a:latin typeface="+mn-ea"/>
-              </a:rPr>
-              <a:t>SceneBuilder-8.5.0</a:t>
-            </a:r>
-            <a:endParaRPr lang="en-US" altLang="ko-KR" sz="1600" dirty="0" smtClean="0">
-              <a:ln>
-                <a:solidFill>
-                  <a:schemeClr val="tx1">
-                    <a:alpha val="30000"/>
-                  </a:schemeClr>
-                </a:solidFill>
-              </a:ln>
-              <a:solidFill>
-                <a:srgbClr val="272123"/>
-              </a:solidFill>
-              <a:latin typeface="+mn-ea"/>
-            </a:endParaRPr>
-          </a:p>
-          <a:p>
-            <a:pPr marL="285750" indent="-285750">
-              <a:lnSpc>
-                <a:spcPct val="200000"/>
-              </a:lnSpc>
-              <a:buFont typeface="Wingdings" pitchFamily="2" charset="2"/>
-              <a:buChar char="§"/>
-            </a:pPr>
-            <a:r>
-              <a:rPr lang="ko-KR" altLang="en-US" sz="1600" dirty="0" smtClean="0">
-                <a:ln>
-                  <a:solidFill>
-                    <a:schemeClr val="tx1">
-                      <a:alpha val="30000"/>
-                    </a:schemeClr>
-                  </a:solidFill>
-                </a:ln>
-                <a:solidFill>
-                  <a:srgbClr val="272123"/>
-                </a:solidFill>
-                <a:latin typeface="+mn-ea"/>
-              </a:rPr>
-              <a:t>개발 언어 </a:t>
-            </a:r>
-            <a:r>
-              <a:rPr lang="en-US" altLang="ko-KR" sz="1600" dirty="0" smtClean="0">
-                <a:ln>
-                  <a:solidFill>
-                    <a:schemeClr val="tx1">
-                      <a:alpha val="30000"/>
-                    </a:schemeClr>
-                  </a:solidFill>
-                </a:ln>
-                <a:solidFill>
-                  <a:srgbClr val="272123"/>
-                </a:solidFill>
-                <a:latin typeface="+mn-ea"/>
-              </a:rPr>
-              <a:t>: Java 1.8, JavaFX</a:t>
+                <a:latin typeface="+mn-ea"/>
+              </a:rPr>
+              <a:t>03</a:t>
             </a:r>
           </a:p>
         </p:txBody>
@@ -12093,6 +13548,1581 @@
     <p:extLst>
       <p:ext uri="{BB962C8B-B14F-4D97-AF65-F5344CB8AC3E}">
         <p14:creationId xmlns:p14="http://schemas.microsoft.com/office/powerpoint/2010/main" val="2299111397"/>
+      </p:ext>
+    </p:extLst>
+  </p:cSld>
+  <p:clrMapOvr>
+    <a:masterClrMapping/>
+  </p:clrMapOvr>
+  <mc:AlternateContent xmlns:mc="http://schemas.openxmlformats.org/markup-compatibility/2006" xmlns:p14="http://schemas.microsoft.com/office/powerpoint/2010/main">
+    <mc:Choice Requires="p14">
+      <p:transition spd="med" p14:dur="700">
+        <p:fade/>
+      </p:transition>
+    </mc:Choice>
+    <mc:Fallback xmlns="">
+      <p:transition spd="med">
+        <p:fade/>
+      </p:transition>
+    </mc:Fallback>
+  </mc:AlternateContent>
+  <p:timing>
+    <p:tnLst>
+      <p:par>
+        <p:cTn id="1" dur="indefinite" restart="never" nodeType="tmRoot">
+          <p:childTnLst>
+            <p:seq concurrent="1" nextAc="seek">
+              <p:cTn id="2" dur="indefinite" nodeType="mainSeq">
+                <p:childTnLst>
+                  <p:par>
+                    <p:cTn id="3" fill="hold">
+                      <p:stCondLst>
+                        <p:cond delay="indefinite"/>
+                      </p:stCondLst>
+                      <p:childTnLst>
+                        <p:par>
+                          <p:cTn id="4" fill="hold">
+                            <p:stCondLst>
+                              <p:cond delay="0"/>
+                            </p:stCondLst>
+                            <p:childTnLst>
+                              <p:par>
+                                <p:cTn id="5" presetID="10" presetClass="entr" presetSubtype="0" fill="hold" nodeType="clickEffect">
+                                  <p:stCondLst>
+                                    <p:cond delay="0"/>
+                                  </p:stCondLst>
+                                  <p:childTnLst>
+                                    <p:set>
+                                      <p:cBhvr>
+                                        <p:cTn id="6" dur="1" fill="hold">
+                                          <p:stCondLst>
+                                            <p:cond delay="0"/>
+                                          </p:stCondLst>
+                                        </p:cTn>
+                                        <p:tgtEl>
+                                          <p:spTgt spid="2"/>
+                                        </p:tgtEl>
+                                        <p:attrNameLst>
+                                          <p:attrName>style.visibility</p:attrName>
+                                        </p:attrNameLst>
+                                      </p:cBhvr>
+                                      <p:to>
+                                        <p:strVal val="visible"/>
+                                      </p:to>
+                                    </p:set>
+                                    <p:animEffect transition="in" filter="fade">
+                                      <p:cBhvr>
+                                        <p:cTn id="7" dur="500"/>
+                                        <p:tgtEl>
+                                          <p:spTgt spid="2"/>
+                                        </p:tgtEl>
+                                      </p:cBhvr>
+                                    </p:animEffect>
+                                  </p:childTnLst>
+                                </p:cTn>
+                              </p:par>
+                            </p:childTnLst>
+                          </p:cTn>
+                        </p:par>
+                      </p:childTnLst>
+                    </p:cTn>
+                  </p:par>
+                  <p:par>
+                    <p:cTn id="8" fill="hold">
+                      <p:stCondLst>
+                        <p:cond delay="indefinite"/>
+                      </p:stCondLst>
+                      <p:childTnLst>
+                        <p:par>
+                          <p:cTn id="9" fill="hold">
+                            <p:stCondLst>
+                              <p:cond delay="0"/>
+                            </p:stCondLst>
+                            <p:childTnLst>
+                              <p:par>
+                                <p:cTn id="10" presetID="10" presetClass="entr" presetSubtype="0" fill="hold" nodeType="clickEffect">
+                                  <p:stCondLst>
+                                    <p:cond delay="0"/>
+                                  </p:stCondLst>
+                                  <p:childTnLst>
+                                    <p:set>
+                                      <p:cBhvr>
+                                        <p:cTn id="11" dur="1" fill="hold">
+                                          <p:stCondLst>
+                                            <p:cond delay="0"/>
+                                          </p:stCondLst>
+                                        </p:cTn>
+                                        <p:tgtEl>
+                                          <p:spTgt spid="30"/>
+                                        </p:tgtEl>
+                                        <p:attrNameLst>
+                                          <p:attrName>style.visibility</p:attrName>
+                                        </p:attrNameLst>
+                                      </p:cBhvr>
+                                      <p:to>
+                                        <p:strVal val="visible"/>
+                                      </p:to>
+                                    </p:set>
+                                    <p:animEffect transition="in" filter="fade">
+                                      <p:cBhvr>
+                                        <p:cTn id="12" dur="500"/>
+                                        <p:tgtEl>
+                                          <p:spTgt spid="30"/>
+                                        </p:tgtEl>
+                                      </p:cBhvr>
+                                    </p:animEffect>
+                                  </p:childTnLst>
+                                </p:cTn>
+                              </p:par>
+                              <p:par>
+                                <p:cTn id="13" presetID="10" presetClass="entr" presetSubtype="0" fill="hold" grpId="0" nodeType="withEffect">
+                                  <p:stCondLst>
+                                    <p:cond delay="0"/>
+                                  </p:stCondLst>
+                                  <p:childTnLst>
+                                    <p:set>
+                                      <p:cBhvr>
+                                        <p:cTn id="14" dur="1" fill="hold">
+                                          <p:stCondLst>
+                                            <p:cond delay="0"/>
+                                          </p:stCondLst>
+                                        </p:cTn>
+                                        <p:tgtEl>
+                                          <p:spTgt spid="31"/>
+                                        </p:tgtEl>
+                                        <p:attrNameLst>
+                                          <p:attrName>style.visibility</p:attrName>
+                                        </p:attrNameLst>
+                                      </p:cBhvr>
+                                      <p:to>
+                                        <p:strVal val="visible"/>
+                                      </p:to>
+                                    </p:set>
+                                    <p:animEffect transition="in" filter="fade">
+                                      <p:cBhvr>
+                                        <p:cTn id="15" dur="500"/>
+                                        <p:tgtEl>
+                                          <p:spTgt spid="31"/>
+                                        </p:tgtEl>
+                                      </p:cBhvr>
+                                    </p:animEffect>
+                                  </p:childTnLst>
+                                </p:cTn>
+                              </p:par>
+                            </p:childTnLst>
+                          </p:cTn>
+                        </p:par>
+                      </p:childTnLst>
+                    </p:cTn>
+                  </p:par>
+                  <p:par>
+                    <p:cTn id="16" fill="hold">
+                      <p:stCondLst>
+                        <p:cond delay="indefinite"/>
+                      </p:stCondLst>
+                      <p:childTnLst>
+                        <p:par>
+                          <p:cTn id="17" fill="hold">
+                            <p:stCondLst>
+                              <p:cond delay="0"/>
+                            </p:stCondLst>
+                            <p:childTnLst>
+                              <p:par>
+                                <p:cTn id="18" presetID="10" presetClass="entr" presetSubtype="0" fill="hold" grpId="0" nodeType="clickEffect">
+                                  <p:stCondLst>
+                                    <p:cond delay="0"/>
+                                  </p:stCondLst>
+                                  <p:childTnLst>
+                                    <p:set>
+                                      <p:cBhvr>
+                                        <p:cTn id="19" dur="1" fill="hold">
+                                          <p:stCondLst>
+                                            <p:cond delay="0"/>
+                                          </p:stCondLst>
+                                        </p:cTn>
+                                        <p:tgtEl>
+                                          <p:spTgt spid="39"/>
+                                        </p:tgtEl>
+                                        <p:attrNameLst>
+                                          <p:attrName>style.visibility</p:attrName>
+                                        </p:attrNameLst>
+                                      </p:cBhvr>
+                                      <p:to>
+                                        <p:strVal val="visible"/>
+                                      </p:to>
+                                    </p:set>
+                                    <p:animEffect transition="in" filter="fade">
+                                      <p:cBhvr>
+                                        <p:cTn id="20" dur="500"/>
+                                        <p:tgtEl>
+                                          <p:spTgt spid="39"/>
+                                        </p:tgtEl>
+                                      </p:cBhvr>
+                                    </p:animEffect>
+                                  </p:childTnLst>
+                                </p:cTn>
+                              </p:par>
+                              <p:par>
+                                <p:cTn id="21" presetID="10" presetClass="entr" presetSubtype="0" fill="hold" nodeType="withEffect">
+                                  <p:stCondLst>
+                                    <p:cond delay="0"/>
+                                  </p:stCondLst>
+                                  <p:childTnLst>
+                                    <p:set>
+                                      <p:cBhvr>
+                                        <p:cTn id="22" dur="1" fill="hold">
+                                          <p:stCondLst>
+                                            <p:cond delay="0"/>
+                                          </p:stCondLst>
+                                        </p:cTn>
+                                        <p:tgtEl>
+                                          <p:spTgt spid="38"/>
+                                        </p:tgtEl>
+                                        <p:attrNameLst>
+                                          <p:attrName>style.visibility</p:attrName>
+                                        </p:attrNameLst>
+                                      </p:cBhvr>
+                                      <p:to>
+                                        <p:strVal val="visible"/>
+                                      </p:to>
+                                    </p:set>
+                                    <p:animEffect transition="in" filter="fade">
+                                      <p:cBhvr>
+                                        <p:cTn id="23" dur="500"/>
+                                        <p:tgtEl>
+                                          <p:spTgt spid="38"/>
+                                        </p:tgtEl>
+                                      </p:cBhvr>
+                                    </p:animEffect>
+                                  </p:childTnLst>
+                                </p:cTn>
+                              </p:par>
+                            </p:childTnLst>
+                          </p:cTn>
+                        </p:par>
+                      </p:childTnLst>
+                    </p:cTn>
+                  </p:par>
+                  <p:par>
+                    <p:cTn id="24" fill="hold">
+                      <p:stCondLst>
+                        <p:cond delay="indefinite"/>
+                      </p:stCondLst>
+                      <p:childTnLst>
+                        <p:par>
+                          <p:cTn id="25" fill="hold">
+                            <p:stCondLst>
+                              <p:cond delay="0"/>
+                            </p:stCondLst>
+                            <p:childTnLst>
+                              <p:par>
+                                <p:cTn id="26" presetID="10" presetClass="entr" presetSubtype="0" fill="hold" nodeType="clickEffect">
+                                  <p:stCondLst>
+                                    <p:cond delay="0"/>
+                                  </p:stCondLst>
+                                  <p:childTnLst>
+                                    <p:set>
+                                      <p:cBhvr>
+                                        <p:cTn id="27" dur="1" fill="hold">
+                                          <p:stCondLst>
+                                            <p:cond delay="0"/>
+                                          </p:stCondLst>
+                                        </p:cTn>
+                                        <p:tgtEl>
+                                          <p:spTgt spid="45"/>
+                                        </p:tgtEl>
+                                        <p:attrNameLst>
+                                          <p:attrName>style.visibility</p:attrName>
+                                        </p:attrNameLst>
+                                      </p:cBhvr>
+                                      <p:to>
+                                        <p:strVal val="visible"/>
+                                      </p:to>
+                                    </p:set>
+                                    <p:animEffect transition="in" filter="fade">
+                                      <p:cBhvr>
+                                        <p:cTn id="28" dur="500"/>
+                                        <p:tgtEl>
+                                          <p:spTgt spid="45"/>
+                                        </p:tgtEl>
+                                      </p:cBhvr>
+                                    </p:animEffect>
+                                  </p:childTnLst>
+                                </p:cTn>
+                              </p:par>
+                            </p:childTnLst>
+                          </p:cTn>
+                        </p:par>
+                      </p:childTnLst>
+                    </p:cTn>
+                  </p:par>
+                  <p:par>
+                    <p:cTn id="29" fill="hold">
+                      <p:stCondLst>
+                        <p:cond delay="indefinite"/>
+                      </p:stCondLst>
+                      <p:childTnLst>
+                        <p:par>
+                          <p:cTn id="30" fill="hold">
+                            <p:stCondLst>
+                              <p:cond delay="0"/>
+                            </p:stCondLst>
+                            <p:childTnLst>
+                              <p:par>
+                                <p:cTn id="31" presetID="10" presetClass="entr" presetSubtype="0" fill="hold" nodeType="clickEffect">
+                                  <p:stCondLst>
+                                    <p:cond delay="0"/>
+                                  </p:stCondLst>
+                                  <p:childTnLst>
+                                    <p:set>
+                                      <p:cBhvr>
+                                        <p:cTn id="32" dur="1" fill="hold">
+                                          <p:stCondLst>
+                                            <p:cond delay="0"/>
+                                          </p:stCondLst>
+                                        </p:cTn>
+                                        <p:tgtEl>
+                                          <p:spTgt spid="47"/>
+                                        </p:tgtEl>
+                                        <p:attrNameLst>
+                                          <p:attrName>style.visibility</p:attrName>
+                                        </p:attrNameLst>
+                                      </p:cBhvr>
+                                      <p:to>
+                                        <p:strVal val="visible"/>
+                                      </p:to>
+                                    </p:set>
+                                    <p:animEffect transition="in" filter="fade">
+                                      <p:cBhvr>
+                                        <p:cTn id="33" dur="500"/>
+                                        <p:tgtEl>
+                                          <p:spTgt spid="47"/>
+                                        </p:tgtEl>
+                                      </p:cBhvr>
+                                    </p:animEffect>
+                                  </p:childTnLst>
+                                </p:cTn>
+                              </p:par>
+                              <p:par>
+                                <p:cTn id="34" presetID="10" presetClass="entr" presetSubtype="0" fill="hold" grpId="0" nodeType="withEffect">
+                                  <p:stCondLst>
+                                    <p:cond delay="0"/>
+                                  </p:stCondLst>
+                                  <p:childTnLst>
+                                    <p:set>
+                                      <p:cBhvr>
+                                        <p:cTn id="35" dur="1" fill="hold">
+                                          <p:stCondLst>
+                                            <p:cond delay="0"/>
+                                          </p:stCondLst>
+                                        </p:cTn>
+                                        <p:tgtEl>
+                                          <p:spTgt spid="48"/>
+                                        </p:tgtEl>
+                                        <p:attrNameLst>
+                                          <p:attrName>style.visibility</p:attrName>
+                                        </p:attrNameLst>
+                                      </p:cBhvr>
+                                      <p:to>
+                                        <p:strVal val="visible"/>
+                                      </p:to>
+                                    </p:set>
+                                    <p:animEffect transition="in" filter="fade">
+                                      <p:cBhvr>
+                                        <p:cTn id="36" dur="500"/>
+                                        <p:tgtEl>
+                                          <p:spTgt spid="48"/>
+                                        </p:tgtEl>
+                                      </p:cBhvr>
+                                    </p:animEffect>
+                                  </p:childTnLst>
+                                </p:cTn>
+                              </p:par>
+                            </p:childTnLst>
+                          </p:cTn>
+                        </p:par>
+                      </p:childTnLst>
+                    </p:cTn>
+                  </p:par>
+                  <p:par>
+                    <p:cTn id="37" fill="hold">
+                      <p:stCondLst>
+                        <p:cond delay="indefinite"/>
+                      </p:stCondLst>
+                      <p:childTnLst>
+                        <p:par>
+                          <p:cTn id="38" fill="hold">
+                            <p:stCondLst>
+                              <p:cond delay="0"/>
+                            </p:stCondLst>
+                            <p:childTnLst>
+                              <p:par>
+                                <p:cTn id="39" presetID="10" presetClass="entr" presetSubtype="0" fill="hold" grpId="0" nodeType="clickEffect">
+                                  <p:stCondLst>
+                                    <p:cond delay="0"/>
+                                  </p:stCondLst>
+                                  <p:childTnLst>
+                                    <p:set>
+                                      <p:cBhvr>
+                                        <p:cTn id="40" dur="1" fill="hold">
+                                          <p:stCondLst>
+                                            <p:cond delay="0"/>
+                                          </p:stCondLst>
+                                        </p:cTn>
+                                        <p:tgtEl>
+                                          <p:spTgt spid="49"/>
+                                        </p:tgtEl>
+                                        <p:attrNameLst>
+                                          <p:attrName>style.visibility</p:attrName>
+                                        </p:attrNameLst>
+                                      </p:cBhvr>
+                                      <p:to>
+                                        <p:strVal val="visible"/>
+                                      </p:to>
+                                    </p:set>
+                                    <p:animEffect transition="in" filter="fade">
+                                      <p:cBhvr>
+                                        <p:cTn id="41" dur="500"/>
+                                        <p:tgtEl>
+                                          <p:spTgt spid="49"/>
+                                        </p:tgtEl>
+                                      </p:cBhvr>
+                                    </p:animEffect>
+                                  </p:childTnLst>
+                                </p:cTn>
+                              </p:par>
+                              <p:par>
+                                <p:cTn id="42" presetID="10" presetClass="entr" presetSubtype="0" fill="hold" grpId="0" nodeType="withEffect">
+                                  <p:stCondLst>
+                                    <p:cond delay="0"/>
+                                  </p:stCondLst>
+                                  <p:childTnLst>
+                                    <p:set>
+                                      <p:cBhvr>
+                                        <p:cTn id="43" dur="1" fill="hold">
+                                          <p:stCondLst>
+                                            <p:cond delay="0"/>
+                                          </p:stCondLst>
+                                        </p:cTn>
+                                        <p:tgtEl>
+                                          <p:spTgt spid="51"/>
+                                        </p:tgtEl>
+                                        <p:attrNameLst>
+                                          <p:attrName>style.visibility</p:attrName>
+                                        </p:attrNameLst>
+                                      </p:cBhvr>
+                                      <p:to>
+                                        <p:strVal val="visible"/>
+                                      </p:to>
+                                    </p:set>
+                                    <p:animEffect transition="in" filter="fade">
+                                      <p:cBhvr>
+                                        <p:cTn id="44" dur="500"/>
+                                        <p:tgtEl>
+                                          <p:spTgt spid="51"/>
+                                        </p:tgtEl>
+                                      </p:cBhvr>
+                                    </p:animEffect>
+                                  </p:childTnLst>
+                                </p:cTn>
+                              </p:par>
+                              <p:par>
+                                <p:cTn id="45" presetID="10" presetClass="entr" presetSubtype="0" fill="hold" nodeType="withEffect">
+                                  <p:stCondLst>
+                                    <p:cond delay="0"/>
+                                  </p:stCondLst>
+                                  <p:childTnLst>
+                                    <p:set>
+                                      <p:cBhvr>
+                                        <p:cTn id="46" dur="1" fill="hold">
+                                          <p:stCondLst>
+                                            <p:cond delay="0"/>
+                                          </p:stCondLst>
+                                        </p:cTn>
+                                        <p:tgtEl>
+                                          <p:spTgt spid="50"/>
+                                        </p:tgtEl>
+                                        <p:attrNameLst>
+                                          <p:attrName>style.visibility</p:attrName>
+                                        </p:attrNameLst>
+                                      </p:cBhvr>
+                                      <p:to>
+                                        <p:strVal val="visible"/>
+                                      </p:to>
+                                    </p:set>
+                                    <p:animEffect transition="in" filter="fade">
+                                      <p:cBhvr>
+                                        <p:cTn id="47" dur="500"/>
+                                        <p:tgtEl>
+                                          <p:spTgt spid="50"/>
+                                        </p:tgtEl>
+                                      </p:cBhvr>
+                                    </p:animEffect>
+                                  </p:childTnLst>
+                                </p:cTn>
+                              </p:par>
+                            </p:childTnLst>
+                          </p:cTn>
+                        </p:par>
+                      </p:childTnLst>
+                    </p:cTn>
+                  </p:par>
+                  <p:par>
+                    <p:cTn id="48" fill="hold">
+                      <p:stCondLst>
+                        <p:cond delay="indefinite"/>
+                      </p:stCondLst>
+                      <p:childTnLst>
+                        <p:par>
+                          <p:cTn id="49" fill="hold">
+                            <p:stCondLst>
+                              <p:cond delay="0"/>
+                            </p:stCondLst>
+                            <p:childTnLst>
+                              <p:par>
+                                <p:cTn id="50" presetID="10" presetClass="entr" presetSubtype="0" fill="hold" grpId="0" nodeType="clickEffect">
+                                  <p:stCondLst>
+                                    <p:cond delay="0"/>
+                                  </p:stCondLst>
+                                  <p:childTnLst>
+                                    <p:set>
+                                      <p:cBhvr>
+                                        <p:cTn id="51" dur="1" fill="hold">
+                                          <p:stCondLst>
+                                            <p:cond delay="0"/>
+                                          </p:stCondLst>
+                                        </p:cTn>
+                                        <p:tgtEl>
+                                          <p:spTgt spid="53"/>
+                                        </p:tgtEl>
+                                        <p:attrNameLst>
+                                          <p:attrName>style.visibility</p:attrName>
+                                        </p:attrNameLst>
+                                      </p:cBhvr>
+                                      <p:to>
+                                        <p:strVal val="visible"/>
+                                      </p:to>
+                                    </p:set>
+                                    <p:animEffect transition="in" filter="fade">
+                                      <p:cBhvr>
+                                        <p:cTn id="52" dur="500"/>
+                                        <p:tgtEl>
+                                          <p:spTgt spid="53"/>
+                                        </p:tgtEl>
+                                      </p:cBhvr>
+                                    </p:animEffect>
+                                  </p:childTnLst>
+                                </p:cTn>
+                              </p:par>
+                              <p:par>
+                                <p:cTn id="53" presetID="10" presetClass="entr" presetSubtype="0" fill="hold" nodeType="withEffect">
+                                  <p:stCondLst>
+                                    <p:cond delay="0"/>
+                                  </p:stCondLst>
+                                  <p:childTnLst>
+                                    <p:set>
+                                      <p:cBhvr>
+                                        <p:cTn id="54" dur="1" fill="hold">
+                                          <p:stCondLst>
+                                            <p:cond delay="0"/>
+                                          </p:stCondLst>
+                                        </p:cTn>
+                                        <p:tgtEl>
+                                          <p:spTgt spid="52"/>
+                                        </p:tgtEl>
+                                        <p:attrNameLst>
+                                          <p:attrName>style.visibility</p:attrName>
+                                        </p:attrNameLst>
+                                      </p:cBhvr>
+                                      <p:to>
+                                        <p:strVal val="visible"/>
+                                      </p:to>
+                                    </p:set>
+                                    <p:animEffect transition="in" filter="fade">
+                                      <p:cBhvr>
+                                        <p:cTn id="55" dur="500"/>
+                                        <p:tgtEl>
+                                          <p:spTgt spid="52"/>
+                                        </p:tgtEl>
+                                      </p:cBhvr>
+                                    </p:animEffect>
+                                  </p:childTnLst>
+                                </p:cTn>
+                              </p:par>
+                            </p:childTnLst>
+                          </p:cTn>
+                        </p:par>
+                      </p:childTnLst>
+                    </p:cTn>
+                  </p:par>
+                  <p:par>
+                    <p:cTn id="56" fill="hold">
+                      <p:stCondLst>
+                        <p:cond delay="indefinite"/>
+                      </p:stCondLst>
+                      <p:childTnLst>
+                        <p:par>
+                          <p:cTn id="57" fill="hold">
+                            <p:stCondLst>
+                              <p:cond delay="0"/>
+                            </p:stCondLst>
+                            <p:childTnLst>
+                              <p:par>
+                                <p:cTn id="58" presetID="10" presetClass="entr" presetSubtype="0" fill="hold" nodeType="clickEffect">
+                                  <p:stCondLst>
+                                    <p:cond delay="0"/>
+                                  </p:stCondLst>
+                                  <p:childTnLst>
+                                    <p:set>
+                                      <p:cBhvr>
+                                        <p:cTn id="59" dur="1" fill="hold">
+                                          <p:stCondLst>
+                                            <p:cond delay="0"/>
+                                          </p:stCondLst>
+                                        </p:cTn>
+                                        <p:tgtEl>
+                                          <p:spTgt spid="55"/>
+                                        </p:tgtEl>
+                                        <p:attrNameLst>
+                                          <p:attrName>style.visibility</p:attrName>
+                                        </p:attrNameLst>
+                                      </p:cBhvr>
+                                      <p:to>
+                                        <p:strVal val="visible"/>
+                                      </p:to>
+                                    </p:set>
+                                    <p:animEffect transition="in" filter="fade">
+                                      <p:cBhvr>
+                                        <p:cTn id="60" dur="500"/>
+                                        <p:tgtEl>
+                                          <p:spTgt spid="55"/>
+                                        </p:tgtEl>
+                                      </p:cBhvr>
+                                    </p:animEffect>
+                                  </p:childTnLst>
+                                </p:cTn>
+                              </p:par>
+                              <p:par>
+                                <p:cTn id="61" presetID="10" presetClass="entr" presetSubtype="0" fill="hold" nodeType="withEffect">
+                                  <p:stCondLst>
+                                    <p:cond delay="0"/>
+                                  </p:stCondLst>
+                                  <p:childTnLst>
+                                    <p:set>
+                                      <p:cBhvr>
+                                        <p:cTn id="62" dur="1" fill="hold">
+                                          <p:stCondLst>
+                                            <p:cond delay="0"/>
+                                          </p:stCondLst>
+                                        </p:cTn>
+                                        <p:tgtEl>
+                                          <p:spTgt spid="57"/>
+                                        </p:tgtEl>
+                                        <p:attrNameLst>
+                                          <p:attrName>style.visibility</p:attrName>
+                                        </p:attrNameLst>
+                                      </p:cBhvr>
+                                      <p:to>
+                                        <p:strVal val="visible"/>
+                                      </p:to>
+                                    </p:set>
+                                    <p:animEffect transition="in" filter="fade">
+                                      <p:cBhvr>
+                                        <p:cTn id="63" dur="500"/>
+                                        <p:tgtEl>
+                                          <p:spTgt spid="57"/>
+                                        </p:tgtEl>
+                                      </p:cBhvr>
+                                    </p:animEffect>
+                                  </p:childTnLst>
+                                </p:cTn>
+                              </p:par>
+                            </p:childTnLst>
+                          </p:cTn>
+                        </p:par>
+                      </p:childTnLst>
+                    </p:cTn>
+                  </p:par>
+                  <p:par>
+                    <p:cTn id="64" fill="hold">
+                      <p:stCondLst>
+                        <p:cond delay="indefinite"/>
+                      </p:stCondLst>
+                      <p:childTnLst>
+                        <p:par>
+                          <p:cTn id="65" fill="hold">
+                            <p:stCondLst>
+                              <p:cond delay="0"/>
+                            </p:stCondLst>
+                            <p:childTnLst>
+                              <p:par>
+                                <p:cTn id="66" presetID="10" presetClass="entr" presetSubtype="0" fill="hold" grpId="0" nodeType="clickEffect">
+                                  <p:stCondLst>
+                                    <p:cond delay="0"/>
+                                  </p:stCondLst>
+                                  <p:childTnLst>
+                                    <p:set>
+                                      <p:cBhvr>
+                                        <p:cTn id="67" dur="1" fill="hold">
+                                          <p:stCondLst>
+                                            <p:cond delay="0"/>
+                                          </p:stCondLst>
+                                        </p:cTn>
+                                        <p:tgtEl>
+                                          <p:spTgt spid="59"/>
+                                        </p:tgtEl>
+                                        <p:attrNameLst>
+                                          <p:attrName>style.visibility</p:attrName>
+                                        </p:attrNameLst>
+                                      </p:cBhvr>
+                                      <p:to>
+                                        <p:strVal val="visible"/>
+                                      </p:to>
+                                    </p:set>
+                                    <p:animEffect transition="in" filter="fade">
+                                      <p:cBhvr>
+                                        <p:cTn id="68" dur="500"/>
+                                        <p:tgtEl>
+                                          <p:spTgt spid="59"/>
+                                        </p:tgtEl>
+                                      </p:cBhvr>
+                                    </p:animEffect>
+                                  </p:childTnLst>
+                                </p:cTn>
+                              </p:par>
+                              <p:par>
+                                <p:cTn id="69" presetID="10" presetClass="entr" presetSubtype="0" fill="hold" nodeType="withEffect">
+                                  <p:stCondLst>
+                                    <p:cond delay="0"/>
+                                  </p:stCondLst>
+                                  <p:childTnLst>
+                                    <p:set>
+                                      <p:cBhvr>
+                                        <p:cTn id="70" dur="1" fill="hold">
+                                          <p:stCondLst>
+                                            <p:cond delay="0"/>
+                                          </p:stCondLst>
+                                        </p:cTn>
+                                        <p:tgtEl>
+                                          <p:spTgt spid="60"/>
+                                        </p:tgtEl>
+                                        <p:attrNameLst>
+                                          <p:attrName>style.visibility</p:attrName>
+                                        </p:attrNameLst>
+                                      </p:cBhvr>
+                                      <p:to>
+                                        <p:strVal val="visible"/>
+                                      </p:to>
+                                    </p:set>
+                                    <p:animEffect transition="in" filter="fade">
+                                      <p:cBhvr>
+                                        <p:cTn id="71" dur="500"/>
+                                        <p:tgtEl>
+                                          <p:spTgt spid="60"/>
+                                        </p:tgtEl>
+                                      </p:cBhvr>
+                                    </p:animEffect>
+                                  </p:childTnLst>
+                                </p:cTn>
+                              </p:par>
+                              <p:par>
+                                <p:cTn id="72" presetID="10" presetClass="entr" presetSubtype="0" fill="hold" grpId="0" nodeType="withEffect">
+                                  <p:stCondLst>
+                                    <p:cond delay="0"/>
+                                  </p:stCondLst>
+                                  <p:childTnLst>
+                                    <p:set>
+                                      <p:cBhvr>
+                                        <p:cTn id="73" dur="1" fill="hold">
+                                          <p:stCondLst>
+                                            <p:cond delay="0"/>
+                                          </p:stCondLst>
+                                        </p:cTn>
+                                        <p:tgtEl>
+                                          <p:spTgt spid="62"/>
+                                        </p:tgtEl>
+                                        <p:attrNameLst>
+                                          <p:attrName>style.visibility</p:attrName>
+                                        </p:attrNameLst>
+                                      </p:cBhvr>
+                                      <p:to>
+                                        <p:strVal val="visible"/>
+                                      </p:to>
+                                    </p:set>
+                                    <p:animEffect transition="in" filter="fade">
+                                      <p:cBhvr>
+                                        <p:cTn id="74" dur="500"/>
+                                        <p:tgtEl>
+                                          <p:spTgt spid="62"/>
+                                        </p:tgtEl>
+                                      </p:cBhvr>
+                                    </p:animEffect>
+                                  </p:childTnLst>
+                                </p:cTn>
+                              </p:par>
+                            </p:childTnLst>
+                          </p:cTn>
+                        </p:par>
+                      </p:childTnLst>
+                    </p:cTn>
+                  </p:par>
+                  <p:par>
+                    <p:cTn id="75" fill="hold">
+                      <p:stCondLst>
+                        <p:cond delay="indefinite"/>
+                      </p:stCondLst>
+                      <p:childTnLst>
+                        <p:par>
+                          <p:cTn id="76" fill="hold">
+                            <p:stCondLst>
+                              <p:cond delay="0"/>
+                            </p:stCondLst>
+                            <p:childTnLst>
+                              <p:par>
+                                <p:cTn id="77" presetID="10" presetClass="entr" presetSubtype="0" fill="hold" nodeType="clickEffect">
+                                  <p:stCondLst>
+                                    <p:cond delay="0"/>
+                                  </p:stCondLst>
+                                  <p:childTnLst>
+                                    <p:set>
+                                      <p:cBhvr>
+                                        <p:cTn id="78" dur="1" fill="hold">
+                                          <p:stCondLst>
+                                            <p:cond delay="0"/>
+                                          </p:stCondLst>
+                                        </p:cTn>
+                                        <p:tgtEl>
+                                          <p:spTgt spid="63"/>
+                                        </p:tgtEl>
+                                        <p:attrNameLst>
+                                          <p:attrName>style.visibility</p:attrName>
+                                        </p:attrNameLst>
+                                      </p:cBhvr>
+                                      <p:to>
+                                        <p:strVal val="visible"/>
+                                      </p:to>
+                                    </p:set>
+                                    <p:animEffect transition="in" filter="fade">
+                                      <p:cBhvr>
+                                        <p:cTn id="79" dur="500"/>
+                                        <p:tgtEl>
+                                          <p:spTgt spid="63"/>
+                                        </p:tgtEl>
+                                      </p:cBhvr>
+                                    </p:animEffect>
+                                  </p:childTnLst>
+                                </p:cTn>
+                              </p:par>
+                              <p:par>
+                                <p:cTn id="80" presetID="10" presetClass="entr" presetSubtype="0" fill="hold" grpId="0" nodeType="withEffect">
+                                  <p:stCondLst>
+                                    <p:cond delay="0"/>
+                                  </p:stCondLst>
+                                  <p:childTnLst>
+                                    <p:set>
+                                      <p:cBhvr>
+                                        <p:cTn id="81" dur="1" fill="hold">
+                                          <p:stCondLst>
+                                            <p:cond delay="0"/>
+                                          </p:stCondLst>
+                                        </p:cTn>
+                                        <p:tgtEl>
+                                          <p:spTgt spid="64"/>
+                                        </p:tgtEl>
+                                        <p:attrNameLst>
+                                          <p:attrName>style.visibility</p:attrName>
+                                        </p:attrNameLst>
+                                      </p:cBhvr>
+                                      <p:to>
+                                        <p:strVal val="visible"/>
+                                      </p:to>
+                                    </p:set>
+                                    <p:animEffect transition="in" filter="fade">
+                                      <p:cBhvr>
+                                        <p:cTn id="82" dur="500"/>
+                                        <p:tgtEl>
+                                          <p:spTgt spid="64"/>
+                                        </p:tgtEl>
+                                      </p:cBhvr>
+                                    </p:animEffect>
+                                  </p:childTnLst>
+                                </p:cTn>
+                              </p:par>
+                            </p:childTnLst>
+                          </p:cTn>
+                        </p:par>
+                      </p:childTnLst>
+                    </p:cTn>
+                  </p:par>
+                  <p:par>
+                    <p:cTn id="83" fill="hold">
+                      <p:stCondLst>
+                        <p:cond delay="indefinite"/>
+                      </p:stCondLst>
+                      <p:childTnLst>
+                        <p:par>
+                          <p:cTn id="84" fill="hold">
+                            <p:stCondLst>
+                              <p:cond delay="0"/>
+                            </p:stCondLst>
+                            <p:childTnLst>
+                              <p:par>
+                                <p:cTn id="85" presetID="10" presetClass="entr" presetSubtype="0" fill="hold" nodeType="clickEffect">
+                                  <p:stCondLst>
+                                    <p:cond delay="0"/>
+                                  </p:stCondLst>
+                                  <p:childTnLst>
+                                    <p:set>
+                                      <p:cBhvr>
+                                        <p:cTn id="86" dur="1" fill="hold">
+                                          <p:stCondLst>
+                                            <p:cond delay="0"/>
+                                          </p:stCondLst>
+                                        </p:cTn>
+                                        <p:tgtEl>
+                                          <p:spTgt spid="58"/>
+                                        </p:tgtEl>
+                                        <p:attrNameLst>
+                                          <p:attrName>style.visibility</p:attrName>
+                                        </p:attrNameLst>
+                                      </p:cBhvr>
+                                      <p:to>
+                                        <p:strVal val="visible"/>
+                                      </p:to>
+                                    </p:set>
+                                    <p:animEffect transition="in" filter="fade">
+                                      <p:cBhvr>
+                                        <p:cTn id="87" dur="500"/>
+                                        <p:tgtEl>
+                                          <p:spTgt spid="58"/>
+                                        </p:tgtEl>
+                                      </p:cBhvr>
+                                    </p:animEffect>
+                                  </p:childTnLst>
+                                </p:cTn>
+                              </p:par>
+                            </p:childTnLst>
+                          </p:cTn>
+                        </p:par>
+                      </p:childTnLst>
+                    </p:cTn>
+                  </p:par>
+                  <p:par>
+                    <p:cTn id="88" fill="hold">
+                      <p:stCondLst>
+                        <p:cond delay="indefinite"/>
+                      </p:stCondLst>
+                      <p:childTnLst>
+                        <p:par>
+                          <p:cTn id="89" fill="hold">
+                            <p:stCondLst>
+                              <p:cond delay="0"/>
+                            </p:stCondLst>
+                            <p:childTnLst>
+                              <p:par>
+                                <p:cTn id="90" presetID="1" presetClass="entr" presetSubtype="0" fill="hold" grpId="0" nodeType="clickEffect">
+                                  <p:stCondLst>
+                                    <p:cond delay="0"/>
+                                  </p:stCondLst>
+                                  <p:childTnLst>
+                                    <p:set>
+                                      <p:cBhvr>
+                                        <p:cTn id="91" dur="1" fill="hold">
+                                          <p:stCondLst>
+                                            <p:cond delay="0"/>
+                                          </p:stCondLst>
+                                        </p:cTn>
+                                        <p:tgtEl>
+                                          <p:spTgt spid="66"/>
+                                        </p:tgtEl>
+                                        <p:attrNameLst>
+                                          <p:attrName>style.visibility</p:attrName>
+                                        </p:attrNameLst>
+                                      </p:cBhvr>
+                                      <p:to>
+                                        <p:strVal val="visible"/>
+                                      </p:to>
+                                    </p:set>
+                                  </p:childTnLst>
+                                </p:cTn>
+                              </p:par>
+                              <p:par>
+                                <p:cTn id="92" presetID="10" presetClass="entr" presetSubtype="0" fill="hold" nodeType="withEffect">
+                                  <p:stCondLst>
+                                    <p:cond delay="0"/>
+                                  </p:stCondLst>
+                                  <p:childTnLst>
+                                    <p:set>
+                                      <p:cBhvr>
+                                        <p:cTn id="93" dur="1" fill="hold">
+                                          <p:stCondLst>
+                                            <p:cond delay="0"/>
+                                          </p:stCondLst>
+                                        </p:cTn>
+                                        <p:tgtEl>
+                                          <p:spTgt spid="71"/>
+                                        </p:tgtEl>
+                                        <p:attrNameLst>
+                                          <p:attrName>style.visibility</p:attrName>
+                                        </p:attrNameLst>
+                                      </p:cBhvr>
+                                      <p:to>
+                                        <p:strVal val="visible"/>
+                                      </p:to>
+                                    </p:set>
+                                    <p:animEffect transition="in" filter="fade">
+                                      <p:cBhvr>
+                                        <p:cTn id="94" dur="500"/>
+                                        <p:tgtEl>
+                                          <p:spTgt spid="71"/>
+                                        </p:tgtEl>
+                                      </p:cBhvr>
+                                    </p:animEffect>
+                                  </p:childTnLst>
+                                </p:cTn>
+                              </p:par>
+                              <p:par>
+                                <p:cTn id="95" presetID="10" presetClass="entr" presetSubtype="0" fill="hold" grpId="0" nodeType="withEffect">
+                                  <p:stCondLst>
+                                    <p:cond delay="0"/>
+                                  </p:stCondLst>
+                                  <p:childTnLst>
+                                    <p:set>
+                                      <p:cBhvr>
+                                        <p:cTn id="96" dur="1" fill="hold">
+                                          <p:stCondLst>
+                                            <p:cond delay="0"/>
+                                          </p:stCondLst>
+                                        </p:cTn>
+                                        <p:tgtEl>
+                                          <p:spTgt spid="72"/>
+                                        </p:tgtEl>
+                                        <p:attrNameLst>
+                                          <p:attrName>style.visibility</p:attrName>
+                                        </p:attrNameLst>
+                                      </p:cBhvr>
+                                      <p:to>
+                                        <p:strVal val="visible"/>
+                                      </p:to>
+                                    </p:set>
+                                    <p:animEffect transition="in" filter="fade">
+                                      <p:cBhvr>
+                                        <p:cTn id="97" dur="500"/>
+                                        <p:tgtEl>
+                                          <p:spTgt spid="72"/>
+                                        </p:tgtEl>
+                                      </p:cBhvr>
+                                    </p:animEffect>
+                                  </p:childTnLst>
+                                </p:cTn>
+                              </p:par>
+                            </p:childTnLst>
+                          </p:cTn>
+                        </p:par>
+                      </p:childTnLst>
+                    </p:cTn>
+                  </p:par>
+                </p:childTnLst>
+              </p:cTn>
+              <p:prevCondLst>
+                <p:cond evt="onPrev" delay="0">
+                  <p:tgtEl>
+                    <p:sldTgt/>
+                  </p:tgtEl>
+                </p:cond>
+              </p:prevCondLst>
+              <p:nextCondLst>
+                <p:cond evt="onNext" delay="0">
+                  <p:tgtEl>
+                    <p:sldTgt/>
+                  </p:tgtEl>
+                </p:cond>
+              </p:nextCondLst>
+            </p:seq>
+          </p:childTnLst>
+        </p:cTn>
+      </p:par>
+    </p:tnLst>
+    <p:bldLst>
+      <p:bldP spid="31" grpId="0" animBg="1"/>
+      <p:bldP spid="39" grpId="0" animBg="1"/>
+      <p:bldP spid="48" grpId="0" animBg="1"/>
+      <p:bldP spid="49" grpId="0" animBg="1"/>
+      <p:bldP spid="51" grpId="0" animBg="1"/>
+      <p:bldP spid="53" grpId="0" animBg="1"/>
+      <p:bldP spid="59" grpId="0" animBg="1"/>
+      <p:bldP spid="62" grpId="0" animBg="1"/>
+      <p:bldP spid="64" grpId="0" animBg="1"/>
+      <p:bldP spid="66" grpId="0" animBg="1"/>
+      <p:bldP spid="72" grpId="0" animBg="1"/>
+    </p:bldLst>
+  </p:timing>
+</p:sld>
+</file>
+
+<file path=ppt/slides/slide25.xml><?xml version="1.0" encoding="utf-8"?>
+<p:sld xmlns:a="http://schemas.openxmlformats.org/drawingml/2006/main" xmlns:r="http://schemas.openxmlformats.org/officeDocument/2006/relationships" xmlns:p="http://schemas.openxmlformats.org/presentationml/2006/main">
+  <p:cSld>
+    <p:spTree>
+      <p:nvGrpSpPr>
+        <p:cNvPr id="1" name=""/>
+        <p:cNvGrpSpPr/>
+        <p:nvPr/>
+      </p:nvGrpSpPr>
+      <p:grpSpPr>
+        <a:xfrm>
+          <a:off x="0" y="0"/>
+          <a:ext cx="0" cy="0"/>
+          <a:chOff x="0" y="0"/>
+          <a:chExt cx="0" cy="0"/>
+        </a:xfrm>
+      </p:grpSpPr>
+      <p:cxnSp>
+        <p:nvCxnSpPr>
+          <p:cNvPr id="4" name="직선 연결선 3"/>
+          <p:cNvCxnSpPr/>
+          <p:nvPr/>
+        </p:nvCxnSpPr>
+        <p:spPr>
+          <a:xfrm>
+            <a:off x="683568" y="-371068"/>
+            <a:ext cx="0" cy="7472476"/>
+          </a:xfrm>
+          <a:prstGeom prst="line">
+            <a:avLst/>
+          </a:prstGeom>
+          <a:ln>
+            <a:solidFill>
+              <a:schemeClr val="bg1">
+                <a:lumMod val="65000"/>
+                <a:alpha val="50000"/>
+              </a:schemeClr>
+            </a:solidFill>
+          </a:ln>
+        </p:spPr>
+        <p:style>
+          <a:lnRef idx="1">
+            <a:schemeClr val="accent1"/>
+          </a:lnRef>
+          <a:fillRef idx="0">
+            <a:schemeClr val="accent1"/>
+          </a:fillRef>
+          <a:effectRef idx="0">
+            <a:schemeClr val="accent1"/>
+          </a:effectRef>
+          <a:fontRef idx="minor">
+            <a:schemeClr val="tx1"/>
+          </a:fontRef>
+        </p:style>
+      </p:cxnSp>
+      <p:sp>
+        <p:nvSpPr>
+          <p:cNvPr id="23" name="직각 삼각형 22"/>
+          <p:cNvSpPr/>
+          <p:nvPr/>
+        </p:nvSpPr>
+        <p:spPr>
+          <a:xfrm rot="5400000">
+            <a:off x="702755" y="1650949"/>
+            <a:ext cx="81142" cy="108000"/>
+          </a:xfrm>
+          <a:prstGeom prst="rtTriangle">
+            <a:avLst/>
+          </a:prstGeom>
+          <a:solidFill>
+            <a:schemeClr val="tx1"/>
+          </a:solidFill>
+          <a:ln>
+            <a:solidFill>
+              <a:schemeClr val="tx1"/>
+            </a:solidFill>
+          </a:ln>
+        </p:spPr>
+        <p:style>
+          <a:lnRef idx="2">
+            <a:schemeClr val="accent1">
+              <a:shade val="50000"/>
+            </a:schemeClr>
+          </a:lnRef>
+          <a:fillRef idx="1">
+            <a:schemeClr val="accent1"/>
+          </a:fillRef>
+          <a:effectRef idx="0">
+            <a:schemeClr val="accent1"/>
+          </a:effectRef>
+          <a:fontRef idx="minor">
+            <a:schemeClr val="lt1"/>
+          </a:fontRef>
+        </p:style>
+        <p:txBody>
+          <a:bodyPr rtlCol="0" anchor="ctr"/>
+          <a:lstStyle/>
+          <a:p>
+            <a:pPr algn="ctr"/>
+            <a:endParaRPr lang="ko-KR" altLang="en-US" b="1">
+              <a:latin typeface="+mn-ea"/>
+            </a:endParaRPr>
+          </a:p>
+        </p:txBody>
+      </p:sp>
+      <p:sp>
+        <p:nvSpPr>
+          <p:cNvPr id="22" name="직사각형 21"/>
+          <p:cNvSpPr/>
+          <p:nvPr/>
+        </p:nvSpPr>
+        <p:spPr>
+          <a:xfrm>
+            <a:off x="-9283" y="1320875"/>
+            <a:ext cx="834325" cy="343501"/>
+          </a:xfrm>
+          <a:prstGeom prst="rect">
+            <a:avLst/>
+          </a:prstGeom>
+          <a:solidFill>
+            <a:srgbClr val="272123"/>
+          </a:solidFill>
+          <a:ln>
+            <a:noFill/>
+          </a:ln>
+        </p:spPr>
+        <p:style>
+          <a:lnRef idx="2">
+            <a:schemeClr val="accent1">
+              <a:shade val="50000"/>
+            </a:schemeClr>
+          </a:lnRef>
+          <a:fillRef idx="1">
+            <a:schemeClr val="accent1"/>
+          </a:fillRef>
+          <a:effectRef idx="0">
+            <a:schemeClr val="accent1"/>
+          </a:effectRef>
+          <a:fontRef idx="minor">
+            <a:schemeClr val="lt1"/>
+          </a:fontRef>
+        </p:style>
+        <p:txBody>
+          <a:bodyPr rtlCol="0" anchor="ctr"/>
+          <a:lstStyle/>
+          <a:p>
+            <a:pPr algn="ctr"/>
+            <a:endParaRPr lang="ko-KR" altLang="en-US" b="1">
+              <a:latin typeface="+mn-ea"/>
+            </a:endParaRPr>
+          </a:p>
+        </p:txBody>
+      </p:sp>
+      <p:cxnSp>
+        <p:nvCxnSpPr>
+          <p:cNvPr id="5" name="직선 연결선 4"/>
+          <p:cNvCxnSpPr/>
+          <p:nvPr/>
+        </p:nvCxnSpPr>
+        <p:spPr>
+          <a:xfrm flipH="1">
+            <a:off x="692540" y="548680"/>
+            <a:ext cx="9295796" cy="0"/>
+          </a:xfrm>
+          <a:prstGeom prst="line">
+            <a:avLst/>
+          </a:prstGeom>
+          <a:ln>
+            <a:solidFill>
+              <a:schemeClr val="bg1">
+                <a:lumMod val="65000"/>
+                <a:alpha val="50000"/>
+              </a:schemeClr>
+            </a:solidFill>
+          </a:ln>
+        </p:spPr>
+        <p:style>
+          <a:lnRef idx="1">
+            <a:schemeClr val="accent1"/>
+          </a:lnRef>
+          <a:fillRef idx="0">
+            <a:schemeClr val="accent1"/>
+          </a:fillRef>
+          <a:effectRef idx="0">
+            <a:schemeClr val="accent1"/>
+          </a:effectRef>
+          <a:fontRef idx="minor">
+            <a:schemeClr val="tx1"/>
+          </a:fontRef>
+        </p:style>
+      </p:cxnSp>
+      <p:sp>
+        <p:nvSpPr>
+          <p:cNvPr id="6" name="TextBox 5"/>
+          <p:cNvSpPr txBox="1"/>
+          <p:nvPr/>
+        </p:nvSpPr>
+        <p:spPr>
+          <a:xfrm>
+            <a:off x="1043607" y="138482"/>
+            <a:ext cx="1800000" cy="307777"/>
+          </a:xfrm>
+          <a:prstGeom prst="rect">
+            <a:avLst/>
+          </a:prstGeom>
+          <a:noFill/>
+        </p:spPr>
+        <p:txBody>
+          <a:bodyPr wrap="square" rtlCol="0">
+            <a:spAutoFit/>
+          </a:bodyPr>
+          <a:lstStyle/>
+          <a:p>
+            <a:pPr lvl="0">
+              <a:defRPr/>
+            </a:pPr>
+            <a:r>
+              <a:rPr lang="en-US" altLang="ko-KR" sz="1400" b="1" dirty="0" smtClean="0">
+                <a:ln>
+                  <a:solidFill>
+                    <a:prstClr val="white">
+                      <a:lumMod val="85000"/>
+                      <a:alpha val="30000"/>
+                    </a:prstClr>
+                  </a:solidFill>
+                </a:ln>
+                <a:latin typeface="+mn-ea"/>
+              </a:rPr>
+              <a:t>Setting</a:t>
+            </a:r>
+            <a:endParaRPr lang="en-US" altLang="ko-KR" sz="1400" b="1" dirty="0">
+              <a:ln>
+                <a:solidFill>
+                  <a:prstClr val="white">
+                    <a:lumMod val="85000"/>
+                    <a:alpha val="30000"/>
+                  </a:prstClr>
+                </a:solidFill>
+              </a:ln>
+              <a:latin typeface="+mn-ea"/>
+            </a:endParaRPr>
+          </a:p>
+        </p:txBody>
+      </p:sp>
+      <p:sp>
+        <p:nvSpPr>
+          <p:cNvPr id="24" name="TextBox 23"/>
+          <p:cNvSpPr txBox="1"/>
+          <p:nvPr/>
+        </p:nvSpPr>
+        <p:spPr>
+          <a:xfrm>
+            <a:off x="123549" y="882386"/>
+            <a:ext cx="541363" cy="338554"/>
+          </a:xfrm>
+          <a:prstGeom prst="rect">
+            <a:avLst/>
+          </a:prstGeom>
+          <a:noFill/>
+        </p:spPr>
+        <p:txBody>
+          <a:bodyPr wrap="square" rtlCol="0">
+            <a:spAutoFit/>
+          </a:bodyPr>
+          <a:lstStyle/>
+          <a:p>
+            <a:r>
+              <a:rPr lang="en-US" altLang="ko-KR" sz="1600" b="1" dirty="0" smtClean="0">
+                <a:ln>
+                  <a:solidFill>
+                    <a:schemeClr val="bg1">
+                      <a:lumMod val="75000"/>
+                      <a:alpha val="30000"/>
+                    </a:schemeClr>
+                  </a:solidFill>
+                </a:ln>
+                <a:solidFill>
+                  <a:schemeClr val="bg1">
+                    <a:lumMod val="75000"/>
+                  </a:schemeClr>
+                </a:solidFill>
+                <a:latin typeface="+mn-ea"/>
+              </a:rPr>
+              <a:t>01</a:t>
+            </a:r>
+          </a:p>
+        </p:txBody>
+      </p:sp>
+      <p:sp>
+        <p:nvSpPr>
+          <p:cNvPr id="33" name="직사각형 32"/>
+          <p:cNvSpPr/>
+          <p:nvPr/>
+        </p:nvSpPr>
+        <p:spPr>
+          <a:xfrm>
+            <a:off x="1080000" y="900000"/>
+            <a:ext cx="2123848" cy="457200"/>
+          </a:xfrm>
+          <a:prstGeom prst="rect">
+            <a:avLst/>
+          </a:prstGeom>
+          <a:solidFill>
+            <a:srgbClr val="272123"/>
+          </a:solidFill>
+          <a:ln>
+            <a:noFill/>
+          </a:ln>
+        </p:spPr>
+        <p:style>
+          <a:lnRef idx="2">
+            <a:schemeClr val="accent1">
+              <a:shade val="50000"/>
+            </a:schemeClr>
+          </a:lnRef>
+          <a:fillRef idx="1">
+            <a:schemeClr val="accent1"/>
+          </a:fillRef>
+          <a:effectRef idx="0">
+            <a:schemeClr val="accent1"/>
+          </a:effectRef>
+          <a:fontRef idx="minor">
+            <a:schemeClr val="lt1"/>
+          </a:fontRef>
+        </p:style>
+        <p:txBody>
+          <a:bodyPr rtlCol="0" anchor="ctr"/>
+          <a:lstStyle/>
+          <a:p>
+            <a:pPr marL="0" marR="0" lvl="0" indent="0" algn="ctr" defTabSz="914400" rtl="0" eaLnBrk="1" fontAlgn="auto" latinLnBrk="1" hangingPunct="1">
+              <a:lnSpc>
+                <a:spcPct val="100000"/>
+              </a:lnSpc>
+              <a:spcBef>
+                <a:spcPts val="0"/>
+              </a:spcBef>
+              <a:spcAft>
+                <a:spcPts val="0"/>
+              </a:spcAft>
+              <a:buClrTx/>
+              <a:buSzTx/>
+              <a:buFontTx/>
+              <a:buNone/>
+              <a:tabLst/>
+              <a:defRPr/>
+            </a:pPr>
+            <a:r>
+              <a:rPr lang="ko-KR" altLang="en-US" b="1" noProof="0" dirty="0" smtClean="0">
+                <a:solidFill>
+                  <a:prstClr val="white"/>
+                </a:solidFill>
+                <a:latin typeface="맑은 고딕" panose="020B0503020000020004" pitchFamily="50" charset="-127"/>
+                <a:ea typeface="맑은 고딕" panose="020B0503020000020004" pitchFamily="50" charset="-127"/>
+              </a:rPr>
+              <a:t>판매 탭</a:t>
+            </a:r>
+            <a:endParaRPr kumimoji="0" lang="en-US" altLang="ko-KR" sz="1800" b="1" i="0" u="none" strike="noStrike" kern="1200" cap="none" spc="0" normalizeH="0" baseline="0" noProof="0" dirty="0" smtClean="0">
+              <a:ln>
+                <a:noFill/>
+              </a:ln>
+              <a:solidFill>
+                <a:prstClr val="white"/>
+              </a:solidFill>
+              <a:effectLst/>
+              <a:uLnTx/>
+              <a:uFillTx/>
+              <a:latin typeface="맑은 고딕" panose="020B0503020000020004" pitchFamily="50" charset="-127"/>
+              <a:ea typeface="맑은 고딕" panose="020B0503020000020004" pitchFamily="50" charset="-127"/>
+              <a:cs typeface="+mn-cs"/>
+            </a:endParaRPr>
+          </a:p>
+        </p:txBody>
+      </p:sp>
+      <p:sp>
+        <p:nvSpPr>
+          <p:cNvPr id="20" name="TextBox 19"/>
+          <p:cNvSpPr txBox="1"/>
+          <p:nvPr/>
+        </p:nvSpPr>
+        <p:spPr>
+          <a:xfrm>
+            <a:off x="107504" y="1340768"/>
+            <a:ext cx="450395" cy="338554"/>
+          </a:xfrm>
+          <a:prstGeom prst="rect">
+            <a:avLst/>
+          </a:prstGeom>
+          <a:noFill/>
+        </p:spPr>
+        <p:txBody>
+          <a:bodyPr wrap="square" rtlCol="0">
+            <a:spAutoFit/>
+          </a:bodyPr>
+          <a:lstStyle/>
+          <a:p>
+            <a:r>
+              <a:rPr lang="en-US" altLang="ko-KR" sz="1600" b="1" dirty="0" smtClean="0">
+                <a:ln>
+                  <a:solidFill>
+                    <a:schemeClr val="tx1">
+                      <a:alpha val="30000"/>
+                    </a:schemeClr>
+                  </a:solidFill>
+                </a:ln>
+                <a:solidFill>
+                  <a:schemeClr val="bg1">
+                    <a:lumMod val="85000"/>
+                  </a:schemeClr>
+                </a:solidFill>
+                <a:latin typeface="+mn-ea"/>
+              </a:rPr>
+              <a:t>02</a:t>
+            </a:r>
+          </a:p>
+        </p:txBody>
+      </p:sp>
+      <p:sp>
+        <p:nvSpPr>
+          <p:cNvPr id="21" name="TextBox 20"/>
+          <p:cNvSpPr txBox="1"/>
+          <p:nvPr/>
+        </p:nvSpPr>
+        <p:spPr>
+          <a:xfrm>
+            <a:off x="107504" y="1819563"/>
+            <a:ext cx="450395" cy="338554"/>
+          </a:xfrm>
+          <a:prstGeom prst="rect">
+            <a:avLst/>
+          </a:prstGeom>
+          <a:noFill/>
+        </p:spPr>
+        <p:txBody>
+          <a:bodyPr wrap="square" rtlCol="0">
+            <a:spAutoFit/>
+          </a:bodyPr>
+          <a:lstStyle/>
+          <a:p>
+            <a:r>
+              <a:rPr lang="en-US" altLang="ko-KR" sz="1600" b="1" dirty="0" smtClean="0">
+                <a:ln>
+                  <a:solidFill>
+                    <a:schemeClr val="tx1">
+                      <a:alpha val="30000"/>
+                    </a:schemeClr>
+                  </a:solidFill>
+                </a:ln>
+                <a:solidFill>
+                  <a:schemeClr val="bg1">
+                    <a:lumMod val="85000"/>
+                  </a:schemeClr>
+                </a:solidFill>
+                <a:latin typeface="+mn-ea"/>
+              </a:rPr>
+              <a:t>03</a:t>
+            </a:r>
+          </a:p>
+        </p:txBody>
+      </p:sp>
+    </p:spTree>
+    <p:extLst>
+      <p:ext uri="{BB962C8B-B14F-4D97-AF65-F5344CB8AC3E}">
+        <p14:creationId xmlns:p14="http://schemas.microsoft.com/office/powerpoint/2010/main" val="575643461"/>
       </p:ext>
     </p:extLst>
   </p:cSld>
@@ -12121,7 +15151,1476 @@
 </p:sld>
 </file>
 
-<file path=ppt/slides/slide25.xml><?xml version="1.0" encoding="utf-8"?>
+<file path=ppt/slides/slide26.xml><?xml version="1.0" encoding="utf-8"?>
+<p:sld xmlns:a="http://schemas.openxmlformats.org/drawingml/2006/main" xmlns:r="http://schemas.openxmlformats.org/officeDocument/2006/relationships" xmlns:p="http://schemas.openxmlformats.org/presentationml/2006/main">
+  <p:cSld>
+    <p:spTree>
+      <p:nvGrpSpPr>
+        <p:cNvPr id="1" name=""/>
+        <p:cNvGrpSpPr/>
+        <p:nvPr/>
+      </p:nvGrpSpPr>
+      <p:grpSpPr>
+        <a:xfrm>
+          <a:off x="0" y="0"/>
+          <a:ext cx="0" cy="0"/>
+          <a:chOff x="0" y="0"/>
+          <a:chExt cx="0" cy="0"/>
+        </a:xfrm>
+      </p:grpSpPr>
+      <p:cxnSp>
+        <p:nvCxnSpPr>
+          <p:cNvPr id="4" name="직선 연결선 3"/>
+          <p:cNvCxnSpPr/>
+          <p:nvPr/>
+        </p:nvCxnSpPr>
+        <p:spPr>
+          <a:xfrm>
+            <a:off x="683568" y="-371068"/>
+            <a:ext cx="0" cy="7472476"/>
+          </a:xfrm>
+          <a:prstGeom prst="line">
+            <a:avLst/>
+          </a:prstGeom>
+          <a:ln>
+            <a:solidFill>
+              <a:schemeClr val="bg1">
+                <a:lumMod val="65000"/>
+                <a:alpha val="50000"/>
+              </a:schemeClr>
+            </a:solidFill>
+          </a:ln>
+        </p:spPr>
+        <p:style>
+          <a:lnRef idx="1">
+            <a:schemeClr val="accent1"/>
+          </a:lnRef>
+          <a:fillRef idx="0">
+            <a:schemeClr val="accent1"/>
+          </a:fillRef>
+          <a:effectRef idx="0">
+            <a:schemeClr val="accent1"/>
+          </a:effectRef>
+          <a:fontRef idx="minor">
+            <a:schemeClr val="tx1"/>
+          </a:fontRef>
+        </p:style>
+      </p:cxnSp>
+      <p:sp>
+        <p:nvSpPr>
+          <p:cNvPr id="23" name="직각 삼각형 22"/>
+          <p:cNvSpPr/>
+          <p:nvPr/>
+        </p:nvSpPr>
+        <p:spPr>
+          <a:xfrm rot="5400000">
+            <a:off x="702755" y="1650949"/>
+            <a:ext cx="81142" cy="108000"/>
+          </a:xfrm>
+          <a:prstGeom prst="rtTriangle">
+            <a:avLst/>
+          </a:prstGeom>
+          <a:solidFill>
+            <a:schemeClr val="tx1"/>
+          </a:solidFill>
+          <a:ln>
+            <a:solidFill>
+              <a:schemeClr val="tx1"/>
+            </a:solidFill>
+          </a:ln>
+        </p:spPr>
+        <p:style>
+          <a:lnRef idx="2">
+            <a:schemeClr val="accent1">
+              <a:shade val="50000"/>
+            </a:schemeClr>
+          </a:lnRef>
+          <a:fillRef idx="1">
+            <a:schemeClr val="accent1"/>
+          </a:fillRef>
+          <a:effectRef idx="0">
+            <a:schemeClr val="accent1"/>
+          </a:effectRef>
+          <a:fontRef idx="minor">
+            <a:schemeClr val="lt1"/>
+          </a:fontRef>
+        </p:style>
+        <p:txBody>
+          <a:bodyPr rtlCol="0" anchor="ctr"/>
+          <a:lstStyle/>
+          <a:p>
+            <a:pPr algn="ctr"/>
+            <a:endParaRPr lang="ko-KR" altLang="en-US" b="1">
+              <a:latin typeface="+mn-ea"/>
+            </a:endParaRPr>
+          </a:p>
+        </p:txBody>
+      </p:sp>
+      <p:sp>
+        <p:nvSpPr>
+          <p:cNvPr id="22" name="직사각형 21"/>
+          <p:cNvSpPr/>
+          <p:nvPr/>
+        </p:nvSpPr>
+        <p:spPr>
+          <a:xfrm>
+            <a:off x="-9283" y="1320875"/>
+            <a:ext cx="834325" cy="343501"/>
+          </a:xfrm>
+          <a:prstGeom prst="rect">
+            <a:avLst/>
+          </a:prstGeom>
+          <a:solidFill>
+            <a:srgbClr val="272123"/>
+          </a:solidFill>
+          <a:ln>
+            <a:noFill/>
+          </a:ln>
+        </p:spPr>
+        <p:style>
+          <a:lnRef idx="2">
+            <a:schemeClr val="accent1">
+              <a:shade val="50000"/>
+            </a:schemeClr>
+          </a:lnRef>
+          <a:fillRef idx="1">
+            <a:schemeClr val="accent1"/>
+          </a:fillRef>
+          <a:effectRef idx="0">
+            <a:schemeClr val="accent1"/>
+          </a:effectRef>
+          <a:fontRef idx="minor">
+            <a:schemeClr val="lt1"/>
+          </a:fontRef>
+        </p:style>
+        <p:txBody>
+          <a:bodyPr rtlCol="0" anchor="ctr"/>
+          <a:lstStyle/>
+          <a:p>
+            <a:pPr algn="ctr"/>
+            <a:endParaRPr lang="ko-KR" altLang="en-US" b="1">
+              <a:latin typeface="+mn-ea"/>
+            </a:endParaRPr>
+          </a:p>
+        </p:txBody>
+      </p:sp>
+      <p:cxnSp>
+        <p:nvCxnSpPr>
+          <p:cNvPr id="5" name="직선 연결선 4"/>
+          <p:cNvCxnSpPr/>
+          <p:nvPr/>
+        </p:nvCxnSpPr>
+        <p:spPr>
+          <a:xfrm flipH="1">
+            <a:off x="692540" y="548680"/>
+            <a:ext cx="9295796" cy="0"/>
+          </a:xfrm>
+          <a:prstGeom prst="line">
+            <a:avLst/>
+          </a:prstGeom>
+          <a:ln>
+            <a:solidFill>
+              <a:schemeClr val="bg1">
+                <a:lumMod val="65000"/>
+                <a:alpha val="50000"/>
+              </a:schemeClr>
+            </a:solidFill>
+          </a:ln>
+        </p:spPr>
+        <p:style>
+          <a:lnRef idx="1">
+            <a:schemeClr val="accent1"/>
+          </a:lnRef>
+          <a:fillRef idx="0">
+            <a:schemeClr val="accent1"/>
+          </a:fillRef>
+          <a:effectRef idx="0">
+            <a:schemeClr val="accent1"/>
+          </a:effectRef>
+          <a:fontRef idx="minor">
+            <a:schemeClr val="tx1"/>
+          </a:fontRef>
+        </p:style>
+      </p:cxnSp>
+      <p:sp>
+        <p:nvSpPr>
+          <p:cNvPr id="6" name="TextBox 5"/>
+          <p:cNvSpPr txBox="1"/>
+          <p:nvPr/>
+        </p:nvSpPr>
+        <p:spPr>
+          <a:xfrm>
+            <a:off x="1043607" y="138482"/>
+            <a:ext cx="1800000" cy="307777"/>
+          </a:xfrm>
+          <a:prstGeom prst="rect">
+            <a:avLst/>
+          </a:prstGeom>
+          <a:noFill/>
+        </p:spPr>
+        <p:txBody>
+          <a:bodyPr wrap="square" rtlCol="0">
+            <a:spAutoFit/>
+          </a:bodyPr>
+          <a:lstStyle/>
+          <a:p>
+            <a:pPr lvl="0">
+              <a:defRPr/>
+            </a:pPr>
+            <a:r>
+              <a:rPr lang="en-US" altLang="ko-KR" sz="1400" b="1" dirty="0" smtClean="0">
+                <a:ln>
+                  <a:solidFill>
+                    <a:prstClr val="white">
+                      <a:lumMod val="85000"/>
+                      <a:alpha val="30000"/>
+                    </a:prstClr>
+                  </a:solidFill>
+                </a:ln>
+                <a:latin typeface="+mn-ea"/>
+              </a:rPr>
+              <a:t>Setting</a:t>
+            </a:r>
+            <a:endParaRPr lang="en-US" altLang="ko-KR" sz="1400" b="1" dirty="0">
+              <a:ln>
+                <a:solidFill>
+                  <a:prstClr val="white">
+                    <a:lumMod val="85000"/>
+                    <a:alpha val="30000"/>
+                  </a:prstClr>
+                </a:solidFill>
+              </a:ln>
+              <a:latin typeface="+mn-ea"/>
+            </a:endParaRPr>
+          </a:p>
+        </p:txBody>
+      </p:sp>
+      <p:sp>
+        <p:nvSpPr>
+          <p:cNvPr id="24" name="TextBox 23"/>
+          <p:cNvSpPr txBox="1"/>
+          <p:nvPr/>
+        </p:nvSpPr>
+        <p:spPr>
+          <a:xfrm>
+            <a:off x="123549" y="882386"/>
+            <a:ext cx="541363" cy="338554"/>
+          </a:xfrm>
+          <a:prstGeom prst="rect">
+            <a:avLst/>
+          </a:prstGeom>
+          <a:noFill/>
+        </p:spPr>
+        <p:txBody>
+          <a:bodyPr wrap="square" rtlCol="0">
+            <a:spAutoFit/>
+          </a:bodyPr>
+          <a:lstStyle/>
+          <a:p>
+            <a:r>
+              <a:rPr lang="en-US" altLang="ko-KR" sz="1600" b="1" dirty="0" smtClean="0">
+                <a:ln>
+                  <a:solidFill>
+                    <a:schemeClr val="bg1">
+                      <a:lumMod val="75000"/>
+                      <a:alpha val="30000"/>
+                    </a:schemeClr>
+                  </a:solidFill>
+                </a:ln>
+                <a:solidFill>
+                  <a:schemeClr val="bg1">
+                    <a:lumMod val="75000"/>
+                  </a:schemeClr>
+                </a:solidFill>
+                <a:latin typeface="+mn-ea"/>
+              </a:rPr>
+              <a:t>01</a:t>
+            </a:r>
+          </a:p>
+        </p:txBody>
+      </p:sp>
+      <p:sp>
+        <p:nvSpPr>
+          <p:cNvPr id="33" name="직사각형 32"/>
+          <p:cNvSpPr/>
+          <p:nvPr/>
+        </p:nvSpPr>
+        <p:spPr>
+          <a:xfrm>
+            <a:off x="1080000" y="900000"/>
+            <a:ext cx="2123848" cy="457200"/>
+          </a:xfrm>
+          <a:prstGeom prst="rect">
+            <a:avLst/>
+          </a:prstGeom>
+          <a:solidFill>
+            <a:srgbClr val="272123"/>
+          </a:solidFill>
+          <a:ln>
+            <a:noFill/>
+          </a:ln>
+        </p:spPr>
+        <p:style>
+          <a:lnRef idx="2">
+            <a:schemeClr val="accent1">
+              <a:shade val="50000"/>
+            </a:schemeClr>
+          </a:lnRef>
+          <a:fillRef idx="1">
+            <a:schemeClr val="accent1"/>
+          </a:fillRef>
+          <a:effectRef idx="0">
+            <a:schemeClr val="accent1"/>
+          </a:effectRef>
+          <a:fontRef idx="minor">
+            <a:schemeClr val="lt1"/>
+          </a:fontRef>
+        </p:style>
+        <p:txBody>
+          <a:bodyPr rtlCol="0" anchor="ctr"/>
+          <a:lstStyle/>
+          <a:p>
+            <a:pPr marL="0" marR="0" lvl="0" indent="0" algn="ctr" defTabSz="914400" rtl="0" eaLnBrk="1" fontAlgn="auto" latinLnBrk="1" hangingPunct="1">
+              <a:lnSpc>
+                <a:spcPct val="100000"/>
+              </a:lnSpc>
+              <a:spcBef>
+                <a:spcPts val="0"/>
+              </a:spcBef>
+              <a:spcAft>
+                <a:spcPts val="0"/>
+              </a:spcAft>
+              <a:buClrTx/>
+              <a:buSzTx/>
+              <a:buFontTx/>
+              <a:buNone/>
+              <a:tabLst/>
+              <a:defRPr/>
+            </a:pPr>
+            <a:r>
+              <a:rPr lang="ko-KR" altLang="en-US" b="1" noProof="0" dirty="0" smtClean="0">
+                <a:solidFill>
+                  <a:prstClr val="white"/>
+                </a:solidFill>
+                <a:latin typeface="맑은 고딕" panose="020B0503020000020004" pitchFamily="50" charset="-127"/>
+                <a:ea typeface="맑은 고딕" panose="020B0503020000020004" pitchFamily="50" charset="-127"/>
+              </a:rPr>
+              <a:t>판매 탭</a:t>
+            </a:r>
+            <a:endParaRPr kumimoji="0" lang="en-US" altLang="ko-KR" sz="1800" b="1" i="0" u="none" strike="noStrike" kern="1200" cap="none" spc="0" normalizeH="0" baseline="0" noProof="0" dirty="0" smtClean="0">
+              <a:ln>
+                <a:noFill/>
+              </a:ln>
+              <a:solidFill>
+                <a:prstClr val="white"/>
+              </a:solidFill>
+              <a:effectLst/>
+              <a:uLnTx/>
+              <a:uFillTx/>
+              <a:latin typeface="맑은 고딕" panose="020B0503020000020004" pitchFamily="50" charset="-127"/>
+              <a:ea typeface="맑은 고딕" panose="020B0503020000020004" pitchFamily="50" charset="-127"/>
+              <a:cs typeface="+mn-cs"/>
+            </a:endParaRPr>
+          </a:p>
+        </p:txBody>
+      </p:sp>
+      <p:sp>
+        <p:nvSpPr>
+          <p:cNvPr id="20" name="TextBox 19"/>
+          <p:cNvSpPr txBox="1"/>
+          <p:nvPr/>
+        </p:nvSpPr>
+        <p:spPr>
+          <a:xfrm>
+            <a:off x="107504" y="1340768"/>
+            <a:ext cx="450395" cy="338554"/>
+          </a:xfrm>
+          <a:prstGeom prst="rect">
+            <a:avLst/>
+          </a:prstGeom>
+          <a:noFill/>
+        </p:spPr>
+        <p:txBody>
+          <a:bodyPr wrap="square" rtlCol="0">
+            <a:spAutoFit/>
+          </a:bodyPr>
+          <a:lstStyle/>
+          <a:p>
+            <a:r>
+              <a:rPr lang="en-US" altLang="ko-KR" sz="1600" b="1" dirty="0" smtClean="0">
+                <a:ln>
+                  <a:solidFill>
+                    <a:schemeClr val="tx1">
+                      <a:alpha val="30000"/>
+                    </a:schemeClr>
+                  </a:solidFill>
+                </a:ln>
+                <a:solidFill>
+                  <a:schemeClr val="bg1">
+                    <a:lumMod val="85000"/>
+                  </a:schemeClr>
+                </a:solidFill>
+                <a:latin typeface="+mn-ea"/>
+              </a:rPr>
+              <a:t>02</a:t>
+            </a:r>
+          </a:p>
+        </p:txBody>
+      </p:sp>
+      <p:sp>
+        <p:nvSpPr>
+          <p:cNvPr id="21" name="TextBox 20"/>
+          <p:cNvSpPr txBox="1"/>
+          <p:nvPr/>
+        </p:nvSpPr>
+        <p:spPr>
+          <a:xfrm>
+            <a:off x="107504" y="1819563"/>
+            <a:ext cx="450395" cy="338554"/>
+          </a:xfrm>
+          <a:prstGeom prst="rect">
+            <a:avLst/>
+          </a:prstGeom>
+          <a:noFill/>
+        </p:spPr>
+        <p:txBody>
+          <a:bodyPr wrap="square" rtlCol="0">
+            <a:spAutoFit/>
+          </a:bodyPr>
+          <a:lstStyle/>
+          <a:p>
+            <a:r>
+              <a:rPr lang="en-US" altLang="ko-KR" sz="1600" b="1" dirty="0" smtClean="0">
+                <a:ln>
+                  <a:solidFill>
+                    <a:schemeClr val="tx1">
+                      <a:alpha val="30000"/>
+                    </a:schemeClr>
+                  </a:solidFill>
+                </a:ln>
+                <a:solidFill>
+                  <a:schemeClr val="bg1">
+                    <a:lumMod val="85000"/>
+                  </a:schemeClr>
+                </a:solidFill>
+                <a:latin typeface="+mn-ea"/>
+              </a:rPr>
+              <a:t>03</a:t>
+            </a:r>
+          </a:p>
+        </p:txBody>
+      </p:sp>
+    </p:spTree>
+    <p:extLst>
+      <p:ext uri="{BB962C8B-B14F-4D97-AF65-F5344CB8AC3E}">
+        <p14:creationId xmlns:p14="http://schemas.microsoft.com/office/powerpoint/2010/main" val="3832193556"/>
+      </p:ext>
+    </p:extLst>
+  </p:cSld>
+  <p:clrMapOvr>
+    <a:masterClrMapping/>
+  </p:clrMapOvr>
+  <mc:AlternateContent xmlns:mc="http://schemas.openxmlformats.org/markup-compatibility/2006" xmlns:p14="http://schemas.microsoft.com/office/powerpoint/2010/main">
+    <mc:Choice Requires="p14">
+      <p:transition spd="med" p14:dur="700">
+        <p:fade/>
+      </p:transition>
+    </mc:Choice>
+    <mc:Fallback xmlns="">
+      <p:transition spd="med">
+        <p:fade/>
+      </p:transition>
+    </mc:Fallback>
+  </mc:AlternateContent>
+  <p:timing>
+    <p:tnLst>
+      <p:par>
+        <p:cTn id="1" dur="indefinite" restart="never" nodeType="tmRoot"/>
+      </p:par>
+    </p:tnLst>
+  </p:timing>
+</p:sld>
+</file>
+
+<file path=ppt/slides/slide27.xml><?xml version="1.0" encoding="utf-8"?>
+<p:sld xmlns:a="http://schemas.openxmlformats.org/drawingml/2006/main" xmlns:r="http://schemas.openxmlformats.org/officeDocument/2006/relationships" xmlns:p="http://schemas.openxmlformats.org/presentationml/2006/main">
+  <p:cSld>
+    <p:spTree>
+      <p:nvGrpSpPr>
+        <p:cNvPr id="1" name=""/>
+        <p:cNvGrpSpPr/>
+        <p:nvPr/>
+      </p:nvGrpSpPr>
+      <p:grpSpPr>
+        <a:xfrm>
+          <a:off x="0" y="0"/>
+          <a:ext cx="0" cy="0"/>
+          <a:chOff x="0" y="0"/>
+          <a:chExt cx="0" cy="0"/>
+        </a:xfrm>
+      </p:grpSpPr>
+      <p:cxnSp>
+        <p:nvCxnSpPr>
+          <p:cNvPr id="4" name="직선 연결선 3"/>
+          <p:cNvCxnSpPr/>
+          <p:nvPr/>
+        </p:nvCxnSpPr>
+        <p:spPr>
+          <a:xfrm>
+            <a:off x="683568" y="-371068"/>
+            <a:ext cx="0" cy="7472476"/>
+          </a:xfrm>
+          <a:prstGeom prst="line">
+            <a:avLst/>
+          </a:prstGeom>
+          <a:ln>
+            <a:solidFill>
+              <a:schemeClr val="bg1">
+                <a:lumMod val="65000"/>
+                <a:alpha val="50000"/>
+              </a:schemeClr>
+            </a:solidFill>
+          </a:ln>
+        </p:spPr>
+        <p:style>
+          <a:lnRef idx="1">
+            <a:schemeClr val="accent1"/>
+          </a:lnRef>
+          <a:fillRef idx="0">
+            <a:schemeClr val="accent1"/>
+          </a:fillRef>
+          <a:effectRef idx="0">
+            <a:schemeClr val="accent1"/>
+          </a:effectRef>
+          <a:fontRef idx="minor">
+            <a:schemeClr val="tx1"/>
+          </a:fontRef>
+        </p:style>
+      </p:cxnSp>
+      <p:sp>
+        <p:nvSpPr>
+          <p:cNvPr id="23" name="직각 삼각형 22"/>
+          <p:cNvSpPr/>
+          <p:nvPr/>
+        </p:nvSpPr>
+        <p:spPr>
+          <a:xfrm rot="5400000">
+            <a:off x="702755" y="1650949"/>
+            <a:ext cx="81142" cy="108000"/>
+          </a:xfrm>
+          <a:prstGeom prst="rtTriangle">
+            <a:avLst/>
+          </a:prstGeom>
+          <a:solidFill>
+            <a:schemeClr val="tx1"/>
+          </a:solidFill>
+          <a:ln>
+            <a:solidFill>
+              <a:schemeClr val="tx1"/>
+            </a:solidFill>
+          </a:ln>
+        </p:spPr>
+        <p:style>
+          <a:lnRef idx="2">
+            <a:schemeClr val="accent1">
+              <a:shade val="50000"/>
+            </a:schemeClr>
+          </a:lnRef>
+          <a:fillRef idx="1">
+            <a:schemeClr val="accent1"/>
+          </a:fillRef>
+          <a:effectRef idx="0">
+            <a:schemeClr val="accent1"/>
+          </a:effectRef>
+          <a:fontRef idx="minor">
+            <a:schemeClr val="lt1"/>
+          </a:fontRef>
+        </p:style>
+        <p:txBody>
+          <a:bodyPr rtlCol="0" anchor="ctr"/>
+          <a:lstStyle/>
+          <a:p>
+            <a:pPr algn="ctr"/>
+            <a:endParaRPr lang="ko-KR" altLang="en-US" b="1">
+              <a:latin typeface="+mn-ea"/>
+            </a:endParaRPr>
+          </a:p>
+        </p:txBody>
+      </p:sp>
+      <p:sp>
+        <p:nvSpPr>
+          <p:cNvPr id="22" name="직사각형 21"/>
+          <p:cNvSpPr/>
+          <p:nvPr/>
+        </p:nvSpPr>
+        <p:spPr>
+          <a:xfrm>
+            <a:off x="-9283" y="1320875"/>
+            <a:ext cx="834325" cy="343501"/>
+          </a:xfrm>
+          <a:prstGeom prst="rect">
+            <a:avLst/>
+          </a:prstGeom>
+          <a:solidFill>
+            <a:srgbClr val="272123"/>
+          </a:solidFill>
+          <a:ln>
+            <a:noFill/>
+          </a:ln>
+        </p:spPr>
+        <p:style>
+          <a:lnRef idx="2">
+            <a:schemeClr val="accent1">
+              <a:shade val="50000"/>
+            </a:schemeClr>
+          </a:lnRef>
+          <a:fillRef idx="1">
+            <a:schemeClr val="accent1"/>
+          </a:fillRef>
+          <a:effectRef idx="0">
+            <a:schemeClr val="accent1"/>
+          </a:effectRef>
+          <a:fontRef idx="minor">
+            <a:schemeClr val="lt1"/>
+          </a:fontRef>
+        </p:style>
+        <p:txBody>
+          <a:bodyPr rtlCol="0" anchor="ctr"/>
+          <a:lstStyle/>
+          <a:p>
+            <a:pPr algn="ctr"/>
+            <a:endParaRPr lang="ko-KR" altLang="en-US" b="1">
+              <a:latin typeface="+mn-ea"/>
+            </a:endParaRPr>
+          </a:p>
+        </p:txBody>
+      </p:sp>
+      <p:cxnSp>
+        <p:nvCxnSpPr>
+          <p:cNvPr id="5" name="직선 연결선 4"/>
+          <p:cNvCxnSpPr/>
+          <p:nvPr/>
+        </p:nvCxnSpPr>
+        <p:spPr>
+          <a:xfrm flipH="1">
+            <a:off x="692540" y="548680"/>
+            <a:ext cx="9295796" cy="0"/>
+          </a:xfrm>
+          <a:prstGeom prst="line">
+            <a:avLst/>
+          </a:prstGeom>
+          <a:ln>
+            <a:solidFill>
+              <a:schemeClr val="bg1">
+                <a:lumMod val="65000"/>
+                <a:alpha val="50000"/>
+              </a:schemeClr>
+            </a:solidFill>
+          </a:ln>
+        </p:spPr>
+        <p:style>
+          <a:lnRef idx="1">
+            <a:schemeClr val="accent1"/>
+          </a:lnRef>
+          <a:fillRef idx="0">
+            <a:schemeClr val="accent1"/>
+          </a:fillRef>
+          <a:effectRef idx="0">
+            <a:schemeClr val="accent1"/>
+          </a:effectRef>
+          <a:fontRef idx="minor">
+            <a:schemeClr val="tx1"/>
+          </a:fontRef>
+        </p:style>
+      </p:cxnSp>
+      <p:sp>
+        <p:nvSpPr>
+          <p:cNvPr id="6" name="TextBox 5"/>
+          <p:cNvSpPr txBox="1"/>
+          <p:nvPr/>
+        </p:nvSpPr>
+        <p:spPr>
+          <a:xfrm>
+            <a:off x="1043607" y="138482"/>
+            <a:ext cx="1800000" cy="307777"/>
+          </a:xfrm>
+          <a:prstGeom prst="rect">
+            <a:avLst/>
+          </a:prstGeom>
+          <a:noFill/>
+        </p:spPr>
+        <p:txBody>
+          <a:bodyPr wrap="square" rtlCol="0">
+            <a:spAutoFit/>
+          </a:bodyPr>
+          <a:lstStyle/>
+          <a:p>
+            <a:pPr lvl="0">
+              <a:defRPr/>
+            </a:pPr>
+            <a:r>
+              <a:rPr lang="en-US" altLang="ko-KR" sz="1400" b="1" dirty="0" smtClean="0">
+                <a:ln>
+                  <a:solidFill>
+                    <a:prstClr val="white">
+                      <a:lumMod val="85000"/>
+                      <a:alpha val="30000"/>
+                    </a:prstClr>
+                  </a:solidFill>
+                </a:ln>
+                <a:latin typeface="+mn-ea"/>
+              </a:rPr>
+              <a:t>Setting</a:t>
+            </a:r>
+            <a:endParaRPr lang="en-US" altLang="ko-KR" sz="1400" b="1" dirty="0">
+              <a:ln>
+                <a:solidFill>
+                  <a:prstClr val="white">
+                    <a:lumMod val="85000"/>
+                    <a:alpha val="30000"/>
+                  </a:prstClr>
+                </a:solidFill>
+              </a:ln>
+              <a:latin typeface="+mn-ea"/>
+            </a:endParaRPr>
+          </a:p>
+        </p:txBody>
+      </p:sp>
+      <p:sp>
+        <p:nvSpPr>
+          <p:cNvPr id="24" name="TextBox 23"/>
+          <p:cNvSpPr txBox="1"/>
+          <p:nvPr/>
+        </p:nvSpPr>
+        <p:spPr>
+          <a:xfrm>
+            <a:off x="123549" y="882386"/>
+            <a:ext cx="541363" cy="338554"/>
+          </a:xfrm>
+          <a:prstGeom prst="rect">
+            <a:avLst/>
+          </a:prstGeom>
+          <a:noFill/>
+        </p:spPr>
+        <p:txBody>
+          <a:bodyPr wrap="square" rtlCol="0">
+            <a:spAutoFit/>
+          </a:bodyPr>
+          <a:lstStyle/>
+          <a:p>
+            <a:r>
+              <a:rPr lang="en-US" altLang="ko-KR" sz="1600" b="1" dirty="0" smtClean="0">
+                <a:ln>
+                  <a:solidFill>
+                    <a:schemeClr val="bg1">
+                      <a:lumMod val="75000"/>
+                      <a:alpha val="30000"/>
+                    </a:schemeClr>
+                  </a:solidFill>
+                </a:ln>
+                <a:solidFill>
+                  <a:schemeClr val="bg1">
+                    <a:lumMod val="75000"/>
+                  </a:schemeClr>
+                </a:solidFill>
+                <a:latin typeface="+mn-ea"/>
+              </a:rPr>
+              <a:t>01</a:t>
+            </a:r>
+          </a:p>
+        </p:txBody>
+      </p:sp>
+      <p:sp>
+        <p:nvSpPr>
+          <p:cNvPr id="33" name="직사각형 32"/>
+          <p:cNvSpPr/>
+          <p:nvPr/>
+        </p:nvSpPr>
+        <p:spPr>
+          <a:xfrm>
+            <a:off x="1080000" y="900000"/>
+            <a:ext cx="2123848" cy="457200"/>
+          </a:xfrm>
+          <a:prstGeom prst="rect">
+            <a:avLst/>
+          </a:prstGeom>
+          <a:solidFill>
+            <a:srgbClr val="272123"/>
+          </a:solidFill>
+          <a:ln>
+            <a:noFill/>
+          </a:ln>
+        </p:spPr>
+        <p:style>
+          <a:lnRef idx="2">
+            <a:schemeClr val="accent1">
+              <a:shade val="50000"/>
+            </a:schemeClr>
+          </a:lnRef>
+          <a:fillRef idx="1">
+            <a:schemeClr val="accent1"/>
+          </a:fillRef>
+          <a:effectRef idx="0">
+            <a:schemeClr val="accent1"/>
+          </a:effectRef>
+          <a:fontRef idx="minor">
+            <a:schemeClr val="lt1"/>
+          </a:fontRef>
+        </p:style>
+        <p:txBody>
+          <a:bodyPr rtlCol="0" anchor="ctr"/>
+          <a:lstStyle/>
+          <a:p>
+            <a:pPr marL="0" marR="0" lvl="0" indent="0" algn="ctr" defTabSz="914400" rtl="0" eaLnBrk="1" fontAlgn="auto" latinLnBrk="1" hangingPunct="1">
+              <a:lnSpc>
+                <a:spcPct val="100000"/>
+              </a:lnSpc>
+              <a:spcBef>
+                <a:spcPts val="0"/>
+              </a:spcBef>
+              <a:spcAft>
+                <a:spcPts val="0"/>
+              </a:spcAft>
+              <a:buClrTx/>
+              <a:buSzTx/>
+              <a:buFontTx/>
+              <a:buNone/>
+              <a:tabLst/>
+              <a:defRPr/>
+            </a:pPr>
+            <a:r>
+              <a:rPr lang="ko-KR" altLang="en-US" b="1" noProof="0" dirty="0" smtClean="0">
+                <a:solidFill>
+                  <a:prstClr val="white"/>
+                </a:solidFill>
+                <a:latin typeface="맑은 고딕" panose="020B0503020000020004" pitchFamily="50" charset="-127"/>
+                <a:ea typeface="맑은 고딕" panose="020B0503020000020004" pitchFamily="50" charset="-127"/>
+              </a:rPr>
+              <a:t>판매 탭</a:t>
+            </a:r>
+            <a:endParaRPr kumimoji="0" lang="en-US" altLang="ko-KR" sz="1800" b="1" i="0" u="none" strike="noStrike" kern="1200" cap="none" spc="0" normalizeH="0" baseline="0" noProof="0" dirty="0" smtClean="0">
+              <a:ln>
+                <a:noFill/>
+              </a:ln>
+              <a:solidFill>
+                <a:prstClr val="white"/>
+              </a:solidFill>
+              <a:effectLst/>
+              <a:uLnTx/>
+              <a:uFillTx/>
+              <a:latin typeface="맑은 고딕" panose="020B0503020000020004" pitchFamily="50" charset="-127"/>
+              <a:ea typeface="맑은 고딕" panose="020B0503020000020004" pitchFamily="50" charset="-127"/>
+              <a:cs typeface="+mn-cs"/>
+            </a:endParaRPr>
+          </a:p>
+        </p:txBody>
+      </p:sp>
+      <p:sp>
+        <p:nvSpPr>
+          <p:cNvPr id="20" name="TextBox 19"/>
+          <p:cNvSpPr txBox="1"/>
+          <p:nvPr/>
+        </p:nvSpPr>
+        <p:spPr>
+          <a:xfrm>
+            <a:off x="107504" y="1340768"/>
+            <a:ext cx="450395" cy="338554"/>
+          </a:xfrm>
+          <a:prstGeom prst="rect">
+            <a:avLst/>
+          </a:prstGeom>
+          <a:noFill/>
+        </p:spPr>
+        <p:txBody>
+          <a:bodyPr wrap="square" rtlCol="0">
+            <a:spAutoFit/>
+          </a:bodyPr>
+          <a:lstStyle/>
+          <a:p>
+            <a:r>
+              <a:rPr lang="en-US" altLang="ko-KR" sz="1600" b="1" dirty="0" smtClean="0">
+                <a:ln>
+                  <a:solidFill>
+                    <a:schemeClr val="tx1">
+                      <a:alpha val="30000"/>
+                    </a:schemeClr>
+                  </a:solidFill>
+                </a:ln>
+                <a:solidFill>
+                  <a:schemeClr val="bg1">
+                    <a:lumMod val="85000"/>
+                  </a:schemeClr>
+                </a:solidFill>
+                <a:latin typeface="+mn-ea"/>
+              </a:rPr>
+              <a:t>02</a:t>
+            </a:r>
+          </a:p>
+        </p:txBody>
+      </p:sp>
+      <p:sp>
+        <p:nvSpPr>
+          <p:cNvPr id="21" name="TextBox 20"/>
+          <p:cNvSpPr txBox="1"/>
+          <p:nvPr/>
+        </p:nvSpPr>
+        <p:spPr>
+          <a:xfrm>
+            <a:off x="107504" y="1819563"/>
+            <a:ext cx="450395" cy="338554"/>
+          </a:xfrm>
+          <a:prstGeom prst="rect">
+            <a:avLst/>
+          </a:prstGeom>
+          <a:noFill/>
+        </p:spPr>
+        <p:txBody>
+          <a:bodyPr wrap="square" rtlCol="0">
+            <a:spAutoFit/>
+          </a:bodyPr>
+          <a:lstStyle/>
+          <a:p>
+            <a:r>
+              <a:rPr lang="en-US" altLang="ko-KR" sz="1600" b="1" dirty="0" smtClean="0">
+                <a:ln>
+                  <a:solidFill>
+                    <a:schemeClr val="tx1">
+                      <a:alpha val="30000"/>
+                    </a:schemeClr>
+                  </a:solidFill>
+                </a:ln>
+                <a:solidFill>
+                  <a:schemeClr val="bg1">
+                    <a:lumMod val="85000"/>
+                  </a:schemeClr>
+                </a:solidFill>
+                <a:latin typeface="+mn-ea"/>
+              </a:rPr>
+              <a:t>03</a:t>
+            </a:r>
+          </a:p>
+        </p:txBody>
+      </p:sp>
+    </p:spTree>
+    <p:extLst>
+      <p:ext uri="{BB962C8B-B14F-4D97-AF65-F5344CB8AC3E}">
+        <p14:creationId xmlns:p14="http://schemas.microsoft.com/office/powerpoint/2010/main" val="3911801989"/>
+      </p:ext>
+    </p:extLst>
+  </p:cSld>
+  <p:clrMapOvr>
+    <a:masterClrMapping/>
+  </p:clrMapOvr>
+  <mc:AlternateContent xmlns:mc="http://schemas.openxmlformats.org/markup-compatibility/2006" xmlns:p14="http://schemas.microsoft.com/office/powerpoint/2010/main">
+    <mc:Choice Requires="p14">
+      <p:transition spd="med" p14:dur="700">
+        <p:fade/>
+      </p:transition>
+    </mc:Choice>
+    <mc:Fallback xmlns="">
+      <p:transition spd="med">
+        <p:fade/>
+      </p:transition>
+    </mc:Fallback>
+  </mc:AlternateContent>
+  <p:timing>
+    <p:tnLst>
+      <p:par>
+        <p:cTn id="1" dur="indefinite" restart="never" nodeType="tmRoot"/>
+      </p:par>
+    </p:tnLst>
+  </p:timing>
+</p:sld>
+</file>
+
+<file path=ppt/slides/slide28.xml><?xml version="1.0" encoding="utf-8"?>
+<p:sld xmlns:a="http://schemas.openxmlformats.org/drawingml/2006/main" xmlns:r="http://schemas.openxmlformats.org/officeDocument/2006/relationships" xmlns:p="http://schemas.openxmlformats.org/presentationml/2006/main">
+  <p:cSld>
+    <p:spTree>
+      <p:nvGrpSpPr>
+        <p:cNvPr id="1" name=""/>
+        <p:cNvGrpSpPr/>
+        <p:nvPr/>
+      </p:nvGrpSpPr>
+      <p:grpSpPr>
+        <a:xfrm>
+          <a:off x="0" y="0"/>
+          <a:ext cx="0" cy="0"/>
+          <a:chOff x="0" y="0"/>
+          <a:chExt cx="0" cy="0"/>
+        </a:xfrm>
+      </p:grpSpPr>
+      <p:cxnSp>
+        <p:nvCxnSpPr>
+          <p:cNvPr id="4" name="직선 연결선 3"/>
+          <p:cNvCxnSpPr/>
+          <p:nvPr/>
+        </p:nvCxnSpPr>
+        <p:spPr>
+          <a:xfrm>
+            <a:off x="683568" y="-371068"/>
+            <a:ext cx="0" cy="7472476"/>
+          </a:xfrm>
+          <a:prstGeom prst="line">
+            <a:avLst/>
+          </a:prstGeom>
+          <a:ln>
+            <a:solidFill>
+              <a:schemeClr val="bg1">
+                <a:lumMod val="65000"/>
+                <a:alpha val="50000"/>
+              </a:schemeClr>
+            </a:solidFill>
+          </a:ln>
+        </p:spPr>
+        <p:style>
+          <a:lnRef idx="1">
+            <a:schemeClr val="accent1"/>
+          </a:lnRef>
+          <a:fillRef idx="0">
+            <a:schemeClr val="accent1"/>
+          </a:fillRef>
+          <a:effectRef idx="0">
+            <a:schemeClr val="accent1"/>
+          </a:effectRef>
+          <a:fontRef idx="minor">
+            <a:schemeClr val="tx1"/>
+          </a:fontRef>
+        </p:style>
+      </p:cxnSp>
+      <p:sp>
+        <p:nvSpPr>
+          <p:cNvPr id="13" name="직사각형 12"/>
+          <p:cNvSpPr/>
+          <p:nvPr/>
+        </p:nvSpPr>
+        <p:spPr>
+          <a:xfrm>
+            <a:off x="-9283" y="1813760"/>
+            <a:ext cx="834325" cy="343501"/>
+          </a:xfrm>
+          <a:prstGeom prst="rect">
+            <a:avLst/>
+          </a:prstGeom>
+          <a:solidFill>
+            <a:srgbClr val="272123"/>
+          </a:solidFill>
+          <a:ln>
+            <a:noFill/>
+          </a:ln>
+        </p:spPr>
+        <p:style>
+          <a:lnRef idx="2">
+            <a:schemeClr val="accent1">
+              <a:shade val="50000"/>
+            </a:schemeClr>
+          </a:lnRef>
+          <a:fillRef idx="1">
+            <a:schemeClr val="accent1"/>
+          </a:fillRef>
+          <a:effectRef idx="0">
+            <a:schemeClr val="accent1"/>
+          </a:effectRef>
+          <a:fontRef idx="minor">
+            <a:schemeClr val="lt1"/>
+          </a:fontRef>
+        </p:style>
+        <p:txBody>
+          <a:bodyPr rtlCol="0" anchor="ctr"/>
+          <a:lstStyle/>
+          <a:p>
+            <a:pPr algn="ctr"/>
+            <a:endParaRPr lang="ko-KR" altLang="en-US"/>
+          </a:p>
+        </p:txBody>
+      </p:sp>
+      <p:sp>
+        <p:nvSpPr>
+          <p:cNvPr id="14" name="직각 삼각형 13"/>
+          <p:cNvSpPr/>
+          <p:nvPr/>
+        </p:nvSpPr>
+        <p:spPr>
+          <a:xfrm rot="5400000">
+            <a:off x="702755" y="2143834"/>
+            <a:ext cx="81142" cy="108000"/>
+          </a:xfrm>
+          <a:prstGeom prst="rtTriangle">
+            <a:avLst/>
+          </a:prstGeom>
+          <a:solidFill>
+            <a:schemeClr val="tx1"/>
+          </a:solidFill>
+          <a:ln>
+            <a:solidFill>
+              <a:schemeClr val="tx1"/>
+            </a:solidFill>
+          </a:ln>
+        </p:spPr>
+        <p:style>
+          <a:lnRef idx="2">
+            <a:schemeClr val="accent1">
+              <a:shade val="50000"/>
+            </a:schemeClr>
+          </a:lnRef>
+          <a:fillRef idx="1">
+            <a:schemeClr val="accent1"/>
+          </a:fillRef>
+          <a:effectRef idx="0">
+            <a:schemeClr val="accent1"/>
+          </a:effectRef>
+          <a:fontRef idx="minor">
+            <a:schemeClr val="lt1"/>
+          </a:fontRef>
+        </p:style>
+        <p:txBody>
+          <a:bodyPr rtlCol="0" anchor="ctr"/>
+          <a:lstStyle/>
+          <a:p>
+            <a:pPr algn="ctr"/>
+            <a:endParaRPr lang="ko-KR" altLang="en-US"/>
+          </a:p>
+        </p:txBody>
+      </p:sp>
+      <p:cxnSp>
+        <p:nvCxnSpPr>
+          <p:cNvPr id="5" name="직선 연결선 4"/>
+          <p:cNvCxnSpPr/>
+          <p:nvPr/>
+        </p:nvCxnSpPr>
+        <p:spPr>
+          <a:xfrm flipH="1">
+            <a:off x="692540" y="548680"/>
+            <a:ext cx="9295796" cy="0"/>
+          </a:xfrm>
+          <a:prstGeom prst="line">
+            <a:avLst/>
+          </a:prstGeom>
+          <a:ln>
+            <a:solidFill>
+              <a:schemeClr val="bg1">
+                <a:lumMod val="65000"/>
+                <a:alpha val="50000"/>
+              </a:schemeClr>
+            </a:solidFill>
+          </a:ln>
+        </p:spPr>
+        <p:style>
+          <a:lnRef idx="1">
+            <a:schemeClr val="accent1"/>
+          </a:lnRef>
+          <a:fillRef idx="0">
+            <a:schemeClr val="accent1"/>
+          </a:fillRef>
+          <a:effectRef idx="0">
+            <a:schemeClr val="accent1"/>
+          </a:effectRef>
+          <a:fontRef idx="minor">
+            <a:schemeClr val="tx1"/>
+          </a:fontRef>
+        </p:style>
+      </p:cxnSp>
+      <p:sp>
+        <p:nvSpPr>
+          <p:cNvPr id="6" name="TextBox 5"/>
+          <p:cNvSpPr txBox="1"/>
+          <p:nvPr/>
+        </p:nvSpPr>
+        <p:spPr>
+          <a:xfrm>
+            <a:off x="1043607" y="138482"/>
+            <a:ext cx="1800000" cy="307777"/>
+          </a:xfrm>
+          <a:prstGeom prst="rect">
+            <a:avLst/>
+          </a:prstGeom>
+          <a:noFill/>
+        </p:spPr>
+        <p:txBody>
+          <a:bodyPr wrap="square" rtlCol="0">
+            <a:spAutoFit/>
+          </a:bodyPr>
+          <a:lstStyle/>
+          <a:p>
+            <a:pPr lvl="0">
+              <a:defRPr/>
+            </a:pPr>
+            <a:r>
+              <a:rPr lang="en-US" altLang="ko-KR" sz="1400" b="1" dirty="0" smtClean="0">
+                <a:ln>
+                  <a:solidFill>
+                    <a:prstClr val="white">
+                      <a:lumMod val="85000"/>
+                      <a:alpha val="30000"/>
+                    </a:prstClr>
+                  </a:solidFill>
+                </a:ln>
+                <a:latin typeface="+mn-ea"/>
+              </a:rPr>
+              <a:t>Setting</a:t>
+            </a:r>
+            <a:endParaRPr lang="en-US" altLang="ko-KR" sz="1400" b="1" dirty="0">
+              <a:ln>
+                <a:solidFill>
+                  <a:prstClr val="white">
+                    <a:lumMod val="85000"/>
+                    <a:alpha val="30000"/>
+                  </a:prstClr>
+                </a:solidFill>
+              </a:ln>
+              <a:latin typeface="+mn-ea"/>
+            </a:endParaRPr>
+          </a:p>
+        </p:txBody>
+      </p:sp>
+      <p:sp>
+        <p:nvSpPr>
+          <p:cNvPr id="24" name="TextBox 23"/>
+          <p:cNvSpPr txBox="1"/>
+          <p:nvPr/>
+        </p:nvSpPr>
+        <p:spPr>
+          <a:xfrm>
+            <a:off x="123549" y="882386"/>
+            <a:ext cx="541363" cy="338554"/>
+          </a:xfrm>
+          <a:prstGeom prst="rect">
+            <a:avLst/>
+          </a:prstGeom>
+          <a:noFill/>
+        </p:spPr>
+        <p:txBody>
+          <a:bodyPr wrap="square" rtlCol="0">
+            <a:spAutoFit/>
+          </a:bodyPr>
+          <a:lstStyle/>
+          <a:p>
+            <a:r>
+              <a:rPr lang="en-US" altLang="ko-KR" sz="1600" b="1" dirty="0" smtClean="0">
+                <a:ln>
+                  <a:solidFill>
+                    <a:schemeClr val="bg1">
+                      <a:lumMod val="75000"/>
+                      <a:alpha val="30000"/>
+                    </a:schemeClr>
+                  </a:solidFill>
+                </a:ln>
+                <a:solidFill>
+                  <a:schemeClr val="bg1">
+                    <a:lumMod val="75000"/>
+                  </a:schemeClr>
+                </a:solidFill>
+                <a:latin typeface="+mn-ea"/>
+              </a:rPr>
+              <a:t>01</a:t>
+            </a:r>
+          </a:p>
+        </p:txBody>
+      </p:sp>
+      <p:sp>
+        <p:nvSpPr>
+          <p:cNvPr id="33" name="직사각형 32"/>
+          <p:cNvSpPr/>
+          <p:nvPr/>
+        </p:nvSpPr>
+        <p:spPr>
+          <a:xfrm>
+            <a:off x="1080000" y="900000"/>
+            <a:ext cx="2123848" cy="457200"/>
+          </a:xfrm>
+          <a:prstGeom prst="rect">
+            <a:avLst/>
+          </a:prstGeom>
+          <a:solidFill>
+            <a:srgbClr val="272123"/>
+          </a:solidFill>
+          <a:ln>
+            <a:noFill/>
+          </a:ln>
+        </p:spPr>
+        <p:style>
+          <a:lnRef idx="2">
+            <a:schemeClr val="accent1">
+              <a:shade val="50000"/>
+            </a:schemeClr>
+          </a:lnRef>
+          <a:fillRef idx="1">
+            <a:schemeClr val="accent1"/>
+          </a:fillRef>
+          <a:effectRef idx="0">
+            <a:schemeClr val="accent1"/>
+          </a:effectRef>
+          <a:fontRef idx="minor">
+            <a:schemeClr val="lt1"/>
+          </a:fontRef>
+        </p:style>
+        <p:txBody>
+          <a:bodyPr rtlCol="0" anchor="ctr"/>
+          <a:lstStyle/>
+          <a:p>
+            <a:pPr marL="0" marR="0" lvl="0" indent="0" algn="ctr" defTabSz="914400" rtl="0" eaLnBrk="1" fontAlgn="auto" latinLnBrk="1" hangingPunct="1">
+              <a:lnSpc>
+                <a:spcPct val="100000"/>
+              </a:lnSpc>
+              <a:spcBef>
+                <a:spcPts val="0"/>
+              </a:spcBef>
+              <a:spcAft>
+                <a:spcPts val="0"/>
+              </a:spcAft>
+              <a:buClrTx/>
+              <a:buSzTx/>
+              <a:buFontTx/>
+              <a:buNone/>
+              <a:tabLst/>
+              <a:defRPr/>
+            </a:pPr>
+            <a:r>
+              <a:rPr lang="ko-KR" altLang="en-US" b="1" noProof="0" dirty="0" smtClean="0">
+                <a:solidFill>
+                  <a:prstClr val="white"/>
+                </a:solidFill>
+                <a:latin typeface="맑은 고딕" panose="020B0503020000020004" pitchFamily="50" charset="-127"/>
+                <a:ea typeface="맑은 고딕" panose="020B0503020000020004" pitchFamily="50" charset="-127"/>
+              </a:rPr>
+              <a:t>관리 탭</a:t>
+            </a:r>
+            <a:endParaRPr kumimoji="0" lang="en-US" altLang="ko-KR" sz="1800" b="1" i="0" u="none" strike="noStrike" kern="1200" cap="none" spc="0" normalizeH="0" baseline="0" noProof="0" dirty="0" smtClean="0">
+              <a:ln>
+                <a:noFill/>
+              </a:ln>
+              <a:solidFill>
+                <a:prstClr val="white"/>
+              </a:solidFill>
+              <a:effectLst/>
+              <a:uLnTx/>
+              <a:uFillTx/>
+              <a:latin typeface="맑은 고딕" panose="020B0503020000020004" pitchFamily="50" charset="-127"/>
+              <a:ea typeface="맑은 고딕" panose="020B0503020000020004" pitchFamily="50" charset="-127"/>
+              <a:cs typeface="+mn-cs"/>
+            </a:endParaRPr>
+          </a:p>
+        </p:txBody>
+      </p:sp>
+      <p:sp>
+        <p:nvSpPr>
+          <p:cNvPr id="11" name="TextBox 10"/>
+          <p:cNvSpPr txBox="1"/>
+          <p:nvPr/>
+        </p:nvSpPr>
+        <p:spPr>
+          <a:xfrm>
+            <a:off x="107504" y="1340768"/>
+            <a:ext cx="450395" cy="338554"/>
+          </a:xfrm>
+          <a:prstGeom prst="rect">
+            <a:avLst/>
+          </a:prstGeom>
+          <a:noFill/>
+        </p:spPr>
+        <p:txBody>
+          <a:bodyPr wrap="square" rtlCol="0">
+            <a:spAutoFit/>
+          </a:bodyPr>
+          <a:lstStyle/>
+          <a:p>
+            <a:r>
+              <a:rPr lang="en-US" altLang="ko-KR" sz="1600" b="1" dirty="0" smtClean="0">
+                <a:ln>
+                  <a:solidFill>
+                    <a:schemeClr val="tx1">
+                      <a:alpha val="30000"/>
+                    </a:schemeClr>
+                  </a:solidFill>
+                </a:ln>
+                <a:solidFill>
+                  <a:schemeClr val="bg1">
+                    <a:lumMod val="85000"/>
+                  </a:schemeClr>
+                </a:solidFill>
+                <a:latin typeface="+mn-ea"/>
+              </a:rPr>
+              <a:t>02</a:t>
+            </a:r>
+          </a:p>
+        </p:txBody>
+      </p:sp>
+      <p:sp>
+        <p:nvSpPr>
+          <p:cNvPr id="12" name="TextBox 11"/>
+          <p:cNvSpPr txBox="1"/>
+          <p:nvPr/>
+        </p:nvSpPr>
+        <p:spPr>
+          <a:xfrm>
+            <a:off x="107504" y="1819563"/>
+            <a:ext cx="450395" cy="338554"/>
+          </a:xfrm>
+          <a:prstGeom prst="rect">
+            <a:avLst/>
+          </a:prstGeom>
+          <a:noFill/>
+        </p:spPr>
+        <p:txBody>
+          <a:bodyPr wrap="square" rtlCol="0">
+            <a:spAutoFit/>
+          </a:bodyPr>
+          <a:lstStyle/>
+          <a:p>
+            <a:r>
+              <a:rPr lang="en-US" altLang="ko-KR" sz="1600" b="1" dirty="0" smtClean="0">
+                <a:ln>
+                  <a:solidFill>
+                    <a:schemeClr val="tx1">
+                      <a:alpha val="30000"/>
+                    </a:schemeClr>
+                  </a:solidFill>
+                </a:ln>
+                <a:solidFill>
+                  <a:schemeClr val="bg1">
+                    <a:lumMod val="85000"/>
+                  </a:schemeClr>
+                </a:solidFill>
+                <a:latin typeface="+mn-ea"/>
+              </a:rPr>
+              <a:t>03</a:t>
+            </a:r>
+          </a:p>
+        </p:txBody>
+      </p:sp>
+    </p:spTree>
+    <p:extLst>
+      <p:ext uri="{BB962C8B-B14F-4D97-AF65-F5344CB8AC3E}">
+        <p14:creationId xmlns:p14="http://schemas.microsoft.com/office/powerpoint/2010/main" val="4172308727"/>
+      </p:ext>
+    </p:extLst>
+  </p:cSld>
+  <p:clrMapOvr>
+    <a:masterClrMapping/>
+  </p:clrMapOvr>
+  <mc:AlternateContent xmlns:mc="http://schemas.openxmlformats.org/markup-compatibility/2006" xmlns:p14="http://schemas.microsoft.com/office/powerpoint/2010/main">
+    <mc:Choice Requires="p14">
+      <p:transition spd="med" p14:dur="700">
+        <p:fade/>
+      </p:transition>
+    </mc:Choice>
+    <mc:Fallback xmlns="">
+      <p:transition spd="med">
+        <p:fade/>
+      </p:transition>
+    </mc:Fallback>
+  </mc:AlternateContent>
+  <p:timing>
+    <p:tnLst>
+      <p:par>
+        <p:cTn id="1" dur="indefinite" restart="never" nodeType="tmRoot"/>
+      </p:par>
+    </p:tnLst>
+  </p:timing>
+</p:sld>
+</file>
+
+<file path=ppt/slides/slide29.xml><?xml version="1.0" encoding="utf-8"?>
 <p:sld xmlns:a="http://schemas.openxmlformats.org/drawingml/2006/main" xmlns:r="http://schemas.openxmlformats.org/officeDocument/2006/relationships" xmlns:p="http://schemas.openxmlformats.org/presentationml/2006/main">
   <p:cSld>
     <p:bg>
@@ -12231,22 +16730,6 @@
               </a:rPr>
               <a:t>COMP project</a:t>
             </a:r>
-            <a:endParaRPr lang="en-US" altLang="ko-KR" sz="1400" b="1" dirty="0" smtClean="0">
-              <a:ln>
-                <a:solidFill>
-                  <a:schemeClr val="bg1">
-                    <a:lumMod val="85000"/>
-                    <a:alpha val="30000"/>
-                  </a:schemeClr>
-                </a:solidFill>
-              </a:ln>
-              <a:solidFill>
-                <a:schemeClr val="bg1">
-                  <a:lumMod val="95000"/>
-                </a:schemeClr>
-              </a:solidFill>
-              <a:latin typeface="+mn-ea"/>
-            </a:endParaRPr>
           </a:p>
         </p:txBody>
       </p:sp>
@@ -12289,26 +16772,7 @@
                 </a:solidFill>
                 <a:latin typeface="+mn-ea"/>
               </a:rPr>
-              <a:t>신동준</a:t>
-            </a:r>
-            <a:r>
-              <a:rPr lang="ko-KR" altLang="en-US" sz="1400" dirty="0" smtClean="0">
-                <a:ln>
-                  <a:solidFill>
-                    <a:schemeClr val="bg1">
-                      <a:lumMod val="85000"/>
-                      <a:alpha val="30000"/>
-                    </a:schemeClr>
-                  </a:solidFill>
-                </a:ln>
-                <a:solidFill>
-                  <a:schemeClr val="bg1">
-                    <a:lumMod val="85000"/>
-                  </a:schemeClr>
-                </a:solidFill>
-                <a:latin typeface="+mn-ea"/>
-              </a:rPr>
-              <a:t> </a:t>
+              <a:t>신동준 </a:t>
             </a:r>
             <a:r>
               <a:rPr lang="en-US" altLang="ko-KR" sz="1400" dirty="0" smtClean="0">
@@ -12598,19 +17062,6 @@
               </a:rPr>
               <a:t>.</a:t>
             </a:r>
-            <a:endParaRPr lang="en-US" altLang="ko-KR" sz="1400" dirty="0" smtClean="0">
-              <a:ln>
-                <a:solidFill>
-                  <a:schemeClr val="tx1">
-                    <a:alpha val="30000"/>
-                  </a:schemeClr>
-                </a:solidFill>
-              </a:ln>
-              <a:solidFill>
-                <a:srgbClr val="272123"/>
-              </a:solidFill>
-              <a:latin typeface="+mn-ea"/>
-            </a:endParaRPr>
           </a:p>
         </p:txBody>
       </p:sp>
@@ -12882,7 +17333,7 @@
             <a:avLst/>
           </a:prstGeom>
           <a:blipFill>
-            <a:blip r:embed="rId2"/>
+            <a:blip r:embed="rId3"/>
             <a:stretch>
               <a:fillRect/>
             </a:stretch>
@@ -14712,7 +19163,7 @@
         </p:nvCxnSpPr>
         <p:spPr>
           <a:xfrm>
-            <a:off x="683568" y="-371068"/>
+            <a:off x="683568" y="0"/>
             <a:ext cx="0" cy="7472476"/>
           </a:xfrm>
           <a:prstGeom prst="line">
@@ -17262,19 +21713,6 @@
               </a:rPr>
               <a:t>.</a:t>
             </a:r>
-            <a:endParaRPr lang="en-US" altLang="ko-KR" sz="1600" dirty="0" smtClean="0">
-              <a:ln>
-                <a:solidFill>
-                  <a:schemeClr val="tx1">
-                    <a:alpha val="30000"/>
-                  </a:schemeClr>
-                </a:solidFill>
-              </a:ln>
-              <a:solidFill>
-                <a:srgbClr val="272123"/>
-              </a:solidFill>
-              <a:latin typeface="+mn-ea"/>
-            </a:endParaRPr>
           </a:p>
         </p:txBody>
       </p:sp>
@@ -20001,4 +24439,265 @@
   <a:objectDefaults/>
   <a:extraClrSchemeLst/>
 </a:theme>
+</file>
+
+<file path=ppt/theme/theme2.xml><?xml version="1.0" encoding="utf-8"?>
+<a:theme xmlns:a="http://schemas.openxmlformats.org/drawingml/2006/main" name="Office 테마">
+  <a:themeElements>
+    <a:clrScheme name="Office">
+      <a:dk1>
+        <a:sysClr val="windowText" lastClr="000000"/>
+      </a:dk1>
+      <a:lt1>
+        <a:sysClr val="window" lastClr="FFFFFF"/>
+      </a:lt1>
+      <a:dk2>
+        <a:srgbClr val="44546A"/>
+      </a:dk2>
+      <a:lt2>
+        <a:srgbClr val="E7E6E6"/>
+      </a:lt2>
+      <a:accent1>
+        <a:srgbClr val="5B9BD5"/>
+      </a:accent1>
+      <a:accent2>
+        <a:srgbClr val="ED7D31"/>
+      </a:accent2>
+      <a:accent3>
+        <a:srgbClr val="A5A5A5"/>
+      </a:accent3>
+      <a:accent4>
+        <a:srgbClr val="FFC000"/>
+      </a:accent4>
+      <a:accent5>
+        <a:srgbClr val="4472C4"/>
+      </a:accent5>
+      <a:accent6>
+        <a:srgbClr val="70AD47"/>
+      </a:accent6>
+      <a:hlink>
+        <a:srgbClr val="0563C1"/>
+      </a:hlink>
+      <a:folHlink>
+        <a:srgbClr val="954F72"/>
+      </a:folHlink>
+    </a:clrScheme>
+    <a:fontScheme name="Office">
+      <a:majorFont>
+        <a:latin typeface="맑은 고딕" panose="020F0302020204030204"/>
+        <a:ea typeface=""/>
+        <a:cs typeface=""/>
+        <a:font script="Jpan" typeface="游ゴシック Light"/>
+        <a:font script="Hang" typeface="맑은 고딕"/>
+        <a:font script="Hans" typeface="等线 Light"/>
+        <a:font script="Hant" typeface="新細明體"/>
+        <a:font script="Arab" typeface="Times New Roman"/>
+        <a:font script="Hebr" typeface="Times New Roman"/>
+        <a:font script="Thai" typeface="Angsana New"/>
+        <a:font script="Ethi" typeface="Nyala"/>
+        <a:font script="Beng" typeface="Vrinda"/>
+        <a:font script="Gujr" typeface="Shruti"/>
+        <a:font script="Khmr" typeface="MoolBoran"/>
+        <a:font script="Knda" typeface="Tunga"/>
+        <a:font script="Guru" typeface="Raavi"/>
+        <a:font script="Cans" typeface="Euphemia"/>
+        <a:font script="Cher" typeface="Plantagenet Cherokee"/>
+        <a:font script="Yiii" typeface="Microsoft Yi Baiti"/>
+        <a:font script="Tibt" typeface="Microsoft Himalaya"/>
+        <a:font script="Thaa" typeface="MV Boli"/>
+        <a:font script="Deva" typeface="Mangal"/>
+        <a:font script="Telu" typeface="Gautami"/>
+        <a:font script="Taml" typeface="Latha"/>
+        <a:font script="Syrc" typeface="Estrangelo Edessa"/>
+        <a:font script="Orya" typeface="Kalinga"/>
+        <a:font script="Mlym" typeface="Kartika"/>
+        <a:font script="Laoo" typeface="DokChampa"/>
+        <a:font script="Sinh" typeface="Iskoola Pota"/>
+        <a:font script="Mong" typeface="Mongolian Baiti"/>
+        <a:font script="Viet" typeface="Times New Roman"/>
+        <a:font script="Uigh" typeface="Microsoft Uighur"/>
+        <a:font script="Geor" typeface="Sylfaen"/>
+      </a:majorFont>
+      <a:minorFont>
+        <a:latin typeface="맑은 고딕" panose="020F0502020204030204"/>
+        <a:ea typeface=""/>
+        <a:cs typeface=""/>
+        <a:font script="Jpan" typeface="游ゴシック"/>
+        <a:font script="Hang" typeface="맑은 고딕"/>
+        <a:font script="Hans" typeface="等线"/>
+        <a:font script="Hant" typeface="新細明體"/>
+        <a:font script="Arab" typeface="Arial"/>
+        <a:font script="Hebr" typeface="Arial"/>
+        <a:font script="Thai" typeface="Cordia New"/>
+        <a:font script="Ethi" typeface="Nyala"/>
+        <a:font script="Beng" typeface="Vrinda"/>
+        <a:font script="Gujr" typeface="Shruti"/>
+        <a:font script="Khmr" typeface="DaunPenh"/>
+        <a:font script="Knda" typeface="Tunga"/>
+        <a:font script="Guru" typeface="Raavi"/>
+        <a:font script="Cans" typeface="Euphemia"/>
+        <a:font script="Cher" typeface="Plantagenet Cherokee"/>
+        <a:font script="Yiii" typeface="Microsoft Yi Baiti"/>
+        <a:font script="Tibt" typeface="Microsoft Himalaya"/>
+        <a:font script="Thaa" typeface="MV Boli"/>
+        <a:font script="Deva" typeface="Mangal"/>
+        <a:font script="Telu" typeface="Gautami"/>
+        <a:font script="Taml" typeface="Latha"/>
+        <a:font script="Syrc" typeface="Estrangelo Edessa"/>
+        <a:font script="Orya" typeface="Kalinga"/>
+        <a:font script="Mlym" typeface="Kartika"/>
+        <a:font script="Laoo" typeface="DokChampa"/>
+        <a:font script="Sinh" typeface="Iskoola Pota"/>
+        <a:font script="Mong" typeface="Mongolian Baiti"/>
+        <a:font script="Viet" typeface="Arial"/>
+        <a:font script="Uigh" typeface="Microsoft Uighur"/>
+        <a:font script="Geor" typeface="Sylfaen"/>
+      </a:minorFont>
+    </a:fontScheme>
+    <a:fmtScheme name="Office">
+      <a:fillStyleLst>
+        <a:solidFill>
+          <a:schemeClr val="phClr"/>
+        </a:solidFill>
+        <a:gradFill rotWithShape="1">
+          <a:gsLst>
+            <a:gs pos="0">
+              <a:schemeClr val="phClr">
+                <a:lumMod val="110000"/>
+                <a:satMod val="105000"/>
+                <a:tint val="67000"/>
+              </a:schemeClr>
+            </a:gs>
+            <a:gs pos="50000">
+              <a:schemeClr val="phClr">
+                <a:lumMod val="105000"/>
+                <a:satMod val="103000"/>
+                <a:tint val="73000"/>
+              </a:schemeClr>
+            </a:gs>
+            <a:gs pos="100000">
+              <a:schemeClr val="phClr">
+                <a:lumMod val="105000"/>
+                <a:satMod val="109000"/>
+                <a:tint val="81000"/>
+              </a:schemeClr>
+            </a:gs>
+          </a:gsLst>
+          <a:lin ang="5400000" scaled="0"/>
+        </a:gradFill>
+        <a:gradFill rotWithShape="1">
+          <a:gsLst>
+            <a:gs pos="0">
+              <a:schemeClr val="phClr">
+                <a:satMod val="103000"/>
+                <a:lumMod val="102000"/>
+                <a:tint val="94000"/>
+              </a:schemeClr>
+            </a:gs>
+            <a:gs pos="50000">
+              <a:schemeClr val="phClr">
+                <a:satMod val="110000"/>
+                <a:lumMod val="100000"/>
+                <a:shade val="100000"/>
+              </a:schemeClr>
+            </a:gs>
+            <a:gs pos="100000">
+              <a:schemeClr val="phClr">
+                <a:lumMod val="99000"/>
+                <a:satMod val="120000"/>
+                <a:shade val="78000"/>
+              </a:schemeClr>
+            </a:gs>
+          </a:gsLst>
+          <a:lin ang="5400000" scaled="0"/>
+        </a:gradFill>
+      </a:fillStyleLst>
+      <a:lnStyleLst>
+        <a:ln w="6350" cap="flat" cmpd="sng" algn="ctr">
+          <a:solidFill>
+            <a:schemeClr val="phClr"/>
+          </a:solidFill>
+          <a:prstDash val="solid"/>
+          <a:miter lim="800000"/>
+        </a:ln>
+        <a:ln w="12700" cap="flat" cmpd="sng" algn="ctr">
+          <a:solidFill>
+            <a:schemeClr val="phClr"/>
+          </a:solidFill>
+          <a:prstDash val="solid"/>
+          <a:miter lim="800000"/>
+        </a:ln>
+        <a:ln w="19050" cap="flat" cmpd="sng" algn="ctr">
+          <a:solidFill>
+            <a:schemeClr val="phClr"/>
+          </a:solidFill>
+          <a:prstDash val="solid"/>
+          <a:miter lim="800000"/>
+        </a:ln>
+      </a:lnStyleLst>
+      <a:effectStyleLst>
+        <a:effectStyle>
+          <a:effectLst/>
+        </a:effectStyle>
+        <a:effectStyle>
+          <a:effectLst/>
+        </a:effectStyle>
+        <a:effectStyle>
+          <a:effectLst>
+            <a:outerShdw blurRad="57150" dist="19050" dir="5400000" algn="ctr" rotWithShape="0">
+              <a:srgbClr val="000000">
+                <a:alpha val="63000"/>
+              </a:srgbClr>
+            </a:outerShdw>
+          </a:effectLst>
+        </a:effectStyle>
+      </a:effectStyleLst>
+      <a:bgFillStyleLst>
+        <a:solidFill>
+          <a:schemeClr val="phClr"/>
+        </a:solidFill>
+        <a:solidFill>
+          <a:schemeClr val="phClr">
+            <a:tint val="95000"/>
+            <a:satMod val="170000"/>
+          </a:schemeClr>
+        </a:solidFill>
+        <a:gradFill rotWithShape="1">
+          <a:gsLst>
+            <a:gs pos="0">
+              <a:schemeClr val="phClr">
+                <a:tint val="93000"/>
+                <a:satMod val="150000"/>
+                <a:shade val="98000"/>
+                <a:lumMod val="102000"/>
+              </a:schemeClr>
+            </a:gs>
+            <a:gs pos="50000">
+              <a:schemeClr val="phClr">
+                <a:tint val="98000"/>
+                <a:satMod val="130000"/>
+                <a:shade val="90000"/>
+                <a:lumMod val="103000"/>
+              </a:schemeClr>
+            </a:gs>
+            <a:gs pos="100000">
+              <a:schemeClr val="phClr">
+                <a:shade val="63000"/>
+                <a:satMod val="120000"/>
+              </a:schemeClr>
+            </a:gs>
+          </a:gsLst>
+          <a:lin ang="5400000" scaled="0"/>
+        </a:gradFill>
+      </a:bgFillStyleLst>
+    </a:fmtScheme>
+  </a:themeElements>
+  <a:objectDefaults/>
+  <a:extraClrSchemeLst/>
+  <a:extLst>
+    <a:ext uri="{05A4C25C-085E-4340-85A3-A5531E510DB2}">
+      <thm15:themeFamily xmlns:thm15="http://schemas.microsoft.com/office/thememl/2012/main" name="Office Theme" id="{62F939B6-93AF-4DB8-9C6B-D6C7DFDC589F}" vid="{4A3C46E8-61CC-4603-A589-7422A47A8E4A}"/>
+    </a:ext>
+  </a:extLst>
+</a:theme>
 </file>
--- a/Document/DOC_source/ppt/pptTemp.pptx
+++ b/Document/DOC_source/ppt/pptTemp.pptx
@@ -5,7 +5,7 @@
     <p:sldMasterId id="2147483648" r:id="rId1"/>
   </p:sldMasterIdLst>
   <p:notesMasterIdLst>
-    <p:notesMasterId r:id="rId34"/>
+    <p:notesMasterId r:id="rId39"/>
   </p:notesMasterIdLst>
   <p:sldIdLst>
     <p:sldId id="278" r:id="rId2"/>
@@ -21,37 +21,42 @@
     <p:sldId id="282" r:id="rId12"/>
     <p:sldId id="299" r:id="rId13"/>
     <p:sldId id="313" r:id="rId14"/>
-    <p:sldId id="304" r:id="rId15"/>
-    <p:sldId id="312" r:id="rId16"/>
-    <p:sldId id="306" r:id="rId17"/>
-    <p:sldId id="318" r:id="rId18"/>
-    <p:sldId id="321" r:id="rId19"/>
-    <p:sldId id="320" r:id="rId20"/>
-    <p:sldId id="317" r:id="rId21"/>
-    <p:sldId id="305" r:id="rId22"/>
-    <p:sldId id="315" r:id="rId23"/>
-    <p:sldId id="308" r:id="rId24"/>
-    <p:sldId id="316" r:id="rId25"/>
-    <p:sldId id="322" r:id="rId26"/>
-    <p:sldId id="324" r:id="rId27"/>
-    <p:sldId id="325" r:id="rId28"/>
-    <p:sldId id="326" r:id="rId29"/>
-    <p:sldId id="323" r:id="rId30"/>
-    <p:sldId id="327" r:id="rId31"/>
-    <p:sldId id="328" r:id="rId32"/>
-    <p:sldId id="302" r:id="rId33"/>
+    <p:sldId id="333" r:id="rId15"/>
+    <p:sldId id="304" r:id="rId16"/>
+    <p:sldId id="312" r:id="rId17"/>
+    <p:sldId id="306" r:id="rId18"/>
+    <p:sldId id="318" r:id="rId19"/>
+    <p:sldId id="321" r:id="rId20"/>
+    <p:sldId id="320" r:id="rId21"/>
+    <p:sldId id="317" r:id="rId22"/>
+    <p:sldId id="305" r:id="rId23"/>
+    <p:sldId id="315" r:id="rId24"/>
+    <p:sldId id="308" r:id="rId25"/>
+    <p:sldId id="316" r:id="rId26"/>
+    <p:sldId id="322" r:id="rId27"/>
+    <p:sldId id="324" r:id="rId28"/>
+    <p:sldId id="325" r:id="rId29"/>
+    <p:sldId id="326" r:id="rId30"/>
+    <p:sldId id="323" r:id="rId31"/>
+    <p:sldId id="329" r:id="rId32"/>
+    <p:sldId id="330" r:id="rId33"/>
+    <p:sldId id="331" r:id="rId34"/>
+    <p:sldId id="327" r:id="rId35"/>
+    <p:sldId id="332" r:id="rId36"/>
+    <p:sldId id="328" r:id="rId37"/>
+    <p:sldId id="302" r:id="rId38"/>
   </p:sldIdLst>
   <p:sldSz cx="9144000" cy="6858000" type="screen4x3"/>
   <p:notesSz cx="6858000" cy="9144000"/>
   <p:embeddedFontLst>
     <p:embeddedFont>
       <p:font typeface="맑은 고딕" panose="020B0503020000020004" pitchFamily="50" charset="-127"/>
-      <p:regular r:id="rId35"/>
-      <p:bold r:id="rId36"/>
+      <p:regular r:id="rId40"/>
+      <p:bold r:id="rId41"/>
     </p:embeddedFont>
     <p:embeddedFont>
       <p:font typeface="Yoon 윤고딕 520_TT" panose="020B0600000101010101" charset="-127"/>
-      <p:regular r:id="rId37"/>
+      <p:regular r:id="rId42"/>
     </p:embeddedFont>
   </p:embeddedFontLst>
   <p:defaultTextStyle>
@@ -658,10 +663,6 @@
           <a:bodyPr/>
           <a:lstStyle/>
           <a:p>
-            <a:r>
-              <a:rPr lang="ko-KR" altLang="en-US" dirty="0" smtClean="0"/>
-              <a:t>주제</a:t>
-            </a:r>
             <a:endParaRPr lang="ko-KR" altLang="en-US" dirty="0"/>
           </a:p>
         </p:txBody>
@@ -767,7 +768,7 @@
           <a:p>
             <a:fld id="{BA5A1E06-9523-4D0F-B6D8-5CC386386AFE}" type="slidenum">
               <a:rPr lang="ko-KR" altLang="en-US" smtClean="0"/>
-              <a:t>28</a:t>
+              <a:t>29</a:t>
             </a:fld>
             <a:endParaRPr lang="ko-KR" altLang="en-US"/>
           </a:p>
@@ -6084,49 +6085,6 @@
       </p:cxnSp>
       <p:sp>
         <p:nvSpPr>
-          <p:cNvPr id="21" name="TextBox 20"/>
-          <p:cNvSpPr txBox="1"/>
-          <p:nvPr/>
-        </p:nvSpPr>
-        <p:spPr>
-          <a:xfrm>
-            <a:off x="107504" y="1340768"/>
-            <a:ext cx="450395" cy="338554"/>
-          </a:xfrm>
-          <a:prstGeom prst="rect">
-            <a:avLst/>
-          </a:prstGeom>
-          <a:noFill/>
-        </p:spPr>
-        <p:txBody>
-          <a:bodyPr wrap="square" rtlCol="0">
-            <a:spAutoFit/>
-          </a:bodyPr>
-          <a:lstStyle/>
-          <a:p>
-            <a:r>
-              <a:rPr lang="en-US" altLang="ko-KR" sz="1600" b="1" dirty="0" smtClean="0">
-                <a:ln>
-                  <a:solidFill>
-                    <a:schemeClr val="tx1">
-                      <a:alpha val="30000"/>
-                    </a:schemeClr>
-                  </a:solidFill>
-                </a:ln>
-                <a:solidFill>
-                  <a:schemeClr val="bg1">
-                    <a:lumMod val="85000"/>
-                  </a:schemeClr>
-                </a:solidFill>
-                <a:latin typeface="+mn-ea"/>
-              </a:rPr>
-              <a:t>02</a:t>
-            </a:r>
-          </a:p>
-        </p:txBody>
-      </p:sp>
-      <p:sp>
-        <p:nvSpPr>
           <p:cNvPr id="24" name="TextBox 23"/>
           <p:cNvSpPr txBox="1"/>
           <p:nvPr/>
@@ -9767,6 +9725,49 @@
           </a:graphicData>
         </a:graphic>
       </p:graphicFrame>
+      <p:sp>
+        <p:nvSpPr>
+          <p:cNvPr id="12" name="TextBox 11"/>
+          <p:cNvSpPr txBox="1"/>
+          <p:nvPr/>
+        </p:nvSpPr>
+        <p:spPr>
+          <a:xfrm>
+            <a:off x="107504" y="1340768"/>
+            <a:ext cx="450395" cy="338554"/>
+          </a:xfrm>
+          <a:prstGeom prst="rect">
+            <a:avLst/>
+          </a:prstGeom>
+          <a:noFill/>
+        </p:spPr>
+        <p:txBody>
+          <a:bodyPr wrap="square" rtlCol="0">
+            <a:spAutoFit/>
+          </a:bodyPr>
+          <a:lstStyle/>
+          <a:p>
+            <a:r>
+              <a:rPr lang="en-US" altLang="ko-KR" sz="1600" b="1" dirty="0" smtClean="0">
+                <a:ln>
+                  <a:solidFill>
+                    <a:schemeClr val="tx1">
+                      <a:alpha val="30000"/>
+                    </a:schemeClr>
+                  </a:solidFill>
+                </a:ln>
+                <a:solidFill>
+                  <a:schemeClr val="bg1">
+                    <a:lumMod val="85000"/>
+                  </a:schemeClr>
+                </a:solidFill>
+                <a:latin typeface="+mn-ea"/>
+              </a:rPr>
+              <a:t>02</a:t>
+            </a:r>
+          </a:p>
+        </p:txBody>
+      </p:sp>
     </p:spTree>
     <p:extLst>
       <p:ext uri="{BB962C8B-B14F-4D97-AF65-F5344CB8AC3E}">
@@ -12689,6 +12690,439 @@
 </file>
 
 <file path=ppt/slides/slide14.xml><?xml version="1.0" encoding="utf-8"?>
+<p:sld xmlns:a="http://schemas.openxmlformats.org/drawingml/2006/main" xmlns:r="http://schemas.openxmlformats.org/officeDocument/2006/relationships" xmlns:p="http://schemas.openxmlformats.org/presentationml/2006/main">
+  <p:cSld>
+    <p:spTree>
+      <p:nvGrpSpPr>
+        <p:cNvPr id="1" name=""/>
+        <p:cNvGrpSpPr/>
+        <p:nvPr/>
+      </p:nvGrpSpPr>
+      <p:grpSpPr>
+        <a:xfrm>
+          <a:off x="0" y="0"/>
+          <a:ext cx="0" cy="0"/>
+          <a:chOff x="0" y="0"/>
+          <a:chExt cx="0" cy="0"/>
+        </a:xfrm>
+      </p:grpSpPr>
+      <p:cxnSp>
+        <p:nvCxnSpPr>
+          <p:cNvPr id="4" name="직선 연결선 3"/>
+          <p:cNvCxnSpPr/>
+          <p:nvPr/>
+        </p:nvCxnSpPr>
+        <p:spPr>
+          <a:xfrm>
+            <a:off x="683568" y="-371068"/>
+            <a:ext cx="0" cy="7472476"/>
+          </a:xfrm>
+          <a:prstGeom prst="line">
+            <a:avLst/>
+          </a:prstGeom>
+          <a:ln>
+            <a:solidFill>
+              <a:schemeClr val="bg1">
+                <a:lumMod val="65000"/>
+                <a:alpha val="50000"/>
+              </a:schemeClr>
+            </a:solidFill>
+          </a:ln>
+        </p:spPr>
+        <p:style>
+          <a:lnRef idx="1">
+            <a:schemeClr val="accent1"/>
+          </a:lnRef>
+          <a:fillRef idx="0">
+            <a:schemeClr val="accent1"/>
+          </a:fillRef>
+          <a:effectRef idx="0">
+            <a:schemeClr val="accent1"/>
+          </a:effectRef>
+          <a:fontRef idx="minor">
+            <a:schemeClr val="tx1"/>
+          </a:fontRef>
+        </p:style>
+      </p:cxnSp>
+      <p:sp>
+        <p:nvSpPr>
+          <p:cNvPr id="45" name="직사각형 44"/>
+          <p:cNvSpPr/>
+          <p:nvPr/>
+        </p:nvSpPr>
+        <p:spPr>
+          <a:xfrm>
+            <a:off x="-9283" y="1323461"/>
+            <a:ext cx="834325" cy="343501"/>
+          </a:xfrm>
+          <a:prstGeom prst="rect">
+            <a:avLst/>
+          </a:prstGeom>
+          <a:solidFill>
+            <a:srgbClr val="272123"/>
+          </a:solidFill>
+          <a:ln>
+            <a:noFill/>
+          </a:ln>
+        </p:spPr>
+        <p:style>
+          <a:lnRef idx="2">
+            <a:schemeClr val="accent1">
+              <a:shade val="50000"/>
+            </a:schemeClr>
+          </a:lnRef>
+          <a:fillRef idx="1">
+            <a:schemeClr val="accent1"/>
+          </a:fillRef>
+          <a:effectRef idx="0">
+            <a:schemeClr val="accent1"/>
+          </a:effectRef>
+          <a:fontRef idx="minor">
+            <a:schemeClr val="lt1"/>
+          </a:fontRef>
+        </p:style>
+        <p:txBody>
+          <a:bodyPr rtlCol="0" anchor="ctr"/>
+          <a:lstStyle/>
+          <a:p>
+            <a:pPr algn="ctr"/>
+            <a:endParaRPr lang="ko-KR" altLang="en-US"/>
+          </a:p>
+        </p:txBody>
+      </p:sp>
+      <p:cxnSp>
+        <p:nvCxnSpPr>
+          <p:cNvPr id="5" name="직선 연결선 4"/>
+          <p:cNvCxnSpPr/>
+          <p:nvPr/>
+        </p:nvCxnSpPr>
+        <p:spPr>
+          <a:xfrm flipH="1">
+            <a:off x="692540" y="548680"/>
+            <a:ext cx="9295796" cy="0"/>
+          </a:xfrm>
+          <a:prstGeom prst="line">
+            <a:avLst/>
+          </a:prstGeom>
+          <a:ln>
+            <a:solidFill>
+              <a:schemeClr val="bg1">
+                <a:lumMod val="65000"/>
+                <a:alpha val="50000"/>
+              </a:schemeClr>
+            </a:solidFill>
+          </a:ln>
+        </p:spPr>
+        <p:style>
+          <a:lnRef idx="1">
+            <a:schemeClr val="accent1"/>
+          </a:lnRef>
+          <a:fillRef idx="0">
+            <a:schemeClr val="accent1"/>
+          </a:fillRef>
+          <a:effectRef idx="0">
+            <a:schemeClr val="accent1"/>
+          </a:effectRef>
+          <a:fontRef idx="minor">
+            <a:schemeClr val="tx1"/>
+          </a:fontRef>
+        </p:style>
+      </p:cxnSp>
+      <p:sp>
+        <p:nvSpPr>
+          <p:cNvPr id="11" name="TextBox 10"/>
+          <p:cNvSpPr txBox="1"/>
+          <p:nvPr/>
+        </p:nvSpPr>
+        <p:spPr>
+          <a:xfrm>
+            <a:off x="123549" y="882386"/>
+            <a:ext cx="541363" cy="338554"/>
+          </a:xfrm>
+          <a:prstGeom prst="rect">
+            <a:avLst/>
+          </a:prstGeom>
+          <a:noFill/>
+        </p:spPr>
+        <p:txBody>
+          <a:bodyPr wrap="square" rtlCol="0">
+            <a:spAutoFit/>
+          </a:bodyPr>
+          <a:lstStyle/>
+          <a:p>
+            <a:r>
+              <a:rPr lang="en-US" altLang="ko-KR" sz="1600" b="1" dirty="0" smtClean="0">
+                <a:ln>
+                  <a:solidFill>
+                    <a:schemeClr val="bg1">
+                      <a:lumMod val="85000"/>
+                      <a:alpha val="30000"/>
+                    </a:schemeClr>
+                  </a:solidFill>
+                </a:ln>
+                <a:solidFill>
+                  <a:schemeClr val="bg1">
+                    <a:lumMod val="85000"/>
+                  </a:schemeClr>
+                </a:solidFill>
+                <a:latin typeface="+mn-ea"/>
+              </a:rPr>
+              <a:t>01</a:t>
+            </a:r>
+          </a:p>
+        </p:txBody>
+      </p:sp>
+      <p:sp>
+        <p:nvSpPr>
+          <p:cNvPr id="12" name="TextBox 11"/>
+          <p:cNvSpPr txBox="1"/>
+          <p:nvPr/>
+        </p:nvSpPr>
+        <p:spPr>
+          <a:xfrm>
+            <a:off x="107504" y="1340768"/>
+            <a:ext cx="450395" cy="338554"/>
+          </a:xfrm>
+          <a:prstGeom prst="rect">
+            <a:avLst/>
+          </a:prstGeom>
+          <a:noFill/>
+        </p:spPr>
+        <p:txBody>
+          <a:bodyPr wrap="square" rtlCol="0">
+            <a:spAutoFit/>
+          </a:bodyPr>
+          <a:lstStyle/>
+          <a:p>
+            <a:r>
+              <a:rPr lang="en-US" altLang="ko-KR" sz="1600" b="1" dirty="0" smtClean="0">
+                <a:ln>
+                  <a:solidFill>
+                    <a:schemeClr val="tx1">
+                      <a:alpha val="30000"/>
+                    </a:schemeClr>
+                  </a:solidFill>
+                </a:ln>
+                <a:solidFill>
+                  <a:schemeClr val="bg1">
+                    <a:lumMod val="85000"/>
+                  </a:schemeClr>
+                </a:solidFill>
+                <a:latin typeface="+mn-ea"/>
+              </a:rPr>
+              <a:t>02</a:t>
+            </a:r>
+          </a:p>
+        </p:txBody>
+      </p:sp>
+      <p:sp>
+        <p:nvSpPr>
+          <p:cNvPr id="46" name="직각 삼각형 45"/>
+          <p:cNvSpPr/>
+          <p:nvPr/>
+        </p:nvSpPr>
+        <p:spPr>
+          <a:xfrm rot="5400000">
+            <a:off x="702755" y="1653535"/>
+            <a:ext cx="81142" cy="108000"/>
+          </a:xfrm>
+          <a:prstGeom prst="rtTriangle">
+            <a:avLst/>
+          </a:prstGeom>
+          <a:solidFill>
+            <a:schemeClr val="tx1"/>
+          </a:solidFill>
+          <a:ln>
+            <a:solidFill>
+              <a:schemeClr val="tx1"/>
+            </a:solidFill>
+          </a:ln>
+        </p:spPr>
+        <p:style>
+          <a:lnRef idx="2">
+            <a:schemeClr val="accent1">
+              <a:shade val="50000"/>
+            </a:schemeClr>
+          </a:lnRef>
+          <a:fillRef idx="1">
+            <a:schemeClr val="accent1"/>
+          </a:fillRef>
+          <a:effectRef idx="0">
+            <a:schemeClr val="accent1"/>
+          </a:effectRef>
+          <a:fontRef idx="minor">
+            <a:schemeClr val="lt1"/>
+          </a:fontRef>
+        </p:style>
+        <p:txBody>
+          <a:bodyPr rtlCol="0" anchor="ctr"/>
+          <a:lstStyle/>
+          <a:p>
+            <a:pPr algn="ctr"/>
+            <a:endParaRPr lang="ko-KR" altLang="en-US"/>
+          </a:p>
+        </p:txBody>
+      </p:sp>
+      <p:sp>
+        <p:nvSpPr>
+          <p:cNvPr id="23" name="TextBox 22"/>
+          <p:cNvSpPr txBox="1"/>
+          <p:nvPr/>
+        </p:nvSpPr>
+        <p:spPr>
+          <a:xfrm>
+            <a:off x="1043607" y="138482"/>
+            <a:ext cx="1800000" cy="307777"/>
+          </a:xfrm>
+          <a:prstGeom prst="rect">
+            <a:avLst/>
+          </a:prstGeom>
+          <a:noFill/>
+        </p:spPr>
+        <p:txBody>
+          <a:bodyPr wrap="square" rtlCol="0">
+            <a:spAutoFit/>
+          </a:bodyPr>
+          <a:lstStyle/>
+          <a:p>
+            <a:pPr lvl="0">
+              <a:defRPr/>
+            </a:pPr>
+            <a:r>
+              <a:rPr lang="en-US" altLang="ko-KR" sz="1400" b="1" dirty="0">
+                <a:ln>
+                  <a:solidFill>
+                    <a:prstClr val="white">
+                      <a:lumMod val="85000"/>
+                      <a:alpha val="30000"/>
+                    </a:prstClr>
+                  </a:solidFill>
+                </a:ln>
+                <a:latin typeface="+mn-ea"/>
+              </a:rPr>
+              <a:t>Calendar</a:t>
+            </a:r>
+          </a:p>
+        </p:txBody>
+      </p:sp>
+      <p:sp>
+        <p:nvSpPr>
+          <p:cNvPr id="24" name="직사각형 23"/>
+          <p:cNvSpPr/>
+          <p:nvPr/>
+        </p:nvSpPr>
+        <p:spPr>
+          <a:xfrm>
+            <a:off x="1080000" y="900000"/>
+            <a:ext cx="1800201" cy="457200"/>
+          </a:xfrm>
+          <a:prstGeom prst="rect">
+            <a:avLst/>
+          </a:prstGeom>
+          <a:solidFill>
+            <a:srgbClr val="272123"/>
+          </a:solidFill>
+          <a:ln>
+            <a:noFill/>
+          </a:ln>
+        </p:spPr>
+        <p:style>
+          <a:lnRef idx="2">
+            <a:schemeClr val="accent1">
+              <a:shade val="50000"/>
+            </a:schemeClr>
+          </a:lnRef>
+          <a:fillRef idx="1">
+            <a:schemeClr val="accent1"/>
+          </a:fillRef>
+          <a:effectRef idx="0">
+            <a:schemeClr val="accent1"/>
+          </a:effectRef>
+          <a:fontRef idx="minor">
+            <a:schemeClr val="lt1"/>
+          </a:fontRef>
+        </p:style>
+        <p:txBody>
+          <a:bodyPr rtlCol="0" anchor="ctr"/>
+          <a:lstStyle/>
+          <a:p>
+            <a:pPr marL="0" marR="0" lvl="0" indent="0" algn="ctr" defTabSz="914400" rtl="0" eaLnBrk="1" fontAlgn="auto" latinLnBrk="1" hangingPunct="1">
+              <a:lnSpc>
+                <a:spcPct val="100000"/>
+              </a:lnSpc>
+              <a:spcBef>
+                <a:spcPts val="0"/>
+              </a:spcBef>
+              <a:spcAft>
+                <a:spcPts val="0"/>
+              </a:spcAft>
+              <a:buClrTx/>
+              <a:buSzTx/>
+              <a:buFontTx/>
+              <a:buNone/>
+              <a:tabLst/>
+              <a:defRPr/>
+            </a:pPr>
+            <a:r>
+              <a:rPr lang="ko-KR" altLang="en-US" b="1" smtClean="0">
+                <a:solidFill>
+                  <a:prstClr val="white"/>
+                </a:solidFill>
+                <a:latin typeface="맑은 고딕" panose="020B0503020000020004" pitchFamily="50" charset="-127"/>
+                <a:ea typeface="맑은 고딕" panose="020B0503020000020004" pitchFamily="50" charset="-127"/>
+              </a:rPr>
+              <a:t>타임 라인</a:t>
+            </a:r>
+            <a:endParaRPr kumimoji="0" lang="en-US" altLang="ko-KR" sz="1800" b="1" i="0" u="none" strike="noStrike" kern="1200" cap="none" spc="0" normalizeH="0" baseline="0" noProof="0" dirty="0" smtClean="0">
+              <a:ln>
+                <a:noFill/>
+              </a:ln>
+              <a:solidFill>
+                <a:prstClr val="white"/>
+              </a:solidFill>
+              <a:effectLst/>
+              <a:uLnTx/>
+              <a:uFillTx/>
+              <a:latin typeface="맑은 고딕" panose="020B0503020000020004" pitchFamily="50" charset="-127"/>
+              <a:ea typeface="맑은 고딕" panose="020B0503020000020004" pitchFamily="50" charset="-127"/>
+              <a:cs typeface="+mn-cs"/>
+            </a:endParaRPr>
+          </a:p>
+        </p:txBody>
+      </p:sp>
+    </p:spTree>
+    <p:extLst>
+      <p:ext uri="{BB962C8B-B14F-4D97-AF65-F5344CB8AC3E}">
+        <p14:creationId xmlns:p14="http://schemas.microsoft.com/office/powerpoint/2010/main" val="2996602330"/>
+      </p:ext>
+    </p:extLst>
+  </p:cSld>
+  <p:clrMapOvr>
+    <a:masterClrMapping/>
+  </p:clrMapOvr>
+  <mc:AlternateContent xmlns:mc="http://schemas.openxmlformats.org/markup-compatibility/2006" xmlns:p14="http://schemas.microsoft.com/office/powerpoint/2010/main">
+    <mc:Choice Requires="p14">
+      <p:transition spd="med" p14:dur="700">
+        <p:fade/>
+      </p:transition>
+    </mc:Choice>
+    <mc:Fallback xmlns="">
+      <p:transition spd="med">
+        <p:fade/>
+      </p:transition>
+    </mc:Fallback>
+  </mc:AlternateContent>
+  <p:timing>
+    <p:tnLst>
+      <p:par>
+        <p:cTn id="1" dur="indefinite" restart="never" nodeType="tmRoot"/>
+      </p:par>
+    </p:tnLst>
+  </p:timing>
+</p:sld>
+</file>
+
+<file path=ppt/slides/slide15.xml><?xml version="1.0" encoding="utf-8"?>
 <p:sld xmlns:a="http://schemas.openxmlformats.org/drawingml/2006/main" xmlns:r="http://schemas.openxmlformats.org/officeDocument/2006/relationships" xmlns:p="http://schemas.openxmlformats.org/presentationml/2006/main">
   <p:cSld>
     <p:bg>
@@ -12922,7 +13356,7 @@
 </p:sld>
 </file>
 
-<file path=ppt/slides/slide15.xml><?xml version="1.0" encoding="utf-8"?>
+<file path=ppt/slides/slide16.xml><?xml version="1.0" encoding="utf-8"?>
 <p:sld xmlns:a="http://schemas.openxmlformats.org/drawingml/2006/main" xmlns:r="http://schemas.openxmlformats.org/officeDocument/2006/relationships" xmlns:p="http://schemas.openxmlformats.org/presentationml/2006/main">
   <p:cSld>
     <p:spTree>
@@ -13651,7 +14085,7 @@
 </p:sld>
 </file>
 
-<file path=ppt/slides/slide16.xml><?xml version="1.0" encoding="utf-8"?>
+<file path=ppt/slides/slide17.xml><?xml version="1.0" encoding="utf-8"?>
 <p:sld xmlns:a="http://schemas.openxmlformats.org/drawingml/2006/main" xmlns:r="http://schemas.openxmlformats.org/officeDocument/2006/relationships" xmlns:p="http://schemas.openxmlformats.org/presentationml/2006/main">
   <p:cSld>
     <p:bg>
@@ -13907,7 +14341,7 @@
 </p:sld>
 </file>
 
-<file path=ppt/slides/slide17.xml><?xml version="1.0" encoding="utf-8"?>
+<file path=ppt/slides/slide18.xml><?xml version="1.0" encoding="utf-8"?>
 <p:sld xmlns:a="http://schemas.openxmlformats.org/drawingml/2006/main" xmlns:r="http://schemas.openxmlformats.org/officeDocument/2006/relationships" xmlns:p="http://schemas.openxmlformats.org/presentationml/2006/main">
   <p:cSld>
     <p:spTree>
@@ -14543,539 +14977,6 @@
 </p:sld>
 </file>
 
-<file path=ppt/slides/slide18.xml><?xml version="1.0" encoding="utf-8"?>
-<p:sld xmlns:a="http://schemas.openxmlformats.org/drawingml/2006/main" xmlns:r="http://schemas.openxmlformats.org/officeDocument/2006/relationships" xmlns:p="http://schemas.openxmlformats.org/presentationml/2006/main">
-  <p:cSld>
-    <p:spTree>
-      <p:nvGrpSpPr>
-        <p:cNvPr id="1" name=""/>
-        <p:cNvGrpSpPr/>
-        <p:nvPr/>
-      </p:nvGrpSpPr>
-      <p:grpSpPr>
-        <a:xfrm>
-          <a:off x="0" y="0"/>
-          <a:ext cx="0" cy="0"/>
-          <a:chOff x="0" y="0"/>
-          <a:chExt cx="0" cy="0"/>
-        </a:xfrm>
-      </p:grpSpPr>
-      <p:cxnSp>
-        <p:nvCxnSpPr>
-          <p:cNvPr id="4" name="직선 연결선 3"/>
-          <p:cNvCxnSpPr/>
-          <p:nvPr/>
-        </p:nvCxnSpPr>
-        <p:spPr>
-          <a:xfrm>
-            <a:off x="683568" y="-371068"/>
-            <a:ext cx="0" cy="7472476"/>
-          </a:xfrm>
-          <a:prstGeom prst="line">
-            <a:avLst/>
-          </a:prstGeom>
-          <a:ln>
-            <a:solidFill>
-              <a:schemeClr val="bg1">
-                <a:lumMod val="65000"/>
-                <a:alpha val="50000"/>
-              </a:schemeClr>
-            </a:solidFill>
-          </a:ln>
-        </p:spPr>
-        <p:style>
-          <a:lnRef idx="1">
-            <a:schemeClr val="accent1"/>
-          </a:lnRef>
-          <a:fillRef idx="0">
-            <a:schemeClr val="accent1"/>
-          </a:fillRef>
-          <a:effectRef idx="0">
-            <a:schemeClr val="accent1"/>
-          </a:effectRef>
-          <a:fontRef idx="minor">
-            <a:schemeClr val="tx1"/>
-          </a:fontRef>
-        </p:style>
-      </p:cxnSp>
-      <p:cxnSp>
-        <p:nvCxnSpPr>
-          <p:cNvPr id="5" name="직선 연결선 4"/>
-          <p:cNvCxnSpPr/>
-          <p:nvPr/>
-        </p:nvCxnSpPr>
-        <p:spPr>
-          <a:xfrm flipH="1">
-            <a:off x="692540" y="548680"/>
-            <a:ext cx="9295796" cy="0"/>
-          </a:xfrm>
-          <a:prstGeom prst="line">
-            <a:avLst/>
-          </a:prstGeom>
-          <a:ln>
-            <a:solidFill>
-              <a:schemeClr val="bg1">
-                <a:lumMod val="65000"/>
-                <a:alpha val="50000"/>
-              </a:schemeClr>
-            </a:solidFill>
-          </a:ln>
-        </p:spPr>
-        <p:style>
-          <a:lnRef idx="1">
-            <a:schemeClr val="accent1"/>
-          </a:lnRef>
-          <a:fillRef idx="0">
-            <a:schemeClr val="accent1"/>
-          </a:fillRef>
-          <a:effectRef idx="0">
-            <a:schemeClr val="accent1"/>
-          </a:effectRef>
-          <a:fontRef idx="minor">
-            <a:schemeClr val="tx1"/>
-          </a:fontRef>
-        </p:style>
-      </p:cxnSp>
-      <p:sp>
-        <p:nvSpPr>
-          <p:cNvPr id="9" name="직사각형 8"/>
-          <p:cNvSpPr/>
-          <p:nvPr/>
-        </p:nvSpPr>
-        <p:spPr>
-          <a:xfrm>
-            <a:off x="-9283" y="1320875"/>
-            <a:ext cx="834325" cy="343501"/>
-          </a:xfrm>
-          <a:prstGeom prst="rect">
-            <a:avLst/>
-          </a:prstGeom>
-          <a:solidFill>
-            <a:srgbClr val="272123"/>
-          </a:solidFill>
-          <a:ln>
-            <a:noFill/>
-          </a:ln>
-        </p:spPr>
-        <p:style>
-          <a:lnRef idx="2">
-            <a:schemeClr val="accent1">
-              <a:shade val="50000"/>
-            </a:schemeClr>
-          </a:lnRef>
-          <a:fillRef idx="1">
-            <a:schemeClr val="accent1"/>
-          </a:fillRef>
-          <a:effectRef idx="0">
-            <a:schemeClr val="accent1"/>
-          </a:effectRef>
-          <a:fontRef idx="minor">
-            <a:schemeClr val="lt1"/>
-          </a:fontRef>
-        </p:style>
-        <p:txBody>
-          <a:bodyPr rtlCol="0" anchor="ctr"/>
-          <a:lstStyle/>
-          <a:p>
-            <a:pPr algn="ctr"/>
-            <a:endParaRPr lang="ko-KR" altLang="en-US" b="1">
-              <a:latin typeface="+mn-ea"/>
-            </a:endParaRPr>
-          </a:p>
-        </p:txBody>
-      </p:sp>
-      <p:sp>
-        <p:nvSpPr>
-          <p:cNvPr id="10" name="직각 삼각형 9"/>
-          <p:cNvSpPr/>
-          <p:nvPr/>
-        </p:nvSpPr>
-        <p:spPr>
-          <a:xfrm rot="5400000">
-            <a:off x="702755" y="1650949"/>
-            <a:ext cx="81142" cy="108000"/>
-          </a:xfrm>
-          <a:prstGeom prst="rtTriangle">
-            <a:avLst/>
-          </a:prstGeom>
-          <a:solidFill>
-            <a:schemeClr val="tx1"/>
-          </a:solidFill>
-          <a:ln>
-            <a:solidFill>
-              <a:schemeClr val="tx1"/>
-            </a:solidFill>
-          </a:ln>
-        </p:spPr>
-        <p:style>
-          <a:lnRef idx="2">
-            <a:schemeClr val="accent1">
-              <a:shade val="50000"/>
-            </a:schemeClr>
-          </a:lnRef>
-          <a:fillRef idx="1">
-            <a:schemeClr val="accent1"/>
-          </a:fillRef>
-          <a:effectRef idx="0">
-            <a:schemeClr val="accent1"/>
-          </a:effectRef>
-          <a:fontRef idx="minor">
-            <a:schemeClr val="lt1"/>
-          </a:fontRef>
-        </p:style>
-        <p:txBody>
-          <a:bodyPr rtlCol="0" anchor="ctr"/>
-          <a:lstStyle/>
-          <a:p>
-            <a:pPr algn="ctr"/>
-            <a:endParaRPr lang="ko-KR" altLang="en-US" b="1">
-              <a:latin typeface="+mn-ea"/>
-            </a:endParaRPr>
-          </a:p>
-        </p:txBody>
-      </p:sp>
-      <p:sp>
-        <p:nvSpPr>
-          <p:cNvPr id="21" name="TextBox 20"/>
-          <p:cNvSpPr txBox="1"/>
-          <p:nvPr/>
-        </p:nvSpPr>
-        <p:spPr>
-          <a:xfrm>
-            <a:off x="107504" y="1340768"/>
-            <a:ext cx="450395" cy="338554"/>
-          </a:xfrm>
-          <a:prstGeom prst="rect">
-            <a:avLst/>
-          </a:prstGeom>
-          <a:noFill/>
-        </p:spPr>
-        <p:txBody>
-          <a:bodyPr wrap="square" rtlCol="0">
-            <a:spAutoFit/>
-          </a:bodyPr>
-          <a:lstStyle/>
-          <a:p>
-            <a:r>
-              <a:rPr lang="en-US" altLang="ko-KR" sz="1600" b="1" dirty="0" smtClean="0">
-                <a:ln>
-                  <a:solidFill>
-                    <a:schemeClr val="tx1">
-                      <a:alpha val="30000"/>
-                    </a:schemeClr>
-                  </a:solidFill>
-                </a:ln>
-                <a:solidFill>
-                  <a:schemeClr val="bg1">
-                    <a:lumMod val="85000"/>
-                  </a:schemeClr>
-                </a:solidFill>
-                <a:latin typeface="+mn-ea"/>
-              </a:rPr>
-              <a:t>02</a:t>
-            </a:r>
-          </a:p>
-        </p:txBody>
-      </p:sp>
-      <p:sp>
-        <p:nvSpPr>
-          <p:cNvPr id="22" name="TextBox 21"/>
-          <p:cNvSpPr txBox="1"/>
-          <p:nvPr/>
-        </p:nvSpPr>
-        <p:spPr>
-          <a:xfrm>
-            <a:off x="107504" y="1819563"/>
-            <a:ext cx="450395" cy="338554"/>
-          </a:xfrm>
-          <a:prstGeom prst="rect">
-            <a:avLst/>
-          </a:prstGeom>
-          <a:noFill/>
-        </p:spPr>
-        <p:txBody>
-          <a:bodyPr wrap="square" rtlCol="0">
-            <a:spAutoFit/>
-          </a:bodyPr>
-          <a:lstStyle/>
-          <a:p>
-            <a:r>
-              <a:rPr lang="en-US" altLang="ko-KR" sz="1600" b="1" dirty="0" smtClean="0">
-                <a:ln>
-                  <a:solidFill>
-                    <a:schemeClr val="tx1">
-                      <a:alpha val="30000"/>
-                    </a:schemeClr>
-                  </a:solidFill>
-                </a:ln>
-                <a:solidFill>
-                  <a:schemeClr val="bg1">
-                    <a:lumMod val="85000"/>
-                  </a:schemeClr>
-                </a:solidFill>
-                <a:latin typeface="+mn-ea"/>
-              </a:rPr>
-              <a:t>03</a:t>
-            </a:r>
-          </a:p>
-        </p:txBody>
-      </p:sp>
-      <p:sp>
-        <p:nvSpPr>
-          <p:cNvPr id="23" name="TextBox 22"/>
-          <p:cNvSpPr txBox="1"/>
-          <p:nvPr/>
-        </p:nvSpPr>
-        <p:spPr>
-          <a:xfrm>
-            <a:off x="107504" y="2298358"/>
-            <a:ext cx="450395" cy="338554"/>
-          </a:xfrm>
-          <a:prstGeom prst="rect">
-            <a:avLst/>
-          </a:prstGeom>
-          <a:noFill/>
-        </p:spPr>
-        <p:txBody>
-          <a:bodyPr wrap="square" rtlCol="0">
-            <a:spAutoFit/>
-          </a:bodyPr>
-          <a:lstStyle/>
-          <a:p>
-            <a:r>
-              <a:rPr lang="en-US" altLang="ko-KR" sz="1600" b="1" dirty="0" smtClean="0">
-                <a:ln>
-                  <a:solidFill>
-                    <a:schemeClr val="tx1">
-                      <a:alpha val="30000"/>
-                    </a:schemeClr>
-                  </a:solidFill>
-                </a:ln>
-                <a:solidFill>
-                  <a:schemeClr val="bg1">
-                    <a:lumMod val="85000"/>
-                  </a:schemeClr>
-                </a:solidFill>
-                <a:latin typeface="+mn-ea"/>
-              </a:rPr>
-              <a:t>04</a:t>
-            </a:r>
-          </a:p>
-        </p:txBody>
-      </p:sp>
-      <p:sp>
-        <p:nvSpPr>
-          <p:cNvPr id="24" name="TextBox 23"/>
-          <p:cNvSpPr txBox="1"/>
-          <p:nvPr/>
-        </p:nvSpPr>
-        <p:spPr>
-          <a:xfrm>
-            <a:off x="123549" y="882386"/>
-            <a:ext cx="541363" cy="338554"/>
-          </a:xfrm>
-          <a:prstGeom prst="rect">
-            <a:avLst/>
-          </a:prstGeom>
-          <a:noFill/>
-        </p:spPr>
-        <p:txBody>
-          <a:bodyPr wrap="square" rtlCol="0">
-            <a:spAutoFit/>
-          </a:bodyPr>
-          <a:lstStyle/>
-          <a:p>
-            <a:r>
-              <a:rPr lang="en-US" altLang="ko-KR" sz="1600" b="1" dirty="0" smtClean="0">
-                <a:ln>
-                  <a:solidFill>
-                    <a:schemeClr val="tx1">
-                      <a:alpha val="30000"/>
-                    </a:schemeClr>
-                  </a:solidFill>
-                </a:ln>
-                <a:solidFill>
-                  <a:schemeClr val="bg1">
-                    <a:lumMod val="85000"/>
-                  </a:schemeClr>
-                </a:solidFill>
-                <a:latin typeface="+mn-ea"/>
-              </a:rPr>
-              <a:t>01</a:t>
-            </a:r>
-          </a:p>
-        </p:txBody>
-      </p:sp>
-      <p:sp>
-        <p:nvSpPr>
-          <p:cNvPr id="29" name="직사각형 28"/>
-          <p:cNvSpPr/>
-          <p:nvPr/>
-        </p:nvSpPr>
-        <p:spPr>
-          <a:xfrm>
-            <a:off x="1080000" y="900000"/>
-            <a:ext cx="2123848" cy="457200"/>
-          </a:xfrm>
-          <a:prstGeom prst="rect">
-            <a:avLst/>
-          </a:prstGeom>
-          <a:solidFill>
-            <a:srgbClr val="272123"/>
-          </a:solidFill>
-          <a:ln>
-            <a:noFill/>
-          </a:ln>
-        </p:spPr>
-        <p:style>
-          <a:lnRef idx="2">
-            <a:schemeClr val="accent1">
-              <a:shade val="50000"/>
-            </a:schemeClr>
-          </a:lnRef>
-          <a:fillRef idx="1">
-            <a:schemeClr val="accent1"/>
-          </a:fillRef>
-          <a:effectRef idx="0">
-            <a:schemeClr val="accent1"/>
-          </a:effectRef>
-          <a:fontRef idx="minor">
-            <a:schemeClr val="lt1"/>
-          </a:fontRef>
-        </p:style>
-        <p:txBody>
-          <a:bodyPr rtlCol="0" anchor="ctr"/>
-          <a:lstStyle/>
-          <a:p>
-            <a:pPr marL="0" marR="0" lvl="0" indent="0" algn="ctr" defTabSz="914400" rtl="0" eaLnBrk="1" fontAlgn="auto" latinLnBrk="1" hangingPunct="1">
-              <a:lnSpc>
-                <a:spcPct val="100000"/>
-              </a:lnSpc>
-              <a:spcBef>
-                <a:spcPts val="0"/>
-              </a:spcBef>
-              <a:spcAft>
-                <a:spcPts val="0"/>
-              </a:spcAft>
-              <a:buClrTx/>
-              <a:buSzTx/>
-              <a:buFontTx/>
-              <a:buNone/>
-              <a:tabLst/>
-              <a:defRPr/>
-            </a:pPr>
-            <a:r>
-              <a:rPr lang="ko-KR" altLang="en-US" b="1" noProof="0" dirty="0" smtClean="0">
-                <a:solidFill>
-                  <a:prstClr val="white"/>
-                </a:solidFill>
-                <a:latin typeface="맑은 고딕" panose="020B0503020000020004" pitchFamily="50" charset="-127"/>
-                <a:ea typeface="맑은 고딕" panose="020B0503020000020004" pitchFamily="50" charset="-127"/>
-              </a:rPr>
-              <a:t>스토리 보드</a:t>
-            </a:r>
-            <a:endParaRPr kumimoji="0" lang="en-US" altLang="ko-KR" sz="1800" b="1" i="0" u="none" strike="noStrike" kern="1200" cap="none" spc="0" normalizeH="0" baseline="0" noProof="0" dirty="0" smtClean="0">
-              <a:ln>
-                <a:noFill/>
-              </a:ln>
-              <a:solidFill>
-                <a:prstClr val="white"/>
-              </a:solidFill>
-              <a:effectLst/>
-              <a:uLnTx/>
-              <a:uFillTx/>
-              <a:latin typeface="맑은 고딕" panose="020B0503020000020004" pitchFamily="50" charset="-127"/>
-              <a:ea typeface="맑은 고딕" panose="020B0503020000020004" pitchFamily="50" charset="-127"/>
-              <a:cs typeface="+mn-cs"/>
-            </a:endParaRPr>
-          </a:p>
-        </p:txBody>
-      </p:sp>
-      <p:sp>
-        <p:nvSpPr>
-          <p:cNvPr id="13" name="TextBox 12"/>
-          <p:cNvSpPr txBox="1"/>
-          <p:nvPr/>
-        </p:nvSpPr>
-        <p:spPr>
-          <a:xfrm>
-            <a:off x="1043607" y="138482"/>
-            <a:ext cx="1800000" cy="307777"/>
-          </a:xfrm>
-          <a:prstGeom prst="rect">
-            <a:avLst/>
-          </a:prstGeom>
-          <a:noFill/>
-        </p:spPr>
-        <p:txBody>
-          <a:bodyPr wrap="square" rtlCol="0">
-            <a:spAutoFit/>
-          </a:bodyPr>
-          <a:lstStyle/>
-          <a:p>
-            <a:pPr lvl="0">
-              <a:defRPr/>
-            </a:pPr>
-            <a:r>
-              <a:rPr lang="en-US" altLang="ko-KR" sz="1400" b="1" dirty="0" smtClean="0">
-                <a:ln>
-                  <a:solidFill>
-                    <a:prstClr val="white">
-                      <a:lumMod val="85000"/>
-                      <a:alpha val="30000"/>
-                    </a:prstClr>
-                  </a:solidFill>
-                </a:ln>
-                <a:latin typeface="+mn-ea"/>
-              </a:rPr>
-              <a:t>DB Frame</a:t>
-            </a:r>
-            <a:endParaRPr lang="en-US" altLang="ko-KR" sz="1400" b="1" dirty="0">
-              <a:ln>
-                <a:solidFill>
-                  <a:prstClr val="white">
-                    <a:lumMod val="85000"/>
-                    <a:alpha val="30000"/>
-                  </a:prstClr>
-                </a:solidFill>
-              </a:ln>
-              <a:latin typeface="+mn-ea"/>
-            </a:endParaRPr>
-          </a:p>
-        </p:txBody>
-      </p:sp>
-    </p:spTree>
-    <p:extLst>
-      <p:ext uri="{BB962C8B-B14F-4D97-AF65-F5344CB8AC3E}">
-        <p14:creationId xmlns:p14="http://schemas.microsoft.com/office/powerpoint/2010/main" val="3811035854"/>
-      </p:ext>
-    </p:extLst>
-  </p:cSld>
-  <p:clrMapOvr>
-    <a:masterClrMapping/>
-  </p:clrMapOvr>
-  <mc:AlternateContent xmlns:mc="http://schemas.openxmlformats.org/markup-compatibility/2006" xmlns:p14="http://schemas.microsoft.com/office/powerpoint/2010/main">
-    <mc:Choice Requires="p14">
-      <p:transition spd="med" p14:dur="700">
-        <p:fade/>
-      </p:transition>
-    </mc:Choice>
-    <mc:Fallback xmlns="">
-      <p:transition spd="med">
-        <p:fade/>
-      </p:transition>
-    </mc:Fallback>
-  </mc:AlternateContent>
-  <p:timing>
-    <p:tnLst>
-      <p:par>
-        <p:cTn id="1" dur="indefinite" restart="never" nodeType="tmRoot"/>
-      </p:par>
-    </p:tnLst>
-  </p:timing>
-</p:sld>
-</file>
-
 <file path=ppt/slides/slide19.xml><?xml version="1.0" encoding="utf-8"?>
 <p:sld xmlns:a="http://schemas.openxmlformats.org/drawingml/2006/main" xmlns:r="http://schemas.openxmlformats.org/officeDocument/2006/relationships" xmlns:p="http://schemas.openxmlformats.org/presentationml/2006/main">
   <p:cSld>
@@ -15177,7 +15078,7 @@
         </p:nvSpPr>
         <p:spPr>
           <a:xfrm>
-            <a:off x="-9283" y="1813760"/>
+            <a:off x="-9283" y="1320875"/>
             <a:ext cx="834325" cy="343501"/>
           </a:xfrm>
           <a:prstGeom prst="rect">
@@ -15211,7 +15112,9 @@
           <a:lstStyle/>
           <a:p>
             <a:pPr algn="ctr"/>
-            <a:endParaRPr lang="ko-KR" altLang="en-US"/>
+            <a:endParaRPr lang="ko-KR" altLang="en-US" b="1">
+              <a:latin typeface="+mn-ea"/>
+            </a:endParaRPr>
           </a:p>
         </p:txBody>
       </p:sp>
@@ -15223,7 +15126,7 @@
         </p:nvSpPr>
         <p:spPr>
           <a:xfrm rot="5400000">
-            <a:off x="702755" y="2143834"/>
+            <a:off x="702755" y="1650949"/>
             <a:ext cx="81142" cy="108000"/>
           </a:xfrm>
           <a:prstGeom prst="rtTriangle">
@@ -15259,7 +15162,9 @@
           <a:lstStyle/>
           <a:p>
             <a:pPr algn="ctr"/>
-            <a:endParaRPr lang="ko-KR" altLang="en-US"/>
+            <a:endParaRPr lang="ko-KR" altLang="en-US" b="1">
+              <a:latin typeface="+mn-ea"/>
+            </a:endParaRPr>
           </a:p>
         </p:txBody>
       </p:sp>
@@ -15351,6 +15256,49 @@
       </p:sp>
       <p:sp>
         <p:nvSpPr>
+          <p:cNvPr id="23" name="TextBox 22"/>
+          <p:cNvSpPr txBox="1"/>
+          <p:nvPr/>
+        </p:nvSpPr>
+        <p:spPr>
+          <a:xfrm>
+            <a:off x="107504" y="2298358"/>
+            <a:ext cx="450395" cy="338554"/>
+          </a:xfrm>
+          <a:prstGeom prst="rect">
+            <a:avLst/>
+          </a:prstGeom>
+          <a:noFill/>
+        </p:spPr>
+        <p:txBody>
+          <a:bodyPr wrap="square" rtlCol="0">
+            <a:spAutoFit/>
+          </a:bodyPr>
+          <a:lstStyle/>
+          <a:p>
+            <a:r>
+              <a:rPr lang="en-US" altLang="ko-KR" sz="1600" b="1" dirty="0" smtClean="0">
+                <a:ln>
+                  <a:solidFill>
+                    <a:schemeClr val="tx1">
+                      <a:alpha val="30000"/>
+                    </a:schemeClr>
+                  </a:solidFill>
+                </a:ln>
+                <a:solidFill>
+                  <a:schemeClr val="bg1">
+                    <a:lumMod val="85000"/>
+                  </a:schemeClr>
+                </a:solidFill>
+                <a:latin typeface="+mn-ea"/>
+              </a:rPr>
+              <a:t>04</a:t>
+            </a:r>
+          </a:p>
+        </p:txBody>
+      </p:sp>
+      <p:sp>
+        <p:nvSpPr>
           <p:cNvPr id="24" name="TextBox 23"/>
           <p:cNvSpPr txBox="1"/>
           <p:nvPr/>
@@ -15382,7 +15330,7 @@
                 </a:ln>
                 <a:solidFill>
                   <a:schemeClr val="bg1">
-                    <a:lumMod val="75000"/>
+                    <a:lumMod val="85000"/>
                   </a:schemeClr>
                 </a:solidFill>
                 <a:latin typeface="+mn-ea"/>
@@ -15394,57 +15342,14 @@
       </p:sp>
       <p:sp>
         <p:nvSpPr>
-          <p:cNvPr id="23" name="TextBox 22"/>
-          <p:cNvSpPr txBox="1"/>
-          <p:nvPr/>
-        </p:nvSpPr>
-        <p:spPr>
-          <a:xfrm>
-            <a:off x="107504" y="2298358"/>
-            <a:ext cx="450395" cy="338554"/>
-          </a:xfrm>
-          <a:prstGeom prst="rect">
-            <a:avLst/>
-          </a:prstGeom>
-          <a:noFill/>
-        </p:spPr>
-        <p:txBody>
-          <a:bodyPr wrap="square" rtlCol="0">
-            <a:spAutoFit/>
-          </a:bodyPr>
-          <a:lstStyle/>
-          <a:p>
-            <a:r>
-              <a:rPr lang="en-US" altLang="ko-KR" sz="1600" b="1" dirty="0" smtClean="0">
-                <a:ln>
-                  <a:solidFill>
-                    <a:schemeClr val="tx1">
-                      <a:alpha val="30000"/>
-                    </a:schemeClr>
-                  </a:solidFill>
-                </a:ln>
-                <a:solidFill>
-                  <a:schemeClr val="bg1">
-                    <a:lumMod val="85000"/>
-                  </a:schemeClr>
-                </a:solidFill>
-                <a:latin typeface="+mn-ea"/>
-              </a:rPr>
-              <a:t>04</a:t>
-            </a:r>
-          </a:p>
-        </p:txBody>
-      </p:sp>
-      <p:sp>
-        <p:nvSpPr>
-          <p:cNvPr id="15" name="직사각형 14"/>
+          <p:cNvPr id="29" name="직사각형 28"/>
           <p:cNvSpPr/>
           <p:nvPr/>
         </p:nvSpPr>
         <p:spPr>
           <a:xfrm>
             <a:off x="1080000" y="900000"/>
-            <a:ext cx="2843928" cy="457200"/>
+            <a:ext cx="2123848" cy="457200"/>
           </a:xfrm>
           <a:prstGeom prst="rect">
             <a:avLst/>
@@ -15494,24 +15399,14 @@
               <a:defRPr/>
             </a:pPr>
             <a:r>
-              <a:rPr lang="ko-KR" altLang="en-US" b="1" dirty="0" smtClean="0">
+              <a:rPr lang="ko-KR" altLang="en-US" b="1" noProof="0" dirty="0" smtClean="0">
                 <a:solidFill>
                   <a:prstClr val="white"/>
                 </a:solidFill>
                 <a:latin typeface="맑은 고딕" panose="020B0503020000020004" pitchFamily="50" charset="-127"/>
                 <a:ea typeface="맑은 고딕" panose="020B0503020000020004" pitchFamily="50" charset="-127"/>
               </a:rPr>
-              <a:t>테이블 모델 </a:t>
-            </a:r>
-            <a:r>
-              <a:rPr lang="en-US" altLang="ko-KR" b="1" dirty="0" smtClean="0">
-                <a:solidFill>
-                  <a:prstClr val="white"/>
-                </a:solidFill>
-                <a:latin typeface="맑은 고딕" panose="020B0503020000020004" pitchFamily="50" charset="-127"/>
-                <a:ea typeface="맑은 고딕" panose="020B0503020000020004" pitchFamily="50" charset="-127"/>
-              </a:rPr>
-              <a:t>- Logical</a:t>
+              <a:t>스토리 보드</a:t>
             </a:r>
             <a:endParaRPr kumimoji="0" lang="en-US" altLang="ko-KR" sz="1800" b="1" i="0" u="none" strike="noStrike" kern="1200" cap="none" spc="0" normalizeH="0" baseline="0" noProof="0" dirty="0" smtClean="0">
               <a:ln>
@@ -15532,7 +15427,7 @@
       </p:sp>
       <p:sp>
         <p:nvSpPr>
-          <p:cNvPr id="16" name="TextBox 15"/>
+          <p:cNvPr id="13" name="TextBox 12"/>
           <p:cNvSpPr txBox="1"/>
           <p:nvPr/>
         </p:nvSpPr>
@@ -15583,40 +15478,10 @@
           </a:p>
         </p:txBody>
       </p:sp>
-      <p:pic>
-        <p:nvPicPr>
-          <p:cNvPr id="2" name="그림 1"/>
-          <p:cNvPicPr>
-            <a:picLocks noChangeAspect="1"/>
-          </p:cNvPicPr>
-          <p:nvPr/>
-        </p:nvPicPr>
-        <p:blipFill>
-          <a:blip r:embed="rId2">
-            <a:extLst>
-              <a:ext uri="{28A0092B-C50C-407E-A947-70E740481C1C}">
-                <a14:useLocalDpi xmlns:a14="http://schemas.microsoft.com/office/drawing/2010/main" val="0"/>
-              </a:ext>
-            </a:extLst>
-          </a:blip>
-          <a:stretch>
-            <a:fillRect/>
-          </a:stretch>
-        </p:blipFill>
-        <p:spPr>
-          <a:xfrm>
-            <a:off x="1620000" y="1620000"/>
-            <a:ext cx="5653771" cy="3960000"/>
-          </a:xfrm>
-          <a:prstGeom prst="rect">
-            <a:avLst/>
-          </a:prstGeom>
-        </p:spPr>
-      </p:pic>
     </p:spTree>
     <p:extLst>
       <p:ext uri="{BB962C8B-B14F-4D97-AF65-F5344CB8AC3E}">
-        <p14:creationId xmlns:p14="http://schemas.microsoft.com/office/powerpoint/2010/main" val="3220462730"/>
+        <p14:creationId xmlns:p14="http://schemas.microsoft.com/office/powerpoint/2010/main" val="3811035854"/>
       </p:ext>
     </p:extLst>
   </p:cSld>
@@ -15638,83 +15503,7 @@
   <p:timing>
     <p:tnLst>
       <p:par>
-        <p:cTn id="1" dur="indefinite" restart="never" nodeType="tmRoot">
-          <p:childTnLst>
-            <p:seq concurrent="1" nextAc="seek">
-              <p:cTn id="2" dur="indefinite" nodeType="mainSeq">
-                <p:childTnLst>
-                  <p:par>
-                    <p:cTn id="3" fill="hold">
-                      <p:stCondLst>
-                        <p:cond delay="indefinite"/>
-                      </p:stCondLst>
-                      <p:childTnLst>
-                        <p:par>
-                          <p:cTn id="4" fill="hold">
-                            <p:stCondLst>
-                              <p:cond delay="0"/>
-                            </p:stCondLst>
-                            <p:childTnLst>
-                              <p:par>
-                                <p:cTn id="5" presetID="10" presetClass="entr" presetSubtype="0" fill="hold" nodeType="clickEffect">
-                                  <p:stCondLst>
-                                    <p:cond delay="0"/>
-                                  </p:stCondLst>
-                                  <p:childTnLst>
-                                    <p:set>
-                                      <p:cBhvr>
-                                        <p:cTn id="6" dur="1" fill="hold">
-                                          <p:stCondLst>
-                                            <p:cond delay="0"/>
-                                          </p:stCondLst>
-                                        </p:cTn>
-                                        <p:tgtEl>
-                                          <p:spTgt spid="2"/>
-                                        </p:tgtEl>
-                                        <p:attrNameLst>
-                                          <p:attrName>style.visibility</p:attrName>
-                                        </p:attrNameLst>
-                                      </p:cBhvr>
-                                      <p:to>
-                                        <p:strVal val="visible"/>
-                                      </p:to>
-                                    </p:set>
-                                    <p:animEffect transition="in" filter="fade">
-                                      <p:cBhvr>
-                                        <p:cTn id="7" dur="500"/>
-                                        <p:tgtEl>
-                                          <p:spTgt spid="2"/>
-                                        </p:tgtEl>
-                                      </p:cBhvr>
-                                    </p:animEffect>
-                                  </p:childTnLst>
-                                </p:cTn>
-                              </p:par>
-                            </p:childTnLst>
-                          </p:cTn>
-                        </p:par>
-                      </p:childTnLst>
-                    </p:cTn>
-                  </p:par>
-                </p:childTnLst>
-              </p:cTn>
-              <p:prevCondLst>
-                <p:cond evt="onPrev" delay="0">
-                  <p:tgtEl>
-                    <p:sldTgt/>
-                  </p:tgtEl>
-                </p:cond>
-              </p:prevCondLst>
-              <p:nextCondLst>
-                <p:cond evt="onNext" delay="0">
-                  <p:tgtEl>
-                    <p:sldTgt/>
-                  </p:tgtEl>
-                </p:cond>
-              </p:nextCondLst>
-            </p:seq>
-          </p:childTnLst>
-        </p:cTn>
+        <p:cTn id="1" dur="indefinite" restart="never" nodeType="tmRoot"/>
       </p:par>
     </p:tnLst>
   </p:timing>
@@ -16040,6 +15829,651 @@
         </p:nvSpPr>
         <p:spPr>
           <a:xfrm>
+            <a:off x="-9283" y="1813760"/>
+            <a:ext cx="834325" cy="343501"/>
+          </a:xfrm>
+          <a:prstGeom prst="rect">
+            <a:avLst/>
+          </a:prstGeom>
+          <a:solidFill>
+            <a:srgbClr val="272123"/>
+          </a:solidFill>
+          <a:ln>
+            <a:noFill/>
+          </a:ln>
+        </p:spPr>
+        <p:style>
+          <a:lnRef idx="2">
+            <a:schemeClr val="accent1">
+              <a:shade val="50000"/>
+            </a:schemeClr>
+          </a:lnRef>
+          <a:fillRef idx="1">
+            <a:schemeClr val="accent1"/>
+          </a:fillRef>
+          <a:effectRef idx="0">
+            <a:schemeClr val="accent1"/>
+          </a:effectRef>
+          <a:fontRef idx="minor">
+            <a:schemeClr val="lt1"/>
+          </a:fontRef>
+        </p:style>
+        <p:txBody>
+          <a:bodyPr rtlCol="0" anchor="ctr"/>
+          <a:lstStyle/>
+          <a:p>
+            <a:pPr algn="ctr"/>
+            <a:endParaRPr lang="ko-KR" altLang="en-US"/>
+          </a:p>
+        </p:txBody>
+      </p:sp>
+      <p:sp>
+        <p:nvSpPr>
+          <p:cNvPr id="10" name="직각 삼각형 9"/>
+          <p:cNvSpPr/>
+          <p:nvPr/>
+        </p:nvSpPr>
+        <p:spPr>
+          <a:xfrm rot="5400000">
+            <a:off x="702755" y="2143834"/>
+            <a:ext cx="81142" cy="108000"/>
+          </a:xfrm>
+          <a:prstGeom prst="rtTriangle">
+            <a:avLst/>
+          </a:prstGeom>
+          <a:solidFill>
+            <a:schemeClr val="tx1"/>
+          </a:solidFill>
+          <a:ln>
+            <a:solidFill>
+              <a:schemeClr val="tx1"/>
+            </a:solidFill>
+          </a:ln>
+        </p:spPr>
+        <p:style>
+          <a:lnRef idx="2">
+            <a:schemeClr val="accent1">
+              <a:shade val="50000"/>
+            </a:schemeClr>
+          </a:lnRef>
+          <a:fillRef idx="1">
+            <a:schemeClr val="accent1"/>
+          </a:fillRef>
+          <a:effectRef idx="0">
+            <a:schemeClr val="accent1"/>
+          </a:effectRef>
+          <a:fontRef idx="minor">
+            <a:schemeClr val="lt1"/>
+          </a:fontRef>
+        </p:style>
+        <p:txBody>
+          <a:bodyPr rtlCol="0" anchor="ctr"/>
+          <a:lstStyle/>
+          <a:p>
+            <a:pPr algn="ctr"/>
+            <a:endParaRPr lang="ko-KR" altLang="en-US"/>
+          </a:p>
+        </p:txBody>
+      </p:sp>
+      <p:sp>
+        <p:nvSpPr>
+          <p:cNvPr id="21" name="TextBox 20"/>
+          <p:cNvSpPr txBox="1"/>
+          <p:nvPr/>
+        </p:nvSpPr>
+        <p:spPr>
+          <a:xfrm>
+            <a:off x="107504" y="1340768"/>
+            <a:ext cx="450395" cy="338554"/>
+          </a:xfrm>
+          <a:prstGeom prst="rect">
+            <a:avLst/>
+          </a:prstGeom>
+          <a:noFill/>
+        </p:spPr>
+        <p:txBody>
+          <a:bodyPr wrap="square" rtlCol="0">
+            <a:spAutoFit/>
+          </a:bodyPr>
+          <a:lstStyle/>
+          <a:p>
+            <a:r>
+              <a:rPr lang="en-US" altLang="ko-KR" sz="1600" b="1" dirty="0" smtClean="0">
+                <a:ln>
+                  <a:solidFill>
+                    <a:schemeClr val="tx1">
+                      <a:alpha val="30000"/>
+                    </a:schemeClr>
+                  </a:solidFill>
+                </a:ln>
+                <a:solidFill>
+                  <a:schemeClr val="bg1">
+                    <a:lumMod val="85000"/>
+                  </a:schemeClr>
+                </a:solidFill>
+                <a:latin typeface="+mn-ea"/>
+              </a:rPr>
+              <a:t>02</a:t>
+            </a:r>
+          </a:p>
+        </p:txBody>
+      </p:sp>
+      <p:sp>
+        <p:nvSpPr>
+          <p:cNvPr id="22" name="TextBox 21"/>
+          <p:cNvSpPr txBox="1"/>
+          <p:nvPr/>
+        </p:nvSpPr>
+        <p:spPr>
+          <a:xfrm>
+            <a:off x="107504" y="1819563"/>
+            <a:ext cx="450395" cy="338554"/>
+          </a:xfrm>
+          <a:prstGeom prst="rect">
+            <a:avLst/>
+          </a:prstGeom>
+          <a:noFill/>
+        </p:spPr>
+        <p:txBody>
+          <a:bodyPr wrap="square" rtlCol="0">
+            <a:spAutoFit/>
+          </a:bodyPr>
+          <a:lstStyle/>
+          <a:p>
+            <a:r>
+              <a:rPr lang="en-US" altLang="ko-KR" sz="1600" b="1" dirty="0" smtClean="0">
+                <a:ln>
+                  <a:solidFill>
+                    <a:schemeClr val="tx1">
+                      <a:alpha val="30000"/>
+                    </a:schemeClr>
+                  </a:solidFill>
+                </a:ln>
+                <a:solidFill>
+                  <a:schemeClr val="bg1">
+                    <a:lumMod val="85000"/>
+                  </a:schemeClr>
+                </a:solidFill>
+                <a:latin typeface="+mn-ea"/>
+              </a:rPr>
+              <a:t>03</a:t>
+            </a:r>
+          </a:p>
+        </p:txBody>
+      </p:sp>
+      <p:sp>
+        <p:nvSpPr>
+          <p:cNvPr id="24" name="TextBox 23"/>
+          <p:cNvSpPr txBox="1"/>
+          <p:nvPr/>
+        </p:nvSpPr>
+        <p:spPr>
+          <a:xfrm>
+            <a:off x="123549" y="882386"/>
+            <a:ext cx="541363" cy="338554"/>
+          </a:xfrm>
+          <a:prstGeom prst="rect">
+            <a:avLst/>
+          </a:prstGeom>
+          <a:noFill/>
+        </p:spPr>
+        <p:txBody>
+          <a:bodyPr wrap="square" rtlCol="0">
+            <a:spAutoFit/>
+          </a:bodyPr>
+          <a:lstStyle/>
+          <a:p>
+            <a:r>
+              <a:rPr lang="en-US" altLang="ko-KR" sz="1600" b="1" dirty="0" smtClean="0">
+                <a:ln>
+                  <a:solidFill>
+                    <a:schemeClr val="tx1">
+                      <a:alpha val="30000"/>
+                    </a:schemeClr>
+                  </a:solidFill>
+                </a:ln>
+                <a:solidFill>
+                  <a:schemeClr val="bg1">
+                    <a:lumMod val="75000"/>
+                  </a:schemeClr>
+                </a:solidFill>
+                <a:latin typeface="+mn-ea"/>
+              </a:rPr>
+              <a:t>01</a:t>
+            </a:r>
+          </a:p>
+        </p:txBody>
+      </p:sp>
+      <p:sp>
+        <p:nvSpPr>
+          <p:cNvPr id="23" name="TextBox 22"/>
+          <p:cNvSpPr txBox="1"/>
+          <p:nvPr/>
+        </p:nvSpPr>
+        <p:spPr>
+          <a:xfrm>
+            <a:off x="107504" y="2298358"/>
+            <a:ext cx="450395" cy="338554"/>
+          </a:xfrm>
+          <a:prstGeom prst="rect">
+            <a:avLst/>
+          </a:prstGeom>
+          <a:noFill/>
+        </p:spPr>
+        <p:txBody>
+          <a:bodyPr wrap="square" rtlCol="0">
+            <a:spAutoFit/>
+          </a:bodyPr>
+          <a:lstStyle/>
+          <a:p>
+            <a:r>
+              <a:rPr lang="en-US" altLang="ko-KR" sz="1600" b="1" dirty="0" smtClean="0">
+                <a:ln>
+                  <a:solidFill>
+                    <a:schemeClr val="tx1">
+                      <a:alpha val="30000"/>
+                    </a:schemeClr>
+                  </a:solidFill>
+                </a:ln>
+                <a:solidFill>
+                  <a:schemeClr val="bg1">
+                    <a:lumMod val="85000"/>
+                  </a:schemeClr>
+                </a:solidFill>
+                <a:latin typeface="+mn-ea"/>
+              </a:rPr>
+              <a:t>04</a:t>
+            </a:r>
+          </a:p>
+        </p:txBody>
+      </p:sp>
+      <p:sp>
+        <p:nvSpPr>
+          <p:cNvPr id="15" name="직사각형 14"/>
+          <p:cNvSpPr/>
+          <p:nvPr/>
+        </p:nvSpPr>
+        <p:spPr>
+          <a:xfrm>
+            <a:off x="1080000" y="900000"/>
+            <a:ext cx="2843928" cy="457200"/>
+          </a:xfrm>
+          <a:prstGeom prst="rect">
+            <a:avLst/>
+          </a:prstGeom>
+          <a:solidFill>
+            <a:srgbClr val="272123"/>
+          </a:solidFill>
+          <a:ln>
+            <a:noFill/>
+          </a:ln>
+        </p:spPr>
+        <p:style>
+          <a:lnRef idx="2">
+            <a:schemeClr val="accent1">
+              <a:shade val="50000"/>
+            </a:schemeClr>
+          </a:lnRef>
+          <a:fillRef idx="1">
+            <a:schemeClr val="accent1"/>
+          </a:fillRef>
+          <a:effectRef idx="0">
+            <a:schemeClr val="accent1"/>
+          </a:effectRef>
+          <a:fontRef idx="minor">
+            <a:schemeClr val="lt1"/>
+          </a:fontRef>
+        </p:style>
+        <p:txBody>
+          <a:bodyPr rtlCol="0" anchor="ctr"/>
+          <a:lstStyle/>
+          <a:p>
+            <a:pPr marL="0" marR="0" lvl="0" indent="0" algn="ctr" defTabSz="914400" rtl="0" eaLnBrk="1" fontAlgn="auto" latinLnBrk="1" hangingPunct="1">
+              <a:lnSpc>
+                <a:spcPct val="100000"/>
+              </a:lnSpc>
+              <a:spcBef>
+                <a:spcPts val="0"/>
+              </a:spcBef>
+              <a:spcAft>
+                <a:spcPts val="0"/>
+              </a:spcAft>
+              <a:buClrTx/>
+              <a:buSzTx/>
+              <a:buFontTx/>
+              <a:buNone/>
+              <a:tabLst/>
+              <a:defRPr/>
+            </a:pPr>
+            <a:r>
+              <a:rPr lang="ko-KR" altLang="en-US" b="1" dirty="0" smtClean="0">
+                <a:solidFill>
+                  <a:prstClr val="white"/>
+                </a:solidFill>
+                <a:latin typeface="맑은 고딕" panose="020B0503020000020004" pitchFamily="50" charset="-127"/>
+                <a:ea typeface="맑은 고딕" panose="020B0503020000020004" pitchFamily="50" charset="-127"/>
+              </a:rPr>
+              <a:t>테이블 모델 </a:t>
+            </a:r>
+            <a:r>
+              <a:rPr lang="en-US" altLang="ko-KR" b="1" dirty="0" smtClean="0">
+                <a:solidFill>
+                  <a:prstClr val="white"/>
+                </a:solidFill>
+                <a:latin typeface="맑은 고딕" panose="020B0503020000020004" pitchFamily="50" charset="-127"/>
+                <a:ea typeface="맑은 고딕" panose="020B0503020000020004" pitchFamily="50" charset="-127"/>
+              </a:rPr>
+              <a:t>- Logical</a:t>
+            </a:r>
+            <a:endParaRPr kumimoji="0" lang="en-US" altLang="ko-KR" sz="1800" b="1" i="0" u="none" strike="noStrike" kern="1200" cap="none" spc="0" normalizeH="0" baseline="0" noProof="0" dirty="0" smtClean="0">
+              <a:ln>
+                <a:noFill/>
+              </a:ln>
+              <a:solidFill>
+                <a:prstClr val="white"/>
+              </a:solidFill>
+              <a:effectLst/>
+              <a:uLnTx/>
+              <a:uFillTx/>
+              <a:latin typeface="맑은 고딕" panose="020B0503020000020004" pitchFamily="50" charset="-127"/>
+              <a:ea typeface="맑은 고딕" panose="020B0503020000020004" pitchFamily="50" charset="-127"/>
+              <a:cs typeface="+mn-cs"/>
+            </a:endParaRPr>
+          </a:p>
+        </p:txBody>
+      </p:sp>
+      <p:sp>
+        <p:nvSpPr>
+          <p:cNvPr id="16" name="TextBox 15"/>
+          <p:cNvSpPr txBox="1"/>
+          <p:nvPr/>
+        </p:nvSpPr>
+        <p:spPr>
+          <a:xfrm>
+            <a:off x="1043607" y="138482"/>
+            <a:ext cx="1800000" cy="307777"/>
+          </a:xfrm>
+          <a:prstGeom prst="rect">
+            <a:avLst/>
+          </a:prstGeom>
+          <a:noFill/>
+        </p:spPr>
+        <p:txBody>
+          <a:bodyPr wrap="square" rtlCol="0">
+            <a:spAutoFit/>
+          </a:bodyPr>
+          <a:lstStyle/>
+          <a:p>
+            <a:pPr lvl="0">
+              <a:defRPr/>
+            </a:pPr>
+            <a:r>
+              <a:rPr lang="en-US" altLang="ko-KR" sz="1400" b="1" dirty="0" smtClean="0">
+                <a:ln>
+                  <a:solidFill>
+                    <a:prstClr val="white">
+                      <a:lumMod val="85000"/>
+                      <a:alpha val="30000"/>
+                    </a:prstClr>
+                  </a:solidFill>
+                </a:ln>
+                <a:latin typeface="+mn-ea"/>
+              </a:rPr>
+              <a:t>DB Frame</a:t>
+            </a:r>
+            <a:endParaRPr lang="en-US" altLang="ko-KR" sz="1400" b="1" dirty="0">
+              <a:ln>
+                <a:solidFill>
+                  <a:prstClr val="white">
+                    <a:lumMod val="85000"/>
+                    <a:alpha val="30000"/>
+                  </a:prstClr>
+                </a:solidFill>
+              </a:ln>
+              <a:latin typeface="+mn-ea"/>
+            </a:endParaRPr>
+          </a:p>
+        </p:txBody>
+      </p:sp>
+      <p:pic>
+        <p:nvPicPr>
+          <p:cNvPr id="2" name="그림 1"/>
+          <p:cNvPicPr>
+            <a:picLocks noChangeAspect="1"/>
+          </p:cNvPicPr>
+          <p:nvPr/>
+        </p:nvPicPr>
+        <p:blipFill>
+          <a:blip r:embed="rId2">
+            <a:extLst>
+              <a:ext uri="{28A0092B-C50C-407E-A947-70E740481C1C}">
+                <a14:useLocalDpi xmlns:a14="http://schemas.microsoft.com/office/drawing/2010/main" val="0"/>
+              </a:ext>
+            </a:extLst>
+          </a:blip>
+          <a:stretch>
+            <a:fillRect/>
+          </a:stretch>
+        </p:blipFill>
+        <p:spPr>
+          <a:xfrm>
+            <a:off x="1620000" y="1620000"/>
+            <a:ext cx="5653771" cy="3960000"/>
+          </a:xfrm>
+          <a:prstGeom prst="rect">
+            <a:avLst/>
+          </a:prstGeom>
+        </p:spPr>
+      </p:pic>
+    </p:spTree>
+    <p:extLst>
+      <p:ext uri="{BB962C8B-B14F-4D97-AF65-F5344CB8AC3E}">
+        <p14:creationId xmlns:p14="http://schemas.microsoft.com/office/powerpoint/2010/main" val="3220462730"/>
+      </p:ext>
+    </p:extLst>
+  </p:cSld>
+  <p:clrMapOvr>
+    <a:masterClrMapping/>
+  </p:clrMapOvr>
+  <mc:AlternateContent xmlns:mc="http://schemas.openxmlformats.org/markup-compatibility/2006" xmlns:p14="http://schemas.microsoft.com/office/powerpoint/2010/main">
+    <mc:Choice Requires="p14">
+      <p:transition spd="med" p14:dur="700">
+        <p:fade/>
+      </p:transition>
+    </mc:Choice>
+    <mc:Fallback xmlns="">
+      <p:transition spd="med">
+        <p:fade/>
+      </p:transition>
+    </mc:Fallback>
+  </mc:AlternateContent>
+  <p:timing>
+    <p:tnLst>
+      <p:par>
+        <p:cTn id="1" dur="indefinite" restart="never" nodeType="tmRoot">
+          <p:childTnLst>
+            <p:seq concurrent="1" nextAc="seek">
+              <p:cTn id="2" dur="indefinite" nodeType="mainSeq">
+                <p:childTnLst>
+                  <p:par>
+                    <p:cTn id="3" fill="hold">
+                      <p:stCondLst>
+                        <p:cond delay="indefinite"/>
+                      </p:stCondLst>
+                      <p:childTnLst>
+                        <p:par>
+                          <p:cTn id="4" fill="hold">
+                            <p:stCondLst>
+                              <p:cond delay="0"/>
+                            </p:stCondLst>
+                            <p:childTnLst>
+                              <p:par>
+                                <p:cTn id="5" presetID="10" presetClass="entr" presetSubtype="0" fill="hold" nodeType="clickEffect">
+                                  <p:stCondLst>
+                                    <p:cond delay="0"/>
+                                  </p:stCondLst>
+                                  <p:childTnLst>
+                                    <p:set>
+                                      <p:cBhvr>
+                                        <p:cTn id="6" dur="1" fill="hold">
+                                          <p:stCondLst>
+                                            <p:cond delay="0"/>
+                                          </p:stCondLst>
+                                        </p:cTn>
+                                        <p:tgtEl>
+                                          <p:spTgt spid="2"/>
+                                        </p:tgtEl>
+                                        <p:attrNameLst>
+                                          <p:attrName>style.visibility</p:attrName>
+                                        </p:attrNameLst>
+                                      </p:cBhvr>
+                                      <p:to>
+                                        <p:strVal val="visible"/>
+                                      </p:to>
+                                    </p:set>
+                                    <p:animEffect transition="in" filter="fade">
+                                      <p:cBhvr>
+                                        <p:cTn id="7" dur="500"/>
+                                        <p:tgtEl>
+                                          <p:spTgt spid="2"/>
+                                        </p:tgtEl>
+                                      </p:cBhvr>
+                                    </p:animEffect>
+                                  </p:childTnLst>
+                                </p:cTn>
+                              </p:par>
+                            </p:childTnLst>
+                          </p:cTn>
+                        </p:par>
+                      </p:childTnLst>
+                    </p:cTn>
+                  </p:par>
+                </p:childTnLst>
+              </p:cTn>
+              <p:prevCondLst>
+                <p:cond evt="onPrev" delay="0">
+                  <p:tgtEl>
+                    <p:sldTgt/>
+                  </p:tgtEl>
+                </p:cond>
+              </p:prevCondLst>
+              <p:nextCondLst>
+                <p:cond evt="onNext" delay="0">
+                  <p:tgtEl>
+                    <p:sldTgt/>
+                  </p:tgtEl>
+                </p:cond>
+              </p:nextCondLst>
+            </p:seq>
+          </p:childTnLst>
+        </p:cTn>
+      </p:par>
+    </p:tnLst>
+  </p:timing>
+</p:sld>
+</file>
+
+<file path=ppt/slides/slide21.xml><?xml version="1.0" encoding="utf-8"?>
+<p:sld xmlns:a="http://schemas.openxmlformats.org/drawingml/2006/main" xmlns:r="http://schemas.openxmlformats.org/officeDocument/2006/relationships" xmlns:p="http://schemas.openxmlformats.org/presentationml/2006/main">
+  <p:cSld>
+    <p:spTree>
+      <p:nvGrpSpPr>
+        <p:cNvPr id="1" name=""/>
+        <p:cNvGrpSpPr/>
+        <p:nvPr/>
+      </p:nvGrpSpPr>
+      <p:grpSpPr>
+        <a:xfrm>
+          <a:off x="0" y="0"/>
+          <a:ext cx="0" cy="0"/>
+          <a:chOff x="0" y="0"/>
+          <a:chExt cx="0" cy="0"/>
+        </a:xfrm>
+      </p:grpSpPr>
+      <p:cxnSp>
+        <p:nvCxnSpPr>
+          <p:cNvPr id="4" name="직선 연결선 3"/>
+          <p:cNvCxnSpPr/>
+          <p:nvPr/>
+        </p:nvCxnSpPr>
+        <p:spPr>
+          <a:xfrm>
+            <a:off x="683568" y="-371068"/>
+            <a:ext cx="0" cy="7472476"/>
+          </a:xfrm>
+          <a:prstGeom prst="line">
+            <a:avLst/>
+          </a:prstGeom>
+          <a:ln>
+            <a:solidFill>
+              <a:schemeClr val="bg1">
+                <a:lumMod val="65000"/>
+                <a:alpha val="50000"/>
+              </a:schemeClr>
+            </a:solidFill>
+          </a:ln>
+        </p:spPr>
+        <p:style>
+          <a:lnRef idx="1">
+            <a:schemeClr val="accent1"/>
+          </a:lnRef>
+          <a:fillRef idx="0">
+            <a:schemeClr val="accent1"/>
+          </a:fillRef>
+          <a:effectRef idx="0">
+            <a:schemeClr val="accent1"/>
+          </a:effectRef>
+          <a:fontRef idx="minor">
+            <a:schemeClr val="tx1"/>
+          </a:fontRef>
+        </p:style>
+      </p:cxnSp>
+      <p:cxnSp>
+        <p:nvCxnSpPr>
+          <p:cNvPr id="5" name="직선 연결선 4"/>
+          <p:cNvCxnSpPr/>
+          <p:nvPr/>
+        </p:nvCxnSpPr>
+        <p:spPr>
+          <a:xfrm flipH="1">
+            <a:off x="692540" y="548680"/>
+            <a:ext cx="9295796" cy="0"/>
+          </a:xfrm>
+          <a:prstGeom prst="line">
+            <a:avLst/>
+          </a:prstGeom>
+          <a:ln>
+            <a:solidFill>
+              <a:schemeClr val="bg1">
+                <a:lumMod val="65000"/>
+                <a:alpha val="50000"/>
+              </a:schemeClr>
+            </a:solidFill>
+          </a:ln>
+        </p:spPr>
+        <p:style>
+          <a:lnRef idx="1">
+            <a:schemeClr val="accent1"/>
+          </a:lnRef>
+          <a:fillRef idx="0">
+            <a:schemeClr val="accent1"/>
+          </a:fillRef>
+          <a:effectRef idx="0">
+            <a:schemeClr val="accent1"/>
+          </a:effectRef>
+          <a:fontRef idx="minor">
+            <a:schemeClr val="tx1"/>
+          </a:fontRef>
+        </p:style>
+      </p:cxnSp>
+      <p:sp>
+        <p:nvSpPr>
+          <p:cNvPr id="9" name="직사각형 8"/>
+          <p:cNvSpPr/>
+          <p:nvPr/>
+        </p:nvSpPr>
+        <p:spPr>
+          <a:xfrm>
             <a:off x="-9283" y="2284275"/>
             <a:ext cx="834325" cy="343501"/>
           </a:xfrm>
@@ -16220,8 +16654,8 @@
         </p:nvSpPr>
         <p:spPr>
           <a:xfrm>
-            <a:off x="123549" y="882386"/>
-            <a:ext cx="541363" cy="338554"/>
+            <a:off x="108000" y="882386"/>
+            <a:ext cx="450000" cy="338554"/>
           </a:xfrm>
           <a:prstGeom prst="rect">
             <a:avLst/>
@@ -16476,6 +16910,49 @@
           </a:prstGeom>
         </p:spPr>
       </p:pic>
+      <p:sp>
+        <p:nvSpPr>
+          <p:cNvPr id="13" name="TextBox 12"/>
+          <p:cNvSpPr txBox="1"/>
+          <p:nvPr/>
+        </p:nvSpPr>
+        <p:spPr>
+          <a:xfrm>
+            <a:off x="107504" y="2718000"/>
+            <a:ext cx="450395" cy="338554"/>
+          </a:xfrm>
+          <a:prstGeom prst="rect">
+            <a:avLst/>
+          </a:prstGeom>
+          <a:noFill/>
+        </p:spPr>
+        <p:txBody>
+          <a:bodyPr wrap="square" rtlCol="0">
+            <a:spAutoFit/>
+          </a:bodyPr>
+          <a:lstStyle/>
+          <a:p>
+            <a:r>
+              <a:rPr lang="en-US" altLang="ko-KR" sz="1600" b="1" dirty="0" smtClean="0">
+                <a:ln>
+                  <a:solidFill>
+                    <a:schemeClr val="tx1">
+                      <a:alpha val="30000"/>
+                    </a:schemeClr>
+                  </a:solidFill>
+                </a:ln>
+                <a:solidFill>
+                  <a:schemeClr val="bg1">
+                    <a:lumMod val="85000"/>
+                  </a:schemeClr>
+                </a:solidFill>
+                <a:latin typeface="+mn-ea"/>
+              </a:rPr>
+              <a:t>03</a:t>
+            </a:r>
+          </a:p>
+        </p:txBody>
+      </p:sp>
     </p:spTree>
     <p:extLst>
       <p:ext uri="{BB962C8B-B14F-4D97-AF65-F5344CB8AC3E}">
@@ -16584,7 +17061,7 @@
 </p:sld>
 </file>
 
-<file path=ppt/slides/slide21.xml><?xml version="1.0" encoding="utf-8"?>
+<file path=ppt/slides/slide22.xml><?xml version="1.0" encoding="utf-8"?>
 <p:sld xmlns:a="http://schemas.openxmlformats.org/drawingml/2006/main" xmlns:r="http://schemas.openxmlformats.org/officeDocument/2006/relationships" xmlns:p="http://schemas.openxmlformats.org/presentationml/2006/main">
   <p:cSld>
     <p:bg>
@@ -16818,7 +17295,7 @@
 </p:sld>
 </file>
 
-<file path=ppt/slides/slide22.xml><?xml version="1.0" encoding="utf-8"?>
+<file path=ppt/slides/slide23.xml><?xml version="1.0" encoding="utf-8"?>
 <p:sld xmlns:a="http://schemas.openxmlformats.org/drawingml/2006/main" xmlns:r="http://schemas.openxmlformats.org/officeDocument/2006/relationships" xmlns:p="http://schemas.openxmlformats.org/presentationml/2006/main">
   <p:cSld>
     <p:spTree>
@@ -17134,7 +17611,7 @@
 </p:sld>
 </file>
 
-<file path=ppt/slides/slide23.xml><?xml version="1.0" encoding="utf-8"?>
+<file path=ppt/slides/slide24.xml><?xml version="1.0" encoding="utf-8"?>
 <p:sld xmlns:a="http://schemas.openxmlformats.org/drawingml/2006/main" xmlns:r="http://schemas.openxmlformats.org/officeDocument/2006/relationships" xmlns:p="http://schemas.openxmlformats.org/presentationml/2006/main">
   <p:cSld>
     <p:bg>
@@ -17347,27 +17824,6 @@
                 </a:rPr>
                 <a:t>UI Function</a:t>
               </a:r>
-              <a:endParaRPr kumimoji="0" lang="en-US" altLang="ko-KR" sz="1800" b="1" i="0" u="none" strike="noStrike" kern="1200" cap="none" spc="0" normalizeH="0" baseline="0" noProof="0" dirty="0" smtClean="0">
-                <a:ln>
-                  <a:solidFill>
-                    <a:prstClr val="white">
-                      <a:lumMod val="85000"/>
-                      <a:alpha val="30000"/>
-                    </a:prstClr>
-                  </a:solidFill>
-                </a:ln>
-                <a:solidFill>
-                  <a:prstClr val="white">
-                    <a:lumMod val="95000"/>
-                  </a:prstClr>
-                </a:solidFill>
-                <a:effectLst/>
-                <a:uLnTx/>
-                <a:uFillTx/>
-                <a:latin typeface="맑은 고딕" panose="020B0503020000020004" pitchFamily="50" charset="-127"/>
-                <a:ea typeface="맑은 고딕" panose="020B0503020000020004" pitchFamily="50" charset="-127"/>
-                <a:cs typeface="+mn-cs"/>
-              </a:endParaRPr>
             </a:p>
           </p:txBody>
         </p:sp>
@@ -17404,7 +17860,7 @@
 </p:sld>
 </file>
 
-<file path=ppt/slides/slide24.xml><?xml version="1.0" encoding="utf-8"?>
+<file path=ppt/slides/slide25.xml><?xml version="1.0" encoding="utf-8"?>
 <p:sld xmlns:a="http://schemas.openxmlformats.org/drawingml/2006/main" xmlns:r="http://schemas.openxmlformats.org/officeDocument/2006/relationships" xmlns:p="http://schemas.openxmlformats.org/presentationml/2006/main">
   <p:cSld>
     <p:spTree>
@@ -18151,15 +18607,26 @@
                   <a:schemeClr val="bg1"/>
                 </a:solidFill>
               </a:rPr>
-              <a:t>관리자 정보 </a:t>
-            </a:r>
+              <a:t>관리자 정보 팝업 된다</a:t>
+            </a:r>
+            <a:r>
+              <a:rPr lang="en-US" altLang="ko-KR" sz="1100" b="1" dirty="0" smtClean="0">
+                <a:solidFill>
+                  <a:schemeClr val="bg1"/>
+                </a:solidFill>
+              </a:rPr>
+              <a:t>.</a:t>
+            </a:r>
+          </a:p>
+          <a:p>
+            <a:pPr algn="ctr"/>
             <a:r>
               <a:rPr lang="ko-KR" altLang="en-US" sz="1100" b="1" dirty="0" smtClean="0">
                 <a:solidFill>
                   <a:schemeClr val="bg1"/>
                 </a:solidFill>
               </a:rPr>
-              <a:t>팝업 된다</a:t>
+              <a:t>프로그램 정보 </a:t>
             </a:r>
             <a:r>
               <a:rPr lang="en-US" altLang="ko-KR" sz="1100" b="1" dirty="0" smtClean="0">
@@ -18167,13 +18634,8 @@
                   <a:schemeClr val="bg1"/>
                 </a:solidFill>
               </a:rPr>
-              <a:t>.</a:t>
-            </a:r>
-            <a:endParaRPr lang="en-US" altLang="ko-KR" sz="1100" b="1" dirty="0" smtClean="0">
-              <a:solidFill>
-                <a:schemeClr val="bg1"/>
-              </a:solidFill>
-            </a:endParaRPr>
+              <a:t>-</a:t>
+            </a:r>
           </a:p>
           <a:p>
             <a:pPr algn="ctr"/>
@@ -18183,34 +18645,7 @@
                   <a:schemeClr val="bg1"/>
                 </a:solidFill>
               </a:rPr>
-              <a:t>프로그램 정보 </a:t>
-            </a:r>
-            <a:r>
-              <a:rPr lang="en-US" altLang="ko-KR" sz="1100" b="1" dirty="0" smtClean="0">
-                <a:solidFill>
-                  <a:schemeClr val="bg1"/>
-                </a:solidFill>
-              </a:rPr>
-              <a:t>-</a:t>
-            </a:r>
-          </a:p>
-          <a:p>
-            <a:pPr algn="ctr"/>
-            <a:r>
-              <a:rPr lang="ko-KR" altLang="en-US" sz="1100" b="1" dirty="0" smtClean="0">
-                <a:solidFill>
-                  <a:schemeClr val="bg1"/>
-                </a:solidFill>
-              </a:rPr>
-              <a:t>프로그램 버전 정보 </a:t>
-            </a:r>
-            <a:r>
-              <a:rPr lang="ko-KR" altLang="en-US" sz="1100" b="1" dirty="0" smtClean="0">
-                <a:solidFill>
-                  <a:schemeClr val="bg1"/>
-                </a:solidFill>
-              </a:rPr>
-              <a:t>팝업 된다</a:t>
+              <a:t>프로그램 버전 정보 팝업 된다</a:t>
             </a:r>
             <a:r>
               <a:rPr lang="en-US" altLang="ko-KR" sz="1100" b="1" dirty="0" smtClean="0">
@@ -18491,15 +18926,7 @@
                   <a:schemeClr val="bg1"/>
                 </a:solidFill>
               </a:rPr>
-              <a:t>선택된 구분에 맞는 </a:t>
-            </a:r>
-            <a:r>
-              <a:rPr lang="ko-KR" altLang="en-US" sz="1200" b="1" dirty="0" smtClean="0">
-                <a:solidFill>
-                  <a:schemeClr val="bg1"/>
-                </a:solidFill>
-              </a:rPr>
-              <a:t>탭 화면을</a:t>
+              <a:t>선택된 구분에 맞는 탭 화면을</a:t>
             </a:r>
             <a:endParaRPr lang="en-US" altLang="ko-KR" sz="1200" b="1" dirty="0" smtClean="0">
               <a:solidFill>
@@ -18906,15 +19333,7 @@
                   <a:schemeClr val="bg1"/>
                 </a:solidFill>
               </a:rPr>
-              <a:t>찾고자 하는 </a:t>
-            </a:r>
-            <a:r>
-              <a:rPr lang="ko-KR" altLang="en-US" sz="1200" b="1" dirty="0" smtClean="0">
-                <a:solidFill>
-                  <a:schemeClr val="bg1"/>
-                </a:solidFill>
-              </a:rPr>
-              <a:t>정보가 팝업 된다</a:t>
+              <a:t>찾고자 하는 정보가 팝업 된다</a:t>
             </a:r>
             <a:r>
               <a:rPr lang="en-US" altLang="ko-KR" sz="1200" b="1" dirty="0" smtClean="0">
@@ -19093,15 +19512,7 @@
                   <a:schemeClr val="bg1"/>
                 </a:solidFill>
               </a:rPr>
-              <a:t>를 </a:t>
-            </a:r>
-            <a:r>
-              <a:rPr lang="ko-KR" altLang="en-US" sz="1200" b="1" dirty="0" smtClean="0">
-                <a:solidFill>
-                  <a:schemeClr val="bg1"/>
-                </a:solidFill>
-              </a:rPr>
-              <a:t>추가로</a:t>
+              <a:t>를 추가로</a:t>
             </a:r>
             <a:endParaRPr lang="en-US" altLang="ko-KR" sz="1200" b="1" dirty="0" smtClean="0">
               <a:solidFill>
@@ -20337,7 +20748,7 @@
 </p:sld>
 </file>
 
-<file path=ppt/slides/slide25.xml><?xml version="1.0" encoding="utf-8"?>
+<file path=ppt/slides/slide26.xml><?xml version="1.0" encoding="utf-8"?>
 <p:sld xmlns:a="http://schemas.openxmlformats.org/drawingml/2006/main" xmlns:r="http://schemas.openxmlformats.org/officeDocument/2006/relationships" xmlns:p="http://schemas.openxmlformats.org/presentationml/2006/main">
   <p:cSld>
     <p:spTree>
@@ -21649,7 +22060,7 @@
 </p:sld>
 </file>
 
-<file path=ppt/slides/slide26.xml><?xml version="1.0" encoding="utf-8"?>
+<file path=ppt/slides/slide27.xml><?xml version="1.0" encoding="utf-8"?>
 <p:sld xmlns:a="http://schemas.openxmlformats.org/drawingml/2006/main" xmlns:r="http://schemas.openxmlformats.org/officeDocument/2006/relationships" xmlns:p="http://schemas.openxmlformats.org/presentationml/2006/main">
   <p:cSld>
     <p:spTree>
@@ -22233,15 +22644,7 @@
                   <a:schemeClr val="bg1"/>
                 </a:solidFill>
               </a:rPr>
-              <a:t>클</a:t>
-            </a:r>
-            <a:r>
-              <a:rPr lang="ko-KR" altLang="en-US" sz="1200" b="1" dirty="0" smtClean="0">
-                <a:solidFill>
-                  <a:schemeClr val="bg1"/>
-                </a:solidFill>
-              </a:rPr>
-              <a:t>릭한 경우</a:t>
+              <a:t>클릭한 경우</a:t>
             </a:r>
             <a:endParaRPr lang="en-US" altLang="ko-KR" sz="1200" b="1" dirty="0" smtClean="0">
               <a:solidFill>
@@ -22323,15 +22726,7 @@
                   <a:schemeClr val="bg1"/>
                 </a:solidFill>
               </a:rPr>
-              <a:t>클</a:t>
-            </a:r>
-            <a:r>
-              <a:rPr lang="ko-KR" altLang="en-US" sz="1200" b="1" dirty="0" smtClean="0">
-                <a:solidFill>
-                  <a:schemeClr val="bg1"/>
-                </a:solidFill>
-              </a:rPr>
-              <a:t>릭한 경우</a:t>
+              <a:t>클릭한 경우</a:t>
             </a:r>
             <a:endParaRPr lang="en-US" altLang="ko-KR" sz="1200" b="1" dirty="0" smtClean="0">
               <a:solidFill>
@@ -22618,7 +23013,7 @@
 </p:sld>
 </file>
 
-<file path=ppt/slides/slide27.xml><?xml version="1.0" encoding="utf-8"?>
+<file path=ppt/slides/slide28.xml><?xml version="1.0" encoding="utf-8"?>
 <p:sld xmlns:a="http://schemas.openxmlformats.org/drawingml/2006/main" xmlns:r="http://schemas.openxmlformats.org/officeDocument/2006/relationships" xmlns:p="http://schemas.openxmlformats.org/presentationml/2006/main">
   <p:cSld>
     <p:spTree>
@@ -24001,7 +24396,7 @@
 </p:sld>
 </file>
 
-<file path=ppt/slides/slide28.xml><?xml version="1.0" encoding="utf-8"?>
+<file path=ppt/slides/slide29.xml><?xml version="1.0" encoding="utf-8"?>
 <p:sld xmlns:a="http://schemas.openxmlformats.org/drawingml/2006/main" xmlns:r="http://schemas.openxmlformats.org/officeDocument/2006/relationships" xmlns:p="http://schemas.openxmlformats.org/presentationml/2006/main">
   <p:cSld>
     <p:spTree>
@@ -26216,482 +26611,6 @@
 </p:sld>
 </file>
 
-<file path=ppt/slides/slide29.xml><?xml version="1.0" encoding="utf-8"?>
-<p:sld xmlns:a="http://schemas.openxmlformats.org/drawingml/2006/main" xmlns:r="http://schemas.openxmlformats.org/officeDocument/2006/relationships" xmlns:p="http://schemas.openxmlformats.org/presentationml/2006/main">
-  <p:cSld>
-    <p:spTree>
-      <p:nvGrpSpPr>
-        <p:cNvPr id="1" name=""/>
-        <p:cNvGrpSpPr/>
-        <p:nvPr/>
-      </p:nvGrpSpPr>
-      <p:grpSpPr>
-        <a:xfrm>
-          <a:off x="0" y="0"/>
-          <a:ext cx="0" cy="0"/>
-          <a:chOff x="0" y="0"/>
-          <a:chExt cx="0" cy="0"/>
-        </a:xfrm>
-      </p:grpSpPr>
-      <p:cxnSp>
-        <p:nvCxnSpPr>
-          <p:cNvPr id="4" name="직선 연결선 3"/>
-          <p:cNvCxnSpPr/>
-          <p:nvPr/>
-        </p:nvCxnSpPr>
-        <p:spPr>
-          <a:xfrm>
-            <a:off x="683568" y="-371068"/>
-            <a:ext cx="0" cy="7472476"/>
-          </a:xfrm>
-          <a:prstGeom prst="line">
-            <a:avLst/>
-          </a:prstGeom>
-          <a:ln>
-            <a:solidFill>
-              <a:schemeClr val="bg1">
-                <a:lumMod val="65000"/>
-                <a:alpha val="50000"/>
-              </a:schemeClr>
-            </a:solidFill>
-          </a:ln>
-        </p:spPr>
-        <p:style>
-          <a:lnRef idx="1">
-            <a:schemeClr val="accent1"/>
-          </a:lnRef>
-          <a:fillRef idx="0">
-            <a:schemeClr val="accent1"/>
-          </a:fillRef>
-          <a:effectRef idx="0">
-            <a:schemeClr val="accent1"/>
-          </a:effectRef>
-          <a:fontRef idx="minor">
-            <a:schemeClr val="tx1"/>
-          </a:fontRef>
-        </p:style>
-      </p:cxnSp>
-      <p:sp>
-        <p:nvSpPr>
-          <p:cNvPr id="13" name="직사각형 12"/>
-          <p:cNvSpPr/>
-          <p:nvPr/>
-        </p:nvSpPr>
-        <p:spPr>
-          <a:xfrm>
-            <a:off x="-9283" y="1813760"/>
-            <a:ext cx="834325" cy="343501"/>
-          </a:xfrm>
-          <a:prstGeom prst="rect">
-            <a:avLst/>
-          </a:prstGeom>
-          <a:solidFill>
-            <a:srgbClr val="272123"/>
-          </a:solidFill>
-          <a:ln>
-            <a:noFill/>
-          </a:ln>
-        </p:spPr>
-        <p:style>
-          <a:lnRef idx="2">
-            <a:schemeClr val="accent1">
-              <a:shade val="50000"/>
-            </a:schemeClr>
-          </a:lnRef>
-          <a:fillRef idx="1">
-            <a:schemeClr val="accent1"/>
-          </a:fillRef>
-          <a:effectRef idx="0">
-            <a:schemeClr val="accent1"/>
-          </a:effectRef>
-          <a:fontRef idx="minor">
-            <a:schemeClr val="lt1"/>
-          </a:fontRef>
-        </p:style>
-        <p:txBody>
-          <a:bodyPr rtlCol="0" anchor="ctr"/>
-          <a:lstStyle/>
-          <a:p>
-            <a:pPr algn="ctr"/>
-            <a:endParaRPr lang="ko-KR" altLang="en-US"/>
-          </a:p>
-        </p:txBody>
-      </p:sp>
-      <p:sp>
-        <p:nvSpPr>
-          <p:cNvPr id="14" name="직각 삼각형 13"/>
-          <p:cNvSpPr/>
-          <p:nvPr/>
-        </p:nvSpPr>
-        <p:spPr>
-          <a:xfrm rot="5400000">
-            <a:off x="702755" y="2143834"/>
-            <a:ext cx="81142" cy="108000"/>
-          </a:xfrm>
-          <a:prstGeom prst="rtTriangle">
-            <a:avLst/>
-          </a:prstGeom>
-          <a:solidFill>
-            <a:schemeClr val="tx1"/>
-          </a:solidFill>
-          <a:ln>
-            <a:solidFill>
-              <a:schemeClr val="tx1"/>
-            </a:solidFill>
-          </a:ln>
-        </p:spPr>
-        <p:style>
-          <a:lnRef idx="2">
-            <a:schemeClr val="accent1">
-              <a:shade val="50000"/>
-            </a:schemeClr>
-          </a:lnRef>
-          <a:fillRef idx="1">
-            <a:schemeClr val="accent1"/>
-          </a:fillRef>
-          <a:effectRef idx="0">
-            <a:schemeClr val="accent1"/>
-          </a:effectRef>
-          <a:fontRef idx="minor">
-            <a:schemeClr val="lt1"/>
-          </a:fontRef>
-        </p:style>
-        <p:txBody>
-          <a:bodyPr rtlCol="0" anchor="ctr"/>
-          <a:lstStyle/>
-          <a:p>
-            <a:pPr algn="ctr"/>
-            <a:endParaRPr lang="ko-KR" altLang="en-US"/>
-          </a:p>
-        </p:txBody>
-      </p:sp>
-      <p:cxnSp>
-        <p:nvCxnSpPr>
-          <p:cNvPr id="5" name="직선 연결선 4"/>
-          <p:cNvCxnSpPr/>
-          <p:nvPr/>
-        </p:nvCxnSpPr>
-        <p:spPr>
-          <a:xfrm flipH="1">
-            <a:off x="692540" y="548680"/>
-            <a:ext cx="9295796" cy="0"/>
-          </a:xfrm>
-          <a:prstGeom prst="line">
-            <a:avLst/>
-          </a:prstGeom>
-          <a:ln>
-            <a:solidFill>
-              <a:schemeClr val="bg1">
-                <a:lumMod val="65000"/>
-                <a:alpha val="50000"/>
-              </a:schemeClr>
-            </a:solidFill>
-          </a:ln>
-        </p:spPr>
-        <p:style>
-          <a:lnRef idx="1">
-            <a:schemeClr val="accent1"/>
-          </a:lnRef>
-          <a:fillRef idx="0">
-            <a:schemeClr val="accent1"/>
-          </a:fillRef>
-          <a:effectRef idx="0">
-            <a:schemeClr val="accent1"/>
-          </a:effectRef>
-          <a:fontRef idx="minor">
-            <a:schemeClr val="tx1"/>
-          </a:fontRef>
-        </p:style>
-      </p:cxnSp>
-      <p:sp>
-        <p:nvSpPr>
-          <p:cNvPr id="24" name="TextBox 23"/>
-          <p:cNvSpPr txBox="1"/>
-          <p:nvPr/>
-        </p:nvSpPr>
-        <p:spPr>
-          <a:xfrm>
-            <a:off x="123549" y="882386"/>
-            <a:ext cx="541363" cy="338554"/>
-          </a:xfrm>
-          <a:prstGeom prst="rect">
-            <a:avLst/>
-          </a:prstGeom>
-          <a:noFill/>
-        </p:spPr>
-        <p:txBody>
-          <a:bodyPr wrap="square" rtlCol="0">
-            <a:spAutoFit/>
-          </a:bodyPr>
-          <a:lstStyle/>
-          <a:p>
-            <a:r>
-              <a:rPr lang="en-US" altLang="ko-KR" sz="1600" b="1" dirty="0" smtClean="0">
-                <a:ln>
-                  <a:solidFill>
-                    <a:schemeClr val="bg1">
-                      <a:lumMod val="75000"/>
-                      <a:alpha val="30000"/>
-                    </a:schemeClr>
-                  </a:solidFill>
-                </a:ln>
-                <a:solidFill>
-                  <a:schemeClr val="bg1">
-                    <a:lumMod val="75000"/>
-                  </a:schemeClr>
-                </a:solidFill>
-                <a:latin typeface="+mn-ea"/>
-              </a:rPr>
-              <a:t>01</a:t>
-            </a:r>
-          </a:p>
-        </p:txBody>
-      </p:sp>
-      <p:sp>
-        <p:nvSpPr>
-          <p:cNvPr id="33" name="직사각형 32"/>
-          <p:cNvSpPr/>
-          <p:nvPr/>
-        </p:nvSpPr>
-        <p:spPr>
-          <a:xfrm>
-            <a:off x="1080000" y="900000"/>
-            <a:ext cx="2123848" cy="457200"/>
-          </a:xfrm>
-          <a:prstGeom prst="rect">
-            <a:avLst/>
-          </a:prstGeom>
-          <a:solidFill>
-            <a:srgbClr val="272123"/>
-          </a:solidFill>
-          <a:ln>
-            <a:noFill/>
-          </a:ln>
-        </p:spPr>
-        <p:style>
-          <a:lnRef idx="2">
-            <a:schemeClr val="accent1">
-              <a:shade val="50000"/>
-            </a:schemeClr>
-          </a:lnRef>
-          <a:fillRef idx="1">
-            <a:schemeClr val="accent1"/>
-          </a:fillRef>
-          <a:effectRef idx="0">
-            <a:schemeClr val="accent1"/>
-          </a:effectRef>
-          <a:fontRef idx="minor">
-            <a:schemeClr val="lt1"/>
-          </a:fontRef>
-        </p:style>
-        <p:txBody>
-          <a:bodyPr rtlCol="0" anchor="ctr"/>
-          <a:lstStyle/>
-          <a:p>
-            <a:pPr marL="0" marR="0" lvl="0" indent="0" algn="ctr" defTabSz="914400" rtl="0" eaLnBrk="1" fontAlgn="auto" latinLnBrk="1" hangingPunct="1">
-              <a:lnSpc>
-                <a:spcPct val="100000"/>
-              </a:lnSpc>
-              <a:spcBef>
-                <a:spcPts val="0"/>
-              </a:spcBef>
-              <a:spcAft>
-                <a:spcPts val="0"/>
-              </a:spcAft>
-              <a:buClrTx/>
-              <a:buSzTx/>
-              <a:buFontTx/>
-              <a:buNone/>
-              <a:tabLst/>
-              <a:defRPr/>
-            </a:pPr>
-            <a:r>
-              <a:rPr lang="ko-KR" altLang="en-US" b="1" noProof="0" dirty="0" smtClean="0">
-                <a:solidFill>
-                  <a:prstClr val="white"/>
-                </a:solidFill>
-                <a:latin typeface="맑은 고딕" panose="020B0503020000020004" pitchFamily="50" charset="-127"/>
-                <a:ea typeface="맑은 고딕" panose="020B0503020000020004" pitchFamily="50" charset="-127"/>
-              </a:rPr>
-              <a:t>관리 탭</a:t>
-            </a:r>
-            <a:endParaRPr kumimoji="0" lang="en-US" altLang="ko-KR" sz="1800" b="1" i="0" u="none" strike="noStrike" kern="1200" cap="none" spc="0" normalizeH="0" baseline="0" noProof="0" dirty="0" smtClean="0">
-              <a:ln>
-                <a:noFill/>
-              </a:ln>
-              <a:solidFill>
-                <a:prstClr val="white"/>
-              </a:solidFill>
-              <a:effectLst/>
-              <a:uLnTx/>
-              <a:uFillTx/>
-              <a:latin typeface="맑은 고딕" panose="020B0503020000020004" pitchFamily="50" charset="-127"/>
-              <a:ea typeface="맑은 고딕" panose="020B0503020000020004" pitchFamily="50" charset="-127"/>
-              <a:cs typeface="+mn-cs"/>
-            </a:endParaRPr>
-          </a:p>
-        </p:txBody>
-      </p:sp>
-      <p:sp>
-        <p:nvSpPr>
-          <p:cNvPr id="11" name="TextBox 10"/>
-          <p:cNvSpPr txBox="1"/>
-          <p:nvPr/>
-        </p:nvSpPr>
-        <p:spPr>
-          <a:xfrm>
-            <a:off x="107504" y="1340768"/>
-            <a:ext cx="450395" cy="338554"/>
-          </a:xfrm>
-          <a:prstGeom prst="rect">
-            <a:avLst/>
-          </a:prstGeom>
-          <a:noFill/>
-        </p:spPr>
-        <p:txBody>
-          <a:bodyPr wrap="square" rtlCol="0">
-            <a:spAutoFit/>
-          </a:bodyPr>
-          <a:lstStyle/>
-          <a:p>
-            <a:r>
-              <a:rPr lang="en-US" altLang="ko-KR" sz="1600" b="1" dirty="0" smtClean="0">
-                <a:ln>
-                  <a:solidFill>
-                    <a:schemeClr val="tx1">
-                      <a:alpha val="30000"/>
-                    </a:schemeClr>
-                  </a:solidFill>
-                </a:ln>
-                <a:solidFill>
-                  <a:schemeClr val="bg1">
-                    <a:lumMod val="85000"/>
-                  </a:schemeClr>
-                </a:solidFill>
-                <a:latin typeface="+mn-ea"/>
-              </a:rPr>
-              <a:t>02</a:t>
-            </a:r>
-          </a:p>
-        </p:txBody>
-      </p:sp>
-      <p:sp>
-        <p:nvSpPr>
-          <p:cNvPr id="12" name="TextBox 11"/>
-          <p:cNvSpPr txBox="1"/>
-          <p:nvPr/>
-        </p:nvSpPr>
-        <p:spPr>
-          <a:xfrm>
-            <a:off x="107504" y="1819563"/>
-            <a:ext cx="450395" cy="338554"/>
-          </a:xfrm>
-          <a:prstGeom prst="rect">
-            <a:avLst/>
-          </a:prstGeom>
-          <a:noFill/>
-        </p:spPr>
-        <p:txBody>
-          <a:bodyPr wrap="square" rtlCol="0">
-            <a:spAutoFit/>
-          </a:bodyPr>
-          <a:lstStyle/>
-          <a:p>
-            <a:r>
-              <a:rPr lang="en-US" altLang="ko-KR" sz="1600" b="1" dirty="0" smtClean="0">
-                <a:ln>
-                  <a:solidFill>
-                    <a:schemeClr val="tx1">
-                      <a:alpha val="30000"/>
-                    </a:schemeClr>
-                  </a:solidFill>
-                </a:ln>
-                <a:solidFill>
-                  <a:schemeClr val="bg1">
-                    <a:lumMod val="85000"/>
-                  </a:schemeClr>
-                </a:solidFill>
-                <a:latin typeface="+mn-ea"/>
-              </a:rPr>
-              <a:t>03</a:t>
-            </a:r>
-          </a:p>
-        </p:txBody>
-      </p:sp>
-      <p:sp>
-        <p:nvSpPr>
-          <p:cNvPr id="15" name="TextBox 14"/>
-          <p:cNvSpPr txBox="1"/>
-          <p:nvPr/>
-        </p:nvSpPr>
-        <p:spPr>
-          <a:xfrm>
-            <a:off x="1043607" y="138482"/>
-            <a:ext cx="1800000" cy="307777"/>
-          </a:xfrm>
-          <a:prstGeom prst="rect">
-            <a:avLst/>
-          </a:prstGeom>
-          <a:noFill/>
-        </p:spPr>
-        <p:txBody>
-          <a:bodyPr wrap="square" rtlCol="0">
-            <a:spAutoFit/>
-          </a:bodyPr>
-          <a:lstStyle/>
-          <a:p>
-            <a:pPr lvl="0">
-              <a:defRPr/>
-            </a:pPr>
-            <a:r>
-              <a:rPr lang="en-US" altLang="ko-KR" sz="1400" b="1" dirty="0">
-                <a:ln>
-                  <a:solidFill>
-                    <a:prstClr val="white">
-                      <a:lumMod val="85000"/>
-                      <a:alpha val="30000"/>
-                    </a:prstClr>
-                  </a:solidFill>
-                </a:ln>
-                <a:latin typeface="맑은 고딕" panose="020B0503020000020004" pitchFamily="50" charset="-127"/>
-              </a:rPr>
-              <a:t>UI Function</a:t>
-            </a:r>
-          </a:p>
-        </p:txBody>
-      </p:sp>
-    </p:spTree>
-    <p:extLst>
-      <p:ext uri="{BB962C8B-B14F-4D97-AF65-F5344CB8AC3E}">
-        <p14:creationId xmlns:p14="http://schemas.microsoft.com/office/powerpoint/2010/main" val="4172308727"/>
-      </p:ext>
-    </p:extLst>
-  </p:cSld>
-  <p:clrMapOvr>
-    <a:masterClrMapping/>
-  </p:clrMapOvr>
-  <mc:AlternateContent xmlns:mc="http://schemas.openxmlformats.org/markup-compatibility/2006" xmlns:p14="http://schemas.microsoft.com/office/powerpoint/2010/main">
-    <mc:Choice Requires="p14">
-      <p:transition spd="med" p14:dur="700">
-        <p:fade/>
-      </p:transition>
-    </mc:Choice>
-    <mc:Fallback xmlns="">
-      <p:transition spd="med">
-        <p:fade/>
-      </p:transition>
-    </mc:Fallback>
-  </mc:AlternateContent>
-  <p:timing>
-    <p:tnLst>
-      <p:par>
-        <p:cTn id="1" dur="indefinite" restart="never" nodeType="tmRoot"/>
-      </p:par>
-    </p:tnLst>
-  </p:timing>
-</p:sld>
-</file>
-
 <file path=ppt/slides/slide3.xml><?xml version="1.0" encoding="utf-8"?>
 <p:sld xmlns:a="http://schemas.openxmlformats.org/drawingml/2006/main" xmlns:r="http://schemas.openxmlformats.org/officeDocument/2006/relationships" xmlns:p="http://schemas.openxmlformats.org/presentationml/2006/main">
   <p:cSld>
@@ -26778,7 +26697,7 @@
         <p:spPr>
           <a:xfrm>
             <a:off x="1043608" y="2056900"/>
-            <a:ext cx="7488832" cy="523220"/>
+            <a:ext cx="7488832" cy="738664"/>
           </a:xfrm>
           <a:prstGeom prst="rect">
             <a:avLst/>
@@ -26806,7 +26725,23 @@
                 </a:solidFill>
                 <a:latin typeface="+mn-ea"/>
               </a:rPr>
-              <a:t>컴퓨터 부품 판매 업체에서 </a:t>
+              <a:t>컴퓨터 부품 판매 업체에서 재고</a:t>
+            </a:r>
+            <a:r>
+              <a:rPr lang="en-US" altLang="ko-KR" sz="1400" dirty="0" smtClean="0">
+                <a:ln>
+                  <a:solidFill>
+                    <a:schemeClr val="tx1">
+                      <a:alpha val="30000"/>
+                    </a:schemeClr>
+                  </a:solidFill>
+                </a:ln>
+                <a:solidFill>
+                  <a:srgbClr val="272123"/>
+                </a:solidFill>
+                <a:latin typeface="+mn-ea"/>
+              </a:rPr>
+              <a:t>, </a:t>
             </a:r>
             <a:r>
               <a:rPr lang="ko-KR" altLang="en-US" sz="1400" dirty="0" smtClean="0">
@@ -26822,7 +26757,7 @@
                 </a:solidFill>
                 <a:latin typeface="+mn-ea"/>
               </a:rPr>
-              <a:t>재고</a:t>
+              <a:t>거래처로부터의</a:t>
             </a:r>
             <a:r>
               <a:rPr lang="en-US" altLang="ko-KR" sz="1400" dirty="0" smtClean="0">
@@ -26838,7 +26773,7 @@
                 </a:solidFill>
                 <a:latin typeface="+mn-ea"/>
               </a:rPr>
-              <a:t>, </a:t>
+              <a:t> </a:t>
             </a:r>
             <a:r>
               <a:rPr lang="ko-KR" altLang="en-US" sz="1400" dirty="0" smtClean="0">
@@ -26854,7 +26789,7 @@
                 </a:solidFill>
                 <a:latin typeface="+mn-ea"/>
               </a:rPr>
-              <a:t>거래처로부터의</a:t>
+              <a:t>입고 관련</a:t>
             </a:r>
             <a:r>
               <a:rPr lang="en-US" altLang="ko-KR" sz="1400" dirty="0" smtClean="0">
@@ -26870,8 +26805,11 @@
                 </a:solidFill>
                 <a:latin typeface="+mn-ea"/>
               </a:rPr>
-              <a:t> </a:t>
-            </a:r>
+              <a:t>, </a:t>
+            </a:r>
+          </a:p>
+          <a:p>
+            <a:pPr algn="ctr"/>
             <a:r>
               <a:rPr lang="ko-KR" altLang="en-US" sz="1400" dirty="0" smtClean="0">
                 <a:ln>
@@ -26886,27 +26824,8 @@
                 </a:solidFill>
                 <a:latin typeface="+mn-ea"/>
               </a:rPr>
-              <a:t>입고 관련</a:t>
-            </a:r>
-            <a:r>
-              <a:rPr lang="en-US" altLang="ko-KR" sz="1400" dirty="0" smtClean="0">
-                <a:ln>
-                  <a:solidFill>
-                    <a:schemeClr val="tx1">
-                      <a:alpha val="30000"/>
-                    </a:schemeClr>
-                  </a:solidFill>
-                </a:ln>
-                <a:solidFill>
-                  <a:srgbClr val="272123"/>
-                </a:solidFill>
-                <a:latin typeface="+mn-ea"/>
-              </a:rPr>
-              <a:t>, </a:t>
-            </a:r>
-          </a:p>
-          <a:p>
-            <a:pPr algn="ctr"/>
+              <a:t>그리고 </a:t>
+            </a:r>
             <a:r>
               <a:rPr lang="ko-KR" altLang="en-US" sz="1400" dirty="0" smtClean="0">
                 <a:ln>
@@ -26921,7 +26840,71 @@
                 </a:solidFill>
                 <a:latin typeface="+mn-ea"/>
               </a:rPr>
-              <a:t>그리고 고객과 주문 관련된 관리의 자동화를 목적으로 사용하기 위해 제작된 프로그램</a:t>
+              <a:t>고객과 주문에 관련된 정보들의 </a:t>
+            </a:r>
+            <a:r>
+              <a:rPr lang="ko-KR" altLang="en-US" sz="1400" dirty="0" smtClean="0">
+                <a:ln>
+                  <a:solidFill>
+                    <a:schemeClr val="tx1">
+                      <a:alpha val="30000"/>
+                    </a:schemeClr>
+                  </a:solidFill>
+                </a:ln>
+                <a:solidFill>
+                  <a:srgbClr val="272123"/>
+                </a:solidFill>
+                <a:latin typeface="+mn-ea"/>
+              </a:rPr>
+              <a:t>관리의 자동화를 목적으로 사용하기 위해 </a:t>
+            </a:r>
+            <a:endParaRPr lang="en-US" altLang="ko-KR" sz="1400" dirty="0" smtClean="0">
+              <a:ln>
+                <a:solidFill>
+                  <a:schemeClr val="tx1">
+                    <a:alpha val="30000"/>
+                  </a:schemeClr>
+                </a:solidFill>
+              </a:ln>
+              <a:solidFill>
+                <a:srgbClr val="272123"/>
+              </a:solidFill>
+              <a:latin typeface="+mn-ea"/>
+            </a:endParaRPr>
+          </a:p>
+          <a:p>
+            <a:pPr algn="ctr"/>
+            <a:r>
+              <a:rPr lang="ko-KR" altLang="en-US" sz="1400" dirty="0" smtClean="0">
+                <a:ln>
+                  <a:solidFill>
+                    <a:schemeClr val="tx1">
+                      <a:alpha val="30000"/>
+                    </a:schemeClr>
+                  </a:solidFill>
+                </a:ln>
+                <a:solidFill>
+                  <a:srgbClr val="272123"/>
+                </a:solidFill>
+                <a:latin typeface="+mn-ea"/>
+              </a:rPr>
+              <a:t>제작된 </a:t>
+            </a:r>
+            <a:r>
+              <a:rPr lang="ko-KR" altLang="en-US" sz="1400" dirty="0" smtClean="0">
+                <a:ln>
+                  <a:solidFill>
+                    <a:schemeClr val="tx1">
+                      <a:alpha val="30000"/>
+                    </a:schemeClr>
+                  </a:solidFill>
+                </a:ln>
+                <a:solidFill>
+                  <a:srgbClr val="272123"/>
+                </a:solidFill>
+                <a:latin typeface="+mn-ea"/>
+              </a:rPr>
+              <a:t>프로그램</a:t>
             </a:r>
             <a:r>
               <a:rPr lang="en-US" altLang="ko-KR" sz="1400" dirty="0" smtClean="0">
@@ -27288,6 +27271,49 @@
                 <a:latin typeface="+mn-ea"/>
               </a:rPr>
               <a:t>02</a:t>
+            </a:r>
+          </a:p>
+        </p:txBody>
+      </p:sp>
+      <p:sp>
+        <p:nvSpPr>
+          <p:cNvPr id="12" name="TextBox 11"/>
+          <p:cNvSpPr txBox="1"/>
+          <p:nvPr/>
+        </p:nvSpPr>
+        <p:spPr>
+          <a:xfrm>
+            <a:off x="107504" y="1819563"/>
+            <a:ext cx="450395" cy="338554"/>
+          </a:xfrm>
+          <a:prstGeom prst="rect">
+            <a:avLst/>
+          </a:prstGeom>
+          <a:noFill/>
+        </p:spPr>
+        <p:txBody>
+          <a:bodyPr wrap="square" rtlCol="0">
+            <a:spAutoFit/>
+          </a:bodyPr>
+          <a:lstStyle/>
+          <a:p>
+            <a:r>
+              <a:rPr lang="en-US" altLang="ko-KR" sz="1600" b="1" dirty="0" smtClean="0">
+                <a:ln>
+                  <a:solidFill>
+                    <a:schemeClr val="tx1">
+                      <a:alpha val="30000"/>
+                    </a:schemeClr>
+                  </a:solidFill>
+                </a:ln>
+                <a:solidFill>
+                  <a:schemeClr val="bg1">
+                    <a:lumMod val="85000"/>
+                  </a:schemeClr>
+                </a:solidFill>
+                <a:latin typeface="+mn-ea"/>
+              </a:rPr>
+              <a:t>03</a:t>
             </a:r>
           </a:p>
         </p:txBody>
@@ -27901,10 +27927,40 @@
           </a:p>
         </p:txBody>
       </p:sp>
+      <p:pic>
+        <p:nvPicPr>
+          <p:cNvPr id="2" name="그림 1"/>
+          <p:cNvPicPr>
+            <a:picLocks noChangeAspect="1"/>
+          </p:cNvPicPr>
+          <p:nvPr/>
+        </p:nvPicPr>
+        <p:blipFill>
+          <a:blip r:embed="rId2">
+            <a:extLst>
+              <a:ext uri="{28A0092B-C50C-407E-A947-70E740481C1C}">
+                <a14:useLocalDpi xmlns:a14="http://schemas.microsoft.com/office/drawing/2010/main" val="0"/>
+              </a:ext>
+            </a:extLst>
+          </a:blip>
+          <a:stretch>
+            <a:fillRect/>
+          </a:stretch>
+        </p:blipFill>
+        <p:spPr>
+          <a:xfrm>
+            <a:off x="1440000" y="1620000"/>
+            <a:ext cx="6275971" cy="4680000"/>
+          </a:xfrm>
+          <a:prstGeom prst="rect">
+            <a:avLst/>
+          </a:prstGeom>
+        </p:spPr>
+      </p:pic>
     </p:spTree>
     <p:extLst>
       <p:ext uri="{BB962C8B-B14F-4D97-AF65-F5344CB8AC3E}">
-        <p14:creationId xmlns:p14="http://schemas.microsoft.com/office/powerpoint/2010/main" val="592004450"/>
+        <p14:creationId xmlns:p14="http://schemas.microsoft.com/office/powerpoint/2010/main" val="4172308727"/>
       </p:ext>
     </p:extLst>
   </p:cSld>
@@ -28377,6 +28433,2626 @@
           </a:p>
         </p:txBody>
       </p:sp>
+      <p:pic>
+        <p:nvPicPr>
+          <p:cNvPr id="16" name="그림 15"/>
+          <p:cNvPicPr>
+            <a:picLocks noChangeAspect="1"/>
+          </p:cNvPicPr>
+          <p:nvPr/>
+        </p:nvPicPr>
+        <p:blipFill>
+          <a:blip r:embed="rId2">
+            <a:extLst>
+              <a:ext uri="{28A0092B-C50C-407E-A947-70E740481C1C}">
+                <a14:useLocalDpi xmlns:a14="http://schemas.microsoft.com/office/drawing/2010/main" val="0"/>
+              </a:ext>
+            </a:extLst>
+          </a:blip>
+          <a:stretch>
+            <a:fillRect/>
+          </a:stretch>
+        </p:blipFill>
+        <p:spPr>
+          <a:xfrm>
+            <a:off x="1440000" y="1620000"/>
+            <a:ext cx="6275971" cy="4680000"/>
+          </a:xfrm>
+          <a:prstGeom prst="rect">
+            <a:avLst/>
+          </a:prstGeom>
+        </p:spPr>
+      </p:pic>
+      <p:pic>
+        <p:nvPicPr>
+          <p:cNvPr id="2" name="그림 1"/>
+          <p:cNvPicPr>
+            <a:picLocks noChangeAspect="1"/>
+          </p:cNvPicPr>
+          <p:nvPr/>
+        </p:nvPicPr>
+        <p:blipFill>
+          <a:blip r:embed="rId3">
+            <a:extLst>
+              <a:ext uri="{28A0092B-C50C-407E-A947-70E740481C1C}">
+                <a14:useLocalDpi xmlns:a14="http://schemas.microsoft.com/office/drawing/2010/main" val="0"/>
+              </a:ext>
+            </a:extLst>
+          </a:blip>
+          <a:stretch>
+            <a:fillRect/>
+          </a:stretch>
+        </p:blipFill>
+        <p:spPr>
+          <a:xfrm>
+            <a:off x="3614954" y="3068960"/>
+            <a:ext cx="4435711" cy="2700000"/>
+          </a:xfrm>
+          <a:prstGeom prst="rect">
+            <a:avLst/>
+          </a:prstGeom>
+        </p:spPr>
+      </p:pic>
+      <p:pic>
+        <p:nvPicPr>
+          <p:cNvPr id="3" name="그림 2"/>
+          <p:cNvPicPr>
+            <a:picLocks noChangeAspect="1"/>
+          </p:cNvPicPr>
+          <p:nvPr/>
+        </p:nvPicPr>
+        <p:blipFill>
+          <a:blip r:embed="rId4">
+            <a:extLst>
+              <a:ext uri="{28A0092B-C50C-407E-A947-70E740481C1C}">
+                <a14:useLocalDpi xmlns:a14="http://schemas.microsoft.com/office/drawing/2010/main" val="0"/>
+              </a:ext>
+            </a:extLst>
+          </a:blip>
+          <a:stretch>
+            <a:fillRect/>
+          </a:stretch>
+        </p:blipFill>
+        <p:spPr>
+          <a:xfrm>
+            <a:off x="1517893" y="1898960"/>
+            <a:ext cx="1508158" cy="2340000"/>
+          </a:xfrm>
+          <a:prstGeom prst="rect">
+            <a:avLst/>
+          </a:prstGeom>
+        </p:spPr>
+      </p:pic>
+    </p:spTree>
+    <p:extLst>
+      <p:ext uri="{BB962C8B-B14F-4D97-AF65-F5344CB8AC3E}">
+        <p14:creationId xmlns:p14="http://schemas.microsoft.com/office/powerpoint/2010/main" val="1618007881"/>
+      </p:ext>
+    </p:extLst>
+  </p:cSld>
+  <p:clrMapOvr>
+    <a:masterClrMapping/>
+  </p:clrMapOvr>
+  <mc:AlternateContent xmlns:mc="http://schemas.openxmlformats.org/markup-compatibility/2006" xmlns:p14="http://schemas.microsoft.com/office/powerpoint/2010/main">
+    <mc:Choice Requires="p14">
+      <p:transition spd="med" p14:dur="700">
+        <p:fade/>
+      </p:transition>
+    </mc:Choice>
+    <mc:Fallback xmlns="">
+      <p:transition spd="med">
+        <p:fade/>
+      </p:transition>
+    </mc:Fallback>
+  </mc:AlternateContent>
+  <p:timing>
+    <p:tnLst>
+      <p:par>
+        <p:cTn id="1" dur="indefinite" restart="never" nodeType="tmRoot"/>
+      </p:par>
+    </p:tnLst>
+  </p:timing>
+</p:sld>
+</file>
+
+<file path=ppt/slides/slide32.xml><?xml version="1.0" encoding="utf-8"?>
+<p:sld xmlns:a="http://schemas.openxmlformats.org/drawingml/2006/main" xmlns:r="http://schemas.openxmlformats.org/officeDocument/2006/relationships" xmlns:p="http://schemas.openxmlformats.org/presentationml/2006/main">
+  <p:cSld>
+    <p:spTree>
+      <p:nvGrpSpPr>
+        <p:cNvPr id="1" name=""/>
+        <p:cNvGrpSpPr/>
+        <p:nvPr/>
+      </p:nvGrpSpPr>
+      <p:grpSpPr>
+        <a:xfrm>
+          <a:off x="0" y="0"/>
+          <a:ext cx="0" cy="0"/>
+          <a:chOff x="0" y="0"/>
+          <a:chExt cx="0" cy="0"/>
+        </a:xfrm>
+      </p:grpSpPr>
+      <p:cxnSp>
+        <p:nvCxnSpPr>
+          <p:cNvPr id="4" name="직선 연결선 3"/>
+          <p:cNvCxnSpPr/>
+          <p:nvPr/>
+        </p:nvCxnSpPr>
+        <p:spPr>
+          <a:xfrm>
+            <a:off x="683568" y="-371068"/>
+            <a:ext cx="0" cy="7472476"/>
+          </a:xfrm>
+          <a:prstGeom prst="line">
+            <a:avLst/>
+          </a:prstGeom>
+          <a:ln>
+            <a:solidFill>
+              <a:schemeClr val="bg1">
+                <a:lumMod val="65000"/>
+                <a:alpha val="50000"/>
+              </a:schemeClr>
+            </a:solidFill>
+          </a:ln>
+        </p:spPr>
+        <p:style>
+          <a:lnRef idx="1">
+            <a:schemeClr val="accent1"/>
+          </a:lnRef>
+          <a:fillRef idx="0">
+            <a:schemeClr val="accent1"/>
+          </a:fillRef>
+          <a:effectRef idx="0">
+            <a:schemeClr val="accent1"/>
+          </a:effectRef>
+          <a:fontRef idx="minor">
+            <a:schemeClr val="tx1"/>
+          </a:fontRef>
+        </p:style>
+      </p:cxnSp>
+      <p:sp>
+        <p:nvSpPr>
+          <p:cNvPr id="13" name="직사각형 12"/>
+          <p:cNvSpPr/>
+          <p:nvPr/>
+        </p:nvSpPr>
+        <p:spPr>
+          <a:xfrm>
+            <a:off x="-9283" y="1813760"/>
+            <a:ext cx="834325" cy="343501"/>
+          </a:xfrm>
+          <a:prstGeom prst="rect">
+            <a:avLst/>
+          </a:prstGeom>
+          <a:solidFill>
+            <a:srgbClr val="272123"/>
+          </a:solidFill>
+          <a:ln>
+            <a:noFill/>
+          </a:ln>
+        </p:spPr>
+        <p:style>
+          <a:lnRef idx="2">
+            <a:schemeClr val="accent1">
+              <a:shade val="50000"/>
+            </a:schemeClr>
+          </a:lnRef>
+          <a:fillRef idx="1">
+            <a:schemeClr val="accent1"/>
+          </a:fillRef>
+          <a:effectRef idx="0">
+            <a:schemeClr val="accent1"/>
+          </a:effectRef>
+          <a:fontRef idx="minor">
+            <a:schemeClr val="lt1"/>
+          </a:fontRef>
+        </p:style>
+        <p:txBody>
+          <a:bodyPr rtlCol="0" anchor="ctr"/>
+          <a:lstStyle/>
+          <a:p>
+            <a:pPr algn="ctr"/>
+            <a:endParaRPr lang="ko-KR" altLang="en-US"/>
+          </a:p>
+        </p:txBody>
+      </p:sp>
+      <p:sp>
+        <p:nvSpPr>
+          <p:cNvPr id="14" name="직각 삼각형 13"/>
+          <p:cNvSpPr/>
+          <p:nvPr/>
+        </p:nvSpPr>
+        <p:spPr>
+          <a:xfrm rot="5400000">
+            <a:off x="702755" y="2143834"/>
+            <a:ext cx="81142" cy="108000"/>
+          </a:xfrm>
+          <a:prstGeom prst="rtTriangle">
+            <a:avLst/>
+          </a:prstGeom>
+          <a:solidFill>
+            <a:schemeClr val="tx1"/>
+          </a:solidFill>
+          <a:ln>
+            <a:solidFill>
+              <a:schemeClr val="tx1"/>
+            </a:solidFill>
+          </a:ln>
+        </p:spPr>
+        <p:style>
+          <a:lnRef idx="2">
+            <a:schemeClr val="accent1">
+              <a:shade val="50000"/>
+            </a:schemeClr>
+          </a:lnRef>
+          <a:fillRef idx="1">
+            <a:schemeClr val="accent1"/>
+          </a:fillRef>
+          <a:effectRef idx="0">
+            <a:schemeClr val="accent1"/>
+          </a:effectRef>
+          <a:fontRef idx="minor">
+            <a:schemeClr val="lt1"/>
+          </a:fontRef>
+        </p:style>
+        <p:txBody>
+          <a:bodyPr rtlCol="0" anchor="ctr"/>
+          <a:lstStyle/>
+          <a:p>
+            <a:pPr algn="ctr"/>
+            <a:endParaRPr lang="ko-KR" altLang="en-US"/>
+          </a:p>
+        </p:txBody>
+      </p:sp>
+      <p:cxnSp>
+        <p:nvCxnSpPr>
+          <p:cNvPr id="5" name="직선 연결선 4"/>
+          <p:cNvCxnSpPr/>
+          <p:nvPr/>
+        </p:nvCxnSpPr>
+        <p:spPr>
+          <a:xfrm flipH="1">
+            <a:off x="692540" y="548680"/>
+            <a:ext cx="9295796" cy="0"/>
+          </a:xfrm>
+          <a:prstGeom prst="line">
+            <a:avLst/>
+          </a:prstGeom>
+          <a:ln>
+            <a:solidFill>
+              <a:schemeClr val="bg1">
+                <a:lumMod val="65000"/>
+                <a:alpha val="50000"/>
+              </a:schemeClr>
+            </a:solidFill>
+          </a:ln>
+        </p:spPr>
+        <p:style>
+          <a:lnRef idx="1">
+            <a:schemeClr val="accent1"/>
+          </a:lnRef>
+          <a:fillRef idx="0">
+            <a:schemeClr val="accent1"/>
+          </a:fillRef>
+          <a:effectRef idx="0">
+            <a:schemeClr val="accent1"/>
+          </a:effectRef>
+          <a:fontRef idx="minor">
+            <a:schemeClr val="tx1"/>
+          </a:fontRef>
+        </p:style>
+      </p:cxnSp>
+      <p:sp>
+        <p:nvSpPr>
+          <p:cNvPr id="24" name="TextBox 23"/>
+          <p:cNvSpPr txBox="1"/>
+          <p:nvPr/>
+        </p:nvSpPr>
+        <p:spPr>
+          <a:xfrm>
+            <a:off x="123549" y="882386"/>
+            <a:ext cx="541363" cy="338554"/>
+          </a:xfrm>
+          <a:prstGeom prst="rect">
+            <a:avLst/>
+          </a:prstGeom>
+          <a:noFill/>
+        </p:spPr>
+        <p:txBody>
+          <a:bodyPr wrap="square" rtlCol="0">
+            <a:spAutoFit/>
+          </a:bodyPr>
+          <a:lstStyle/>
+          <a:p>
+            <a:r>
+              <a:rPr lang="en-US" altLang="ko-KR" sz="1600" b="1" dirty="0" smtClean="0">
+                <a:ln>
+                  <a:solidFill>
+                    <a:schemeClr val="bg1">
+                      <a:lumMod val="75000"/>
+                      <a:alpha val="30000"/>
+                    </a:schemeClr>
+                  </a:solidFill>
+                </a:ln>
+                <a:solidFill>
+                  <a:schemeClr val="bg1">
+                    <a:lumMod val="75000"/>
+                  </a:schemeClr>
+                </a:solidFill>
+                <a:latin typeface="+mn-ea"/>
+              </a:rPr>
+              <a:t>01</a:t>
+            </a:r>
+          </a:p>
+        </p:txBody>
+      </p:sp>
+      <p:sp>
+        <p:nvSpPr>
+          <p:cNvPr id="33" name="직사각형 32"/>
+          <p:cNvSpPr/>
+          <p:nvPr/>
+        </p:nvSpPr>
+        <p:spPr>
+          <a:xfrm>
+            <a:off x="1080000" y="900000"/>
+            <a:ext cx="2123848" cy="457200"/>
+          </a:xfrm>
+          <a:prstGeom prst="rect">
+            <a:avLst/>
+          </a:prstGeom>
+          <a:solidFill>
+            <a:srgbClr val="272123"/>
+          </a:solidFill>
+          <a:ln>
+            <a:noFill/>
+          </a:ln>
+        </p:spPr>
+        <p:style>
+          <a:lnRef idx="2">
+            <a:schemeClr val="accent1">
+              <a:shade val="50000"/>
+            </a:schemeClr>
+          </a:lnRef>
+          <a:fillRef idx="1">
+            <a:schemeClr val="accent1"/>
+          </a:fillRef>
+          <a:effectRef idx="0">
+            <a:schemeClr val="accent1"/>
+          </a:effectRef>
+          <a:fontRef idx="minor">
+            <a:schemeClr val="lt1"/>
+          </a:fontRef>
+        </p:style>
+        <p:txBody>
+          <a:bodyPr rtlCol="0" anchor="ctr"/>
+          <a:lstStyle/>
+          <a:p>
+            <a:pPr marL="0" marR="0" lvl="0" indent="0" algn="ctr" defTabSz="914400" rtl="0" eaLnBrk="1" fontAlgn="auto" latinLnBrk="1" hangingPunct="1">
+              <a:lnSpc>
+                <a:spcPct val="100000"/>
+              </a:lnSpc>
+              <a:spcBef>
+                <a:spcPts val="0"/>
+              </a:spcBef>
+              <a:spcAft>
+                <a:spcPts val="0"/>
+              </a:spcAft>
+              <a:buClrTx/>
+              <a:buSzTx/>
+              <a:buFontTx/>
+              <a:buNone/>
+              <a:tabLst/>
+              <a:defRPr/>
+            </a:pPr>
+            <a:r>
+              <a:rPr lang="ko-KR" altLang="en-US" b="1" noProof="0" dirty="0" smtClean="0">
+                <a:solidFill>
+                  <a:prstClr val="white"/>
+                </a:solidFill>
+                <a:latin typeface="맑은 고딕" panose="020B0503020000020004" pitchFamily="50" charset="-127"/>
+                <a:ea typeface="맑은 고딕" panose="020B0503020000020004" pitchFamily="50" charset="-127"/>
+              </a:rPr>
+              <a:t>관리 탭</a:t>
+            </a:r>
+            <a:endParaRPr kumimoji="0" lang="en-US" altLang="ko-KR" sz="1800" b="1" i="0" u="none" strike="noStrike" kern="1200" cap="none" spc="0" normalizeH="0" baseline="0" noProof="0" dirty="0" smtClean="0">
+              <a:ln>
+                <a:noFill/>
+              </a:ln>
+              <a:solidFill>
+                <a:prstClr val="white"/>
+              </a:solidFill>
+              <a:effectLst/>
+              <a:uLnTx/>
+              <a:uFillTx/>
+              <a:latin typeface="맑은 고딕" panose="020B0503020000020004" pitchFamily="50" charset="-127"/>
+              <a:ea typeface="맑은 고딕" panose="020B0503020000020004" pitchFamily="50" charset="-127"/>
+              <a:cs typeface="+mn-cs"/>
+            </a:endParaRPr>
+          </a:p>
+        </p:txBody>
+      </p:sp>
+      <p:sp>
+        <p:nvSpPr>
+          <p:cNvPr id="11" name="TextBox 10"/>
+          <p:cNvSpPr txBox="1"/>
+          <p:nvPr/>
+        </p:nvSpPr>
+        <p:spPr>
+          <a:xfrm>
+            <a:off x="107504" y="1340768"/>
+            <a:ext cx="450395" cy="338554"/>
+          </a:xfrm>
+          <a:prstGeom prst="rect">
+            <a:avLst/>
+          </a:prstGeom>
+          <a:noFill/>
+        </p:spPr>
+        <p:txBody>
+          <a:bodyPr wrap="square" rtlCol="0">
+            <a:spAutoFit/>
+          </a:bodyPr>
+          <a:lstStyle/>
+          <a:p>
+            <a:r>
+              <a:rPr lang="en-US" altLang="ko-KR" sz="1600" b="1" dirty="0" smtClean="0">
+                <a:ln>
+                  <a:solidFill>
+                    <a:schemeClr val="tx1">
+                      <a:alpha val="30000"/>
+                    </a:schemeClr>
+                  </a:solidFill>
+                </a:ln>
+                <a:solidFill>
+                  <a:schemeClr val="bg1">
+                    <a:lumMod val="85000"/>
+                  </a:schemeClr>
+                </a:solidFill>
+                <a:latin typeface="+mn-ea"/>
+              </a:rPr>
+              <a:t>02</a:t>
+            </a:r>
+          </a:p>
+        </p:txBody>
+      </p:sp>
+      <p:sp>
+        <p:nvSpPr>
+          <p:cNvPr id="12" name="TextBox 11"/>
+          <p:cNvSpPr txBox="1"/>
+          <p:nvPr/>
+        </p:nvSpPr>
+        <p:spPr>
+          <a:xfrm>
+            <a:off x="107504" y="1819563"/>
+            <a:ext cx="450395" cy="338554"/>
+          </a:xfrm>
+          <a:prstGeom prst="rect">
+            <a:avLst/>
+          </a:prstGeom>
+          <a:noFill/>
+        </p:spPr>
+        <p:txBody>
+          <a:bodyPr wrap="square" rtlCol="0">
+            <a:spAutoFit/>
+          </a:bodyPr>
+          <a:lstStyle/>
+          <a:p>
+            <a:r>
+              <a:rPr lang="en-US" altLang="ko-KR" sz="1600" b="1" dirty="0" smtClean="0">
+                <a:ln>
+                  <a:solidFill>
+                    <a:schemeClr val="tx1">
+                      <a:alpha val="30000"/>
+                    </a:schemeClr>
+                  </a:solidFill>
+                </a:ln>
+                <a:solidFill>
+                  <a:schemeClr val="bg1">
+                    <a:lumMod val="85000"/>
+                  </a:schemeClr>
+                </a:solidFill>
+                <a:latin typeface="+mn-ea"/>
+              </a:rPr>
+              <a:t>03</a:t>
+            </a:r>
+          </a:p>
+        </p:txBody>
+      </p:sp>
+      <p:sp>
+        <p:nvSpPr>
+          <p:cNvPr id="15" name="TextBox 14"/>
+          <p:cNvSpPr txBox="1"/>
+          <p:nvPr/>
+        </p:nvSpPr>
+        <p:spPr>
+          <a:xfrm>
+            <a:off x="1043607" y="138482"/>
+            <a:ext cx="1800000" cy="307777"/>
+          </a:xfrm>
+          <a:prstGeom prst="rect">
+            <a:avLst/>
+          </a:prstGeom>
+          <a:noFill/>
+        </p:spPr>
+        <p:txBody>
+          <a:bodyPr wrap="square" rtlCol="0">
+            <a:spAutoFit/>
+          </a:bodyPr>
+          <a:lstStyle/>
+          <a:p>
+            <a:pPr lvl="0">
+              <a:defRPr/>
+            </a:pPr>
+            <a:r>
+              <a:rPr lang="en-US" altLang="ko-KR" sz="1400" b="1" dirty="0">
+                <a:ln>
+                  <a:solidFill>
+                    <a:prstClr val="white">
+                      <a:lumMod val="85000"/>
+                      <a:alpha val="30000"/>
+                    </a:prstClr>
+                  </a:solidFill>
+                </a:ln>
+                <a:latin typeface="맑은 고딕" panose="020B0503020000020004" pitchFamily="50" charset="-127"/>
+              </a:rPr>
+              <a:t>UI Function</a:t>
+            </a:r>
+          </a:p>
+        </p:txBody>
+      </p:sp>
+      <p:pic>
+        <p:nvPicPr>
+          <p:cNvPr id="2" name="그림 1"/>
+          <p:cNvPicPr>
+            <a:picLocks noChangeAspect="1"/>
+          </p:cNvPicPr>
+          <p:nvPr/>
+        </p:nvPicPr>
+        <p:blipFill>
+          <a:blip r:embed="rId2">
+            <a:extLst>
+              <a:ext uri="{28A0092B-C50C-407E-A947-70E740481C1C}">
+                <a14:useLocalDpi xmlns:a14="http://schemas.microsoft.com/office/drawing/2010/main" val="0"/>
+              </a:ext>
+            </a:extLst>
+          </a:blip>
+          <a:stretch>
+            <a:fillRect/>
+          </a:stretch>
+        </p:blipFill>
+        <p:spPr>
+          <a:xfrm>
+            <a:off x="1440000" y="1620000"/>
+            <a:ext cx="6243778" cy="4680000"/>
+          </a:xfrm>
+          <a:prstGeom prst="rect">
+            <a:avLst/>
+          </a:prstGeom>
+        </p:spPr>
+      </p:pic>
+    </p:spTree>
+    <p:extLst>
+      <p:ext uri="{BB962C8B-B14F-4D97-AF65-F5344CB8AC3E}">
+        <p14:creationId xmlns:p14="http://schemas.microsoft.com/office/powerpoint/2010/main" val="551685070"/>
+      </p:ext>
+    </p:extLst>
+  </p:cSld>
+  <p:clrMapOvr>
+    <a:masterClrMapping/>
+  </p:clrMapOvr>
+  <mc:AlternateContent xmlns:mc="http://schemas.openxmlformats.org/markup-compatibility/2006" xmlns:p14="http://schemas.microsoft.com/office/powerpoint/2010/main">
+    <mc:Choice Requires="p14">
+      <p:transition spd="med" p14:dur="700">
+        <p:fade/>
+      </p:transition>
+    </mc:Choice>
+    <mc:Fallback xmlns="">
+      <p:transition spd="med">
+        <p:fade/>
+      </p:transition>
+    </mc:Fallback>
+  </mc:AlternateContent>
+  <p:timing>
+    <p:tnLst>
+      <p:par>
+        <p:cTn id="1" dur="indefinite" restart="never" nodeType="tmRoot"/>
+      </p:par>
+    </p:tnLst>
+  </p:timing>
+</p:sld>
+</file>
+
+<file path=ppt/slides/slide33.xml><?xml version="1.0" encoding="utf-8"?>
+<p:sld xmlns:a="http://schemas.openxmlformats.org/drawingml/2006/main" xmlns:r="http://schemas.openxmlformats.org/officeDocument/2006/relationships" xmlns:p="http://schemas.openxmlformats.org/presentationml/2006/main">
+  <p:cSld>
+    <p:spTree>
+      <p:nvGrpSpPr>
+        <p:cNvPr id="1" name=""/>
+        <p:cNvGrpSpPr/>
+        <p:nvPr/>
+      </p:nvGrpSpPr>
+      <p:grpSpPr>
+        <a:xfrm>
+          <a:off x="0" y="0"/>
+          <a:ext cx="0" cy="0"/>
+          <a:chOff x="0" y="0"/>
+          <a:chExt cx="0" cy="0"/>
+        </a:xfrm>
+      </p:grpSpPr>
+      <p:cxnSp>
+        <p:nvCxnSpPr>
+          <p:cNvPr id="4" name="직선 연결선 3"/>
+          <p:cNvCxnSpPr/>
+          <p:nvPr/>
+        </p:nvCxnSpPr>
+        <p:spPr>
+          <a:xfrm>
+            <a:off x="683568" y="-371068"/>
+            <a:ext cx="0" cy="7472476"/>
+          </a:xfrm>
+          <a:prstGeom prst="line">
+            <a:avLst/>
+          </a:prstGeom>
+          <a:ln>
+            <a:solidFill>
+              <a:schemeClr val="bg1">
+                <a:lumMod val="65000"/>
+                <a:alpha val="50000"/>
+              </a:schemeClr>
+            </a:solidFill>
+          </a:ln>
+        </p:spPr>
+        <p:style>
+          <a:lnRef idx="1">
+            <a:schemeClr val="accent1"/>
+          </a:lnRef>
+          <a:fillRef idx="0">
+            <a:schemeClr val="accent1"/>
+          </a:fillRef>
+          <a:effectRef idx="0">
+            <a:schemeClr val="accent1"/>
+          </a:effectRef>
+          <a:fontRef idx="minor">
+            <a:schemeClr val="tx1"/>
+          </a:fontRef>
+        </p:style>
+      </p:cxnSp>
+      <p:sp>
+        <p:nvSpPr>
+          <p:cNvPr id="13" name="직사각형 12"/>
+          <p:cNvSpPr/>
+          <p:nvPr/>
+        </p:nvSpPr>
+        <p:spPr>
+          <a:xfrm>
+            <a:off x="-9283" y="1813760"/>
+            <a:ext cx="834325" cy="343501"/>
+          </a:xfrm>
+          <a:prstGeom prst="rect">
+            <a:avLst/>
+          </a:prstGeom>
+          <a:solidFill>
+            <a:srgbClr val="272123"/>
+          </a:solidFill>
+          <a:ln>
+            <a:noFill/>
+          </a:ln>
+        </p:spPr>
+        <p:style>
+          <a:lnRef idx="2">
+            <a:schemeClr val="accent1">
+              <a:shade val="50000"/>
+            </a:schemeClr>
+          </a:lnRef>
+          <a:fillRef idx="1">
+            <a:schemeClr val="accent1"/>
+          </a:fillRef>
+          <a:effectRef idx="0">
+            <a:schemeClr val="accent1"/>
+          </a:effectRef>
+          <a:fontRef idx="minor">
+            <a:schemeClr val="lt1"/>
+          </a:fontRef>
+        </p:style>
+        <p:txBody>
+          <a:bodyPr rtlCol="0" anchor="ctr"/>
+          <a:lstStyle/>
+          <a:p>
+            <a:pPr algn="ctr"/>
+            <a:endParaRPr lang="ko-KR" altLang="en-US"/>
+          </a:p>
+        </p:txBody>
+      </p:sp>
+      <p:sp>
+        <p:nvSpPr>
+          <p:cNvPr id="14" name="직각 삼각형 13"/>
+          <p:cNvSpPr/>
+          <p:nvPr/>
+        </p:nvSpPr>
+        <p:spPr>
+          <a:xfrm rot="5400000">
+            <a:off x="702755" y="2143834"/>
+            <a:ext cx="81142" cy="108000"/>
+          </a:xfrm>
+          <a:prstGeom prst="rtTriangle">
+            <a:avLst/>
+          </a:prstGeom>
+          <a:solidFill>
+            <a:schemeClr val="tx1"/>
+          </a:solidFill>
+          <a:ln>
+            <a:solidFill>
+              <a:schemeClr val="tx1"/>
+            </a:solidFill>
+          </a:ln>
+        </p:spPr>
+        <p:style>
+          <a:lnRef idx="2">
+            <a:schemeClr val="accent1">
+              <a:shade val="50000"/>
+            </a:schemeClr>
+          </a:lnRef>
+          <a:fillRef idx="1">
+            <a:schemeClr val="accent1"/>
+          </a:fillRef>
+          <a:effectRef idx="0">
+            <a:schemeClr val="accent1"/>
+          </a:effectRef>
+          <a:fontRef idx="minor">
+            <a:schemeClr val="lt1"/>
+          </a:fontRef>
+        </p:style>
+        <p:txBody>
+          <a:bodyPr rtlCol="0" anchor="ctr"/>
+          <a:lstStyle/>
+          <a:p>
+            <a:pPr algn="ctr"/>
+            <a:endParaRPr lang="ko-KR" altLang="en-US"/>
+          </a:p>
+        </p:txBody>
+      </p:sp>
+      <p:cxnSp>
+        <p:nvCxnSpPr>
+          <p:cNvPr id="5" name="직선 연결선 4"/>
+          <p:cNvCxnSpPr/>
+          <p:nvPr/>
+        </p:nvCxnSpPr>
+        <p:spPr>
+          <a:xfrm flipH="1">
+            <a:off x="692540" y="548680"/>
+            <a:ext cx="9295796" cy="0"/>
+          </a:xfrm>
+          <a:prstGeom prst="line">
+            <a:avLst/>
+          </a:prstGeom>
+          <a:ln>
+            <a:solidFill>
+              <a:schemeClr val="bg1">
+                <a:lumMod val="65000"/>
+                <a:alpha val="50000"/>
+              </a:schemeClr>
+            </a:solidFill>
+          </a:ln>
+        </p:spPr>
+        <p:style>
+          <a:lnRef idx="1">
+            <a:schemeClr val="accent1"/>
+          </a:lnRef>
+          <a:fillRef idx="0">
+            <a:schemeClr val="accent1"/>
+          </a:fillRef>
+          <a:effectRef idx="0">
+            <a:schemeClr val="accent1"/>
+          </a:effectRef>
+          <a:fontRef idx="minor">
+            <a:schemeClr val="tx1"/>
+          </a:fontRef>
+        </p:style>
+      </p:cxnSp>
+      <p:sp>
+        <p:nvSpPr>
+          <p:cNvPr id="24" name="TextBox 23"/>
+          <p:cNvSpPr txBox="1"/>
+          <p:nvPr/>
+        </p:nvSpPr>
+        <p:spPr>
+          <a:xfrm>
+            <a:off x="123549" y="882386"/>
+            <a:ext cx="541363" cy="338554"/>
+          </a:xfrm>
+          <a:prstGeom prst="rect">
+            <a:avLst/>
+          </a:prstGeom>
+          <a:noFill/>
+        </p:spPr>
+        <p:txBody>
+          <a:bodyPr wrap="square" rtlCol="0">
+            <a:spAutoFit/>
+          </a:bodyPr>
+          <a:lstStyle/>
+          <a:p>
+            <a:r>
+              <a:rPr lang="en-US" altLang="ko-KR" sz="1600" b="1" dirty="0" smtClean="0">
+                <a:ln>
+                  <a:solidFill>
+                    <a:schemeClr val="bg1">
+                      <a:lumMod val="75000"/>
+                      <a:alpha val="30000"/>
+                    </a:schemeClr>
+                  </a:solidFill>
+                </a:ln>
+                <a:solidFill>
+                  <a:schemeClr val="bg1">
+                    <a:lumMod val="75000"/>
+                  </a:schemeClr>
+                </a:solidFill>
+                <a:latin typeface="+mn-ea"/>
+              </a:rPr>
+              <a:t>01</a:t>
+            </a:r>
+          </a:p>
+        </p:txBody>
+      </p:sp>
+      <p:sp>
+        <p:nvSpPr>
+          <p:cNvPr id="33" name="직사각형 32"/>
+          <p:cNvSpPr/>
+          <p:nvPr/>
+        </p:nvSpPr>
+        <p:spPr>
+          <a:xfrm>
+            <a:off x="1080000" y="900000"/>
+            <a:ext cx="2123848" cy="457200"/>
+          </a:xfrm>
+          <a:prstGeom prst="rect">
+            <a:avLst/>
+          </a:prstGeom>
+          <a:solidFill>
+            <a:srgbClr val="272123"/>
+          </a:solidFill>
+          <a:ln>
+            <a:noFill/>
+          </a:ln>
+        </p:spPr>
+        <p:style>
+          <a:lnRef idx="2">
+            <a:schemeClr val="accent1">
+              <a:shade val="50000"/>
+            </a:schemeClr>
+          </a:lnRef>
+          <a:fillRef idx="1">
+            <a:schemeClr val="accent1"/>
+          </a:fillRef>
+          <a:effectRef idx="0">
+            <a:schemeClr val="accent1"/>
+          </a:effectRef>
+          <a:fontRef idx="minor">
+            <a:schemeClr val="lt1"/>
+          </a:fontRef>
+        </p:style>
+        <p:txBody>
+          <a:bodyPr rtlCol="0" anchor="ctr"/>
+          <a:lstStyle/>
+          <a:p>
+            <a:pPr marL="0" marR="0" lvl="0" indent="0" algn="ctr" defTabSz="914400" rtl="0" eaLnBrk="1" fontAlgn="auto" latinLnBrk="1" hangingPunct="1">
+              <a:lnSpc>
+                <a:spcPct val="100000"/>
+              </a:lnSpc>
+              <a:spcBef>
+                <a:spcPts val="0"/>
+              </a:spcBef>
+              <a:spcAft>
+                <a:spcPts val="0"/>
+              </a:spcAft>
+              <a:buClrTx/>
+              <a:buSzTx/>
+              <a:buFontTx/>
+              <a:buNone/>
+              <a:tabLst/>
+              <a:defRPr/>
+            </a:pPr>
+            <a:r>
+              <a:rPr lang="ko-KR" altLang="en-US" b="1" noProof="0" dirty="0" smtClean="0">
+                <a:solidFill>
+                  <a:prstClr val="white"/>
+                </a:solidFill>
+                <a:latin typeface="맑은 고딕" panose="020B0503020000020004" pitchFamily="50" charset="-127"/>
+                <a:ea typeface="맑은 고딕" panose="020B0503020000020004" pitchFamily="50" charset="-127"/>
+              </a:rPr>
+              <a:t>관리 탭</a:t>
+            </a:r>
+            <a:endParaRPr kumimoji="0" lang="en-US" altLang="ko-KR" sz="1800" b="1" i="0" u="none" strike="noStrike" kern="1200" cap="none" spc="0" normalizeH="0" baseline="0" noProof="0" dirty="0" smtClean="0">
+              <a:ln>
+                <a:noFill/>
+              </a:ln>
+              <a:solidFill>
+                <a:prstClr val="white"/>
+              </a:solidFill>
+              <a:effectLst/>
+              <a:uLnTx/>
+              <a:uFillTx/>
+              <a:latin typeface="맑은 고딕" panose="020B0503020000020004" pitchFamily="50" charset="-127"/>
+              <a:ea typeface="맑은 고딕" panose="020B0503020000020004" pitchFamily="50" charset="-127"/>
+              <a:cs typeface="+mn-cs"/>
+            </a:endParaRPr>
+          </a:p>
+        </p:txBody>
+      </p:sp>
+      <p:sp>
+        <p:nvSpPr>
+          <p:cNvPr id="11" name="TextBox 10"/>
+          <p:cNvSpPr txBox="1"/>
+          <p:nvPr/>
+        </p:nvSpPr>
+        <p:spPr>
+          <a:xfrm>
+            <a:off x="107504" y="1340768"/>
+            <a:ext cx="450395" cy="338554"/>
+          </a:xfrm>
+          <a:prstGeom prst="rect">
+            <a:avLst/>
+          </a:prstGeom>
+          <a:noFill/>
+        </p:spPr>
+        <p:txBody>
+          <a:bodyPr wrap="square" rtlCol="0">
+            <a:spAutoFit/>
+          </a:bodyPr>
+          <a:lstStyle/>
+          <a:p>
+            <a:r>
+              <a:rPr lang="en-US" altLang="ko-KR" sz="1600" b="1" dirty="0" smtClean="0">
+                <a:ln>
+                  <a:solidFill>
+                    <a:schemeClr val="tx1">
+                      <a:alpha val="30000"/>
+                    </a:schemeClr>
+                  </a:solidFill>
+                </a:ln>
+                <a:solidFill>
+                  <a:schemeClr val="bg1">
+                    <a:lumMod val="85000"/>
+                  </a:schemeClr>
+                </a:solidFill>
+                <a:latin typeface="+mn-ea"/>
+              </a:rPr>
+              <a:t>02</a:t>
+            </a:r>
+          </a:p>
+        </p:txBody>
+      </p:sp>
+      <p:sp>
+        <p:nvSpPr>
+          <p:cNvPr id="12" name="TextBox 11"/>
+          <p:cNvSpPr txBox="1"/>
+          <p:nvPr/>
+        </p:nvSpPr>
+        <p:spPr>
+          <a:xfrm>
+            <a:off x="107504" y="1819563"/>
+            <a:ext cx="450395" cy="338554"/>
+          </a:xfrm>
+          <a:prstGeom prst="rect">
+            <a:avLst/>
+          </a:prstGeom>
+          <a:noFill/>
+        </p:spPr>
+        <p:txBody>
+          <a:bodyPr wrap="square" rtlCol="0">
+            <a:spAutoFit/>
+          </a:bodyPr>
+          <a:lstStyle/>
+          <a:p>
+            <a:r>
+              <a:rPr lang="en-US" altLang="ko-KR" sz="1600" b="1" dirty="0" smtClean="0">
+                <a:ln>
+                  <a:solidFill>
+                    <a:schemeClr val="tx1">
+                      <a:alpha val="30000"/>
+                    </a:schemeClr>
+                  </a:solidFill>
+                </a:ln>
+                <a:solidFill>
+                  <a:schemeClr val="bg1">
+                    <a:lumMod val="85000"/>
+                  </a:schemeClr>
+                </a:solidFill>
+                <a:latin typeface="+mn-ea"/>
+              </a:rPr>
+              <a:t>03</a:t>
+            </a:r>
+          </a:p>
+        </p:txBody>
+      </p:sp>
+      <p:sp>
+        <p:nvSpPr>
+          <p:cNvPr id="15" name="TextBox 14"/>
+          <p:cNvSpPr txBox="1"/>
+          <p:nvPr/>
+        </p:nvSpPr>
+        <p:spPr>
+          <a:xfrm>
+            <a:off x="1043607" y="138482"/>
+            <a:ext cx="1800000" cy="307777"/>
+          </a:xfrm>
+          <a:prstGeom prst="rect">
+            <a:avLst/>
+          </a:prstGeom>
+          <a:noFill/>
+        </p:spPr>
+        <p:txBody>
+          <a:bodyPr wrap="square" rtlCol="0">
+            <a:spAutoFit/>
+          </a:bodyPr>
+          <a:lstStyle/>
+          <a:p>
+            <a:pPr lvl="0">
+              <a:defRPr/>
+            </a:pPr>
+            <a:r>
+              <a:rPr lang="en-US" altLang="ko-KR" sz="1400" b="1" dirty="0">
+                <a:ln>
+                  <a:solidFill>
+                    <a:prstClr val="white">
+                      <a:lumMod val="85000"/>
+                      <a:alpha val="30000"/>
+                    </a:prstClr>
+                  </a:solidFill>
+                </a:ln>
+                <a:latin typeface="맑은 고딕" panose="020B0503020000020004" pitchFamily="50" charset="-127"/>
+              </a:rPr>
+              <a:t>UI Function</a:t>
+            </a:r>
+          </a:p>
+        </p:txBody>
+      </p:sp>
+      <p:pic>
+        <p:nvPicPr>
+          <p:cNvPr id="2" name="그림 1"/>
+          <p:cNvPicPr>
+            <a:picLocks noChangeAspect="1"/>
+          </p:cNvPicPr>
+          <p:nvPr/>
+        </p:nvPicPr>
+        <p:blipFill>
+          <a:blip r:embed="rId2">
+            <a:extLst>
+              <a:ext uri="{28A0092B-C50C-407E-A947-70E740481C1C}">
+                <a14:useLocalDpi xmlns:a14="http://schemas.microsoft.com/office/drawing/2010/main" val="0"/>
+              </a:ext>
+            </a:extLst>
+          </a:blip>
+          <a:stretch>
+            <a:fillRect/>
+          </a:stretch>
+        </p:blipFill>
+        <p:spPr>
+          <a:xfrm>
+            <a:off x="1440000" y="1620000"/>
+            <a:ext cx="6251345" cy="4680000"/>
+          </a:xfrm>
+          <a:prstGeom prst="rect">
+            <a:avLst/>
+          </a:prstGeom>
+        </p:spPr>
+      </p:pic>
+    </p:spTree>
+    <p:extLst>
+      <p:ext uri="{BB962C8B-B14F-4D97-AF65-F5344CB8AC3E}">
+        <p14:creationId xmlns:p14="http://schemas.microsoft.com/office/powerpoint/2010/main" val="2174133053"/>
+      </p:ext>
+    </p:extLst>
+  </p:cSld>
+  <p:clrMapOvr>
+    <a:masterClrMapping/>
+  </p:clrMapOvr>
+  <mc:AlternateContent xmlns:mc="http://schemas.openxmlformats.org/markup-compatibility/2006" xmlns:p14="http://schemas.microsoft.com/office/powerpoint/2010/main">
+    <mc:Choice Requires="p14">
+      <p:transition spd="med" p14:dur="700">
+        <p:fade/>
+      </p:transition>
+    </mc:Choice>
+    <mc:Fallback xmlns="">
+      <p:transition spd="med">
+        <p:fade/>
+      </p:transition>
+    </mc:Fallback>
+  </mc:AlternateContent>
+  <p:timing>
+    <p:tnLst>
+      <p:par>
+        <p:cTn id="1" dur="indefinite" restart="never" nodeType="tmRoot"/>
+      </p:par>
+    </p:tnLst>
+  </p:timing>
+</p:sld>
+</file>
+
+<file path=ppt/slides/slide34.xml><?xml version="1.0" encoding="utf-8"?>
+<p:sld xmlns:a="http://schemas.openxmlformats.org/drawingml/2006/main" xmlns:r="http://schemas.openxmlformats.org/officeDocument/2006/relationships" xmlns:p="http://schemas.openxmlformats.org/presentationml/2006/main">
+  <p:cSld>
+    <p:spTree>
+      <p:nvGrpSpPr>
+        <p:cNvPr id="1" name=""/>
+        <p:cNvGrpSpPr/>
+        <p:nvPr/>
+      </p:nvGrpSpPr>
+      <p:grpSpPr>
+        <a:xfrm>
+          <a:off x="0" y="0"/>
+          <a:ext cx="0" cy="0"/>
+          <a:chOff x="0" y="0"/>
+          <a:chExt cx="0" cy="0"/>
+        </a:xfrm>
+      </p:grpSpPr>
+      <p:cxnSp>
+        <p:nvCxnSpPr>
+          <p:cNvPr id="4" name="직선 연결선 3"/>
+          <p:cNvCxnSpPr/>
+          <p:nvPr/>
+        </p:nvCxnSpPr>
+        <p:spPr>
+          <a:xfrm>
+            <a:off x="683568" y="-371068"/>
+            <a:ext cx="0" cy="7472476"/>
+          </a:xfrm>
+          <a:prstGeom prst="line">
+            <a:avLst/>
+          </a:prstGeom>
+          <a:ln>
+            <a:solidFill>
+              <a:schemeClr val="bg1">
+                <a:lumMod val="65000"/>
+                <a:alpha val="50000"/>
+              </a:schemeClr>
+            </a:solidFill>
+          </a:ln>
+        </p:spPr>
+        <p:style>
+          <a:lnRef idx="1">
+            <a:schemeClr val="accent1"/>
+          </a:lnRef>
+          <a:fillRef idx="0">
+            <a:schemeClr val="accent1"/>
+          </a:fillRef>
+          <a:effectRef idx="0">
+            <a:schemeClr val="accent1"/>
+          </a:effectRef>
+          <a:fontRef idx="minor">
+            <a:schemeClr val="tx1"/>
+          </a:fontRef>
+        </p:style>
+      </p:cxnSp>
+      <p:sp>
+        <p:nvSpPr>
+          <p:cNvPr id="13" name="직사각형 12"/>
+          <p:cNvSpPr/>
+          <p:nvPr/>
+        </p:nvSpPr>
+        <p:spPr>
+          <a:xfrm>
+            <a:off x="-9283" y="1813760"/>
+            <a:ext cx="834325" cy="343501"/>
+          </a:xfrm>
+          <a:prstGeom prst="rect">
+            <a:avLst/>
+          </a:prstGeom>
+          <a:solidFill>
+            <a:srgbClr val="272123"/>
+          </a:solidFill>
+          <a:ln>
+            <a:noFill/>
+          </a:ln>
+        </p:spPr>
+        <p:style>
+          <a:lnRef idx="2">
+            <a:schemeClr val="accent1">
+              <a:shade val="50000"/>
+            </a:schemeClr>
+          </a:lnRef>
+          <a:fillRef idx="1">
+            <a:schemeClr val="accent1"/>
+          </a:fillRef>
+          <a:effectRef idx="0">
+            <a:schemeClr val="accent1"/>
+          </a:effectRef>
+          <a:fontRef idx="minor">
+            <a:schemeClr val="lt1"/>
+          </a:fontRef>
+        </p:style>
+        <p:txBody>
+          <a:bodyPr rtlCol="0" anchor="ctr"/>
+          <a:lstStyle/>
+          <a:p>
+            <a:pPr algn="ctr"/>
+            <a:endParaRPr lang="ko-KR" altLang="en-US"/>
+          </a:p>
+        </p:txBody>
+      </p:sp>
+      <p:sp>
+        <p:nvSpPr>
+          <p:cNvPr id="14" name="직각 삼각형 13"/>
+          <p:cNvSpPr/>
+          <p:nvPr/>
+        </p:nvSpPr>
+        <p:spPr>
+          <a:xfrm rot="5400000">
+            <a:off x="702755" y="2143834"/>
+            <a:ext cx="81142" cy="108000"/>
+          </a:xfrm>
+          <a:prstGeom prst="rtTriangle">
+            <a:avLst/>
+          </a:prstGeom>
+          <a:solidFill>
+            <a:schemeClr val="tx1"/>
+          </a:solidFill>
+          <a:ln>
+            <a:solidFill>
+              <a:schemeClr val="tx1"/>
+            </a:solidFill>
+          </a:ln>
+        </p:spPr>
+        <p:style>
+          <a:lnRef idx="2">
+            <a:schemeClr val="accent1">
+              <a:shade val="50000"/>
+            </a:schemeClr>
+          </a:lnRef>
+          <a:fillRef idx="1">
+            <a:schemeClr val="accent1"/>
+          </a:fillRef>
+          <a:effectRef idx="0">
+            <a:schemeClr val="accent1"/>
+          </a:effectRef>
+          <a:fontRef idx="minor">
+            <a:schemeClr val="lt1"/>
+          </a:fontRef>
+        </p:style>
+        <p:txBody>
+          <a:bodyPr rtlCol="0" anchor="ctr"/>
+          <a:lstStyle/>
+          <a:p>
+            <a:pPr algn="ctr"/>
+            <a:endParaRPr lang="ko-KR" altLang="en-US"/>
+          </a:p>
+        </p:txBody>
+      </p:sp>
+      <p:cxnSp>
+        <p:nvCxnSpPr>
+          <p:cNvPr id="5" name="직선 연결선 4"/>
+          <p:cNvCxnSpPr/>
+          <p:nvPr/>
+        </p:nvCxnSpPr>
+        <p:spPr>
+          <a:xfrm flipH="1">
+            <a:off x="692540" y="548680"/>
+            <a:ext cx="9295796" cy="0"/>
+          </a:xfrm>
+          <a:prstGeom prst="line">
+            <a:avLst/>
+          </a:prstGeom>
+          <a:ln>
+            <a:solidFill>
+              <a:schemeClr val="bg1">
+                <a:lumMod val="65000"/>
+                <a:alpha val="50000"/>
+              </a:schemeClr>
+            </a:solidFill>
+          </a:ln>
+        </p:spPr>
+        <p:style>
+          <a:lnRef idx="1">
+            <a:schemeClr val="accent1"/>
+          </a:lnRef>
+          <a:fillRef idx="0">
+            <a:schemeClr val="accent1"/>
+          </a:fillRef>
+          <a:effectRef idx="0">
+            <a:schemeClr val="accent1"/>
+          </a:effectRef>
+          <a:fontRef idx="minor">
+            <a:schemeClr val="tx1"/>
+          </a:fontRef>
+        </p:style>
+      </p:cxnSp>
+      <p:sp>
+        <p:nvSpPr>
+          <p:cNvPr id="24" name="TextBox 23"/>
+          <p:cNvSpPr txBox="1"/>
+          <p:nvPr/>
+        </p:nvSpPr>
+        <p:spPr>
+          <a:xfrm>
+            <a:off x="123549" y="882386"/>
+            <a:ext cx="541363" cy="338554"/>
+          </a:xfrm>
+          <a:prstGeom prst="rect">
+            <a:avLst/>
+          </a:prstGeom>
+          <a:noFill/>
+        </p:spPr>
+        <p:txBody>
+          <a:bodyPr wrap="square" rtlCol="0">
+            <a:spAutoFit/>
+          </a:bodyPr>
+          <a:lstStyle/>
+          <a:p>
+            <a:r>
+              <a:rPr lang="en-US" altLang="ko-KR" sz="1600" b="1" dirty="0" smtClean="0">
+                <a:ln>
+                  <a:solidFill>
+                    <a:schemeClr val="bg1">
+                      <a:lumMod val="75000"/>
+                      <a:alpha val="30000"/>
+                    </a:schemeClr>
+                  </a:solidFill>
+                </a:ln>
+                <a:solidFill>
+                  <a:schemeClr val="bg1">
+                    <a:lumMod val="75000"/>
+                  </a:schemeClr>
+                </a:solidFill>
+                <a:latin typeface="+mn-ea"/>
+              </a:rPr>
+              <a:t>01</a:t>
+            </a:r>
+          </a:p>
+        </p:txBody>
+      </p:sp>
+      <p:sp>
+        <p:nvSpPr>
+          <p:cNvPr id="33" name="직사각형 32"/>
+          <p:cNvSpPr/>
+          <p:nvPr/>
+        </p:nvSpPr>
+        <p:spPr>
+          <a:xfrm>
+            <a:off x="1080000" y="900000"/>
+            <a:ext cx="2123848" cy="457200"/>
+          </a:xfrm>
+          <a:prstGeom prst="rect">
+            <a:avLst/>
+          </a:prstGeom>
+          <a:solidFill>
+            <a:srgbClr val="272123"/>
+          </a:solidFill>
+          <a:ln>
+            <a:noFill/>
+          </a:ln>
+        </p:spPr>
+        <p:style>
+          <a:lnRef idx="2">
+            <a:schemeClr val="accent1">
+              <a:shade val="50000"/>
+            </a:schemeClr>
+          </a:lnRef>
+          <a:fillRef idx="1">
+            <a:schemeClr val="accent1"/>
+          </a:fillRef>
+          <a:effectRef idx="0">
+            <a:schemeClr val="accent1"/>
+          </a:effectRef>
+          <a:fontRef idx="minor">
+            <a:schemeClr val="lt1"/>
+          </a:fontRef>
+        </p:style>
+        <p:txBody>
+          <a:bodyPr rtlCol="0" anchor="ctr"/>
+          <a:lstStyle/>
+          <a:p>
+            <a:pPr marL="0" marR="0" lvl="0" indent="0" algn="ctr" defTabSz="914400" rtl="0" eaLnBrk="1" fontAlgn="auto" latinLnBrk="1" hangingPunct="1">
+              <a:lnSpc>
+                <a:spcPct val="100000"/>
+              </a:lnSpc>
+              <a:spcBef>
+                <a:spcPts val="0"/>
+              </a:spcBef>
+              <a:spcAft>
+                <a:spcPts val="0"/>
+              </a:spcAft>
+              <a:buClrTx/>
+              <a:buSzTx/>
+              <a:buFontTx/>
+              <a:buNone/>
+              <a:tabLst/>
+              <a:defRPr/>
+            </a:pPr>
+            <a:r>
+              <a:rPr lang="ko-KR" altLang="en-US" b="1" noProof="0" dirty="0" smtClean="0">
+                <a:solidFill>
+                  <a:prstClr val="white"/>
+                </a:solidFill>
+                <a:latin typeface="맑은 고딕" panose="020B0503020000020004" pitchFamily="50" charset="-127"/>
+                <a:ea typeface="맑은 고딕" panose="020B0503020000020004" pitchFamily="50" charset="-127"/>
+              </a:rPr>
+              <a:t>관리 탭</a:t>
+            </a:r>
+            <a:endParaRPr kumimoji="0" lang="en-US" altLang="ko-KR" sz="1800" b="1" i="0" u="none" strike="noStrike" kern="1200" cap="none" spc="0" normalizeH="0" baseline="0" noProof="0" dirty="0" smtClean="0">
+              <a:ln>
+                <a:noFill/>
+              </a:ln>
+              <a:solidFill>
+                <a:prstClr val="white"/>
+              </a:solidFill>
+              <a:effectLst/>
+              <a:uLnTx/>
+              <a:uFillTx/>
+              <a:latin typeface="맑은 고딕" panose="020B0503020000020004" pitchFamily="50" charset="-127"/>
+              <a:ea typeface="맑은 고딕" panose="020B0503020000020004" pitchFamily="50" charset="-127"/>
+              <a:cs typeface="+mn-cs"/>
+            </a:endParaRPr>
+          </a:p>
+        </p:txBody>
+      </p:sp>
+      <p:sp>
+        <p:nvSpPr>
+          <p:cNvPr id="11" name="TextBox 10"/>
+          <p:cNvSpPr txBox="1"/>
+          <p:nvPr/>
+        </p:nvSpPr>
+        <p:spPr>
+          <a:xfrm>
+            <a:off x="107504" y="1340768"/>
+            <a:ext cx="450395" cy="338554"/>
+          </a:xfrm>
+          <a:prstGeom prst="rect">
+            <a:avLst/>
+          </a:prstGeom>
+          <a:noFill/>
+        </p:spPr>
+        <p:txBody>
+          <a:bodyPr wrap="square" rtlCol="0">
+            <a:spAutoFit/>
+          </a:bodyPr>
+          <a:lstStyle/>
+          <a:p>
+            <a:r>
+              <a:rPr lang="en-US" altLang="ko-KR" sz="1600" b="1" dirty="0" smtClean="0">
+                <a:ln>
+                  <a:solidFill>
+                    <a:schemeClr val="tx1">
+                      <a:alpha val="30000"/>
+                    </a:schemeClr>
+                  </a:solidFill>
+                </a:ln>
+                <a:solidFill>
+                  <a:schemeClr val="bg1">
+                    <a:lumMod val="85000"/>
+                  </a:schemeClr>
+                </a:solidFill>
+                <a:latin typeface="+mn-ea"/>
+              </a:rPr>
+              <a:t>02</a:t>
+            </a:r>
+          </a:p>
+        </p:txBody>
+      </p:sp>
+      <p:sp>
+        <p:nvSpPr>
+          <p:cNvPr id="12" name="TextBox 11"/>
+          <p:cNvSpPr txBox="1"/>
+          <p:nvPr/>
+        </p:nvSpPr>
+        <p:spPr>
+          <a:xfrm>
+            <a:off x="107504" y="1819563"/>
+            <a:ext cx="450395" cy="338554"/>
+          </a:xfrm>
+          <a:prstGeom prst="rect">
+            <a:avLst/>
+          </a:prstGeom>
+          <a:noFill/>
+        </p:spPr>
+        <p:txBody>
+          <a:bodyPr wrap="square" rtlCol="0">
+            <a:spAutoFit/>
+          </a:bodyPr>
+          <a:lstStyle/>
+          <a:p>
+            <a:r>
+              <a:rPr lang="en-US" altLang="ko-KR" sz="1600" b="1" dirty="0" smtClean="0">
+                <a:ln>
+                  <a:solidFill>
+                    <a:schemeClr val="tx1">
+                      <a:alpha val="30000"/>
+                    </a:schemeClr>
+                  </a:solidFill>
+                </a:ln>
+                <a:solidFill>
+                  <a:schemeClr val="bg1">
+                    <a:lumMod val="85000"/>
+                  </a:schemeClr>
+                </a:solidFill>
+                <a:latin typeface="+mn-ea"/>
+              </a:rPr>
+              <a:t>03</a:t>
+            </a:r>
+          </a:p>
+        </p:txBody>
+      </p:sp>
+      <p:sp>
+        <p:nvSpPr>
+          <p:cNvPr id="15" name="TextBox 14"/>
+          <p:cNvSpPr txBox="1"/>
+          <p:nvPr/>
+        </p:nvSpPr>
+        <p:spPr>
+          <a:xfrm>
+            <a:off x="1043607" y="138482"/>
+            <a:ext cx="1800000" cy="307777"/>
+          </a:xfrm>
+          <a:prstGeom prst="rect">
+            <a:avLst/>
+          </a:prstGeom>
+          <a:noFill/>
+        </p:spPr>
+        <p:txBody>
+          <a:bodyPr wrap="square" rtlCol="0">
+            <a:spAutoFit/>
+          </a:bodyPr>
+          <a:lstStyle/>
+          <a:p>
+            <a:pPr lvl="0">
+              <a:defRPr/>
+            </a:pPr>
+            <a:r>
+              <a:rPr lang="en-US" altLang="ko-KR" sz="1400" b="1" dirty="0">
+                <a:ln>
+                  <a:solidFill>
+                    <a:prstClr val="white">
+                      <a:lumMod val="85000"/>
+                      <a:alpha val="30000"/>
+                    </a:prstClr>
+                  </a:solidFill>
+                </a:ln>
+                <a:latin typeface="맑은 고딕" panose="020B0503020000020004" pitchFamily="50" charset="-127"/>
+              </a:rPr>
+              <a:t>UI Function</a:t>
+            </a:r>
+          </a:p>
+        </p:txBody>
+      </p:sp>
+      <p:pic>
+        <p:nvPicPr>
+          <p:cNvPr id="2" name="그림 1"/>
+          <p:cNvPicPr>
+            <a:picLocks noChangeAspect="1"/>
+          </p:cNvPicPr>
+          <p:nvPr/>
+        </p:nvPicPr>
+        <p:blipFill>
+          <a:blip r:embed="rId2">
+            <a:extLst>
+              <a:ext uri="{28A0092B-C50C-407E-A947-70E740481C1C}">
+                <a14:useLocalDpi xmlns:a14="http://schemas.microsoft.com/office/drawing/2010/main" val="0"/>
+              </a:ext>
+            </a:extLst>
+          </a:blip>
+          <a:stretch>
+            <a:fillRect/>
+          </a:stretch>
+        </p:blipFill>
+        <p:spPr>
+          <a:xfrm>
+            <a:off x="1440000" y="1620000"/>
+            <a:ext cx="6223043" cy="4680000"/>
+          </a:xfrm>
+          <a:prstGeom prst="rect">
+            <a:avLst/>
+          </a:prstGeom>
+        </p:spPr>
+      </p:pic>
+    </p:spTree>
+    <p:extLst>
+      <p:ext uri="{BB962C8B-B14F-4D97-AF65-F5344CB8AC3E}">
+        <p14:creationId xmlns:p14="http://schemas.microsoft.com/office/powerpoint/2010/main" val="592004450"/>
+      </p:ext>
+    </p:extLst>
+  </p:cSld>
+  <p:clrMapOvr>
+    <a:masterClrMapping/>
+  </p:clrMapOvr>
+  <mc:AlternateContent xmlns:mc="http://schemas.openxmlformats.org/markup-compatibility/2006" xmlns:p14="http://schemas.microsoft.com/office/powerpoint/2010/main">
+    <mc:Choice Requires="p14">
+      <p:transition spd="med" p14:dur="700">
+        <p:fade/>
+      </p:transition>
+    </mc:Choice>
+    <mc:Fallback xmlns="">
+      <p:transition spd="med">
+        <p:fade/>
+      </p:transition>
+    </mc:Fallback>
+  </mc:AlternateContent>
+  <p:timing>
+    <p:tnLst>
+      <p:par>
+        <p:cTn id="1" dur="indefinite" restart="never" nodeType="tmRoot"/>
+      </p:par>
+    </p:tnLst>
+  </p:timing>
+</p:sld>
+</file>
+
+<file path=ppt/slides/slide35.xml><?xml version="1.0" encoding="utf-8"?>
+<p:sld xmlns:a="http://schemas.openxmlformats.org/drawingml/2006/main" xmlns:r="http://schemas.openxmlformats.org/officeDocument/2006/relationships" xmlns:p="http://schemas.openxmlformats.org/presentationml/2006/main">
+  <p:cSld>
+    <p:spTree>
+      <p:nvGrpSpPr>
+        <p:cNvPr id="1" name=""/>
+        <p:cNvGrpSpPr/>
+        <p:nvPr/>
+      </p:nvGrpSpPr>
+      <p:grpSpPr>
+        <a:xfrm>
+          <a:off x="0" y="0"/>
+          <a:ext cx="0" cy="0"/>
+          <a:chOff x="0" y="0"/>
+          <a:chExt cx="0" cy="0"/>
+        </a:xfrm>
+      </p:grpSpPr>
+      <p:cxnSp>
+        <p:nvCxnSpPr>
+          <p:cNvPr id="4" name="직선 연결선 3"/>
+          <p:cNvCxnSpPr/>
+          <p:nvPr/>
+        </p:nvCxnSpPr>
+        <p:spPr>
+          <a:xfrm>
+            <a:off x="683568" y="-371068"/>
+            <a:ext cx="0" cy="7472476"/>
+          </a:xfrm>
+          <a:prstGeom prst="line">
+            <a:avLst/>
+          </a:prstGeom>
+          <a:ln>
+            <a:solidFill>
+              <a:schemeClr val="bg1">
+                <a:lumMod val="65000"/>
+                <a:alpha val="50000"/>
+              </a:schemeClr>
+            </a:solidFill>
+          </a:ln>
+        </p:spPr>
+        <p:style>
+          <a:lnRef idx="1">
+            <a:schemeClr val="accent1"/>
+          </a:lnRef>
+          <a:fillRef idx="0">
+            <a:schemeClr val="accent1"/>
+          </a:fillRef>
+          <a:effectRef idx="0">
+            <a:schemeClr val="accent1"/>
+          </a:effectRef>
+          <a:fontRef idx="minor">
+            <a:schemeClr val="tx1"/>
+          </a:fontRef>
+        </p:style>
+      </p:cxnSp>
+      <p:sp>
+        <p:nvSpPr>
+          <p:cNvPr id="13" name="직사각형 12"/>
+          <p:cNvSpPr/>
+          <p:nvPr/>
+        </p:nvSpPr>
+        <p:spPr>
+          <a:xfrm>
+            <a:off x="-9283" y="1813760"/>
+            <a:ext cx="834325" cy="343501"/>
+          </a:xfrm>
+          <a:prstGeom prst="rect">
+            <a:avLst/>
+          </a:prstGeom>
+          <a:solidFill>
+            <a:srgbClr val="272123"/>
+          </a:solidFill>
+          <a:ln>
+            <a:noFill/>
+          </a:ln>
+        </p:spPr>
+        <p:style>
+          <a:lnRef idx="2">
+            <a:schemeClr val="accent1">
+              <a:shade val="50000"/>
+            </a:schemeClr>
+          </a:lnRef>
+          <a:fillRef idx="1">
+            <a:schemeClr val="accent1"/>
+          </a:fillRef>
+          <a:effectRef idx="0">
+            <a:schemeClr val="accent1"/>
+          </a:effectRef>
+          <a:fontRef idx="minor">
+            <a:schemeClr val="lt1"/>
+          </a:fontRef>
+        </p:style>
+        <p:txBody>
+          <a:bodyPr rtlCol="0" anchor="ctr"/>
+          <a:lstStyle/>
+          <a:p>
+            <a:pPr algn="ctr"/>
+            <a:endParaRPr lang="ko-KR" altLang="en-US"/>
+          </a:p>
+        </p:txBody>
+      </p:sp>
+      <p:sp>
+        <p:nvSpPr>
+          <p:cNvPr id="14" name="직각 삼각형 13"/>
+          <p:cNvSpPr/>
+          <p:nvPr/>
+        </p:nvSpPr>
+        <p:spPr>
+          <a:xfrm rot="5400000">
+            <a:off x="702755" y="2143834"/>
+            <a:ext cx="81142" cy="108000"/>
+          </a:xfrm>
+          <a:prstGeom prst="rtTriangle">
+            <a:avLst/>
+          </a:prstGeom>
+          <a:solidFill>
+            <a:schemeClr val="tx1"/>
+          </a:solidFill>
+          <a:ln>
+            <a:solidFill>
+              <a:schemeClr val="tx1"/>
+            </a:solidFill>
+          </a:ln>
+        </p:spPr>
+        <p:style>
+          <a:lnRef idx="2">
+            <a:schemeClr val="accent1">
+              <a:shade val="50000"/>
+            </a:schemeClr>
+          </a:lnRef>
+          <a:fillRef idx="1">
+            <a:schemeClr val="accent1"/>
+          </a:fillRef>
+          <a:effectRef idx="0">
+            <a:schemeClr val="accent1"/>
+          </a:effectRef>
+          <a:fontRef idx="minor">
+            <a:schemeClr val="lt1"/>
+          </a:fontRef>
+        </p:style>
+        <p:txBody>
+          <a:bodyPr rtlCol="0" anchor="ctr"/>
+          <a:lstStyle/>
+          <a:p>
+            <a:pPr algn="ctr"/>
+            <a:endParaRPr lang="ko-KR" altLang="en-US"/>
+          </a:p>
+        </p:txBody>
+      </p:sp>
+      <p:cxnSp>
+        <p:nvCxnSpPr>
+          <p:cNvPr id="5" name="직선 연결선 4"/>
+          <p:cNvCxnSpPr/>
+          <p:nvPr/>
+        </p:nvCxnSpPr>
+        <p:spPr>
+          <a:xfrm flipH="1">
+            <a:off x="692540" y="548680"/>
+            <a:ext cx="9295796" cy="0"/>
+          </a:xfrm>
+          <a:prstGeom prst="line">
+            <a:avLst/>
+          </a:prstGeom>
+          <a:ln>
+            <a:solidFill>
+              <a:schemeClr val="bg1">
+                <a:lumMod val="65000"/>
+                <a:alpha val="50000"/>
+              </a:schemeClr>
+            </a:solidFill>
+          </a:ln>
+        </p:spPr>
+        <p:style>
+          <a:lnRef idx="1">
+            <a:schemeClr val="accent1"/>
+          </a:lnRef>
+          <a:fillRef idx="0">
+            <a:schemeClr val="accent1"/>
+          </a:fillRef>
+          <a:effectRef idx="0">
+            <a:schemeClr val="accent1"/>
+          </a:effectRef>
+          <a:fontRef idx="minor">
+            <a:schemeClr val="tx1"/>
+          </a:fontRef>
+        </p:style>
+      </p:cxnSp>
+      <p:sp>
+        <p:nvSpPr>
+          <p:cNvPr id="24" name="TextBox 23"/>
+          <p:cNvSpPr txBox="1"/>
+          <p:nvPr/>
+        </p:nvSpPr>
+        <p:spPr>
+          <a:xfrm>
+            <a:off x="123549" y="882386"/>
+            <a:ext cx="541363" cy="338554"/>
+          </a:xfrm>
+          <a:prstGeom prst="rect">
+            <a:avLst/>
+          </a:prstGeom>
+          <a:noFill/>
+        </p:spPr>
+        <p:txBody>
+          <a:bodyPr wrap="square" rtlCol="0">
+            <a:spAutoFit/>
+          </a:bodyPr>
+          <a:lstStyle/>
+          <a:p>
+            <a:r>
+              <a:rPr lang="en-US" altLang="ko-KR" sz="1600" b="1" dirty="0" smtClean="0">
+                <a:ln>
+                  <a:solidFill>
+                    <a:schemeClr val="bg1">
+                      <a:lumMod val="75000"/>
+                      <a:alpha val="30000"/>
+                    </a:schemeClr>
+                  </a:solidFill>
+                </a:ln>
+                <a:solidFill>
+                  <a:schemeClr val="bg1">
+                    <a:lumMod val="75000"/>
+                  </a:schemeClr>
+                </a:solidFill>
+                <a:latin typeface="+mn-ea"/>
+              </a:rPr>
+              <a:t>01</a:t>
+            </a:r>
+          </a:p>
+        </p:txBody>
+      </p:sp>
+      <p:sp>
+        <p:nvSpPr>
+          <p:cNvPr id="33" name="직사각형 32"/>
+          <p:cNvSpPr/>
+          <p:nvPr/>
+        </p:nvSpPr>
+        <p:spPr>
+          <a:xfrm>
+            <a:off x="1080000" y="900000"/>
+            <a:ext cx="2123848" cy="457200"/>
+          </a:xfrm>
+          <a:prstGeom prst="rect">
+            <a:avLst/>
+          </a:prstGeom>
+          <a:solidFill>
+            <a:srgbClr val="272123"/>
+          </a:solidFill>
+          <a:ln>
+            <a:noFill/>
+          </a:ln>
+        </p:spPr>
+        <p:style>
+          <a:lnRef idx="2">
+            <a:schemeClr val="accent1">
+              <a:shade val="50000"/>
+            </a:schemeClr>
+          </a:lnRef>
+          <a:fillRef idx="1">
+            <a:schemeClr val="accent1"/>
+          </a:fillRef>
+          <a:effectRef idx="0">
+            <a:schemeClr val="accent1"/>
+          </a:effectRef>
+          <a:fontRef idx="minor">
+            <a:schemeClr val="lt1"/>
+          </a:fontRef>
+        </p:style>
+        <p:txBody>
+          <a:bodyPr rtlCol="0" anchor="ctr"/>
+          <a:lstStyle/>
+          <a:p>
+            <a:pPr marL="0" marR="0" lvl="0" indent="0" algn="ctr" defTabSz="914400" rtl="0" eaLnBrk="1" fontAlgn="auto" latinLnBrk="1" hangingPunct="1">
+              <a:lnSpc>
+                <a:spcPct val="100000"/>
+              </a:lnSpc>
+              <a:spcBef>
+                <a:spcPts val="0"/>
+              </a:spcBef>
+              <a:spcAft>
+                <a:spcPts val="0"/>
+              </a:spcAft>
+              <a:buClrTx/>
+              <a:buSzTx/>
+              <a:buFontTx/>
+              <a:buNone/>
+              <a:tabLst/>
+              <a:defRPr/>
+            </a:pPr>
+            <a:r>
+              <a:rPr lang="ko-KR" altLang="en-US" b="1" noProof="0" dirty="0" smtClean="0">
+                <a:solidFill>
+                  <a:prstClr val="white"/>
+                </a:solidFill>
+                <a:latin typeface="맑은 고딕" panose="020B0503020000020004" pitchFamily="50" charset="-127"/>
+                <a:ea typeface="맑은 고딕" panose="020B0503020000020004" pitchFamily="50" charset="-127"/>
+              </a:rPr>
+              <a:t>관리 탭</a:t>
+            </a:r>
+            <a:endParaRPr kumimoji="0" lang="en-US" altLang="ko-KR" sz="1800" b="1" i="0" u="none" strike="noStrike" kern="1200" cap="none" spc="0" normalizeH="0" baseline="0" noProof="0" dirty="0" smtClean="0">
+              <a:ln>
+                <a:noFill/>
+              </a:ln>
+              <a:solidFill>
+                <a:prstClr val="white"/>
+              </a:solidFill>
+              <a:effectLst/>
+              <a:uLnTx/>
+              <a:uFillTx/>
+              <a:latin typeface="맑은 고딕" panose="020B0503020000020004" pitchFamily="50" charset="-127"/>
+              <a:ea typeface="맑은 고딕" panose="020B0503020000020004" pitchFamily="50" charset="-127"/>
+              <a:cs typeface="+mn-cs"/>
+            </a:endParaRPr>
+          </a:p>
+        </p:txBody>
+      </p:sp>
+      <p:sp>
+        <p:nvSpPr>
+          <p:cNvPr id="11" name="TextBox 10"/>
+          <p:cNvSpPr txBox="1"/>
+          <p:nvPr/>
+        </p:nvSpPr>
+        <p:spPr>
+          <a:xfrm>
+            <a:off x="107504" y="1340768"/>
+            <a:ext cx="450395" cy="338554"/>
+          </a:xfrm>
+          <a:prstGeom prst="rect">
+            <a:avLst/>
+          </a:prstGeom>
+          <a:noFill/>
+        </p:spPr>
+        <p:txBody>
+          <a:bodyPr wrap="square" rtlCol="0">
+            <a:spAutoFit/>
+          </a:bodyPr>
+          <a:lstStyle/>
+          <a:p>
+            <a:r>
+              <a:rPr lang="en-US" altLang="ko-KR" sz="1600" b="1" dirty="0" smtClean="0">
+                <a:ln>
+                  <a:solidFill>
+                    <a:schemeClr val="tx1">
+                      <a:alpha val="30000"/>
+                    </a:schemeClr>
+                  </a:solidFill>
+                </a:ln>
+                <a:solidFill>
+                  <a:schemeClr val="bg1">
+                    <a:lumMod val="85000"/>
+                  </a:schemeClr>
+                </a:solidFill>
+                <a:latin typeface="+mn-ea"/>
+              </a:rPr>
+              <a:t>02</a:t>
+            </a:r>
+          </a:p>
+        </p:txBody>
+      </p:sp>
+      <p:sp>
+        <p:nvSpPr>
+          <p:cNvPr id="12" name="TextBox 11"/>
+          <p:cNvSpPr txBox="1"/>
+          <p:nvPr/>
+        </p:nvSpPr>
+        <p:spPr>
+          <a:xfrm>
+            <a:off x="107504" y="1819563"/>
+            <a:ext cx="450395" cy="338554"/>
+          </a:xfrm>
+          <a:prstGeom prst="rect">
+            <a:avLst/>
+          </a:prstGeom>
+          <a:noFill/>
+        </p:spPr>
+        <p:txBody>
+          <a:bodyPr wrap="square" rtlCol="0">
+            <a:spAutoFit/>
+          </a:bodyPr>
+          <a:lstStyle/>
+          <a:p>
+            <a:r>
+              <a:rPr lang="en-US" altLang="ko-KR" sz="1600" b="1" dirty="0" smtClean="0">
+                <a:ln>
+                  <a:solidFill>
+                    <a:schemeClr val="tx1">
+                      <a:alpha val="30000"/>
+                    </a:schemeClr>
+                  </a:solidFill>
+                </a:ln>
+                <a:solidFill>
+                  <a:schemeClr val="bg1">
+                    <a:lumMod val="85000"/>
+                  </a:schemeClr>
+                </a:solidFill>
+                <a:latin typeface="+mn-ea"/>
+              </a:rPr>
+              <a:t>03</a:t>
+            </a:r>
+          </a:p>
+        </p:txBody>
+      </p:sp>
+      <p:sp>
+        <p:nvSpPr>
+          <p:cNvPr id="15" name="TextBox 14"/>
+          <p:cNvSpPr txBox="1"/>
+          <p:nvPr/>
+        </p:nvSpPr>
+        <p:spPr>
+          <a:xfrm>
+            <a:off x="1043607" y="138482"/>
+            <a:ext cx="1800000" cy="307777"/>
+          </a:xfrm>
+          <a:prstGeom prst="rect">
+            <a:avLst/>
+          </a:prstGeom>
+          <a:noFill/>
+        </p:spPr>
+        <p:txBody>
+          <a:bodyPr wrap="square" rtlCol="0">
+            <a:spAutoFit/>
+          </a:bodyPr>
+          <a:lstStyle/>
+          <a:p>
+            <a:pPr lvl="0">
+              <a:defRPr/>
+            </a:pPr>
+            <a:r>
+              <a:rPr lang="en-US" altLang="ko-KR" sz="1400" b="1" dirty="0">
+                <a:ln>
+                  <a:solidFill>
+                    <a:prstClr val="white">
+                      <a:lumMod val="85000"/>
+                      <a:alpha val="30000"/>
+                    </a:prstClr>
+                  </a:solidFill>
+                </a:ln>
+                <a:latin typeface="맑은 고딕" panose="020B0503020000020004" pitchFamily="50" charset="-127"/>
+              </a:rPr>
+              <a:t>UI Function</a:t>
+            </a:r>
+          </a:p>
+        </p:txBody>
+      </p:sp>
+      <p:pic>
+        <p:nvPicPr>
+          <p:cNvPr id="2" name="그림 1"/>
+          <p:cNvPicPr>
+            <a:picLocks noChangeAspect="1"/>
+          </p:cNvPicPr>
+          <p:nvPr/>
+        </p:nvPicPr>
+        <p:blipFill>
+          <a:blip r:embed="rId2">
+            <a:extLst>
+              <a:ext uri="{28A0092B-C50C-407E-A947-70E740481C1C}">
+                <a14:useLocalDpi xmlns:a14="http://schemas.microsoft.com/office/drawing/2010/main" val="0"/>
+              </a:ext>
+            </a:extLst>
+          </a:blip>
+          <a:stretch>
+            <a:fillRect/>
+          </a:stretch>
+        </p:blipFill>
+        <p:spPr>
+          <a:xfrm>
+            <a:off x="1440000" y="1620000"/>
+            <a:ext cx="6264611" cy="4680000"/>
+          </a:xfrm>
+          <a:prstGeom prst="rect">
+            <a:avLst/>
+          </a:prstGeom>
+        </p:spPr>
+      </p:pic>
+    </p:spTree>
+    <p:extLst>
+      <p:ext uri="{BB962C8B-B14F-4D97-AF65-F5344CB8AC3E}">
+        <p14:creationId xmlns:p14="http://schemas.microsoft.com/office/powerpoint/2010/main" val="401807034"/>
+      </p:ext>
+    </p:extLst>
+  </p:cSld>
+  <p:clrMapOvr>
+    <a:masterClrMapping/>
+  </p:clrMapOvr>
+  <mc:AlternateContent xmlns:mc="http://schemas.openxmlformats.org/markup-compatibility/2006" xmlns:p14="http://schemas.microsoft.com/office/powerpoint/2010/main">
+    <mc:Choice Requires="p14">
+      <p:transition spd="med" p14:dur="700">
+        <p:fade/>
+      </p:transition>
+    </mc:Choice>
+    <mc:Fallback xmlns="">
+      <p:transition spd="med">
+        <p:fade/>
+      </p:transition>
+    </mc:Fallback>
+  </mc:AlternateContent>
+  <p:timing>
+    <p:tnLst>
+      <p:par>
+        <p:cTn id="1" dur="indefinite" restart="never" nodeType="tmRoot"/>
+      </p:par>
+    </p:tnLst>
+  </p:timing>
+</p:sld>
+</file>
+
+<file path=ppt/slides/slide36.xml><?xml version="1.0" encoding="utf-8"?>
+<p:sld xmlns:a="http://schemas.openxmlformats.org/drawingml/2006/main" xmlns:r="http://schemas.openxmlformats.org/officeDocument/2006/relationships" xmlns:p="http://schemas.openxmlformats.org/presentationml/2006/main">
+  <p:cSld>
+    <p:spTree>
+      <p:nvGrpSpPr>
+        <p:cNvPr id="1" name=""/>
+        <p:cNvGrpSpPr/>
+        <p:nvPr/>
+      </p:nvGrpSpPr>
+      <p:grpSpPr>
+        <a:xfrm>
+          <a:off x="0" y="0"/>
+          <a:ext cx="0" cy="0"/>
+          <a:chOff x="0" y="0"/>
+          <a:chExt cx="0" cy="0"/>
+        </a:xfrm>
+      </p:grpSpPr>
+      <p:cxnSp>
+        <p:nvCxnSpPr>
+          <p:cNvPr id="4" name="직선 연결선 3"/>
+          <p:cNvCxnSpPr/>
+          <p:nvPr/>
+        </p:nvCxnSpPr>
+        <p:spPr>
+          <a:xfrm>
+            <a:off x="683568" y="-371068"/>
+            <a:ext cx="0" cy="7472476"/>
+          </a:xfrm>
+          <a:prstGeom prst="line">
+            <a:avLst/>
+          </a:prstGeom>
+          <a:ln>
+            <a:solidFill>
+              <a:schemeClr val="bg1">
+                <a:lumMod val="65000"/>
+                <a:alpha val="50000"/>
+              </a:schemeClr>
+            </a:solidFill>
+          </a:ln>
+        </p:spPr>
+        <p:style>
+          <a:lnRef idx="1">
+            <a:schemeClr val="accent1"/>
+          </a:lnRef>
+          <a:fillRef idx="0">
+            <a:schemeClr val="accent1"/>
+          </a:fillRef>
+          <a:effectRef idx="0">
+            <a:schemeClr val="accent1"/>
+          </a:effectRef>
+          <a:fontRef idx="minor">
+            <a:schemeClr val="tx1"/>
+          </a:fontRef>
+        </p:style>
+      </p:cxnSp>
+      <p:sp>
+        <p:nvSpPr>
+          <p:cNvPr id="13" name="직사각형 12"/>
+          <p:cNvSpPr/>
+          <p:nvPr/>
+        </p:nvSpPr>
+        <p:spPr>
+          <a:xfrm>
+            <a:off x="-9283" y="1813760"/>
+            <a:ext cx="834325" cy="343501"/>
+          </a:xfrm>
+          <a:prstGeom prst="rect">
+            <a:avLst/>
+          </a:prstGeom>
+          <a:solidFill>
+            <a:srgbClr val="272123"/>
+          </a:solidFill>
+          <a:ln>
+            <a:noFill/>
+          </a:ln>
+        </p:spPr>
+        <p:style>
+          <a:lnRef idx="2">
+            <a:schemeClr val="accent1">
+              <a:shade val="50000"/>
+            </a:schemeClr>
+          </a:lnRef>
+          <a:fillRef idx="1">
+            <a:schemeClr val="accent1"/>
+          </a:fillRef>
+          <a:effectRef idx="0">
+            <a:schemeClr val="accent1"/>
+          </a:effectRef>
+          <a:fontRef idx="minor">
+            <a:schemeClr val="lt1"/>
+          </a:fontRef>
+        </p:style>
+        <p:txBody>
+          <a:bodyPr rtlCol="0" anchor="ctr"/>
+          <a:lstStyle/>
+          <a:p>
+            <a:pPr algn="ctr"/>
+            <a:endParaRPr lang="ko-KR" altLang="en-US"/>
+          </a:p>
+        </p:txBody>
+      </p:sp>
+      <p:sp>
+        <p:nvSpPr>
+          <p:cNvPr id="14" name="직각 삼각형 13"/>
+          <p:cNvSpPr/>
+          <p:nvPr/>
+        </p:nvSpPr>
+        <p:spPr>
+          <a:xfrm rot="5400000">
+            <a:off x="702755" y="2143834"/>
+            <a:ext cx="81142" cy="108000"/>
+          </a:xfrm>
+          <a:prstGeom prst="rtTriangle">
+            <a:avLst/>
+          </a:prstGeom>
+          <a:solidFill>
+            <a:schemeClr val="tx1"/>
+          </a:solidFill>
+          <a:ln>
+            <a:solidFill>
+              <a:schemeClr val="tx1"/>
+            </a:solidFill>
+          </a:ln>
+        </p:spPr>
+        <p:style>
+          <a:lnRef idx="2">
+            <a:schemeClr val="accent1">
+              <a:shade val="50000"/>
+            </a:schemeClr>
+          </a:lnRef>
+          <a:fillRef idx="1">
+            <a:schemeClr val="accent1"/>
+          </a:fillRef>
+          <a:effectRef idx="0">
+            <a:schemeClr val="accent1"/>
+          </a:effectRef>
+          <a:fontRef idx="minor">
+            <a:schemeClr val="lt1"/>
+          </a:fontRef>
+        </p:style>
+        <p:txBody>
+          <a:bodyPr rtlCol="0" anchor="ctr"/>
+          <a:lstStyle/>
+          <a:p>
+            <a:pPr algn="ctr"/>
+            <a:endParaRPr lang="ko-KR" altLang="en-US"/>
+          </a:p>
+        </p:txBody>
+      </p:sp>
+      <p:cxnSp>
+        <p:nvCxnSpPr>
+          <p:cNvPr id="5" name="직선 연결선 4"/>
+          <p:cNvCxnSpPr/>
+          <p:nvPr/>
+        </p:nvCxnSpPr>
+        <p:spPr>
+          <a:xfrm flipH="1">
+            <a:off x="692540" y="548680"/>
+            <a:ext cx="9295796" cy="0"/>
+          </a:xfrm>
+          <a:prstGeom prst="line">
+            <a:avLst/>
+          </a:prstGeom>
+          <a:ln>
+            <a:solidFill>
+              <a:schemeClr val="bg1">
+                <a:lumMod val="65000"/>
+                <a:alpha val="50000"/>
+              </a:schemeClr>
+            </a:solidFill>
+          </a:ln>
+        </p:spPr>
+        <p:style>
+          <a:lnRef idx="1">
+            <a:schemeClr val="accent1"/>
+          </a:lnRef>
+          <a:fillRef idx="0">
+            <a:schemeClr val="accent1"/>
+          </a:fillRef>
+          <a:effectRef idx="0">
+            <a:schemeClr val="accent1"/>
+          </a:effectRef>
+          <a:fontRef idx="minor">
+            <a:schemeClr val="tx1"/>
+          </a:fontRef>
+        </p:style>
+      </p:cxnSp>
+      <p:sp>
+        <p:nvSpPr>
+          <p:cNvPr id="24" name="TextBox 23"/>
+          <p:cNvSpPr txBox="1"/>
+          <p:nvPr/>
+        </p:nvSpPr>
+        <p:spPr>
+          <a:xfrm>
+            <a:off x="123549" y="882386"/>
+            <a:ext cx="541363" cy="338554"/>
+          </a:xfrm>
+          <a:prstGeom prst="rect">
+            <a:avLst/>
+          </a:prstGeom>
+          <a:noFill/>
+        </p:spPr>
+        <p:txBody>
+          <a:bodyPr wrap="square" rtlCol="0">
+            <a:spAutoFit/>
+          </a:bodyPr>
+          <a:lstStyle/>
+          <a:p>
+            <a:r>
+              <a:rPr lang="en-US" altLang="ko-KR" sz="1600" b="1" dirty="0" smtClean="0">
+                <a:ln>
+                  <a:solidFill>
+                    <a:schemeClr val="bg1">
+                      <a:lumMod val="75000"/>
+                      <a:alpha val="30000"/>
+                    </a:schemeClr>
+                  </a:solidFill>
+                </a:ln>
+                <a:solidFill>
+                  <a:schemeClr val="bg1">
+                    <a:lumMod val="75000"/>
+                  </a:schemeClr>
+                </a:solidFill>
+                <a:latin typeface="+mn-ea"/>
+              </a:rPr>
+              <a:t>01</a:t>
+            </a:r>
+          </a:p>
+        </p:txBody>
+      </p:sp>
+      <p:sp>
+        <p:nvSpPr>
+          <p:cNvPr id="33" name="직사각형 32"/>
+          <p:cNvSpPr/>
+          <p:nvPr/>
+        </p:nvSpPr>
+        <p:spPr>
+          <a:xfrm>
+            <a:off x="1080000" y="900000"/>
+            <a:ext cx="2123848" cy="457200"/>
+          </a:xfrm>
+          <a:prstGeom prst="rect">
+            <a:avLst/>
+          </a:prstGeom>
+          <a:solidFill>
+            <a:srgbClr val="272123"/>
+          </a:solidFill>
+          <a:ln>
+            <a:noFill/>
+          </a:ln>
+        </p:spPr>
+        <p:style>
+          <a:lnRef idx="2">
+            <a:schemeClr val="accent1">
+              <a:shade val="50000"/>
+            </a:schemeClr>
+          </a:lnRef>
+          <a:fillRef idx="1">
+            <a:schemeClr val="accent1"/>
+          </a:fillRef>
+          <a:effectRef idx="0">
+            <a:schemeClr val="accent1"/>
+          </a:effectRef>
+          <a:fontRef idx="minor">
+            <a:schemeClr val="lt1"/>
+          </a:fontRef>
+        </p:style>
+        <p:txBody>
+          <a:bodyPr rtlCol="0" anchor="ctr"/>
+          <a:lstStyle/>
+          <a:p>
+            <a:pPr marL="0" marR="0" lvl="0" indent="0" algn="ctr" defTabSz="914400" rtl="0" eaLnBrk="1" fontAlgn="auto" latinLnBrk="1" hangingPunct="1">
+              <a:lnSpc>
+                <a:spcPct val="100000"/>
+              </a:lnSpc>
+              <a:spcBef>
+                <a:spcPts val="0"/>
+              </a:spcBef>
+              <a:spcAft>
+                <a:spcPts val="0"/>
+              </a:spcAft>
+              <a:buClrTx/>
+              <a:buSzTx/>
+              <a:buFontTx/>
+              <a:buNone/>
+              <a:tabLst/>
+              <a:defRPr/>
+            </a:pPr>
+            <a:r>
+              <a:rPr lang="ko-KR" altLang="en-US" b="1" noProof="0" dirty="0" smtClean="0">
+                <a:solidFill>
+                  <a:prstClr val="white"/>
+                </a:solidFill>
+                <a:latin typeface="맑은 고딕" panose="020B0503020000020004" pitchFamily="50" charset="-127"/>
+                <a:ea typeface="맑은 고딕" panose="020B0503020000020004" pitchFamily="50" charset="-127"/>
+              </a:rPr>
+              <a:t>관리 탭</a:t>
+            </a:r>
+            <a:endParaRPr kumimoji="0" lang="en-US" altLang="ko-KR" sz="1800" b="1" i="0" u="none" strike="noStrike" kern="1200" cap="none" spc="0" normalizeH="0" baseline="0" noProof="0" dirty="0" smtClean="0">
+              <a:ln>
+                <a:noFill/>
+              </a:ln>
+              <a:solidFill>
+                <a:prstClr val="white"/>
+              </a:solidFill>
+              <a:effectLst/>
+              <a:uLnTx/>
+              <a:uFillTx/>
+              <a:latin typeface="맑은 고딕" panose="020B0503020000020004" pitchFamily="50" charset="-127"/>
+              <a:ea typeface="맑은 고딕" panose="020B0503020000020004" pitchFamily="50" charset="-127"/>
+              <a:cs typeface="+mn-cs"/>
+            </a:endParaRPr>
+          </a:p>
+        </p:txBody>
+      </p:sp>
+      <p:sp>
+        <p:nvSpPr>
+          <p:cNvPr id="11" name="TextBox 10"/>
+          <p:cNvSpPr txBox="1"/>
+          <p:nvPr/>
+        </p:nvSpPr>
+        <p:spPr>
+          <a:xfrm>
+            <a:off x="107504" y="1340768"/>
+            <a:ext cx="450395" cy="338554"/>
+          </a:xfrm>
+          <a:prstGeom prst="rect">
+            <a:avLst/>
+          </a:prstGeom>
+          <a:noFill/>
+        </p:spPr>
+        <p:txBody>
+          <a:bodyPr wrap="square" rtlCol="0">
+            <a:spAutoFit/>
+          </a:bodyPr>
+          <a:lstStyle/>
+          <a:p>
+            <a:r>
+              <a:rPr lang="en-US" altLang="ko-KR" sz="1600" b="1" dirty="0" smtClean="0">
+                <a:ln>
+                  <a:solidFill>
+                    <a:schemeClr val="tx1">
+                      <a:alpha val="30000"/>
+                    </a:schemeClr>
+                  </a:solidFill>
+                </a:ln>
+                <a:solidFill>
+                  <a:schemeClr val="bg1">
+                    <a:lumMod val="85000"/>
+                  </a:schemeClr>
+                </a:solidFill>
+                <a:latin typeface="+mn-ea"/>
+              </a:rPr>
+              <a:t>02</a:t>
+            </a:r>
+          </a:p>
+        </p:txBody>
+      </p:sp>
+      <p:sp>
+        <p:nvSpPr>
+          <p:cNvPr id="12" name="TextBox 11"/>
+          <p:cNvSpPr txBox="1"/>
+          <p:nvPr/>
+        </p:nvSpPr>
+        <p:spPr>
+          <a:xfrm>
+            <a:off x="107504" y="1819563"/>
+            <a:ext cx="450395" cy="338554"/>
+          </a:xfrm>
+          <a:prstGeom prst="rect">
+            <a:avLst/>
+          </a:prstGeom>
+          <a:noFill/>
+        </p:spPr>
+        <p:txBody>
+          <a:bodyPr wrap="square" rtlCol="0">
+            <a:spAutoFit/>
+          </a:bodyPr>
+          <a:lstStyle/>
+          <a:p>
+            <a:r>
+              <a:rPr lang="en-US" altLang="ko-KR" sz="1600" b="1" dirty="0" smtClean="0">
+                <a:ln>
+                  <a:solidFill>
+                    <a:schemeClr val="tx1">
+                      <a:alpha val="30000"/>
+                    </a:schemeClr>
+                  </a:solidFill>
+                </a:ln>
+                <a:solidFill>
+                  <a:schemeClr val="bg1">
+                    <a:lumMod val="85000"/>
+                  </a:schemeClr>
+                </a:solidFill>
+                <a:latin typeface="+mn-ea"/>
+              </a:rPr>
+              <a:t>03</a:t>
+            </a:r>
+          </a:p>
+        </p:txBody>
+      </p:sp>
+      <p:sp>
+        <p:nvSpPr>
+          <p:cNvPr id="15" name="TextBox 14"/>
+          <p:cNvSpPr txBox="1"/>
+          <p:nvPr/>
+        </p:nvSpPr>
+        <p:spPr>
+          <a:xfrm>
+            <a:off x="1043607" y="138482"/>
+            <a:ext cx="1800000" cy="307777"/>
+          </a:xfrm>
+          <a:prstGeom prst="rect">
+            <a:avLst/>
+          </a:prstGeom>
+          <a:noFill/>
+        </p:spPr>
+        <p:txBody>
+          <a:bodyPr wrap="square" rtlCol="0">
+            <a:spAutoFit/>
+          </a:bodyPr>
+          <a:lstStyle/>
+          <a:p>
+            <a:pPr lvl="0">
+              <a:defRPr/>
+            </a:pPr>
+            <a:r>
+              <a:rPr lang="en-US" altLang="ko-KR" sz="1400" b="1" dirty="0">
+                <a:ln>
+                  <a:solidFill>
+                    <a:prstClr val="white">
+                      <a:lumMod val="85000"/>
+                      <a:alpha val="30000"/>
+                    </a:prstClr>
+                  </a:solidFill>
+                </a:ln>
+                <a:latin typeface="맑은 고딕" panose="020B0503020000020004" pitchFamily="50" charset="-127"/>
+              </a:rPr>
+              <a:t>UI Function</a:t>
+            </a:r>
+          </a:p>
+        </p:txBody>
+      </p:sp>
+      <p:pic>
+        <p:nvPicPr>
+          <p:cNvPr id="2" name="그림 1"/>
+          <p:cNvPicPr>
+            <a:picLocks noChangeAspect="1"/>
+          </p:cNvPicPr>
+          <p:nvPr/>
+        </p:nvPicPr>
+        <p:blipFill>
+          <a:blip r:embed="rId2">
+            <a:extLst>
+              <a:ext uri="{28A0092B-C50C-407E-A947-70E740481C1C}">
+                <a14:useLocalDpi xmlns:a14="http://schemas.microsoft.com/office/drawing/2010/main" val="0"/>
+              </a:ext>
+            </a:extLst>
+          </a:blip>
+          <a:stretch>
+            <a:fillRect/>
+          </a:stretch>
+        </p:blipFill>
+        <p:spPr>
+          <a:xfrm>
+            <a:off x="1440000" y="1620000"/>
+            <a:ext cx="6245673" cy="4680000"/>
+          </a:xfrm>
+          <a:prstGeom prst="rect">
+            <a:avLst/>
+          </a:prstGeom>
+        </p:spPr>
+      </p:pic>
     </p:spTree>
     <p:extLst>
       <p:ext uri="{BB962C8B-B14F-4D97-AF65-F5344CB8AC3E}">
@@ -28409,7 +31085,7 @@
 </p:sld>
 </file>
 
-<file path=ppt/slides/slide32.xml><?xml version="1.0" encoding="utf-8"?>
+<file path=ppt/slides/slide37.xml><?xml version="1.0" encoding="utf-8"?>
 <p:sld xmlns:a="http://schemas.openxmlformats.org/drawingml/2006/main" xmlns:r="http://schemas.openxmlformats.org/officeDocument/2006/relationships" xmlns:p="http://schemas.openxmlformats.org/presentationml/2006/main">
   <p:cSld>
     <p:bg>
@@ -29902,6 +32578,49 @@
           <a:p>
             <a:pPr algn="ctr"/>
             <a:endParaRPr lang="ko-KR" altLang="en-US"/>
+          </a:p>
+        </p:txBody>
+      </p:sp>
+      <p:sp>
+        <p:nvSpPr>
+          <p:cNvPr id="22" name="TextBox 21"/>
+          <p:cNvSpPr txBox="1"/>
+          <p:nvPr/>
+        </p:nvSpPr>
+        <p:spPr>
+          <a:xfrm>
+            <a:off x="107504" y="1819563"/>
+            <a:ext cx="450395" cy="338554"/>
+          </a:xfrm>
+          <a:prstGeom prst="rect">
+            <a:avLst/>
+          </a:prstGeom>
+          <a:noFill/>
+        </p:spPr>
+        <p:txBody>
+          <a:bodyPr wrap="square" rtlCol="0">
+            <a:spAutoFit/>
+          </a:bodyPr>
+          <a:lstStyle/>
+          <a:p>
+            <a:r>
+              <a:rPr lang="en-US" altLang="ko-KR" sz="1600" b="1" dirty="0" smtClean="0">
+                <a:ln>
+                  <a:solidFill>
+                    <a:schemeClr val="tx1">
+                      <a:alpha val="30000"/>
+                    </a:schemeClr>
+                  </a:solidFill>
+                </a:ln>
+                <a:solidFill>
+                  <a:schemeClr val="bg1">
+                    <a:lumMod val="85000"/>
+                  </a:schemeClr>
+                </a:solidFill>
+                <a:latin typeface="+mn-ea"/>
+              </a:rPr>
+              <a:t>03</a:t>
+            </a:r>
           </a:p>
         </p:txBody>
       </p:sp>
@@ -30267,13 +32986,13 @@
       </p:cxnSp>
       <p:sp>
         <p:nvSpPr>
-          <p:cNvPr id="47" name="직사각형 46"/>
+          <p:cNvPr id="27" name="직사각형 26"/>
           <p:cNvSpPr/>
           <p:nvPr/>
         </p:nvSpPr>
         <p:spPr>
           <a:xfrm>
-            <a:off x="-9283" y="1323461"/>
+            <a:off x="-9283" y="1813760"/>
             <a:ext cx="834325" cy="343501"/>
           </a:xfrm>
           <a:prstGeom prst="rect">
@@ -30284,54 +33003,6 @@
           </a:solidFill>
           <a:ln>
             <a:noFill/>
-          </a:ln>
-        </p:spPr>
-        <p:style>
-          <a:lnRef idx="2">
-            <a:schemeClr val="accent1">
-              <a:shade val="50000"/>
-            </a:schemeClr>
-          </a:lnRef>
-          <a:fillRef idx="1">
-            <a:schemeClr val="accent1"/>
-          </a:fillRef>
-          <a:effectRef idx="0">
-            <a:schemeClr val="accent1"/>
-          </a:effectRef>
-          <a:fontRef idx="minor">
-            <a:schemeClr val="lt1"/>
-          </a:fontRef>
-        </p:style>
-        <p:txBody>
-          <a:bodyPr rtlCol="0" anchor="ctr"/>
-          <a:lstStyle/>
-          <a:p>
-            <a:pPr algn="ctr"/>
-            <a:endParaRPr lang="ko-KR" altLang="en-US"/>
-          </a:p>
-        </p:txBody>
-      </p:sp>
-      <p:sp>
-        <p:nvSpPr>
-          <p:cNvPr id="48" name="직각 삼각형 47"/>
-          <p:cNvSpPr/>
-          <p:nvPr/>
-        </p:nvSpPr>
-        <p:spPr>
-          <a:xfrm rot="5400000">
-            <a:off x="702755" y="1653535"/>
-            <a:ext cx="81142" cy="108000"/>
-          </a:xfrm>
-          <a:prstGeom prst="rtTriangle">
-            <a:avLst/>
-          </a:prstGeom>
-          <a:solidFill>
-            <a:schemeClr val="tx1"/>
-          </a:solidFill>
-          <a:ln>
-            <a:solidFill>
-              <a:schemeClr val="tx1"/>
-            </a:solidFill>
           </a:ln>
         </p:spPr>
         <p:style>
@@ -30397,72 +33068,6 @@
           </a:fontRef>
         </p:style>
       </p:cxnSp>
-      <p:sp>
-        <p:nvSpPr>
-          <p:cNvPr id="11" name="TextBox 10"/>
-          <p:cNvSpPr txBox="1"/>
-          <p:nvPr/>
-        </p:nvSpPr>
-        <p:spPr>
-          <a:xfrm>
-            <a:off x="123549" y="882386"/>
-            <a:ext cx="541363" cy="338554"/>
-          </a:xfrm>
-          <a:prstGeom prst="rect">
-            <a:avLst/>
-          </a:prstGeom>
-          <a:noFill/>
-        </p:spPr>
-        <p:txBody>
-          <a:bodyPr wrap="square" rtlCol="0">
-            <a:spAutoFit/>
-          </a:bodyPr>
-          <a:lstStyle/>
-          <a:p>
-            <a:pPr marL="0" marR="0" lvl="0" indent="0" algn="l" defTabSz="914400" rtl="0" eaLnBrk="1" fontAlgn="auto" latinLnBrk="1" hangingPunct="1">
-              <a:lnSpc>
-                <a:spcPct val="100000"/>
-              </a:lnSpc>
-              <a:spcBef>
-                <a:spcPts val="0"/>
-              </a:spcBef>
-              <a:spcAft>
-                <a:spcPts val="0"/>
-              </a:spcAft>
-              <a:buClrTx/>
-              <a:buSzTx/>
-              <a:buFontTx/>
-              <a:buNone/>
-              <a:tabLst/>
-              <a:defRPr/>
-            </a:pPr>
-            <a:r>
-              <a:rPr kumimoji="0" lang="en-US" altLang="ko-KR" sz="1600" b="1" i="0" u="none" strike="noStrike" kern="1200" cap="none" spc="0" normalizeH="0" baseline="0" noProof="0" dirty="0" smtClean="0">
-                <a:ln>
-                  <a:solidFill>
-                    <a:prstClr val="white">
-                      <a:lumMod val="85000"/>
-                      <a:alpha val="30000"/>
-                    </a:prstClr>
-                  </a:solidFill>
-                </a:ln>
-                <a:solidFill>
-                  <a:prstClr val="white">
-                    <a:lumMod val="95000"/>
-                  </a:prstClr>
-                </a:solidFill>
-                <a:effectLst/>
-                <a:uLnTx/>
-                <a:uFillTx/>
-                <a:latin typeface="맑은 고딕" panose="020B0503020000020004" pitchFamily="50" charset="-127"/>
-                <a:ea typeface="맑은 고딕" panose="020B0503020000020004" pitchFamily="50" charset="-127"/>
-                <a:cs typeface="+mn-cs"/>
-              </a:rPr>
-              <a:t>01</a:t>
-            </a:r>
-          </a:p>
-        </p:txBody>
-      </p:sp>
       <p:sp>
         <p:nvSpPr>
           <p:cNvPr id="12" name="TextBox 11"/>
@@ -31140,6 +33745,141 @@
           </a:prstGeom>
         </p:spPr>
       </p:pic>
+      <p:sp>
+        <p:nvSpPr>
+          <p:cNvPr id="22" name="TextBox 21"/>
+          <p:cNvSpPr txBox="1"/>
+          <p:nvPr/>
+        </p:nvSpPr>
+        <p:spPr>
+          <a:xfrm>
+            <a:off x="123549" y="882386"/>
+            <a:ext cx="541363" cy="338554"/>
+          </a:xfrm>
+          <a:prstGeom prst="rect">
+            <a:avLst/>
+          </a:prstGeom>
+          <a:noFill/>
+        </p:spPr>
+        <p:txBody>
+          <a:bodyPr wrap="square" rtlCol="0">
+            <a:spAutoFit/>
+          </a:bodyPr>
+          <a:lstStyle/>
+          <a:p>
+            <a:r>
+              <a:rPr lang="en-US" altLang="ko-KR" sz="1600" b="1" dirty="0" smtClean="0">
+                <a:ln>
+                  <a:solidFill>
+                    <a:schemeClr val="bg1">
+                      <a:lumMod val="85000"/>
+                      <a:alpha val="30000"/>
+                    </a:schemeClr>
+                  </a:solidFill>
+                </a:ln>
+                <a:solidFill>
+                  <a:schemeClr val="bg1">
+                    <a:lumMod val="85000"/>
+                  </a:schemeClr>
+                </a:solidFill>
+                <a:latin typeface="+mn-ea"/>
+              </a:rPr>
+              <a:t>01</a:t>
+            </a:r>
+          </a:p>
+        </p:txBody>
+      </p:sp>
+      <p:sp>
+        <p:nvSpPr>
+          <p:cNvPr id="26" name="TextBox 25"/>
+          <p:cNvSpPr txBox="1"/>
+          <p:nvPr/>
+        </p:nvSpPr>
+        <p:spPr>
+          <a:xfrm>
+            <a:off x="107504" y="1819563"/>
+            <a:ext cx="450395" cy="338554"/>
+          </a:xfrm>
+          <a:prstGeom prst="rect">
+            <a:avLst/>
+          </a:prstGeom>
+          <a:noFill/>
+        </p:spPr>
+        <p:txBody>
+          <a:bodyPr wrap="square" rtlCol="0">
+            <a:spAutoFit/>
+          </a:bodyPr>
+          <a:lstStyle/>
+          <a:p>
+            <a:r>
+              <a:rPr lang="en-US" altLang="ko-KR" sz="1600" b="1" dirty="0" smtClean="0">
+                <a:ln>
+                  <a:solidFill>
+                    <a:schemeClr val="tx1">
+                      <a:alpha val="30000"/>
+                    </a:schemeClr>
+                  </a:solidFill>
+                </a:ln>
+                <a:solidFill>
+                  <a:schemeClr val="bg1">
+                    <a:lumMod val="85000"/>
+                  </a:schemeClr>
+                </a:solidFill>
+                <a:latin typeface="+mn-ea"/>
+              </a:rPr>
+              <a:t>03</a:t>
+            </a:r>
+          </a:p>
+        </p:txBody>
+      </p:sp>
+      <p:sp>
+        <p:nvSpPr>
+          <p:cNvPr id="28" name="직각 삼각형 27"/>
+          <p:cNvSpPr/>
+          <p:nvPr/>
+        </p:nvSpPr>
+        <p:spPr>
+          <a:xfrm rot="5400000">
+            <a:off x="702755" y="2143834"/>
+            <a:ext cx="81142" cy="108000"/>
+          </a:xfrm>
+          <a:prstGeom prst="rtTriangle">
+            <a:avLst/>
+          </a:prstGeom>
+          <a:solidFill>
+            <a:schemeClr val="tx1"/>
+          </a:solidFill>
+          <a:ln>
+            <a:solidFill>
+              <a:schemeClr val="tx1"/>
+            </a:solidFill>
+          </a:ln>
+        </p:spPr>
+        <p:style>
+          <a:lnRef idx="2">
+            <a:schemeClr val="accent1">
+              <a:shade val="50000"/>
+            </a:schemeClr>
+          </a:lnRef>
+          <a:fillRef idx="1">
+            <a:schemeClr val="accent1"/>
+          </a:fillRef>
+          <a:effectRef idx="0">
+            <a:schemeClr val="accent1"/>
+          </a:effectRef>
+          <a:fontRef idx="minor">
+            <a:schemeClr val="lt1"/>
+          </a:fontRef>
+        </p:style>
+        <p:txBody>
+          <a:bodyPr rtlCol="0" anchor="ctr"/>
+          <a:lstStyle/>
+          <a:p>
+            <a:pPr algn="ctr"/>
+            <a:endParaRPr lang="ko-KR" altLang="en-US"/>
+          </a:p>
+        </p:txBody>
+      </p:sp>
     </p:spTree>
     <p:extLst>
       <p:ext uri="{BB962C8B-B14F-4D97-AF65-F5344CB8AC3E}">

--- a/Document/DOC_source/ppt/pptTemp.pptx
+++ b/Document/DOC_source/ppt/pptTemp.pptx
@@ -255,7 +255,7 @@
           <a:p>
             <a:fld id="{5B797AE8-817E-43F2-8E17-62EDFDD5A7AF}" type="datetimeFigureOut">
               <a:rPr lang="ko-KR" altLang="en-US" smtClean="0"/>
-              <a:t>2019-11-26</a:t>
+              <a:t>2019-11-27</a:t>
             </a:fld>
             <a:endParaRPr lang="ko-KR" altLang="en-US"/>
           </a:p>
@@ -968,7 +968,7 @@
           <a:p>
             <a:fld id="{3A302466-FE76-40E8-BE5D-598A609EDD2B}" type="datetimeFigureOut">
               <a:rPr lang="ko-KR" altLang="en-US" smtClean="0"/>
-              <a:t>2019-11-26</a:t>
+              <a:t>2019-11-27</a:t>
             </a:fld>
             <a:endParaRPr lang="ko-KR" altLang="en-US"/>
           </a:p>
@@ -1138,7 +1138,7 @@
           <a:p>
             <a:fld id="{3A302466-FE76-40E8-BE5D-598A609EDD2B}" type="datetimeFigureOut">
               <a:rPr lang="ko-KR" altLang="en-US" smtClean="0"/>
-              <a:t>2019-11-26</a:t>
+              <a:t>2019-11-27</a:t>
             </a:fld>
             <a:endParaRPr lang="ko-KR" altLang="en-US"/>
           </a:p>
@@ -1318,7 +1318,7 @@
           <a:p>
             <a:fld id="{3A302466-FE76-40E8-BE5D-598A609EDD2B}" type="datetimeFigureOut">
               <a:rPr lang="ko-KR" altLang="en-US" smtClean="0"/>
-              <a:t>2019-11-26</a:t>
+              <a:t>2019-11-27</a:t>
             </a:fld>
             <a:endParaRPr lang="ko-KR" altLang="en-US"/>
           </a:p>
@@ -1488,7 +1488,7 @@
           <a:p>
             <a:fld id="{3A302466-FE76-40E8-BE5D-598A609EDD2B}" type="datetimeFigureOut">
               <a:rPr lang="ko-KR" altLang="en-US" smtClean="0"/>
-              <a:t>2019-11-26</a:t>
+              <a:t>2019-11-27</a:t>
             </a:fld>
             <a:endParaRPr lang="ko-KR" altLang="en-US"/>
           </a:p>
@@ -1734,7 +1734,7 @@
           <a:p>
             <a:fld id="{3A302466-FE76-40E8-BE5D-598A609EDD2B}" type="datetimeFigureOut">
               <a:rPr lang="ko-KR" altLang="en-US" smtClean="0"/>
-              <a:t>2019-11-26</a:t>
+              <a:t>2019-11-27</a:t>
             </a:fld>
             <a:endParaRPr lang="ko-KR" altLang="en-US"/>
           </a:p>
@@ -2022,7 +2022,7 @@
           <a:p>
             <a:fld id="{3A302466-FE76-40E8-BE5D-598A609EDD2B}" type="datetimeFigureOut">
               <a:rPr lang="ko-KR" altLang="en-US" smtClean="0"/>
-              <a:t>2019-11-26</a:t>
+              <a:t>2019-11-27</a:t>
             </a:fld>
             <a:endParaRPr lang="ko-KR" altLang="en-US"/>
           </a:p>
@@ -2444,7 +2444,7 @@
           <a:p>
             <a:fld id="{3A302466-FE76-40E8-BE5D-598A609EDD2B}" type="datetimeFigureOut">
               <a:rPr lang="ko-KR" altLang="en-US" smtClean="0"/>
-              <a:t>2019-11-26</a:t>
+              <a:t>2019-11-27</a:t>
             </a:fld>
             <a:endParaRPr lang="ko-KR" altLang="en-US"/>
           </a:p>
@@ -2562,7 +2562,7 @@
           <a:p>
             <a:fld id="{3A302466-FE76-40E8-BE5D-598A609EDD2B}" type="datetimeFigureOut">
               <a:rPr lang="ko-KR" altLang="en-US" smtClean="0"/>
-              <a:t>2019-11-26</a:t>
+              <a:t>2019-11-27</a:t>
             </a:fld>
             <a:endParaRPr lang="ko-KR" altLang="en-US"/>
           </a:p>
@@ -2657,7 +2657,7 @@
           <a:p>
             <a:fld id="{3A302466-FE76-40E8-BE5D-598A609EDD2B}" type="datetimeFigureOut">
               <a:rPr lang="ko-KR" altLang="en-US" smtClean="0"/>
-              <a:t>2019-11-26</a:t>
+              <a:t>2019-11-27</a:t>
             </a:fld>
             <a:endParaRPr lang="ko-KR" altLang="en-US"/>
           </a:p>
@@ -2934,7 +2934,7 @@
           <a:p>
             <a:fld id="{3A302466-FE76-40E8-BE5D-598A609EDD2B}" type="datetimeFigureOut">
               <a:rPr lang="ko-KR" altLang="en-US" smtClean="0"/>
-              <a:t>2019-11-26</a:t>
+              <a:t>2019-11-27</a:t>
             </a:fld>
             <a:endParaRPr lang="ko-KR" altLang="en-US"/>
           </a:p>
@@ -3187,7 +3187,7 @@
           <a:p>
             <a:fld id="{3A302466-FE76-40E8-BE5D-598A609EDD2B}" type="datetimeFigureOut">
               <a:rPr lang="ko-KR" altLang="en-US" smtClean="0"/>
-              <a:t>2019-11-26</a:t>
+              <a:t>2019-11-27</a:t>
             </a:fld>
             <a:endParaRPr lang="ko-KR" altLang="en-US"/>
           </a:p>
@@ -3400,7 +3400,7 @@
           <a:p>
             <a:fld id="{3A302466-FE76-40E8-BE5D-598A609EDD2B}" type="datetimeFigureOut">
               <a:rPr lang="ko-KR" altLang="en-US" smtClean="0"/>
-              <a:t>2019-11-26</a:t>
+              <a:t>2019-11-27</a:t>
             </a:fld>
             <a:endParaRPr lang="ko-KR" altLang="en-US"/>
           </a:p>
@@ -13733,7 +13733,7 @@
         </p:nvSpPr>
         <p:spPr>
           <a:xfrm>
-            <a:off x="1088114" y="1708519"/>
+            <a:off x="1089480" y="1700808"/>
             <a:ext cx="7128793" cy="2554545"/>
           </a:xfrm>
           <a:prstGeom prst="rect">
@@ -13943,7 +13943,71 @@
                 </a:solidFill>
                 <a:latin typeface="+mn-ea"/>
               </a:rPr>
-              <a:t> developer,			 		</a:t>
+              <a:t> developer</a:t>
+            </a:r>
+            <a:r>
+              <a:rPr lang="en-US" altLang="ko-KR" sz="1600" b="1" dirty="0" smtClean="0">
+                <a:ln>
+                  <a:solidFill>
+                    <a:schemeClr val="tx1">
+                      <a:alpha val="30000"/>
+                    </a:schemeClr>
+                  </a:solidFill>
+                </a:ln>
+                <a:solidFill>
+                  <a:srgbClr val="272123"/>
+                </a:solidFill>
+                <a:latin typeface="+mn-ea"/>
+              </a:rPr>
+              <a:t>,</a:t>
+            </a:r>
+            <a:r>
+              <a:rPr lang="en-US" altLang="ko-KR" sz="1600" b="1" dirty="0" smtClean="0">
+                <a:ln>
+                  <a:solidFill>
+                    <a:schemeClr val="tx1">
+                      <a:alpha val="30000"/>
+                    </a:schemeClr>
+                  </a:solidFill>
+                </a:ln>
+                <a:solidFill>
+                  <a:srgbClr val="272123"/>
+                </a:solidFill>
+                <a:latin typeface="+mn-ea"/>
+              </a:rPr>
+              <a:t> </a:t>
+            </a:r>
+            <a:r>
+              <a:rPr lang="en-US" altLang="ko-KR" sz="1600" b="1" dirty="0" smtClean="0">
+                <a:ln>
+                  <a:solidFill>
+                    <a:schemeClr val="tx1">
+                      <a:alpha val="30000"/>
+                    </a:schemeClr>
+                  </a:solidFill>
+                </a:ln>
+                <a:solidFill>
+                  <a:srgbClr val="272123"/>
+                </a:solidFill>
+                <a:latin typeface="+mn-ea"/>
+              </a:rPr>
+              <a:t>GitHub	</a:t>
+            </a:r>
+            <a:r>
+              <a:rPr lang="en-US" altLang="ko-KR" sz="1600" b="1" dirty="0" smtClean="0">
+                <a:ln>
+                  <a:solidFill>
+                    <a:schemeClr val="tx1">
+                      <a:alpha val="30000"/>
+                    </a:schemeClr>
+                  </a:solidFill>
+                </a:ln>
+                <a:solidFill>
+                  <a:srgbClr val="272123"/>
+                </a:solidFill>
+                <a:latin typeface="+mn-ea"/>
+              </a:rPr>
+              <a:t>	 		</a:t>
             </a:r>
             <a:r>
               <a:rPr lang="en-US" altLang="ko-KR" sz="1600" b="1" dirty="0" err="1" smtClean="0">
@@ -26824,8 +26888,24 @@
                 </a:solidFill>
                 <a:latin typeface="+mn-ea"/>
               </a:rPr>
-              <a:t>그리고 </a:t>
-            </a:r>
+              <a:t>그리고 고객과 주문에 관련된 정보들의 관리의 자동화를 목적으로 사용하기 위해 </a:t>
+            </a:r>
+            <a:endParaRPr lang="en-US" altLang="ko-KR" sz="1400" dirty="0" smtClean="0">
+              <a:ln>
+                <a:solidFill>
+                  <a:schemeClr val="tx1">
+                    <a:alpha val="30000"/>
+                  </a:schemeClr>
+                </a:solidFill>
+              </a:ln>
+              <a:solidFill>
+                <a:srgbClr val="272123"/>
+              </a:solidFill>
+              <a:latin typeface="+mn-ea"/>
+            </a:endParaRPr>
+          </a:p>
+          <a:p>
+            <a:pPr algn="ctr"/>
             <a:r>
               <a:rPr lang="ko-KR" altLang="en-US" sz="1400" dirty="0" smtClean="0">
                 <a:ln>
@@ -26840,71 +26920,7 @@
                 </a:solidFill>
                 <a:latin typeface="+mn-ea"/>
               </a:rPr>
-              <a:t>고객과 주문에 관련된 정보들의 </a:t>
-            </a:r>
-            <a:r>
-              <a:rPr lang="ko-KR" altLang="en-US" sz="1400" dirty="0" smtClean="0">
-                <a:ln>
-                  <a:solidFill>
-                    <a:schemeClr val="tx1">
-                      <a:alpha val="30000"/>
-                    </a:schemeClr>
-                  </a:solidFill>
-                </a:ln>
-                <a:solidFill>
-                  <a:srgbClr val="272123"/>
-                </a:solidFill>
-                <a:latin typeface="+mn-ea"/>
-              </a:rPr>
-              <a:t>관리의 자동화를 목적으로 사용하기 위해 </a:t>
-            </a:r>
-            <a:endParaRPr lang="en-US" altLang="ko-KR" sz="1400" dirty="0" smtClean="0">
-              <a:ln>
-                <a:solidFill>
-                  <a:schemeClr val="tx1">
-                    <a:alpha val="30000"/>
-                  </a:schemeClr>
-                </a:solidFill>
-              </a:ln>
-              <a:solidFill>
-                <a:srgbClr val="272123"/>
-              </a:solidFill>
-              <a:latin typeface="+mn-ea"/>
-            </a:endParaRPr>
-          </a:p>
-          <a:p>
-            <a:pPr algn="ctr"/>
-            <a:r>
-              <a:rPr lang="ko-KR" altLang="en-US" sz="1400" dirty="0" smtClean="0">
-                <a:ln>
-                  <a:solidFill>
-                    <a:schemeClr val="tx1">
-                      <a:alpha val="30000"/>
-                    </a:schemeClr>
-                  </a:solidFill>
-                </a:ln>
-                <a:solidFill>
-                  <a:srgbClr val="272123"/>
-                </a:solidFill>
-                <a:latin typeface="+mn-ea"/>
-              </a:rPr>
-              <a:t>제작된 </a:t>
-            </a:r>
-            <a:r>
-              <a:rPr lang="ko-KR" altLang="en-US" sz="1400" dirty="0" smtClean="0">
-                <a:ln>
-                  <a:solidFill>
-                    <a:schemeClr val="tx1">
-                      <a:alpha val="30000"/>
-                    </a:schemeClr>
-                  </a:solidFill>
-                </a:ln>
-                <a:solidFill>
-                  <a:srgbClr val="272123"/>
-                </a:solidFill>
-                <a:latin typeface="+mn-ea"/>
-              </a:rPr>
-              <a:t>프로그램</a:t>
+              <a:t>제작된 프로그램</a:t>
             </a:r>
             <a:r>
               <a:rPr lang="en-US" altLang="ko-KR" sz="1400" dirty="0" smtClean="0">
